--- a/talk.pptx
+++ b/talk.pptx
@@ -5,10 +5,10 @@
     <p:sldMasterId id="2147483660" r:id="rId4"/>
   </p:sldMasterIdLst>
   <p:notesMasterIdLst>
-    <p:notesMasterId r:id="rId38"/>
+    <p:notesMasterId r:id="rId40"/>
   </p:notesMasterIdLst>
   <p:handoutMasterIdLst>
-    <p:handoutMasterId r:id="rId39"/>
+    <p:handoutMasterId r:id="rId41"/>
   </p:handoutMasterIdLst>
   <p:sldIdLst>
     <p:sldId id="286" r:id="rId5"/>
@@ -20,30 +20,32 @@
     <p:sldId id="288" r:id="rId11"/>
     <p:sldId id="320" r:id="rId12"/>
     <p:sldId id="337" r:id="rId13"/>
-    <p:sldId id="341" r:id="rId14"/>
-    <p:sldId id="349" r:id="rId15"/>
-    <p:sldId id="368" r:id="rId16"/>
-    <p:sldId id="370" r:id="rId17"/>
-    <p:sldId id="350" r:id="rId18"/>
-    <p:sldId id="351" r:id="rId19"/>
-    <p:sldId id="369" r:id="rId20"/>
-    <p:sldId id="352" r:id="rId21"/>
-    <p:sldId id="356" r:id="rId22"/>
-    <p:sldId id="358" r:id="rId23"/>
-    <p:sldId id="359" r:id="rId24"/>
-    <p:sldId id="357" r:id="rId25"/>
-    <p:sldId id="360" r:id="rId26"/>
-    <p:sldId id="355" r:id="rId27"/>
-    <p:sldId id="367" r:id="rId28"/>
-    <p:sldId id="371" r:id="rId29"/>
-    <p:sldId id="354" r:id="rId30"/>
-    <p:sldId id="361" r:id="rId31"/>
-    <p:sldId id="362" r:id="rId32"/>
-    <p:sldId id="353" r:id="rId33"/>
-    <p:sldId id="363" r:id="rId34"/>
-    <p:sldId id="364" r:id="rId35"/>
-    <p:sldId id="365" r:id="rId36"/>
-    <p:sldId id="366" r:id="rId37"/>
+    <p:sldId id="372" r:id="rId14"/>
+    <p:sldId id="341" r:id="rId15"/>
+    <p:sldId id="349" r:id="rId16"/>
+    <p:sldId id="368" r:id="rId17"/>
+    <p:sldId id="370" r:id="rId18"/>
+    <p:sldId id="350" r:id="rId19"/>
+    <p:sldId id="351" r:id="rId20"/>
+    <p:sldId id="369" r:id="rId21"/>
+    <p:sldId id="352" r:id="rId22"/>
+    <p:sldId id="356" r:id="rId23"/>
+    <p:sldId id="358" r:id="rId24"/>
+    <p:sldId id="373" r:id="rId25"/>
+    <p:sldId id="359" r:id="rId26"/>
+    <p:sldId id="357" r:id="rId27"/>
+    <p:sldId id="360" r:id="rId28"/>
+    <p:sldId id="355" r:id="rId29"/>
+    <p:sldId id="367" r:id="rId30"/>
+    <p:sldId id="371" r:id="rId31"/>
+    <p:sldId id="354" r:id="rId32"/>
+    <p:sldId id="361" r:id="rId33"/>
+    <p:sldId id="362" r:id="rId34"/>
+    <p:sldId id="353" r:id="rId35"/>
+    <p:sldId id="363" r:id="rId36"/>
+    <p:sldId id="364" r:id="rId37"/>
+    <p:sldId id="365" r:id="rId38"/>
+    <p:sldId id="366" r:id="rId39"/>
   </p:sldIdLst>
   <p:sldSz cx="12192000" cy="6858000"/>
   <p:notesSz cx="6858000" cy="9144000"/>
@@ -159,6 +161,7 @@
             <p14:sldId id="288"/>
             <p14:sldId id="320"/>
             <p14:sldId id="337"/>
+            <p14:sldId id="372"/>
             <p14:sldId id="341"/>
             <p14:sldId id="349"/>
             <p14:sldId id="368"/>
@@ -169,6 +172,7 @@
             <p14:sldId id="352"/>
             <p14:sldId id="356"/>
             <p14:sldId id="358"/>
+            <p14:sldId id="373"/>
             <p14:sldId id="359"/>
             <p14:sldId id="357"/>
             <p14:sldId id="360"/>
@@ -299,7 +303,7 @@
           <a:p>
             <a:fld id="{80680FBE-A8DF-4758-9AC4-3A9E1039168F}" type="datetimeFigureOut">
               <a:rPr lang="en-US" smtClean="0"/>
-              <a:t>1/27/2021</a:t>
+              <a:t>1/29/2021</a:t>
             </a:fld>
             <a:endParaRPr lang="en-US" dirty="0"/>
           </a:p>
@@ -464,7 +468,7 @@
           <a:p>
             <a:fld id="{EC13577B-6902-467D-A26C-08A0DD5E4E03}" type="datetimeFigureOut">
               <a:rPr lang="en-US" smtClean="0"/>
-              <a:t>1/27/2021</a:t>
+              <a:t>1/29/2021</a:t>
             </a:fld>
             <a:endParaRPr lang="en-US" dirty="0"/>
           </a:p>
@@ -1170,7 +1174,7 @@
             <a:fld id="{8BEEBAAA-29B5-4AF5-BC5F-7E580C29002D}" type="datetimeFigureOut">
               <a:rPr lang="en-US" smtClean="0"/>
               <a:pPr/>
-              <a:t>1/27/2021</a:t>
+              <a:t>1/29/2021</a:t>
             </a:fld>
             <a:endParaRPr lang="en-US" dirty="0"/>
           </a:p>
@@ -1745,7 +1749,7 @@
           <a:p>
             <a:fld id="{4D723AB6-704A-42C8-AB51-31B091223600}" type="datetimeFigureOut">
               <a:rPr lang="en-GB" smtClean="0"/>
-              <a:t>27/01/2021</a:t>
+              <a:t>29/01/2021</a:t>
             </a:fld>
             <a:endParaRPr lang="en-GB"/>
           </a:p>
@@ -1945,7 +1949,7 @@
           <a:p>
             <a:fld id="{4D723AB6-704A-42C8-AB51-31B091223600}" type="datetimeFigureOut">
               <a:rPr lang="en-GB" smtClean="0"/>
-              <a:t>27/01/2021</a:t>
+              <a:t>29/01/2021</a:t>
             </a:fld>
             <a:endParaRPr lang="en-GB"/>
           </a:p>
@@ -2218,7 +2222,7 @@
             <a:fld id="{8BEEBAAA-29B5-4AF5-BC5F-7E580C29002D}" type="datetimeFigureOut">
               <a:rPr lang="en-US" smtClean="0"/>
               <a:pPr/>
-              <a:t>1/27/2021</a:t>
+              <a:t>1/29/2021</a:t>
             </a:fld>
             <a:endParaRPr lang="en-US" dirty="0"/>
           </a:p>
@@ -3642,6 +3646,734 @@
           </a:p>
         </p:txBody>
       </p:sp>
+      <p:sp>
+        <p:nvSpPr>
+          <p:cNvPr id="36" name="Content Placeholder 17"/>
+          <p:cNvSpPr txBox="1">
+            <a:spLocks/>
+          </p:cNvSpPr>
+          <p:nvPr/>
+        </p:nvSpPr>
+        <p:spPr>
+          <a:xfrm>
+            <a:off x="1433399" y="1065203"/>
+            <a:ext cx="9325202" cy="3968352"/>
+          </a:xfrm>
+          <a:prstGeom prst="rect">
+            <a:avLst/>
+          </a:prstGeom>
+        </p:spPr>
+        <p:txBody>
+          <a:bodyPr vert="horz" lIns="91440" tIns="45720" rIns="91440" bIns="45720" rtlCol="0">
+            <a:noAutofit/>
+          </a:bodyPr>
+          <a:lstStyle>
+            <a:lvl1pPr marL="228600" indent="-228600" algn="l" defTabSz="914400" rtl="0" eaLnBrk="1" latinLnBrk="0" hangingPunct="1">
+              <a:lnSpc>
+                <a:spcPts val="1800"/>
+              </a:lnSpc>
+              <a:spcBef>
+                <a:spcPts val="1000"/>
+              </a:spcBef>
+              <a:spcAft>
+                <a:spcPts val="1000"/>
+              </a:spcAft>
+              <a:buFont typeface="Arial" panose="020B0604020202020204" pitchFamily="34" charset="0"/>
+              <a:buChar char="•"/>
+              <a:defRPr lang="en-US" sz="1200" kern="1200" smtClean="0">
+                <a:solidFill>
+                  <a:schemeClr val="tx1">
+                    <a:lumMod val="75000"/>
+                    <a:lumOff val="25000"/>
+                  </a:schemeClr>
+                </a:solidFill>
+                <a:latin typeface="+mn-lt"/>
+                <a:ea typeface="+mn-ea"/>
+                <a:cs typeface="+mn-cs"/>
+              </a:defRPr>
+            </a:lvl1pPr>
+            <a:lvl2pPr marL="685800" indent="-228600" algn="l" defTabSz="914400" rtl="0" eaLnBrk="1" latinLnBrk="0" hangingPunct="1">
+              <a:lnSpc>
+                <a:spcPts val="1800"/>
+              </a:lnSpc>
+              <a:spcBef>
+                <a:spcPts val="1000"/>
+              </a:spcBef>
+              <a:spcAft>
+                <a:spcPts val="1000"/>
+              </a:spcAft>
+              <a:buFont typeface="Arial" panose="020B0604020202020204" pitchFamily="34" charset="0"/>
+              <a:buChar char="•"/>
+              <a:defRPr lang="en-US" sz="1200" kern="1200" smtClean="0">
+                <a:solidFill>
+                  <a:schemeClr val="tx1">
+                    <a:lumMod val="75000"/>
+                    <a:lumOff val="25000"/>
+                  </a:schemeClr>
+                </a:solidFill>
+                <a:latin typeface="+mn-lt"/>
+                <a:ea typeface="+mn-ea"/>
+                <a:cs typeface="+mn-cs"/>
+              </a:defRPr>
+            </a:lvl2pPr>
+            <a:lvl3pPr marL="1143000" indent="-228600" algn="l" defTabSz="914400" rtl="0" eaLnBrk="1" latinLnBrk="0" hangingPunct="1">
+              <a:lnSpc>
+                <a:spcPts val="1800"/>
+              </a:lnSpc>
+              <a:spcBef>
+                <a:spcPts val="1000"/>
+              </a:spcBef>
+              <a:spcAft>
+                <a:spcPts val="1000"/>
+              </a:spcAft>
+              <a:buFont typeface="Arial" panose="020B0604020202020204" pitchFamily="34" charset="0"/>
+              <a:buChar char="•"/>
+              <a:defRPr lang="en-US" sz="1200" kern="1200" smtClean="0">
+                <a:solidFill>
+                  <a:schemeClr val="tx1">
+                    <a:lumMod val="75000"/>
+                    <a:lumOff val="25000"/>
+                  </a:schemeClr>
+                </a:solidFill>
+                <a:latin typeface="+mn-lt"/>
+                <a:ea typeface="+mn-ea"/>
+                <a:cs typeface="+mn-cs"/>
+              </a:defRPr>
+            </a:lvl3pPr>
+            <a:lvl4pPr marL="1600200" indent="-228600" algn="l" defTabSz="914400" rtl="0" eaLnBrk="1" latinLnBrk="0" hangingPunct="1">
+              <a:lnSpc>
+                <a:spcPts val="1800"/>
+              </a:lnSpc>
+              <a:spcBef>
+                <a:spcPts val="1000"/>
+              </a:spcBef>
+              <a:spcAft>
+                <a:spcPts val="1000"/>
+              </a:spcAft>
+              <a:buFont typeface="Arial" panose="020B0604020202020204" pitchFamily="34" charset="0"/>
+              <a:buChar char="•"/>
+              <a:defRPr lang="en-US" sz="1200" kern="1200" smtClean="0">
+                <a:solidFill>
+                  <a:schemeClr val="tx1">
+                    <a:lumMod val="75000"/>
+                    <a:lumOff val="25000"/>
+                  </a:schemeClr>
+                </a:solidFill>
+                <a:latin typeface="+mn-lt"/>
+                <a:ea typeface="+mn-ea"/>
+                <a:cs typeface="+mn-cs"/>
+              </a:defRPr>
+            </a:lvl4pPr>
+            <a:lvl5pPr marL="2057400" indent="-228600" algn="l" defTabSz="914400" rtl="0" eaLnBrk="1" latinLnBrk="0" hangingPunct="1">
+              <a:lnSpc>
+                <a:spcPts val="1800"/>
+              </a:lnSpc>
+              <a:spcBef>
+                <a:spcPts val="1000"/>
+              </a:spcBef>
+              <a:spcAft>
+                <a:spcPts val="1000"/>
+              </a:spcAft>
+              <a:buFont typeface="Arial" panose="020B0604020202020204" pitchFamily="34" charset="0"/>
+              <a:buChar char="•"/>
+              <a:defRPr lang="en-US" sz="1200" kern="1200">
+                <a:solidFill>
+                  <a:schemeClr val="tx1">
+                    <a:lumMod val="75000"/>
+                    <a:lumOff val="25000"/>
+                  </a:schemeClr>
+                </a:solidFill>
+                <a:latin typeface="+mn-lt"/>
+                <a:ea typeface="+mn-ea"/>
+                <a:cs typeface="+mn-cs"/>
+              </a:defRPr>
+            </a:lvl5pPr>
+            <a:lvl6pPr marL="2514600" indent="-228600" algn="l" defTabSz="914400" rtl="0" eaLnBrk="1" latinLnBrk="0" hangingPunct="1">
+              <a:lnSpc>
+                <a:spcPct val="90000"/>
+              </a:lnSpc>
+              <a:spcBef>
+                <a:spcPct val="30000"/>
+              </a:spcBef>
+              <a:buFont typeface="Arial" panose="020B0604020202020204" pitchFamily="34" charset="0"/>
+              <a:buChar char="•"/>
+              <a:defRPr sz="1800" kern="1200">
+                <a:solidFill>
+                  <a:schemeClr val="tx1"/>
+                </a:solidFill>
+                <a:latin typeface="+mn-lt"/>
+                <a:ea typeface="+mn-ea"/>
+                <a:cs typeface="+mn-cs"/>
+              </a:defRPr>
+            </a:lvl6pPr>
+            <a:lvl7pPr marL="2971800" indent="-228600" algn="l" defTabSz="914400" rtl="0" eaLnBrk="1" latinLnBrk="0" hangingPunct="1">
+              <a:lnSpc>
+                <a:spcPct val="90000"/>
+              </a:lnSpc>
+              <a:spcBef>
+                <a:spcPct val="30000"/>
+              </a:spcBef>
+              <a:buFont typeface="Arial" panose="020B0604020202020204" pitchFamily="34" charset="0"/>
+              <a:buChar char="•"/>
+              <a:defRPr sz="1800" kern="1200">
+                <a:solidFill>
+                  <a:schemeClr val="tx1"/>
+                </a:solidFill>
+                <a:latin typeface="+mn-lt"/>
+                <a:ea typeface="+mn-ea"/>
+                <a:cs typeface="+mn-cs"/>
+              </a:defRPr>
+            </a:lvl7pPr>
+            <a:lvl8pPr marL="3429000" indent="-228600" algn="l" defTabSz="914400" rtl="0" eaLnBrk="1" latinLnBrk="0" hangingPunct="1">
+              <a:lnSpc>
+                <a:spcPct val="90000"/>
+              </a:lnSpc>
+              <a:spcBef>
+                <a:spcPct val="30000"/>
+              </a:spcBef>
+              <a:buFont typeface="Arial" panose="020B0604020202020204" pitchFamily="34" charset="0"/>
+              <a:buChar char="•"/>
+              <a:defRPr sz="1800" kern="1200">
+                <a:solidFill>
+                  <a:schemeClr val="tx1"/>
+                </a:solidFill>
+                <a:latin typeface="+mn-lt"/>
+                <a:ea typeface="+mn-ea"/>
+                <a:cs typeface="+mn-cs"/>
+              </a:defRPr>
+            </a:lvl8pPr>
+            <a:lvl9pPr marL="3886200" indent="-228600" algn="l" defTabSz="914400" rtl="0" eaLnBrk="1" latinLnBrk="0" hangingPunct="1">
+              <a:lnSpc>
+                <a:spcPct val="90000"/>
+              </a:lnSpc>
+              <a:spcBef>
+                <a:spcPct val="30000"/>
+              </a:spcBef>
+              <a:buFont typeface="Arial" panose="020B0604020202020204" pitchFamily="34" charset="0"/>
+              <a:buChar char="•"/>
+              <a:defRPr sz="1800" kern="1200">
+                <a:solidFill>
+                  <a:schemeClr val="tx1"/>
+                </a:solidFill>
+                <a:latin typeface="+mn-lt"/>
+                <a:ea typeface="+mn-ea"/>
+                <a:cs typeface="+mn-cs"/>
+              </a:defRPr>
+            </a:lvl9pPr>
+          </a:lstStyle>
+          <a:p>
+            <a:pPr marL="457200" lvl="2" indent="0">
+              <a:lnSpc>
+                <a:spcPts val="4560"/>
+              </a:lnSpc>
+              <a:spcAft>
+                <a:spcPts val="1200"/>
+              </a:spcAft>
+              <a:buNone/>
+            </a:pPr>
+            <a:endParaRPr lang="en-GB" sz="3800" dirty="0">
+              <a:solidFill>
+                <a:schemeClr val="bg2">
+                  <a:lumMod val="25000"/>
+                </a:schemeClr>
+              </a:solidFill>
+              <a:latin typeface="Segoe UI Light" panose="020B0502040204020203" pitchFamily="34" charset="0"/>
+              <a:cs typeface="Segoe UI Light" panose="020B0502040204020203" pitchFamily="34" charset="0"/>
+            </a:endParaRPr>
+          </a:p>
+          <a:p>
+            <a:pPr marL="0" lvl="0" indent="0">
+              <a:lnSpc>
+                <a:spcPts val="4560"/>
+              </a:lnSpc>
+              <a:spcBef>
+                <a:spcPct val="0"/>
+              </a:spcBef>
+              <a:spcAft>
+                <a:spcPts val="2000"/>
+              </a:spcAft>
+              <a:buNone/>
+              <a:defRPr/>
+            </a:pPr>
+            <a:r>
+              <a:rPr lang="en-US" sz="4400" dirty="0">
+                <a:solidFill>
+                  <a:schemeClr val="bg2">
+                    <a:lumMod val="25000"/>
+                  </a:schemeClr>
+                </a:solidFill>
+                <a:latin typeface="Segoe UI Light" panose="020B0502040204020203" pitchFamily="34" charset="0"/>
+                <a:cs typeface="Segoe UI Light" panose="020B0502040204020203" pitchFamily="34" charset="0"/>
+              </a:rPr>
+              <a:t>&lt;div id=“react-app”/&gt;</a:t>
+            </a:r>
+          </a:p>
+          <a:p>
+            <a:pPr marL="0" lvl="0" indent="0">
+              <a:lnSpc>
+                <a:spcPts val="4560"/>
+              </a:lnSpc>
+              <a:spcBef>
+                <a:spcPct val="0"/>
+              </a:spcBef>
+              <a:spcAft>
+                <a:spcPts val="2000"/>
+              </a:spcAft>
+              <a:buNone/>
+              <a:defRPr/>
+            </a:pPr>
+            <a:r>
+              <a:rPr lang="en-US" sz="4400" dirty="0">
+                <a:solidFill>
+                  <a:schemeClr val="bg2">
+                    <a:lumMod val="25000"/>
+                  </a:schemeClr>
+                </a:solidFill>
+                <a:latin typeface="Segoe UI Light" panose="020B0502040204020203" pitchFamily="34" charset="0"/>
+                <a:cs typeface="Segoe UI Light" panose="020B0502040204020203" pitchFamily="34" charset="0"/>
+              </a:rPr>
+              <a:t>&lt;div id=“</a:t>
+            </a:r>
+            <a:r>
+              <a:rPr lang="en-US" sz="4400" dirty="0" err="1">
+                <a:solidFill>
+                  <a:schemeClr val="bg2">
+                    <a:lumMod val="25000"/>
+                  </a:schemeClr>
+                </a:solidFill>
+                <a:latin typeface="Segoe UI Light" panose="020B0502040204020203" pitchFamily="34" charset="0"/>
+                <a:cs typeface="Segoe UI Light" panose="020B0502040204020203" pitchFamily="34" charset="0"/>
+              </a:rPr>
+              <a:t>vue</a:t>
+            </a:r>
+            <a:r>
+              <a:rPr lang="en-US" sz="4400" dirty="0">
+                <a:solidFill>
+                  <a:schemeClr val="bg2">
+                    <a:lumMod val="25000"/>
+                  </a:schemeClr>
+                </a:solidFill>
+                <a:latin typeface="Segoe UI Light" panose="020B0502040204020203" pitchFamily="34" charset="0"/>
+                <a:cs typeface="Segoe UI Light" panose="020B0502040204020203" pitchFamily="34" charset="0"/>
+              </a:rPr>
+              <a:t>-app” /&gt;</a:t>
+            </a:r>
+          </a:p>
+          <a:p>
+            <a:pPr marL="0" lvl="0" indent="0">
+              <a:lnSpc>
+                <a:spcPts val="4560"/>
+              </a:lnSpc>
+              <a:spcBef>
+                <a:spcPct val="0"/>
+              </a:spcBef>
+              <a:spcAft>
+                <a:spcPts val="2000"/>
+              </a:spcAft>
+              <a:buNone/>
+              <a:defRPr/>
+            </a:pPr>
+            <a:r>
+              <a:rPr lang="en-US" sz="4400" dirty="0">
+                <a:solidFill>
+                  <a:schemeClr val="bg2">
+                    <a:lumMod val="25000"/>
+                  </a:schemeClr>
+                </a:solidFill>
+                <a:latin typeface="Segoe UI Light" panose="020B0502040204020203" pitchFamily="34" charset="0"/>
+                <a:cs typeface="Segoe UI Light" panose="020B0502040204020203" pitchFamily="34" charset="0"/>
+              </a:rPr>
+              <a:t>&lt;div id =“angular-app” /&gt;</a:t>
+            </a:r>
+          </a:p>
+          <a:p>
+            <a:pPr marL="0" lvl="0" indent="0">
+              <a:lnSpc>
+                <a:spcPts val="4560"/>
+              </a:lnSpc>
+              <a:spcBef>
+                <a:spcPct val="0"/>
+              </a:spcBef>
+              <a:spcAft>
+                <a:spcPts val="2000"/>
+              </a:spcAft>
+              <a:buNone/>
+              <a:defRPr/>
+            </a:pPr>
+            <a:r>
+              <a:rPr lang="en-US" sz="4400" dirty="0">
+                <a:solidFill>
+                  <a:schemeClr val="bg2">
+                    <a:lumMod val="25000"/>
+                  </a:schemeClr>
+                </a:solidFill>
+                <a:latin typeface="Segoe UI Light" panose="020B0502040204020203" pitchFamily="34" charset="0"/>
+                <a:cs typeface="Segoe UI Light" panose="020B0502040204020203" pitchFamily="34" charset="0"/>
+              </a:rPr>
+              <a:t>&lt;div id=“</a:t>
+            </a:r>
+            <a:r>
+              <a:rPr lang="en-US" sz="4400" dirty="0" err="1">
+                <a:solidFill>
+                  <a:schemeClr val="bg2">
+                    <a:lumMod val="25000"/>
+                  </a:schemeClr>
+                </a:solidFill>
+                <a:latin typeface="Segoe UI Light" panose="020B0502040204020203" pitchFamily="34" charset="0"/>
+                <a:cs typeface="Segoe UI Light" panose="020B0502040204020203" pitchFamily="34" charset="0"/>
+              </a:rPr>
+              <a:t>wordpress</a:t>
+            </a:r>
+            <a:r>
+              <a:rPr lang="en-US" sz="4400" dirty="0">
+                <a:solidFill>
+                  <a:schemeClr val="bg2">
+                    <a:lumMod val="25000"/>
+                  </a:schemeClr>
+                </a:solidFill>
+                <a:latin typeface="Segoe UI Light" panose="020B0502040204020203" pitchFamily="34" charset="0"/>
+                <a:cs typeface="Segoe UI Light" panose="020B0502040204020203" pitchFamily="34" charset="0"/>
+              </a:rPr>
+              <a:t>-app”  /&gt;</a:t>
+            </a:r>
+            <a:endParaRPr lang="en-US" sz="3800" dirty="0">
+              <a:solidFill>
+                <a:schemeClr val="bg2">
+                  <a:lumMod val="25000"/>
+                </a:schemeClr>
+              </a:solidFill>
+              <a:latin typeface="Segoe UI Light" panose="020B0502040204020203" pitchFamily="34" charset="0"/>
+              <a:cs typeface="Segoe UI Light" panose="020B0502040204020203" pitchFamily="34" charset="0"/>
+            </a:endParaRPr>
+          </a:p>
+        </p:txBody>
+      </p:sp>
+      <p:sp>
+        <p:nvSpPr>
+          <p:cNvPr id="3" name="TextBox 2">
+            <a:extLst>
+              <a:ext uri="{FF2B5EF4-FFF2-40B4-BE49-F238E27FC236}">
+                <a16:creationId xmlns:a16="http://schemas.microsoft.com/office/drawing/2014/main" id="{E22FAA13-2945-4F8B-8409-718AE677BAC4}"/>
+              </a:ext>
+            </a:extLst>
+          </p:cNvPr>
+          <p:cNvSpPr txBox="1"/>
+          <p:nvPr/>
+        </p:nvSpPr>
+        <p:spPr>
+          <a:xfrm>
+            <a:off x="957943" y="5033555"/>
+            <a:ext cx="9727474" cy="584775"/>
+          </a:xfrm>
+          <a:prstGeom prst="rect">
+            <a:avLst/>
+          </a:prstGeom>
+          <a:noFill/>
+        </p:spPr>
+        <p:txBody>
+          <a:bodyPr wrap="square" rtlCol="0">
+            <a:spAutoFit/>
+          </a:bodyPr>
+          <a:lstStyle/>
+          <a:p>
+            <a:r>
+              <a:rPr lang="en-GB" sz="3200" dirty="0"/>
+              <a:t>Communicate events and data between all of them.</a:t>
+            </a:r>
+          </a:p>
+        </p:txBody>
+      </p:sp>
+    </p:spTree>
+    <p:extLst>
+      <p:ext uri="{BB962C8B-B14F-4D97-AF65-F5344CB8AC3E}">
+        <p14:creationId xmlns:p14="http://schemas.microsoft.com/office/powerpoint/2010/main" val="1183235701"/>
+      </p:ext>
+    </p:extLst>
+  </p:cSld>
+  <p:clrMapOvr>
+    <a:masterClrMapping/>
+  </p:clrMapOvr>
+</p:sld>
+</file>
+
+<file path=ppt/slides/slide11.xml><?xml version="1.0" encoding="utf-8"?>
+<p:sld xmlns:a="http://schemas.openxmlformats.org/drawingml/2006/main" xmlns:r="http://schemas.openxmlformats.org/officeDocument/2006/relationships" xmlns:p="http://schemas.openxmlformats.org/presentationml/2006/main">
+  <p:cSld>
+    <p:spTree>
+      <p:nvGrpSpPr>
+        <p:cNvPr id="1" name=""/>
+        <p:cNvGrpSpPr/>
+        <p:nvPr/>
+      </p:nvGrpSpPr>
+      <p:grpSpPr>
+        <a:xfrm>
+          <a:off x="0" y="0"/>
+          <a:ext cx="0" cy="0"/>
+          <a:chOff x="0" y="0"/>
+          <a:chExt cx="0" cy="0"/>
+        </a:xfrm>
+      </p:grpSpPr>
+      <p:sp>
+        <p:nvSpPr>
+          <p:cNvPr id="4" name="Title 3"/>
+          <p:cNvSpPr>
+            <a:spLocks noGrp="1"/>
+          </p:cNvSpPr>
+          <p:nvPr>
+            <p:ph type="title"/>
+          </p:nvPr>
+        </p:nvSpPr>
+        <p:spPr>
+          <a:xfrm>
+            <a:off x="541609" y="426301"/>
+            <a:ext cx="8578726" cy="749992"/>
+          </a:xfrm>
+        </p:spPr>
+        <p:txBody>
+          <a:bodyPr>
+            <a:noAutofit/>
+          </a:bodyPr>
+          <a:lstStyle/>
+          <a:p>
+            <a:r>
+              <a:rPr lang="en-US" sz="4000" dirty="0">
+                <a:latin typeface="Segoe UI Light" panose="020B0502040204020203" pitchFamily="34" charset="0"/>
+                <a:cs typeface="Segoe UI Light" panose="020B0502040204020203" pitchFamily="34" charset="0"/>
+              </a:rPr>
+              <a:t>Two Business Applications ( 2 )</a:t>
+            </a:r>
+          </a:p>
+        </p:txBody>
+      </p:sp>
+      <p:sp>
+        <p:nvSpPr>
+          <p:cNvPr id="25" name="Content Placeholder 17"/>
+          <p:cNvSpPr txBox="1">
+            <a:spLocks/>
+          </p:cNvSpPr>
+          <p:nvPr/>
+        </p:nvSpPr>
+        <p:spPr>
+          <a:xfrm>
+            <a:off x="541609" y="1455491"/>
+            <a:ext cx="5110161" cy="471149"/>
+          </a:xfrm>
+          <a:prstGeom prst="rect">
+            <a:avLst/>
+          </a:prstGeom>
+        </p:spPr>
+        <p:txBody>
+          <a:bodyPr vert="horz" lIns="91440" tIns="45720" rIns="91440" bIns="45720" rtlCol="0">
+            <a:normAutofit/>
+          </a:bodyPr>
+          <a:lstStyle>
+            <a:lvl1pPr marL="228600" indent="-228600" algn="l" defTabSz="914400" rtl="0" eaLnBrk="1" latinLnBrk="0" hangingPunct="1">
+              <a:lnSpc>
+                <a:spcPts val="1800"/>
+              </a:lnSpc>
+              <a:spcBef>
+                <a:spcPts val="1000"/>
+              </a:spcBef>
+              <a:spcAft>
+                <a:spcPts val="1000"/>
+              </a:spcAft>
+              <a:buFont typeface="Arial" panose="020B0604020202020204" pitchFamily="34" charset="0"/>
+              <a:buChar char="•"/>
+              <a:defRPr lang="en-US" sz="1200" kern="1200" smtClean="0">
+                <a:solidFill>
+                  <a:schemeClr val="tx1">
+                    <a:lumMod val="75000"/>
+                    <a:lumOff val="25000"/>
+                  </a:schemeClr>
+                </a:solidFill>
+                <a:latin typeface="+mn-lt"/>
+                <a:ea typeface="+mn-ea"/>
+                <a:cs typeface="+mn-cs"/>
+              </a:defRPr>
+            </a:lvl1pPr>
+            <a:lvl2pPr marL="685800" indent="-228600" algn="l" defTabSz="914400" rtl="0" eaLnBrk="1" latinLnBrk="0" hangingPunct="1">
+              <a:lnSpc>
+                <a:spcPts val="1800"/>
+              </a:lnSpc>
+              <a:spcBef>
+                <a:spcPts val="1000"/>
+              </a:spcBef>
+              <a:spcAft>
+                <a:spcPts val="1000"/>
+              </a:spcAft>
+              <a:buFont typeface="Arial" panose="020B0604020202020204" pitchFamily="34" charset="0"/>
+              <a:buChar char="•"/>
+              <a:defRPr lang="en-US" sz="1200" kern="1200" smtClean="0">
+                <a:solidFill>
+                  <a:schemeClr val="tx1">
+                    <a:lumMod val="75000"/>
+                    <a:lumOff val="25000"/>
+                  </a:schemeClr>
+                </a:solidFill>
+                <a:latin typeface="+mn-lt"/>
+                <a:ea typeface="+mn-ea"/>
+                <a:cs typeface="+mn-cs"/>
+              </a:defRPr>
+            </a:lvl2pPr>
+            <a:lvl3pPr marL="1143000" indent="-228600" algn="l" defTabSz="914400" rtl="0" eaLnBrk="1" latinLnBrk="0" hangingPunct="1">
+              <a:lnSpc>
+                <a:spcPts val="1800"/>
+              </a:lnSpc>
+              <a:spcBef>
+                <a:spcPts val="1000"/>
+              </a:spcBef>
+              <a:spcAft>
+                <a:spcPts val="1000"/>
+              </a:spcAft>
+              <a:buFont typeface="Arial" panose="020B0604020202020204" pitchFamily="34" charset="0"/>
+              <a:buChar char="•"/>
+              <a:defRPr lang="en-US" sz="1200" kern="1200" smtClean="0">
+                <a:solidFill>
+                  <a:schemeClr val="tx1">
+                    <a:lumMod val="75000"/>
+                    <a:lumOff val="25000"/>
+                  </a:schemeClr>
+                </a:solidFill>
+                <a:latin typeface="+mn-lt"/>
+                <a:ea typeface="+mn-ea"/>
+                <a:cs typeface="+mn-cs"/>
+              </a:defRPr>
+            </a:lvl3pPr>
+            <a:lvl4pPr marL="1600200" indent="-228600" algn="l" defTabSz="914400" rtl="0" eaLnBrk="1" latinLnBrk="0" hangingPunct="1">
+              <a:lnSpc>
+                <a:spcPts val="1800"/>
+              </a:lnSpc>
+              <a:spcBef>
+                <a:spcPts val="1000"/>
+              </a:spcBef>
+              <a:spcAft>
+                <a:spcPts val="1000"/>
+              </a:spcAft>
+              <a:buFont typeface="Arial" panose="020B0604020202020204" pitchFamily="34" charset="0"/>
+              <a:buChar char="•"/>
+              <a:defRPr lang="en-US" sz="1200" kern="1200" smtClean="0">
+                <a:solidFill>
+                  <a:schemeClr val="tx1">
+                    <a:lumMod val="75000"/>
+                    <a:lumOff val="25000"/>
+                  </a:schemeClr>
+                </a:solidFill>
+                <a:latin typeface="+mn-lt"/>
+                <a:ea typeface="+mn-ea"/>
+                <a:cs typeface="+mn-cs"/>
+              </a:defRPr>
+            </a:lvl4pPr>
+            <a:lvl5pPr marL="2057400" indent="-228600" algn="l" defTabSz="914400" rtl="0" eaLnBrk="1" latinLnBrk="0" hangingPunct="1">
+              <a:lnSpc>
+                <a:spcPts val="1800"/>
+              </a:lnSpc>
+              <a:spcBef>
+                <a:spcPts val="1000"/>
+              </a:spcBef>
+              <a:spcAft>
+                <a:spcPts val="1000"/>
+              </a:spcAft>
+              <a:buFont typeface="Arial" panose="020B0604020202020204" pitchFamily="34" charset="0"/>
+              <a:buChar char="•"/>
+              <a:defRPr lang="en-US" sz="1200" kern="1200">
+                <a:solidFill>
+                  <a:schemeClr val="tx1">
+                    <a:lumMod val="75000"/>
+                    <a:lumOff val="25000"/>
+                  </a:schemeClr>
+                </a:solidFill>
+                <a:latin typeface="+mn-lt"/>
+                <a:ea typeface="+mn-ea"/>
+                <a:cs typeface="+mn-cs"/>
+              </a:defRPr>
+            </a:lvl5pPr>
+            <a:lvl6pPr marL="2514600" indent="-228600" algn="l" defTabSz="914400" rtl="0" eaLnBrk="1" latinLnBrk="0" hangingPunct="1">
+              <a:lnSpc>
+                <a:spcPct val="90000"/>
+              </a:lnSpc>
+              <a:spcBef>
+                <a:spcPct val="30000"/>
+              </a:spcBef>
+              <a:buFont typeface="Arial" panose="020B0604020202020204" pitchFamily="34" charset="0"/>
+              <a:buChar char="•"/>
+              <a:defRPr sz="1800" kern="1200">
+                <a:solidFill>
+                  <a:schemeClr val="tx1"/>
+                </a:solidFill>
+                <a:latin typeface="+mn-lt"/>
+                <a:ea typeface="+mn-ea"/>
+                <a:cs typeface="+mn-cs"/>
+              </a:defRPr>
+            </a:lvl6pPr>
+            <a:lvl7pPr marL="2971800" indent="-228600" algn="l" defTabSz="914400" rtl="0" eaLnBrk="1" latinLnBrk="0" hangingPunct="1">
+              <a:lnSpc>
+                <a:spcPct val="90000"/>
+              </a:lnSpc>
+              <a:spcBef>
+                <a:spcPct val="30000"/>
+              </a:spcBef>
+              <a:buFont typeface="Arial" panose="020B0604020202020204" pitchFamily="34" charset="0"/>
+              <a:buChar char="•"/>
+              <a:defRPr sz="1800" kern="1200">
+                <a:solidFill>
+                  <a:schemeClr val="tx1"/>
+                </a:solidFill>
+                <a:latin typeface="+mn-lt"/>
+                <a:ea typeface="+mn-ea"/>
+                <a:cs typeface="+mn-cs"/>
+              </a:defRPr>
+            </a:lvl7pPr>
+            <a:lvl8pPr marL="3429000" indent="-228600" algn="l" defTabSz="914400" rtl="0" eaLnBrk="1" latinLnBrk="0" hangingPunct="1">
+              <a:lnSpc>
+                <a:spcPct val="90000"/>
+              </a:lnSpc>
+              <a:spcBef>
+                <a:spcPct val="30000"/>
+              </a:spcBef>
+              <a:buFont typeface="Arial" panose="020B0604020202020204" pitchFamily="34" charset="0"/>
+              <a:buChar char="•"/>
+              <a:defRPr sz="1800" kern="1200">
+                <a:solidFill>
+                  <a:schemeClr val="tx1"/>
+                </a:solidFill>
+                <a:latin typeface="+mn-lt"/>
+                <a:ea typeface="+mn-ea"/>
+                <a:cs typeface="+mn-cs"/>
+              </a:defRPr>
+            </a:lvl8pPr>
+            <a:lvl9pPr marL="3886200" indent="-228600" algn="l" defTabSz="914400" rtl="0" eaLnBrk="1" latinLnBrk="0" hangingPunct="1">
+              <a:lnSpc>
+                <a:spcPct val="90000"/>
+              </a:lnSpc>
+              <a:spcBef>
+                <a:spcPct val="30000"/>
+              </a:spcBef>
+              <a:buFont typeface="Arial" panose="020B0604020202020204" pitchFamily="34" charset="0"/>
+              <a:buChar char="•"/>
+              <a:defRPr sz="1800" kern="1200">
+                <a:solidFill>
+                  <a:schemeClr val="tx1"/>
+                </a:solidFill>
+                <a:latin typeface="+mn-lt"/>
+                <a:ea typeface="+mn-ea"/>
+                <a:cs typeface="+mn-cs"/>
+              </a:defRPr>
+            </a:lvl9pPr>
+          </a:lstStyle>
+          <a:p>
+            <a:pPr marL="0" indent="0">
+              <a:spcAft>
+                <a:spcPts val="2000"/>
+              </a:spcAft>
+              <a:buNone/>
+            </a:pPr>
+            <a:endParaRPr lang="en-US" sz="1800" dirty="0">
+              <a:latin typeface="Segoe UI" panose="020B0502040204020203" pitchFamily="34" charset="0"/>
+              <a:cs typeface="Segoe UI" panose="020B0502040204020203" pitchFamily="34" charset="0"/>
+            </a:endParaRPr>
+          </a:p>
+        </p:txBody>
+      </p:sp>
       <p:pic>
         <p:nvPicPr>
           <p:cNvPr id="3" name="Picture 2" descr="Text&#10;&#10;Description automatically generated">
@@ -3685,7 +4417,7 @@
 </p:sld>
 </file>
 
-<file path=ppt/slides/slide11.xml><?xml version="1.0" encoding="utf-8"?>
+<file path=ppt/slides/slide12.xml><?xml version="1.0" encoding="utf-8"?>
 <p:sld xmlns:a="http://schemas.openxmlformats.org/drawingml/2006/main" xmlns:r="http://schemas.openxmlformats.org/officeDocument/2006/relationships" xmlns:p="http://schemas.openxmlformats.org/presentationml/2006/main">
   <p:cSld>
     <p:spTree>
@@ -4317,7 +5049,7 @@
 </p:sld>
 </file>
 
-<file path=ppt/slides/slide12.xml><?xml version="1.0" encoding="utf-8"?>
+<file path=ppt/slides/slide13.xml><?xml version="1.0" encoding="utf-8"?>
 <p:sld xmlns:a="http://schemas.openxmlformats.org/drawingml/2006/main" xmlns:r="http://schemas.openxmlformats.org/officeDocument/2006/relationships" xmlns:p="http://schemas.openxmlformats.org/presentationml/2006/main">
   <p:cSld>
     <p:spTree>
@@ -4963,7 +5695,7 @@
 </p:sld>
 </file>
 
-<file path=ppt/slides/slide13.xml><?xml version="1.0" encoding="utf-8"?>
+<file path=ppt/slides/slide14.xml><?xml version="1.0" encoding="utf-8"?>
 <p:sld xmlns:a="http://schemas.openxmlformats.org/drawingml/2006/main" xmlns:r="http://schemas.openxmlformats.org/officeDocument/2006/relationships" xmlns:p="http://schemas.openxmlformats.org/presentationml/2006/main">
   <p:cSld>
     <p:spTree>
@@ -5361,7 +6093,7 @@
 </p:sld>
 </file>
 
-<file path=ppt/slides/slide14.xml><?xml version="1.0" encoding="utf-8"?>
+<file path=ppt/slides/slide15.xml><?xml version="1.0" encoding="utf-8"?>
 <p:sld xmlns:a="http://schemas.openxmlformats.org/drawingml/2006/main" xmlns:r="http://schemas.openxmlformats.org/officeDocument/2006/relationships" xmlns:p="http://schemas.openxmlformats.org/presentationml/2006/main">
   <p:cSld>
     <p:spTree>
@@ -6053,7 +6785,7 @@
 </p:sld>
 </file>
 
-<file path=ppt/slides/slide15.xml><?xml version="1.0" encoding="utf-8"?>
+<file path=ppt/slides/slide16.xml><?xml version="1.0" encoding="utf-8"?>
 <p:sld xmlns:a="http://schemas.openxmlformats.org/drawingml/2006/main" xmlns:r="http://schemas.openxmlformats.org/officeDocument/2006/relationships" xmlns:p="http://schemas.openxmlformats.org/presentationml/2006/main">
   <p:cSld>
     <p:spTree>
@@ -7234,7 +7966,7 @@
 </p:sld>
 </file>
 
-<file path=ppt/slides/slide16.xml><?xml version="1.0" encoding="utf-8"?>
+<file path=ppt/slides/slide17.xml><?xml version="1.0" encoding="utf-8"?>
 <p:sld xmlns:a="http://schemas.openxmlformats.org/drawingml/2006/main" xmlns:r="http://schemas.openxmlformats.org/officeDocument/2006/relationships" xmlns:p="http://schemas.openxmlformats.org/presentationml/2006/main">
   <p:cSld>
     <p:spTree>
@@ -7861,7 +8593,7 @@
 </p:sld>
 </file>
 
-<file path=ppt/slides/slide17.xml><?xml version="1.0" encoding="utf-8"?>
+<file path=ppt/slides/slide18.xml><?xml version="1.0" encoding="utf-8"?>
 <p:sld xmlns:a="http://schemas.openxmlformats.org/drawingml/2006/main" xmlns:r="http://schemas.openxmlformats.org/officeDocument/2006/relationships" xmlns:p="http://schemas.openxmlformats.org/presentationml/2006/main">
   <p:cSld>
     <p:spTree>
@@ -8478,7 +9210,7 @@
 </p:sld>
 </file>
 
-<file path=ppt/slides/slide18.xml><?xml version="1.0" encoding="utf-8"?>
+<file path=ppt/slides/slide19.xml><?xml version="1.0" encoding="utf-8"?>
 <p:sld xmlns:a="http://schemas.openxmlformats.org/drawingml/2006/main" xmlns:r="http://schemas.openxmlformats.org/officeDocument/2006/relationships" xmlns:p="http://schemas.openxmlformats.org/presentationml/2006/main">
   <p:cSld>
     <p:spTree>
@@ -8957,469 +9689,6 @@
     <p:extLst>
       <p:ext uri="{BB962C8B-B14F-4D97-AF65-F5344CB8AC3E}">
         <p14:creationId xmlns:p14="http://schemas.microsoft.com/office/powerpoint/2010/main" val="3482672149"/>
-      </p:ext>
-    </p:extLst>
-  </p:cSld>
-  <p:clrMapOvr>
-    <a:masterClrMapping/>
-  </p:clrMapOvr>
-</p:sld>
-</file>
-
-<file path=ppt/slides/slide19.xml><?xml version="1.0" encoding="utf-8"?>
-<p:sld xmlns:a="http://schemas.openxmlformats.org/drawingml/2006/main" xmlns:r="http://schemas.openxmlformats.org/officeDocument/2006/relationships" xmlns:p="http://schemas.openxmlformats.org/presentationml/2006/main">
-  <p:cSld>
-    <p:spTree>
-      <p:nvGrpSpPr>
-        <p:cNvPr id="1" name=""/>
-        <p:cNvGrpSpPr/>
-        <p:nvPr/>
-      </p:nvGrpSpPr>
-      <p:grpSpPr>
-        <a:xfrm>
-          <a:off x="0" y="0"/>
-          <a:ext cx="0" cy="0"/>
-          <a:chOff x="0" y="0"/>
-          <a:chExt cx="0" cy="0"/>
-        </a:xfrm>
-      </p:grpSpPr>
-      <p:sp>
-        <p:nvSpPr>
-          <p:cNvPr id="4" name="Title 3"/>
-          <p:cNvSpPr>
-            <a:spLocks noGrp="1"/>
-          </p:cNvSpPr>
-          <p:nvPr>
-            <p:ph type="title"/>
-          </p:nvPr>
-        </p:nvSpPr>
-        <p:spPr>
-          <a:xfrm>
-            <a:off x="541609" y="426301"/>
-            <a:ext cx="8578726" cy="749992"/>
-          </a:xfrm>
-        </p:spPr>
-        <p:txBody>
-          <a:bodyPr>
-            <a:noAutofit/>
-          </a:bodyPr>
-          <a:lstStyle/>
-          <a:p>
-            <a:r>
-              <a:rPr lang="en-US" sz="4000" dirty="0">
-                <a:latin typeface="Segoe UI Light" panose="020B0502040204020203" pitchFamily="34" charset="0"/>
-                <a:cs typeface="Segoe UI Light" panose="020B0502040204020203" pitchFamily="34" charset="0"/>
-              </a:rPr>
-              <a:t>How to use</a:t>
-            </a:r>
-          </a:p>
-        </p:txBody>
-      </p:sp>
-      <p:sp>
-        <p:nvSpPr>
-          <p:cNvPr id="25" name="Content Placeholder 17"/>
-          <p:cNvSpPr txBox="1">
-            <a:spLocks/>
-          </p:cNvSpPr>
-          <p:nvPr/>
-        </p:nvSpPr>
-        <p:spPr>
-          <a:xfrm>
-            <a:off x="541609" y="1455491"/>
-            <a:ext cx="5110161" cy="471149"/>
-          </a:xfrm>
-          <a:prstGeom prst="rect">
-            <a:avLst/>
-          </a:prstGeom>
-        </p:spPr>
-        <p:txBody>
-          <a:bodyPr vert="horz" lIns="91440" tIns="45720" rIns="91440" bIns="45720" rtlCol="0">
-            <a:normAutofit/>
-          </a:bodyPr>
-          <a:lstStyle>
-            <a:lvl1pPr marL="228600" indent="-228600" algn="l" defTabSz="914400" rtl="0" eaLnBrk="1" latinLnBrk="0" hangingPunct="1">
-              <a:lnSpc>
-                <a:spcPts val="1800"/>
-              </a:lnSpc>
-              <a:spcBef>
-                <a:spcPts val="1000"/>
-              </a:spcBef>
-              <a:spcAft>
-                <a:spcPts val="1000"/>
-              </a:spcAft>
-              <a:buFont typeface="Arial" panose="020B0604020202020204" pitchFamily="34" charset="0"/>
-              <a:buChar char="•"/>
-              <a:defRPr lang="en-US" sz="1200" kern="1200" smtClean="0">
-                <a:solidFill>
-                  <a:schemeClr val="tx1">
-                    <a:lumMod val="75000"/>
-                    <a:lumOff val="25000"/>
-                  </a:schemeClr>
-                </a:solidFill>
-                <a:latin typeface="+mn-lt"/>
-                <a:ea typeface="+mn-ea"/>
-                <a:cs typeface="+mn-cs"/>
-              </a:defRPr>
-            </a:lvl1pPr>
-            <a:lvl2pPr marL="685800" indent="-228600" algn="l" defTabSz="914400" rtl="0" eaLnBrk="1" latinLnBrk="0" hangingPunct="1">
-              <a:lnSpc>
-                <a:spcPts val="1800"/>
-              </a:lnSpc>
-              <a:spcBef>
-                <a:spcPts val="1000"/>
-              </a:spcBef>
-              <a:spcAft>
-                <a:spcPts val="1000"/>
-              </a:spcAft>
-              <a:buFont typeface="Arial" panose="020B0604020202020204" pitchFamily="34" charset="0"/>
-              <a:buChar char="•"/>
-              <a:defRPr lang="en-US" sz="1200" kern="1200" smtClean="0">
-                <a:solidFill>
-                  <a:schemeClr val="tx1">
-                    <a:lumMod val="75000"/>
-                    <a:lumOff val="25000"/>
-                  </a:schemeClr>
-                </a:solidFill>
-                <a:latin typeface="+mn-lt"/>
-                <a:ea typeface="+mn-ea"/>
-                <a:cs typeface="+mn-cs"/>
-              </a:defRPr>
-            </a:lvl2pPr>
-            <a:lvl3pPr marL="1143000" indent="-228600" algn="l" defTabSz="914400" rtl="0" eaLnBrk="1" latinLnBrk="0" hangingPunct="1">
-              <a:lnSpc>
-                <a:spcPts val="1800"/>
-              </a:lnSpc>
-              <a:spcBef>
-                <a:spcPts val="1000"/>
-              </a:spcBef>
-              <a:spcAft>
-                <a:spcPts val="1000"/>
-              </a:spcAft>
-              <a:buFont typeface="Arial" panose="020B0604020202020204" pitchFamily="34" charset="0"/>
-              <a:buChar char="•"/>
-              <a:defRPr lang="en-US" sz="1200" kern="1200" smtClean="0">
-                <a:solidFill>
-                  <a:schemeClr val="tx1">
-                    <a:lumMod val="75000"/>
-                    <a:lumOff val="25000"/>
-                  </a:schemeClr>
-                </a:solidFill>
-                <a:latin typeface="+mn-lt"/>
-                <a:ea typeface="+mn-ea"/>
-                <a:cs typeface="+mn-cs"/>
-              </a:defRPr>
-            </a:lvl3pPr>
-            <a:lvl4pPr marL="1600200" indent="-228600" algn="l" defTabSz="914400" rtl="0" eaLnBrk="1" latinLnBrk="0" hangingPunct="1">
-              <a:lnSpc>
-                <a:spcPts val="1800"/>
-              </a:lnSpc>
-              <a:spcBef>
-                <a:spcPts val="1000"/>
-              </a:spcBef>
-              <a:spcAft>
-                <a:spcPts val="1000"/>
-              </a:spcAft>
-              <a:buFont typeface="Arial" panose="020B0604020202020204" pitchFamily="34" charset="0"/>
-              <a:buChar char="•"/>
-              <a:defRPr lang="en-US" sz="1200" kern="1200" smtClean="0">
-                <a:solidFill>
-                  <a:schemeClr val="tx1">
-                    <a:lumMod val="75000"/>
-                    <a:lumOff val="25000"/>
-                  </a:schemeClr>
-                </a:solidFill>
-                <a:latin typeface="+mn-lt"/>
-                <a:ea typeface="+mn-ea"/>
-                <a:cs typeface="+mn-cs"/>
-              </a:defRPr>
-            </a:lvl4pPr>
-            <a:lvl5pPr marL="2057400" indent="-228600" algn="l" defTabSz="914400" rtl="0" eaLnBrk="1" latinLnBrk="0" hangingPunct="1">
-              <a:lnSpc>
-                <a:spcPts val="1800"/>
-              </a:lnSpc>
-              <a:spcBef>
-                <a:spcPts val="1000"/>
-              </a:spcBef>
-              <a:spcAft>
-                <a:spcPts val="1000"/>
-              </a:spcAft>
-              <a:buFont typeface="Arial" panose="020B0604020202020204" pitchFamily="34" charset="0"/>
-              <a:buChar char="•"/>
-              <a:defRPr lang="en-US" sz="1200" kern="1200">
-                <a:solidFill>
-                  <a:schemeClr val="tx1">
-                    <a:lumMod val="75000"/>
-                    <a:lumOff val="25000"/>
-                  </a:schemeClr>
-                </a:solidFill>
-                <a:latin typeface="+mn-lt"/>
-                <a:ea typeface="+mn-ea"/>
-                <a:cs typeface="+mn-cs"/>
-              </a:defRPr>
-            </a:lvl5pPr>
-            <a:lvl6pPr marL="2514600" indent="-228600" algn="l" defTabSz="914400" rtl="0" eaLnBrk="1" latinLnBrk="0" hangingPunct="1">
-              <a:lnSpc>
-                <a:spcPct val="90000"/>
-              </a:lnSpc>
-              <a:spcBef>
-                <a:spcPct val="30000"/>
-              </a:spcBef>
-              <a:buFont typeface="Arial" panose="020B0604020202020204" pitchFamily="34" charset="0"/>
-              <a:buChar char="•"/>
-              <a:defRPr sz="1800" kern="1200">
-                <a:solidFill>
-                  <a:schemeClr val="tx1"/>
-                </a:solidFill>
-                <a:latin typeface="+mn-lt"/>
-                <a:ea typeface="+mn-ea"/>
-                <a:cs typeface="+mn-cs"/>
-              </a:defRPr>
-            </a:lvl6pPr>
-            <a:lvl7pPr marL="2971800" indent="-228600" algn="l" defTabSz="914400" rtl="0" eaLnBrk="1" latinLnBrk="0" hangingPunct="1">
-              <a:lnSpc>
-                <a:spcPct val="90000"/>
-              </a:lnSpc>
-              <a:spcBef>
-                <a:spcPct val="30000"/>
-              </a:spcBef>
-              <a:buFont typeface="Arial" panose="020B0604020202020204" pitchFamily="34" charset="0"/>
-              <a:buChar char="•"/>
-              <a:defRPr sz="1800" kern="1200">
-                <a:solidFill>
-                  <a:schemeClr val="tx1"/>
-                </a:solidFill>
-                <a:latin typeface="+mn-lt"/>
-                <a:ea typeface="+mn-ea"/>
-                <a:cs typeface="+mn-cs"/>
-              </a:defRPr>
-            </a:lvl7pPr>
-            <a:lvl8pPr marL="3429000" indent="-228600" algn="l" defTabSz="914400" rtl="0" eaLnBrk="1" latinLnBrk="0" hangingPunct="1">
-              <a:lnSpc>
-                <a:spcPct val="90000"/>
-              </a:lnSpc>
-              <a:spcBef>
-                <a:spcPct val="30000"/>
-              </a:spcBef>
-              <a:buFont typeface="Arial" panose="020B0604020202020204" pitchFamily="34" charset="0"/>
-              <a:buChar char="•"/>
-              <a:defRPr sz="1800" kern="1200">
-                <a:solidFill>
-                  <a:schemeClr val="tx1"/>
-                </a:solidFill>
-                <a:latin typeface="+mn-lt"/>
-                <a:ea typeface="+mn-ea"/>
-                <a:cs typeface="+mn-cs"/>
-              </a:defRPr>
-            </a:lvl8pPr>
-            <a:lvl9pPr marL="3886200" indent="-228600" algn="l" defTabSz="914400" rtl="0" eaLnBrk="1" latinLnBrk="0" hangingPunct="1">
-              <a:lnSpc>
-                <a:spcPct val="90000"/>
-              </a:lnSpc>
-              <a:spcBef>
-                <a:spcPct val="30000"/>
-              </a:spcBef>
-              <a:buFont typeface="Arial" panose="020B0604020202020204" pitchFamily="34" charset="0"/>
-              <a:buChar char="•"/>
-              <a:defRPr sz="1800" kern="1200">
-                <a:solidFill>
-                  <a:schemeClr val="tx1"/>
-                </a:solidFill>
-                <a:latin typeface="+mn-lt"/>
-                <a:ea typeface="+mn-ea"/>
-                <a:cs typeface="+mn-cs"/>
-              </a:defRPr>
-            </a:lvl9pPr>
-          </a:lstStyle>
-          <a:p>
-            <a:pPr marL="0" indent="0">
-              <a:spcAft>
-                <a:spcPts val="2000"/>
-              </a:spcAft>
-              <a:buNone/>
-            </a:pPr>
-            <a:endParaRPr lang="en-US" sz="1800" dirty="0">
-              <a:latin typeface="Segoe UI" panose="020B0502040204020203" pitchFamily="34" charset="0"/>
-              <a:cs typeface="Segoe UI" panose="020B0502040204020203" pitchFamily="34" charset="0"/>
-            </a:endParaRPr>
-          </a:p>
-        </p:txBody>
-      </p:sp>
-      <p:sp>
-        <p:nvSpPr>
-          <p:cNvPr id="8" name="TextBox 7">
-            <a:extLst>
-              <a:ext uri="{FF2B5EF4-FFF2-40B4-BE49-F238E27FC236}">
-                <a16:creationId xmlns:a16="http://schemas.microsoft.com/office/drawing/2014/main" id="{D4329088-EA16-420B-B145-A30265C6D3B4}"/>
-              </a:ext>
-            </a:extLst>
-          </p:cNvPr>
-          <p:cNvSpPr txBox="1"/>
-          <p:nvPr/>
-        </p:nvSpPr>
-        <p:spPr>
-          <a:xfrm>
-            <a:off x="541609" y="1336119"/>
-            <a:ext cx="10971964" cy="3970318"/>
-          </a:xfrm>
-          <a:prstGeom prst="rect">
-            <a:avLst/>
-          </a:prstGeom>
-          <a:noFill/>
-        </p:spPr>
-        <p:txBody>
-          <a:bodyPr wrap="square">
-            <a:spAutoFit/>
-          </a:bodyPr>
-          <a:lstStyle/>
-          <a:p>
-            <a:pPr marL="457200" lvl="1" indent="0">
-              <a:buNone/>
-            </a:pPr>
-            <a:r>
-              <a:rPr lang="en-GB" sz="3800" b="1" dirty="0">
-                <a:solidFill>
-                  <a:schemeClr val="bg2">
-                    <a:lumMod val="25000"/>
-                  </a:schemeClr>
-                </a:solidFill>
-                <a:latin typeface="Segoe UI Light" panose="020B0502040204020203" pitchFamily="34" charset="0"/>
-                <a:cs typeface="Segoe UI Light" panose="020B0502040204020203" pitchFamily="34" charset="0"/>
-              </a:rPr>
-              <a:t>PROPS DOWN &lt;my-component postid=“34” /&gt; </a:t>
-            </a:r>
-          </a:p>
-          <a:p>
-            <a:pPr marL="457200" lvl="1" indent="0">
-              <a:buNone/>
-            </a:pPr>
-            <a:r>
-              <a:rPr lang="en-GB" sz="3800" dirty="0">
-                <a:solidFill>
-                  <a:schemeClr val="bg2">
-                    <a:lumMod val="25000"/>
-                  </a:schemeClr>
-                </a:solidFill>
-                <a:latin typeface="Segoe UI Light" panose="020B0502040204020203" pitchFamily="34" charset="0"/>
-                <a:cs typeface="Segoe UI Light" panose="020B0502040204020203" pitchFamily="34" charset="0"/>
-              </a:rPr>
-              <a:t>Demo: 06-library/01-ndc-show-post </a:t>
-            </a:r>
-          </a:p>
-          <a:p>
-            <a:pPr marL="457200" lvl="1" indent="0">
-              <a:buNone/>
-            </a:pPr>
-            <a:endParaRPr lang="en-GB" sz="1600" dirty="0">
-              <a:solidFill>
-                <a:schemeClr val="bg2">
-                  <a:lumMod val="25000"/>
-                </a:schemeClr>
-              </a:solidFill>
-              <a:latin typeface="Segoe UI Light" panose="020B0502040204020203" pitchFamily="34" charset="0"/>
-              <a:cs typeface="Segoe UI Light" panose="020B0502040204020203" pitchFamily="34" charset="0"/>
-            </a:endParaRPr>
-          </a:p>
-          <a:p>
-            <a:pPr marL="457200" lvl="1" indent="0">
-              <a:buNone/>
-            </a:pPr>
-            <a:r>
-              <a:rPr lang="en-GB" sz="3800" b="1" dirty="0">
-                <a:solidFill>
-                  <a:schemeClr val="bg2">
-                    <a:lumMod val="25000"/>
-                  </a:schemeClr>
-                </a:solidFill>
-                <a:latin typeface="Segoe UI Light" panose="020B0502040204020203" pitchFamily="34" charset="0"/>
-                <a:cs typeface="Segoe UI Light" panose="020B0502040204020203" pitchFamily="34" charset="0"/>
-              </a:rPr>
-              <a:t>EVENTS UP</a:t>
-            </a:r>
-          </a:p>
-          <a:p>
-            <a:pPr marL="457200" lvl="1" indent="0">
-              <a:buNone/>
-            </a:pPr>
-            <a:r>
-              <a:rPr lang="en-GB" sz="3800" dirty="0">
-                <a:solidFill>
-                  <a:schemeClr val="bg2">
-                    <a:lumMod val="25000"/>
-                  </a:schemeClr>
-                </a:solidFill>
-                <a:latin typeface="Segoe UI Light" panose="020B0502040204020203" pitchFamily="34" charset="0"/>
-                <a:cs typeface="Segoe UI Light" panose="020B0502040204020203" pitchFamily="34" charset="0"/>
-              </a:rPr>
-              <a:t>Demo: 05-events/15-child-to-parent</a:t>
-            </a:r>
-          </a:p>
-          <a:p>
-            <a:pPr marL="457200" lvl="1" indent="0">
-              <a:buNone/>
-            </a:pPr>
-            <a:r>
-              <a:rPr lang="en-GB" sz="3800" dirty="0">
-                <a:solidFill>
-                  <a:schemeClr val="bg2">
-                    <a:lumMod val="25000"/>
-                  </a:schemeClr>
-                </a:solidFill>
-                <a:latin typeface="Segoe UI Light" panose="020B0502040204020203" pitchFamily="34" charset="0"/>
-                <a:cs typeface="Segoe UI Light" panose="020B0502040204020203" pitchFamily="34" charset="0"/>
-              </a:rPr>
-              <a:t>We use JS Custom Events to send event and data.</a:t>
-            </a:r>
-          </a:p>
-          <a:p>
-            <a:pPr marL="457200" lvl="1" indent="0">
-              <a:buNone/>
-            </a:pPr>
-            <a:endParaRPr lang="en-GB" sz="3800" dirty="0">
-              <a:solidFill>
-                <a:schemeClr val="bg2">
-                  <a:lumMod val="25000"/>
-                </a:schemeClr>
-              </a:solidFill>
-              <a:latin typeface="Segoe UI Light" panose="020B0502040204020203" pitchFamily="34" charset="0"/>
-              <a:cs typeface="Segoe UI Light" panose="020B0502040204020203" pitchFamily="34" charset="0"/>
-            </a:endParaRPr>
-          </a:p>
-        </p:txBody>
-      </p:sp>
-      <p:pic>
-        <p:nvPicPr>
-          <p:cNvPr id="6" name="Picture 5" descr="Text&#10;&#10;Description automatically generated">
-            <a:extLst>
-              <a:ext uri="{FF2B5EF4-FFF2-40B4-BE49-F238E27FC236}">
-                <a16:creationId xmlns:a16="http://schemas.microsoft.com/office/drawing/2014/main" id="{8B1385AD-2C4A-4773-B9E3-A641B60BD10B}"/>
-              </a:ext>
-            </a:extLst>
-          </p:cNvPr>
-          <p:cNvPicPr>
-            <a:picLocks noChangeAspect="1"/>
-          </p:cNvPicPr>
-          <p:nvPr/>
-        </p:nvPicPr>
-        <p:blipFill>
-          <a:blip r:embed="rId2"/>
-          <a:stretch>
-            <a:fillRect/>
-          </a:stretch>
-        </p:blipFill>
-        <p:spPr>
-          <a:xfrm>
-            <a:off x="595592" y="4557624"/>
-            <a:ext cx="10863997" cy="1874075"/>
-          </a:xfrm>
-          <a:prstGeom prst="rect">
-            <a:avLst/>
-          </a:prstGeom>
-        </p:spPr>
-      </p:pic>
-    </p:spTree>
-    <p:extLst>
-      <p:ext uri="{BB962C8B-B14F-4D97-AF65-F5344CB8AC3E}">
-        <p14:creationId xmlns:p14="http://schemas.microsoft.com/office/powerpoint/2010/main" val="1444419286"/>
       </p:ext>
     </p:extLst>
   </p:cSld>
@@ -10242,6 +10511,894 @@
                 <a:latin typeface="Segoe UI Light" panose="020B0502040204020203" pitchFamily="34" charset="0"/>
                 <a:cs typeface="Segoe UI Light" panose="020B0502040204020203" pitchFamily="34" charset="0"/>
               </a:rPr>
+              <a:t>How to use – Props Down</a:t>
+            </a:r>
+          </a:p>
+        </p:txBody>
+      </p:sp>
+      <p:sp>
+        <p:nvSpPr>
+          <p:cNvPr id="25" name="Content Placeholder 17"/>
+          <p:cNvSpPr txBox="1">
+            <a:spLocks/>
+          </p:cNvSpPr>
+          <p:nvPr/>
+        </p:nvSpPr>
+        <p:spPr>
+          <a:xfrm>
+            <a:off x="541609" y="1455491"/>
+            <a:ext cx="5110161" cy="471149"/>
+          </a:xfrm>
+          <a:prstGeom prst="rect">
+            <a:avLst/>
+          </a:prstGeom>
+        </p:spPr>
+        <p:txBody>
+          <a:bodyPr vert="horz" lIns="91440" tIns="45720" rIns="91440" bIns="45720" rtlCol="0">
+            <a:normAutofit/>
+          </a:bodyPr>
+          <a:lstStyle>
+            <a:lvl1pPr marL="228600" indent="-228600" algn="l" defTabSz="914400" rtl="0" eaLnBrk="1" latinLnBrk="0" hangingPunct="1">
+              <a:lnSpc>
+                <a:spcPts val="1800"/>
+              </a:lnSpc>
+              <a:spcBef>
+                <a:spcPts val="1000"/>
+              </a:spcBef>
+              <a:spcAft>
+                <a:spcPts val="1000"/>
+              </a:spcAft>
+              <a:buFont typeface="Arial" panose="020B0604020202020204" pitchFamily="34" charset="0"/>
+              <a:buChar char="•"/>
+              <a:defRPr lang="en-US" sz="1200" kern="1200" smtClean="0">
+                <a:solidFill>
+                  <a:schemeClr val="tx1">
+                    <a:lumMod val="75000"/>
+                    <a:lumOff val="25000"/>
+                  </a:schemeClr>
+                </a:solidFill>
+                <a:latin typeface="+mn-lt"/>
+                <a:ea typeface="+mn-ea"/>
+                <a:cs typeface="+mn-cs"/>
+              </a:defRPr>
+            </a:lvl1pPr>
+            <a:lvl2pPr marL="685800" indent="-228600" algn="l" defTabSz="914400" rtl="0" eaLnBrk="1" latinLnBrk="0" hangingPunct="1">
+              <a:lnSpc>
+                <a:spcPts val="1800"/>
+              </a:lnSpc>
+              <a:spcBef>
+                <a:spcPts val="1000"/>
+              </a:spcBef>
+              <a:spcAft>
+                <a:spcPts val="1000"/>
+              </a:spcAft>
+              <a:buFont typeface="Arial" panose="020B0604020202020204" pitchFamily="34" charset="0"/>
+              <a:buChar char="•"/>
+              <a:defRPr lang="en-US" sz="1200" kern="1200" smtClean="0">
+                <a:solidFill>
+                  <a:schemeClr val="tx1">
+                    <a:lumMod val="75000"/>
+                    <a:lumOff val="25000"/>
+                  </a:schemeClr>
+                </a:solidFill>
+                <a:latin typeface="+mn-lt"/>
+                <a:ea typeface="+mn-ea"/>
+                <a:cs typeface="+mn-cs"/>
+              </a:defRPr>
+            </a:lvl2pPr>
+            <a:lvl3pPr marL="1143000" indent="-228600" algn="l" defTabSz="914400" rtl="0" eaLnBrk="1" latinLnBrk="0" hangingPunct="1">
+              <a:lnSpc>
+                <a:spcPts val="1800"/>
+              </a:lnSpc>
+              <a:spcBef>
+                <a:spcPts val="1000"/>
+              </a:spcBef>
+              <a:spcAft>
+                <a:spcPts val="1000"/>
+              </a:spcAft>
+              <a:buFont typeface="Arial" panose="020B0604020202020204" pitchFamily="34" charset="0"/>
+              <a:buChar char="•"/>
+              <a:defRPr lang="en-US" sz="1200" kern="1200" smtClean="0">
+                <a:solidFill>
+                  <a:schemeClr val="tx1">
+                    <a:lumMod val="75000"/>
+                    <a:lumOff val="25000"/>
+                  </a:schemeClr>
+                </a:solidFill>
+                <a:latin typeface="+mn-lt"/>
+                <a:ea typeface="+mn-ea"/>
+                <a:cs typeface="+mn-cs"/>
+              </a:defRPr>
+            </a:lvl3pPr>
+            <a:lvl4pPr marL="1600200" indent="-228600" algn="l" defTabSz="914400" rtl="0" eaLnBrk="1" latinLnBrk="0" hangingPunct="1">
+              <a:lnSpc>
+                <a:spcPts val="1800"/>
+              </a:lnSpc>
+              <a:spcBef>
+                <a:spcPts val="1000"/>
+              </a:spcBef>
+              <a:spcAft>
+                <a:spcPts val="1000"/>
+              </a:spcAft>
+              <a:buFont typeface="Arial" panose="020B0604020202020204" pitchFamily="34" charset="0"/>
+              <a:buChar char="•"/>
+              <a:defRPr lang="en-US" sz="1200" kern="1200" smtClean="0">
+                <a:solidFill>
+                  <a:schemeClr val="tx1">
+                    <a:lumMod val="75000"/>
+                    <a:lumOff val="25000"/>
+                  </a:schemeClr>
+                </a:solidFill>
+                <a:latin typeface="+mn-lt"/>
+                <a:ea typeface="+mn-ea"/>
+                <a:cs typeface="+mn-cs"/>
+              </a:defRPr>
+            </a:lvl4pPr>
+            <a:lvl5pPr marL="2057400" indent="-228600" algn="l" defTabSz="914400" rtl="0" eaLnBrk="1" latinLnBrk="0" hangingPunct="1">
+              <a:lnSpc>
+                <a:spcPts val="1800"/>
+              </a:lnSpc>
+              <a:spcBef>
+                <a:spcPts val="1000"/>
+              </a:spcBef>
+              <a:spcAft>
+                <a:spcPts val="1000"/>
+              </a:spcAft>
+              <a:buFont typeface="Arial" panose="020B0604020202020204" pitchFamily="34" charset="0"/>
+              <a:buChar char="•"/>
+              <a:defRPr lang="en-US" sz="1200" kern="1200">
+                <a:solidFill>
+                  <a:schemeClr val="tx1">
+                    <a:lumMod val="75000"/>
+                    <a:lumOff val="25000"/>
+                  </a:schemeClr>
+                </a:solidFill>
+                <a:latin typeface="+mn-lt"/>
+                <a:ea typeface="+mn-ea"/>
+                <a:cs typeface="+mn-cs"/>
+              </a:defRPr>
+            </a:lvl5pPr>
+            <a:lvl6pPr marL="2514600" indent="-228600" algn="l" defTabSz="914400" rtl="0" eaLnBrk="1" latinLnBrk="0" hangingPunct="1">
+              <a:lnSpc>
+                <a:spcPct val="90000"/>
+              </a:lnSpc>
+              <a:spcBef>
+                <a:spcPct val="30000"/>
+              </a:spcBef>
+              <a:buFont typeface="Arial" panose="020B0604020202020204" pitchFamily="34" charset="0"/>
+              <a:buChar char="•"/>
+              <a:defRPr sz="1800" kern="1200">
+                <a:solidFill>
+                  <a:schemeClr val="tx1"/>
+                </a:solidFill>
+                <a:latin typeface="+mn-lt"/>
+                <a:ea typeface="+mn-ea"/>
+                <a:cs typeface="+mn-cs"/>
+              </a:defRPr>
+            </a:lvl6pPr>
+            <a:lvl7pPr marL="2971800" indent="-228600" algn="l" defTabSz="914400" rtl="0" eaLnBrk="1" latinLnBrk="0" hangingPunct="1">
+              <a:lnSpc>
+                <a:spcPct val="90000"/>
+              </a:lnSpc>
+              <a:spcBef>
+                <a:spcPct val="30000"/>
+              </a:spcBef>
+              <a:buFont typeface="Arial" panose="020B0604020202020204" pitchFamily="34" charset="0"/>
+              <a:buChar char="•"/>
+              <a:defRPr sz="1800" kern="1200">
+                <a:solidFill>
+                  <a:schemeClr val="tx1"/>
+                </a:solidFill>
+                <a:latin typeface="+mn-lt"/>
+                <a:ea typeface="+mn-ea"/>
+                <a:cs typeface="+mn-cs"/>
+              </a:defRPr>
+            </a:lvl7pPr>
+            <a:lvl8pPr marL="3429000" indent="-228600" algn="l" defTabSz="914400" rtl="0" eaLnBrk="1" latinLnBrk="0" hangingPunct="1">
+              <a:lnSpc>
+                <a:spcPct val="90000"/>
+              </a:lnSpc>
+              <a:spcBef>
+                <a:spcPct val="30000"/>
+              </a:spcBef>
+              <a:buFont typeface="Arial" panose="020B0604020202020204" pitchFamily="34" charset="0"/>
+              <a:buChar char="•"/>
+              <a:defRPr sz="1800" kern="1200">
+                <a:solidFill>
+                  <a:schemeClr val="tx1"/>
+                </a:solidFill>
+                <a:latin typeface="+mn-lt"/>
+                <a:ea typeface="+mn-ea"/>
+                <a:cs typeface="+mn-cs"/>
+              </a:defRPr>
+            </a:lvl8pPr>
+            <a:lvl9pPr marL="3886200" indent="-228600" algn="l" defTabSz="914400" rtl="0" eaLnBrk="1" latinLnBrk="0" hangingPunct="1">
+              <a:lnSpc>
+                <a:spcPct val="90000"/>
+              </a:lnSpc>
+              <a:spcBef>
+                <a:spcPct val="30000"/>
+              </a:spcBef>
+              <a:buFont typeface="Arial" panose="020B0604020202020204" pitchFamily="34" charset="0"/>
+              <a:buChar char="•"/>
+              <a:defRPr sz="1800" kern="1200">
+                <a:solidFill>
+                  <a:schemeClr val="tx1"/>
+                </a:solidFill>
+                <a:latin typeface="+mn-lt"/>
+                <a:ea typeface="+mn-ea"/>
+                <a:cs typeface="+mn-cs"/>
+              </a:defRPr>
+            </a:lvl9pPr>
+          </a:lstStyle>
+          <a:p>
+            <a:pPr marL="0" indent="0">
+              <a:spcAft>
+                <a:spcPts val="2000"/>
+              </a:spcAft>
+              <a:buNone/>
+            </a:pPr>
+            <a:endParaRPr lang="en-US" sz="1800" dirty="0">
+              <a:latin typeface="Segoe UI" panose="020B0502040204020203" pitchFamily="34" charset="0"/>
+              <a:cs typeface="Segoe UI" panose="020B0502040204020203" pitchFamily="34" charset="0"/>
+            </a:endParaRPr>
+          </a:p>
+        </p:txBody>
+      </p:sp>
+      <p:sp>
+        <p:nvSpPr>
+          <p:cNvPr id="8" name="TextBox 7">
+            <a:extLst>
+              <a:ext uri="{FF2B5EF4-FFF2-40B4-BE49-F238E27FC236}">
+                <a16:creationId xmlns:a16="http://schemas.microsoft.com/office/drawing/2014/main" id="{D4329088-EA16-420B-B145-A30265C6D3B4}"/>
+              </a:ext>
+            </a:extLst>
+          </p:cNvPr>
+          <p:cNvSpPr txBox="1"/>
+          <p:nvPr/>
+        </p:nvSpPr>
+        <p:spPr>
+          <a:xfrm>
+            <a:off x="602569" y="1251196"/>
+            <a:ext cx="10570528" cy="2092881"/>
+          </a:xfrm>
+          <a:prstGeom prst="rect">
+            <a:avLst/>
+          </a:prstGeom>
+          <a:noFill/>
+        </p:spPr>
+        <p:txBody>
+          <a:bodyPr wrap="square">
+            <a:spAutoFit/>
+          </a:bodyPr>
+          <a:lstStyle/>
+          <a:p>
+            <a:pPr marL="457200" lvl="1" indent="0">
+              <a:buNone/>
+            </a:pPr>
+            <a:r>
+              <a:rPr lang="en-GB" sz="3800" b="1" dirty="0">
+                <a:solidFill>
+                  <a:schemeClr val="bg2">
+                    <a:lumMod val="25000"/>
+                  </a:schemeClr>
+                </a:solidFill>
+                <a:latin typeface="Segoe UI Light" panose="020B0502040204020203" pitchFamily="34" charset="0"/>
+                <a:cs typeface="Segoe UI Light" panose="020B0502040204020203" pitchFamily="34" charset="0"/>
+              </a:rPr>
+              <a:t>PROPS DOWN &lt;show-post postid=“34” /&gt; </a:t>
+            </a:r>
+          </a:p>
+          <a:p>
+            <a:pPr marL="457200" lvl="1" indent="0">
+              <a:buNone/>
+            </a:pPr>
+            <a:r>
+              <a:rPr lang="en-GB" sz="3800" dirty="0">
+                <a:solidFill>
+                  <a:schemeClr val="bg2">
+                    <a:lumMod val="25000"/>
+                  </a:schemeClr>
+                </a:solidFill>
+                <a:latin typeface="Segoe UI Light" panose="020B0502040204020203" pitchFamily="34" charset="0"/>
+                <a:cs typeface="Segoe UI Light" panose="020B0502040204020203" pitchFamily="34" charset="0"/>
+              </a:rPr>
+              <a:t>Demo: 06-library/01-ndc-show-post/showPost.js </a:t>
+            </a:r>
+          </a:p>
+          <a:p>
+            <a:pPr marL="457200" lvl="1" indent="0">
+              <a:buNone/>
+            </a:pPr>
+            <a:endParaRPr lang="en-GB" sz="1600" dirty="0">
+              <a:solidFill>
+                <a:schemeClr val="bg2">
+                  <a:lumMod val="25000"/>
+                </a:schemeClr>
+              </a:solidFill>
+              <a:latin typeface="Segoe UI Light" panose="020B0502040204020203" pitchFamily="34" charset="0"/>
+              <a:cs typeface="Segoe UI Light" panose="020B0502040204020203" pitchFamily="34" charset="0"/>
+            </a:endParaRPr>
+          </a:p>
+          <a:p>
+            <a:pPr marL="457200" lvl="1" indent="0">
+              <a:buNone/>
+            </a:pPr>
+            <a:endParaRPr lang="en-GB" sz="3800" dirty="0">
+              <a:solidFill>
+                <a:schemeClr val="bg2">
+                  <a:lumMod val="25000"/>
+                </a:schemeClr>
+              </a:solidFill>
+              <a:latin typeface="Segoe UI Light" panose="020B0502040204020203" pitchFamily="34" charset="0"/>
+              <a:cs typeface="Segoe UI Light" panose="020B0502040204020203" pitchFamily="34" charset="0"/>
+            </a:endParaRPr>
+          </a:p>
+        </p:txBody>
+      </p:sp>
+      <p:pic>
+        <p:nvPicPr>
+          <p:cNvPr id="7" name="Picture 6" descr="Text&#10;&#10;Description automatically generated">
+            <a:extLst>
+              <a:ext uri="{FF2B5EF4-FFF2-40B4-BE49-F238E27FC236}">
+                <a16:creationId xmlns:a16="http://schemas.microsoft.com/office/drawing/2014/main" id="{45721123-3891-4505-AE4C-022B3432725E}"/>
+              </a:ext>
+            </a:extLst>
+          </p:cNvPr>
+          <p:cNvPicPr>
+            <a:picLocks noChangeAspect="1"/>
+          </p:cNvPicPr>
+          <p:nvPr/>
+        </p:nvPicPr>
+        <p:blipFill>
+          <a:blip r:embed="rId2"/>
+          <a:stretch>
+            <a:fillRect/>
+          </a:stretch>
+        </p:blipFill>
+        <p:spPr>
+          <a:xfrm>
+            <a:off x="1179590" y="2455878"/>
+            <a:ext cx="9832819" cy="3975821"/>
+          </a:xfrm>
+          <a:prstGeom prst="rect">
+            <a:avLst/>
+          </a:prstGeom>
+        </p:spPr>
+      </p:pic>
+    </p:spTree>
+    <p:extLst>
+      <p:ext uri="{BB962C8B-B14F-4D97-AF65-F5344CB8AC3E}">
+        <p14:creationId xmlns:p14="http://schemas.microsoft.com/office/powerpoint/2010/main" val="1444419286"/>
+      </p:ext>
+    </p:extLst>
+  </p:cSld>
+  <p:clrMapOvr>
+    <a:masterClrMapping/>
+  </p:clrMapOvr>
+</p:sld>
+</file>
+
+<file path=ppt/slides/slide21.xml><?xml version="1.0" encoding="utf-8"?>
+<p:sld xmlns:a="http://schemas.openxmlformats.org/drawingml/2006/main" xmlns:r="http://schemas.openxmlformats.org/officeDocument/2006/relationships" xmlns:p="http://schemas.openxmlformats.org/presentationml/2006/main">
+  <p:cSld>
+    <p:spTree>
+      <p:nvGrpSpPr>
+        <p:cNvPr id="1" name=""/>
+        <p:cNvGrpSpPr/>
+        <p:nvPr/>
+      </p:nvGrpSpPr>
+      <p:grpSpPr>
+        <a:xfrm>
+          <a:off x="0" y="0"/>
+          <a:ext cx="0" cy="0"/>
+          <a:chOff x="0" y="0"/>
+          <a:chExt cx="0" cy="0"/>
+        </a:xfrm>
+      </p:grpSpPr>
+      <p:sp>
+        <p:nvSpPr>
+          <p:cNvPr id="4" name="Title 3"/>
+          <p:cNvSpPr>
+            <a:spLocks noGrp="1"/>
+          </p:cNvSpPr>
+          <p:nvPr>
+            <p:ph type="title"/>
+          </p:nvPr>
+        </p:nvSpPr>
+        <p:spPr>
+          <a:xfrm>
+            <a:off x="541609" y="426301"/>
+            <a:ext cx="8578726" cy="749992"/>
+          </a:xfrm>
+        </p:spPr>
+        <p:txBody>
+          <a:bodyPr>
+            <a:noAutofit/>
+          </a:bodyPr>
+          <a:lstStyle/>
+          <a:p>
+            <a:r>
+              <a:rPr lang="en-US" sz="4000" dirty="0">
+                <a:latin typeface="Segoe UI Light" panose="020B0502040204020203" pitchFamily="34" charset="0"/>
+                <a:cs typeface="Segoe UI Light" panose="020B0502040204020203" pitchFamily="34" charset="0"/>
+              </a:rPr>
+              <a:t>How to use – Events Up</a:t>
+            </a:r>
+          </a:p>
+        </p:txBody>
+      </p:sp>
+      <p:sp>
+        <p:nvSpPr>
+          <p:cNvPr id="25" name="Content Placeholder 17"/>
+          <p:cNvSpPr txBox="1">
+            <a:spLocks/>
+          </p:cNvSpPr>
+          <p:nvPr/>
+        </p:nvSpPr>
+        <p:spPr>
+          <a:xfrm>
+            <a:off x="541609" y="1455491"/>
+            <a:ext cx="5110161" cy="471149"/>
+          </a:xfrm>
+          <a:prstGeom prst="rect">
+            <a:avLst/>
+          </a:prstGeom>
+        </p:spPr>
+        <p:txBody>
+          <a:bodyPr vert="horz" lIns="91440" tIns="45720" rIns="91440" bIns="45720" rtlCol="0">
+            <a:normAutofit/>
+          </a:bodyPr>
+          <a:lstStyle>
+            <a:lvl1pPr marL="228600" indent="-228600" algn="l" defTabSz="914400" rtl="0" eaLnBrk="1" latinLnBrk="0" hangingPunct="1">
+              <a:lnSpc>
+                <a:spcPts val="1800"/>
+              </a:lnSpc>
+              <a:spcBef>
+                <a:spcPts val="1000"/>
+              </a:spcBef>
+              <a:spcAft>
+                <a:spcPts val="1000"/>
+              </a:spcAft>
+              <a:buFont typeface="Arial" panose="020B0604020202020204" pitchFamily="34" charset="0"/>
+              <a:buChar char="•"/>
+              <a:defRPr lang="en-US" sz="1200" kern="1200" smtClean="0">
+                <a:solidFill>
+                  <a:schemeClr val="tx1">
+                    <a:lumMod val="75000"/>
+                    <a:lumOff val="25000"/>
+                  </a:schemeClr>
+                </a:solidFill>
+                <a:latin typeface="+mn-lt"/>
+                <a:ea typeface="+mn-ea"/>
+                <a:cs typeface="+mn-cs"/>
+              </a:defRPr>
+            </a:lvl1pPr>
+            <a:lvl2pPr marL="685800" indent="-228600" algn="l" defTabSz="914400" rtl="0" eaLnBrk="1" latinLnBrk="0" hangingPunct="1">
+              <a:lnSpc>
+                <a:spcPts val="1800"/>
+              </a:lnSpc>
+              <a:spcBef>
+                <a:spcPts val="1000"/>
+              </a:spcBef>
+              <a:spcAft>
+                <a:spcPts val="1000"/>
+              </a:spcAft>
+              <a:buFont typeface="Arial" panose="020B0604020202020204" pitchFamily="34" charset="0"/>
+              <a:buChar char="•"/>
+              <a:defRPr lang="en-US" sz="1200" kern="1200" smtClean="0">
+                <a:solidFill>
+                  <a:schemeClr val="tx1">
+                    <a:lumMod val="75000"/>
+                    <a:lumOff val="25000"/>
+                  </a:schemeClr>
+                </a:solidFill>
+                <a:latin typeface="+mn-lt"/>
+                <a:ea typeface="+mn-ea"/>
+                <a:cs typeface="+mn-cs"/>
+              </a:defRPr>
+            </a:lvl2pPr>
+            <a:lvl3pPr marL="1143000" indent="-228600" algn="l" defTabSz="914400" rtl="0" eaLnBrk="1" latinLnBrk="0" hangingPunct="1">
+              <a:lnSpc>
+                <a:spcPts val="1800"/>
+              </a:lnSpc>
+              <a:spcBef>
+                <a:spcPts val="1000"/>
+              </a:spcBef>
+              <a:spcAft>
+                <a:spcPts val="1000"/>
+              </a:spcAft>
+              <a:buFont typeface="Arial" panose="020B0604020202020204" pitchFamily="34" charset="0"/>
+              <a:buChar char="•"/>
+              <a:defRPr lang="en-US" sz="1200" kern="1200" smtClean="0">
+                <a:solidFill>
+                  <a:schemeClr val="tx1">
+                    <a:lumMod val="75000"/>
+                    <a:lumOff val="25000"/>
+                  </a:schemeClr>
+                </a:solidFill>
+                <a:latin typeface="+mn-lt"/>
+                <a:ea typeface="+mn-ea"/>
+                <a:cs typeface="+mn-cs"/>
+              </a:defRPr>
+            </a:lvl3pPr>
+            <a:lvl4pPr marL="1600200" indent="-228600" algn="l" defTabSz="914400" rtl="0" eaLnBrk="1" latinLnBrk="0" hangingPunct="1">
+              <a:lnSpc>
+                <a:spcPts val="1800"/>
+              </a:lnSpc>
+              <a:spcBef>
+                <a:spcPts val="1000"/>
+              </a:spcBef>
+              <a:spcAft>
+                <a:spcPts val="1000"/>
+              </a:spcAft>
+              <a:buFont typeface="Arial" panose="020B0604020202020204" pitchFamily="34" charset="0"/>
+              <a:buChar char="•"/>
+              <a:defRPr lang="en-US" sz="1200" kern="1200" smtClean="0">
+                <a:solidFill>
+                  <a:schemeClr val="tx1">
+                    <a:lumMod val="75000"/>
+                    <a:lumOff val="25000"/>
+                  </a:schemeClr>
+                </a:solidFill>
+                <a:latin typeface="+mn-lt"/>
+                <a:ea typeface="+mn-ea"/>
+                <a:cs typeface="+mn-cs"/>
+              </a:defRPr>
+            </a:lvl4pPr>
+            <a:lvl5pPr marL="2057400" indent="-228600" algn="l" defTabSz="914400" rtl="0" eaLnBrk="1" latinLnBrk="0" hangingPunct="1">
+              <a:lnSpc>
+                <a:spcPts val="1800"/>
+              </a:lnSpc>
+              <a:spcBef>
+                <a:spcPts val="1000"/>
+              </a:spcBef>
+              <a:spcAft>
+                <a:spcPts val="1000"/>
+              </a:spcAft>
+              <a:buFont typeface="Arial" panose="020B0604020202020204" pitchFamily="34" charset="0"/>
+              <a:buChar char="•"/>
+              <a:defRPr lang="en-US" sz="1200" kern="1200">
+                <a:solidFill>
+                  <a:schemeClr val="tx1">
+                    <a:lumMod val="75000"/>
+                    <a:lumOff val="25000"/>
+                  </a:schemeClr>
+                </a:solidFill>
+                <a:latin typeface="+mn-lt"/>
+                <a:ea typeface="+mn-ea"/>
+                <a:cs typeface="+mn-cs"/>
+              </a:defRPr>
+            </a:lvl5pPr>
+            <a:lvl6pPr marL="2514600" indent="-228600" algn="l" defTabSz="914400" rtl="0" eaLnBrk="1" latinLnBrk="0" hangingPunct="1">
+              <a:lnSpc>
+                <a:spcPct val="90000"/>
+              </a:lnSpc>
+              <a:spcBef>
+                <a:spcPct val="30000"/>
+              </a:spcBef>
+              <a:buFont typeface="Arial" panose="020B0604020202020204" pitchFamily="34" charset="0"/>
+              <a:buChar char="•"/>
+              <a:defRPr sz="1800" kern="1200">
+                <a:solidFill>
+                  <a:schemeClr val="tx1"/>
+                </a:solidFill>
+                <a:latin typeface="+mn-lt"/>
+                <a:ea typeface="+mn-ea"/>
+                <a:cs typeface="+mn-cs"/>
+              </a:defRPr>
+            </a:lvl6pPr>
+            <a:lvl7pPr marL="2971800" indent="-228600" algn="l" defTabSz="914400" rtl="0" eaLnBrk="1" latinLnBrk="0" hangingPunct="1">
+              <a:lnSpc>
+                <a:spcPct val="90000"/>
+              </a:lnSpc>
+              <a:spcBef>
+                <a:spcPct val="30000"/>
+              </a:spcBef>
+              <a:buFont typeface="Arial" panose="020B0604020202020204" pitchFamily="34" charset="0"/>
+              <a:buChar char="•"/>
+              <a:defRPr sz="1800" kern="1200">
+                <a:solidFill>
+                  <a:schemeClr val="tx1"/>
+                </a:solidFill>
+                <a:latin typeface="+mn-lt"/>
+                <a:ea typeface="+mn-ea"/>
+                <a:cs typeface="+mn-cs"/>
+              </a:defRPr>
+            </a:lvl7pPr>
+            <a:lvl8pPr marL="3429000" indent="-228600" algn="l" defTabSz="914400" rtl="0" eaLnBrk="1" latinLnBrk="0" hangingPunct="1">
+              <a:lnSpc>
+                <a:spcPct val="90000"/>
+              </a:lnSpc>
+              <a:spcBef>
+                <a:spcPct val="30000"/>
+              </a:spcBef>
+              <a:buFont typeface="Arial" panose="020B0604020202020204" pitchFamily="34" charset="0"/>
+              <a:buChar char="•"/>
+              <a:defRPr sz="1800" kern="1200">
+                <a:solidFill>
+                  <a:schemeClr val="tx1"/>
+                </a:solidFill>
+                <a:latin typeface="+mn-lt"/>
+                <a:ea typeface="+mn-ea"/>
+                <a:cs typeface="+mn-cs"/>
+              </a:defRPr>
+            </a:lvl8pPr>
+            <a:lvl9pPr marL="3886200" indent="-228600" algn="l" defTabSz="914400" rtl="0" eaLnBrk="1" latinLnBrk="0" hangingPunct="1">
+              <a:lnSpc>
+                <a:spcPct val="90000"/>
+              </a:lnSpc>
+              <a:spcBef>
+                <a:spcPct val="30000"/>
+              </a:spcBef>
+              <a:buFont typeface="Arial" panose="020B0604020202020204" pitchFamily="34" charset="0"/>
+              <a:buChar char="•"/>
+              <a:defRPr sz="1800" kern="1200">
+                <a:solidFill>
+                  <a:schemeClr val="tx1"/>
+                </a:solidFill>
+                <a:latin typeface="+mn-lt"/>
+                <a:ea typeface="+mn-ea"/>
+                <a:cs typeface="+mn-cs"/>
+              </a:defRPr>
+            </a:lvl9pPr>
+          </a:lstStyle>
+          <a:p>
+            <a:pPr marL="0" indent="0">
+              <a:spcAft>
+                <a:spcPts val="2000"/>
+              </a:spcAft>
+              <a:buNone/>
+            </a:pPr>
+            <a:endParaRPr lang="en-US" sz="1800" dirty="0">
+              <a:latin typeface="Segoe UI" panose="020B0502040204020203" pitchFamily="34" charset="0"/>
+              <a:cs typeface="Segoe UI" panose="020B0502040204020203" pitchFamily="34" charset="0"/>
+            </a:endParaRPr>
+          </a:p>
+        </p:txBody>
+      </p:sp>
+      <p:sp>
+        <p:nvSpPr>
+          <p:cNvPr id="8" name="TextBox 7">
+            <a:extLst>
+              <a:ext uri="{FF2B5EF4-FFF2-40B4-BE49-F238E27FC236}">
+                <a16:creationId xmlns:a16="http://schemas.microsoft.com/office/drawing/2014/main" id="{D4329088-EA16-420B-B145-A30265C6D3B4}"/>
+              </a:ext>
+            </a:extLst>
+          </p:cNvPr>
+          <p:cNvSpPr txBox="1"/>
+          <p:nvPr/>
+        </p:nvSpPr>
+        <p:spPr>
+          <a:xfrm>
+            <a:off x="541609" y="1031319"/>
+            <a:ext cx="10971964" cy="2677656"/>
+          </a:xfrm>
+          <a:prstGeom prst="rect">
+            <a:avLst/>
+          </a:prstGeom>
+          <a:noFill/>
+        </p:spPr>
+        <p:txBody>
+          <a:bodyPr wrap="square">
+            <a:spAutoFit/>
+          </a:bodyPr>
+          <a:lstStyle/>
+          <a:p>
+            <a:pPr marL="457200" lvl="1" indent="0">
+              <a:buNone/>
+            </a:pPr>
+            <a:endParaRPr lang="en-GB" sz="1600" dirty="0">
+              <a:solidFill>
+                <a:schemeClr val="bg2">
+                  <a:lumMod val="25000"/>
+                </a:schemeClr>
+              </a:solidFill>
+              <a:latin typeface="Segoe UI Light" panose="020B0502040204020203" pitchFamily="34" charset="0"/>
+              <a:cs typeface="Segoe UI Light" panose="020B0502040204020203" pitchFamily="34" charset="0"/>
+            </a:endParaRPr>
+          </a:p>
+          <a:p>
+            <a:pPr marL="457200" lvl="1" indent="0">
+              <a:buNone/>
+            </a:pPr>
+            <a:r>
+              <a:rPr lang="en-GB" sz="3800" b="1" dirty="0">
+                <a:solidFill>
+                  <a:schemeClr val="bg2">
+                    <a:lumMod val="25000"/>
+                  </a:schemeClr>
+                </a:solidFill>
+                <a:latin typeface="Segoe UI Light" panose="020B0502040204020203" pitchFamily="34" charset="0"/>
+                <a:cs typeface="Segoe UI Light" panose="020B0502040204020203" pitchFamily="34" charset="0"/>
+              </a:rPr>
+              <a:t>EVENTS UP</a:t>
+            </a:r>
+          </a:p>
+          <a:p>
+            <a:pPr marL="457200" lvl="1" indent="0">
+              <a:buNone/>
+            </a:pPr>
+            <a:r>
+              <a:rPr lang="en-GB" sz="3800" dirty="0">
+                <a:solidFill>
+                  <a:schemeClr val="bg2">
+                    <a:lumMod val="25000"/>
+                  </a:schemeClr>
+                </a:solidFill>
+                <a:latin typeface="Segoe UI Light" panose="020B0502040204020203" pitchFamily="34" charset="0"/>
+                <a:cs typeface="Segoe UI Light" panose="020B0502040204020203" pitchFamily="34" charset="0"/>
+              </a:rPr>
+              <a:t>Demo: 05-events/15-child-to-parent</a:t>
+            </a:r>
+          </a:p>
+          <a:p>
+            <a:pPr marL="457200" lvl="1" indent="0">
+              <a:buNone/>
+            </a:pPr>
+            <a:r>
+              <a:rPr lang="en-GB" sz="3800" dirty="0">
+                <a:solidFill>
+                  <a:schemeClr val="bg2">
+                    <a:lumMod val="25000"/>
+                  </a:schemeClr>
+                </a:solidFill>
+                <a:latin typeface="Segoe UI Light" panose="020B0502040204020203" pitchFamily="34" charset="0"/>
+                <a:cs typeface="Segoe UI Light" panose="020B0502040204020203" pitchFamily="34" charset="0"/>
+              </a:rPr>
+              <a:t>We use JS Custom Events to send event and data.</a:t>
+            </a:r>
+          </a:p>
+          <a:p>
+            <a:pPr marL="457200" lvl="1" indent="0">
+              <a:buNone/>
+            </a:pPr>
+            <a:endParaRPr lang="en-GB" sz="3800" dirty="0">
+              <a:solidFill>
+                <a:schemeClr val="bg2">
+                  <a:lumMod val="25000"/>
+                </a:schemeClr>
+              </a:solidFill>
+              <a:latin typeface="Segoe UI Light" panose="020B0502040204020203" pitchFamily="34" charset="0"/>
+              <a:cs typeface="Segoe UI Light" panose="020B0502040204020203" pitchFamily="34" charset="0"/>
+            </a:endParaRPr>
+          </a:p>
+        </p:txBody>
+      </p:sp>
+      <p:pic>
+        <p:nvPicPr>
+          <p:cNvPr id="3" name="Picture 2" descr="Text&#10;&#10;Description automatically generated">
+            <a:extLst>
+              <a:ext uri="{FF2B5EF4-FFF2-40B4-BE49-F238E27FC236}">
+                <a16:creationId xmlns:a16="http://schemas.microsoft.com/office/drawing/2014/main" id="{1EFF6DE4-1800-4B4F-A534-31BA34AF8DEE}"/>
+              </a:ext>
+            </a:extLst>
+          </p:cNvPr>
+          <p:cNvPicPr>
+            <a:picLocks noChangeAspect="1"/>
+          </p:cNvPicPr>
+          <p:nvPr/>
+        </p:nvPicPr>
+        <p:blipFill>
+          <a:blip r:embed="rId2"/>
+          <a:stretch>
+            <a:fillRect/>
+          </a:stretch>
+        </p:blipFill>
+        <p:spPr>
+          <a:xfrm>
+            <a:off x="1162029" y="3125792"/>
+            <a:ext cx="9993734" cy="2613203"/>
+          </a:xfrm>
+          <a:prstGeom prst="rect">
+            <a:avLst/>
+          </a:prstGeom>
+        </p:spPr>
+      </p:pic>
+      <p:sp>
+        <p:nvSpPr>
+          <p:cNvPr id="5" name="TextBox 4">
+            <a:extLst>
+              <a:ext uri="{FF2B5EF4-FFF2-40B4-BE49-F238E27FC236}">
+                <a16:creationId xmlns:a16="http://schemas.microsoft.com/office/drawing/2014/main" id="{F668C555-2195-4C04-83B9-58ABA9E66946}"/>
+              </a:ext>
+            </a:extLst>
+          </p:cNvPr>
+          <p:cNvSpPr txBox="1"/>
+          <p:nvPr/>
+        </p:nvSpPr>
+        <p:spPr>
+          <a:xfrm>
+            <a:off x="1637212" y="5846924"/>
+            <a:ext cx="8275604" cy="584775"/>
+          </a:xfrm>
+          <a:prstGeom prst="rect">
+            <a:avLst/>
+          </a:prstGeom>
+          <a:noFill/>
+        </p:spPr>
+        <p:txBody>
+          <a:bodyPr wrap="square" rtlCol="0">
+            <a:spAutoFit/>
+          </a:bodyPr>
+          <a:lstStyle/>
+          <a:p>
+            <a:r>
+              <a:rPr lang="en-GB" sz="3200" dirty="0"/>
+              <a:t>In page, listen for the ‘</a:t>
+            </a:r>
+            <a:r>
+              <a:rPr lang="en-GB" sz="3200" dirty="0">
+                <a:solidFill>
+                  <a:srgbClr val="FF0000"/>
+                </a:solidFill>
+              </a:rPr>
+              <a:t>childOneClick</a:t>
+            </a:r>
+            <a:r>
+              <a:rPr lang="en-GB" sz="3200" dirty="0"/>
+              <a:t>’ event…</a:t>
+            </a:r>
+          </a:p>
+        </p:txBody>
+      </p:sp>
+    </p:spTree>
+    <p:extLst>
+      <p:ext uri="{BB962C8B-B14F-4D97-AF65-F5344CB8AC3E}">
+        <p14:creationId xmlns:p14="http://schemas.microsoft.com/office/powerpoint/2010/main" val="3296201070"/>
+      </p:ext>
+    </p:extLst>
+  </p:cSld>
+  <p:clrMapOvr>
+    <a:masterClrMapping/>
+  </p:clrMapOvr>
+</p:sld>
+</file>
+
+<file path=ppt/slides/slide22.xml><?xml version="1.0" encoding="utf-8"?>
+<p:sld xmlns:a="http://schemas.openxmlformats.org/drawingml/2006/main" xmlns:r="http://schemas.openxmlformats.org/officeDocument/2006/relationships" xmlns:p="http://schemas.openxmlformats.org/presentationml/2006/main">
+  <p:cSld>
+    <p:spTree>
+      <p:nvGrpSpPr>
+        <p:cNvPr id="1" name=""/>
+        <p:cNvGrpSpPr/>
+        <p:nvPr/>
+      </p:nvGrpSpPr>
+      <p:grpSpPr>
+        <a:xfrm>
+          <a:off x="0" y="0"/>
+          <a:ext cx="0" cy="0"/>
+          <a:chOff x="0" y="0"/>
+          <a:chExt cx="0" cy="0"/>
+        </a:xfrm>
+      </p:grpSpPr>
+      <p:sp>
+        <p:nvSpPr>
+          <p:cNvPr id="4" name="Title 3"/>
+          <p:cNvSpPr>
+            <a:spLocks noGrp="1"/>
+          </p:cNvSpPr>
+          <p:nvPr>
+            <p:ph type="title"/>
+          </p:nvPr>
+        </p:nvSpPr>
+        <p:spPr>
+          <a:xfrm>
+            <a:off x="541609" y="426301"/>
+            <a:ext cx="8578726" cy="749992"/>
+          </a:xfrm>
+        </p:spPr>
+        <p:txBody>
+          <a:bodyPr>
+            <a:noAutofit/>
+          </a:bodyPr>
+          <a:lstStyle/>
+          <a:p>
+            <a:r>
+              <a:rPr lang="en-US" sz="4000" dirty="0">
+                <a:latin typeface="Segoe UI Light" panose="020B0502040204020203" pitchFamily="34" charset="0"/>
+                <a:cs typeface="Segoe UI Light" panose="020B0502040204020203" pitchFamily="34" charset="0"/>
+              </a:rPr>
               <a:t>How to use</a:t>
             </a:r>
           </a:p>
@@ -10580,7 +11737,7 @@
 </p:sld>
 </file>
 
-<file path=ppt/slides/slide21.xml><?xml version="1.0" encoding="utf-8"?>
+<file path=ppt/slides/slide23.xml><?xml version="1.0" encoding="utf-8"?>
 <p:sld xmlns:a="http://schemas.openxmlformats.org/drawingml/2006/main" xmlns:r="http://schemas.openxmlformats.org/officeDocument/2006/relationships" xmlns:p="http://schemas.openxmlformats.org/presentationml/2006/main">
   <p:cSld>
     <p:spTree>
@@ -10978,7 +12135,7 @@
 </p:sld>
 </file>
 
-<file path=ppt/slides/slide22.xml><?xml version="1.0" encoding="utf-8"?>
+<file path=ppt/slides/slide24.xml><?xml version="1.0" encoding="utf-8"?>
 <p:sld xmlns:a="http://schemas.openxmlformats.org/drawingml/2006/main" xmlns:r="http://schemas.openxmlformats.org/officeDocument/2006/relationships" xmlns:p="http://schemas.openxmlformats.org/presentationml/2006/main">
   <p:cSld>
     <p:spTree>
@@ -12059,7 +13216,7 @@
 </p:sld>
 </file>
 
-<file path=ppt/slides/slide23.xml><?xml version="1.0" encoding="utf-8"?>
+<file path=ppt/slides/slide25.xml><?xml version="1.0" encoding="utf-8"?>
 <p:sld xmlns:a="http://schemas.openxmlformats.org/drawingml/2006/main" xmlns:r="http://schemas.openxmlformats.org/officeDocument/2006/relationships" xmlns:p="http://schemas.openxmlformats.org/presentationml/2006/main">
   <p:cSld>
     <p:spTree>
@@ -12624,7 +13781,7 @@
 </p:sld>
 </file>
 
-<file path=ppt/slides/slide24.xml><?xml version="1.0" encoding="utf-8"?>
+<file path=ppt/slides/slide26.xml><?xml version="1.0" encoding="utf-8"?>
 <p:sld xmlns:a="http://schemas.openxmlformats.org/drawingml/2006/main" xmlns:r="http://schemas.openxmlformats.org/officeDocument/2006/relationships" xmlns:p="http://schemas.openxmlformats.org/presentationml/2006/main">
   <p:cSld>
     <p:spTree>
@@ -13037,7 +14194,7 @@
 </p:sld>
 </file>
 
-<file path=ppt/slides/slide25.xml><?xml version="1.0" encoding="utf-8"?>
+<file path=ppt/slides/slide27.xml><?xml version="1.0" encoding="utf-8"?>
 <p:sld xmlns:a="http://schemas.openxmlformats.org/drawingml/2006/main" xmlns:r="http://schemas.openxmlformats.org/officeDocument/2006/relationships" xmlns:p="http://schemas.openxmlformats.org/presentationml/2006/main">
   <p:cSld>
     <p:spTree>
@@ -13435,7 +14592,7 @@
 </p:sld>
 </file>
 
-<file path=ppt/slides/slide26.xml><?xml version="1.0" encoding="utf-8"?>
+<file path=ppt/slides/slide28.xml><?xml version="1.0" encoding="utf-8"?>
 <p:sld xmlns:a="http://schemas.openxmlformats.org/drawingml/2006/main" xmlns:r="http://schemas.openxmlformats.org/officeDocument/2006/relationships" xmlns:p="http://schemas.openxmlformats.org/presentationml/2006/main">
   <p:cSld>
     <p:spTree>
@@ -14247,840 +15404,6 @@
 </p:sld>
 </file>
 
-<file path=ppt/slides/slide27.xml><?xml version="1.0" encoding="utf-8"?>
-<p:sld xmlns:a="http://schemas.openxmlformats.org/drawingml/2006/main" xmlns:r="http://schemas.openxmlformats.org/officeDocument/2006/relationships" xmlns:p="http://schemas.openxmlformats.org/presentationml/2006/main">
-  <p:cSld>
-    <p:spTree>
-      <p:nvGrpSpPr>
-        <p:cNvPr id="1" name=""/>
-        <p:cNvGrpSpPr/>
-        <p:nvPr/>
-      </p:nvGrpSpPr>
-      <p:grpSpPr>
-        <a:xfrm>
-          <a:off x="0" y="0"/>
-          <a:ext cx="0" cy="0"/>
-          <a:chOff x="0" y="0"/>
-          <a:chExt cx="0" cy="0"/>
-        </a:xfrm>
-      </p:grpSpPr>
-      <p:sp>
-        <p:nvSpPr>
-          <p:cNvPr id="4" name="Title 3"/>
-          <p:cNvSpPr>
-            <a:spLocks noGrp="1"/>
-          </p:cNvSpPr>
-          <p:nvPr>
-            <p:ph type="title"/>
-          </p:nvPr>
-        </p:nvSpPr>
-        <p:spPr>
-          <a:xfrm>
-            <a:off x="541609" y="426301"/>
-            <a:ext cx="8578726" cy="749992"/>
-          </a:xfrm>
-        </p:spPr>
-        <p:txBody>
-          <a:bodyPr>
-            <a:noAutofit/>
-          </a:bodyPr>
-          <a:lstStyle/>
-          <a:p>
-            <a:r>
-              <a:rPr lang="en-US" sz="4000" dirty="0">
-                <a:latin typeface="Segoe UI Light" panose="020B0502040204020203" pitchFamily="34" charset="0"/>
-                <a:cs typeface="Segoe UI Light" panose="020B0502040204020203" pitchFamily="34" charset="0"/>
-              </a:rPr>
-              <a:t>Types of Web Components</a:t>
-            </a:r>
-          </a:p>
-        </p:txBody>
-      </p:sp>
-      <p:sp>
-        <p:nvSpPr>
-          <p:cNvPr id="25" name="Content Placeholder 17"/>
-          <p:cNvSpPr txBox="1">
-            <a:spLocks/>
-          </p:cNvSpPr>
-          <p:nvPr/>
-        </p:nvSpPr>
-        <p:spPr>
-          <a:xfrm>
-            <a:off x="678427" y="1330374"/>
-            <a:ext cx="5110161" cy="471149"/>
-          </a:xfrm>
-          <a:prstGeom prst="rect">
-            <a:avLst/>
-          </a:prstGeom>
-        </p:spPr>
-        <p:txBody>
-          <a:bodyPr vert="horz" lIns="91440" tIns="45720" rIns="91440" bIns="45720" rtlCol="0">
-            <a:normAutofit/>
-          </a:bodyPr>
-          <a:lstStyle>
-            <a:lvl1pPr marL="228600" indent="-228600" algn="l" defTabSz="914400" rtl="0" eaLnBrk="1" latinLnBrk="0" hangingPunct="1">
-              <a:lnSpc>
-                <a:spcPts val="1800"/>
-              </a:lnSpc>
-              <a:spcBef>
-                <a:spcPts val="1000"/>
-              </a:spcBef>
-              <a:spcAft>
-                <a:spcPts val="1000"/>
-              </a:spcAft>
-              <a:buFont typeface="Arial" panose="020B0604020202020204" pitchFamily="34" charset="0"/>
-              <a:buChar char="•"/>
-              <a:defRPr lang="en-US" sz="1200" kern="1200" smtClean="0">
-                <a:solidFill>
-                  <a:schemeClr val="tx1">
-                    <a:lumMod val="75000"/>
-                    <a:lumOff val="25000"/>
-                  </a:schemeClr>
-                </a:solidFill>
-                <a:latin typeface="+mn-lt"/>
-                <a:ea typeface="+mn-ea"/>
-                <a:cs typeface="+mn-cs"/>
-              </a:defRPr>
-            </a:lvl1pPr>
-            <a:lvl2pPr marL="685800" indent="-228600" algn="l" defTabSz="914400" rtl="0" eaLnBrk="1" latinLnBrk="0" hangingPunct="1">
-              <a:lnSpc>
-                <a:spcPts val="1800"/>
-              </a:lnSpc>
-              <a:spcBef>
-                <a:spcPts val="1000"/>
-              </a:spcBef>
-              <a:spcAft>
-                <a:spcPts val="1000"/>
-              </a:spcAft>
-              <a:buFont typeface="Arial" panose="020B0604020202020204" pitchFamily="34" charset="0"/>
-              <a:buChar char="•"/>
-              <a:defRPr lang="en-US" sz="1200" kern="1200" smtClean="0">
-                <a:solidFill>
-                  <a:schemeClr val="tx1">
-                    <a:lumMod val="75000"/>
-                    <a:lumOff val="25000"/>
-                  </a:schemeClr>
-                </a:solidFill>
-                <a:latin typeface="+mn-lt"/>
-                <a:ea typeface="+mn-ea"/>
-                <a:cs typeface="+mn-cs"/>
-              </a:defRPr>
-            </a:lvl2pPr>
-            <a:lvl3pPr marL="1143000" indent="-228600" algn="l" defTabSz="914400" rtl="0" eaLnBrk="1" latinLnBrk="0" hangingPunct="1">
-              <a:lnSpc>
-                <a:spcPts val="1800"/>
-              </a:lnSpc>
-              <a:spcBef>
-                <a:spcPts val="1000"/>
-              </a:spcBef>
-              <a:spcAft>
-                <a:spcPts val="1000"/>
-              </a:spcAft>
-              <a:buFont typeface="Arial" panose="020B0604020202020204" pitchFamily="34" charset="0"/>
-              <a:buChar char="•"/>
-              <a:defRPr lang="en-US" sz="1200" kern="1200" smtClean="0">
-                <a:solidFill>
-                  <a:schemeClr val="tx1">
-                    <a:lumMod val="75000"/>
-                    <a:lumOff val="25000"/>
-                  </a:schemeClr>
-                </a:solidFill>
-                <a:latin typeface="+mn-lt"/>
-                <a:ea typeface="+mn-ea"/>
-                <a:cs typeface="+mn-cs"/>
-              </a:defRPr>
-            </a:lvl3pPr>
-            <a:lvl4pPr marL="1600200" indent="-228600" algn="l" defTabSz="914400" rtl="0" eaLnBrk="1" latinLnBrk="0" hangingPunct="1">
-              <a:lnSpc>
-                <a:spcPts val="1800"/>
-              </a:lnSpc>
-              <a:spcBef>
-                <a:spcPts val="1000"/>
-              </a:spcBef>
-              <a:spcAft>
-                <a:spcPts val="1000"/>
-              </a:spcAft>
-              <a:buFont typeface="Arial" panose="020B0604020202020204" pitchFamily="34" charset="0"/>
-              <a:buChar char="•"/>
-              <a:defRPr lang="en-US" sz="1200" kern="1200" smtClean="0">
-                <a:solidFill>
-                  <a:schemeClr val="tx1">
-                    <a:lumMod val="75000"/>
-                    <a:lumOff val="25000"/>
-                  </a:schemeClr>
-                </a:solidFill>
-                <a:latin typeface="+mn-lt"/>
-                <a:ea typeface="+mn-ea"/>
-                <a:cs typeface="+mn-cs"/>
-              </a:defRPr>
-            </a:lvl4pPr>
-            <a:lvl5pPr marL="2057400" indent="-228600" algn="l" defTabSz="914400" rtl="0" eaLnBrk="1" latinLnBrk="0" hangingPunct="1">
-              <a:lnSpc>
-                <a:spcPts val="1800"/>
-              </a:lnSpc>
-              <a:spcBef>
-                <a:spcPts val="1000"/>
-              </a:spcBef>
-              <a:spcAft>
-                <a:spcPts val="1000"/>
-              </a:spcAft>
-              <a:buFont typeface="Arial" panose="020B0604020202020204" pitchFamily="34" charset="0"/>
-              <a:buChar char="•"/>
-              <a:defRPr lang="en-US" sz="1200" kern="1200">
-                <a:solidFill>
-                  <a:schemeClr val="tx1">
-                    <a:lumMod val="75000"/>
-                    <a:lumOff val="25000"/>
-                  </a:schemeClr>
-                </a:solidFill>
-                <a:latin typeface="+mn-lt"/>
-                <a:ea typeface="+mn-ea"/>
-                <a:cs typeface="+mn-cs"/>
-              </a:defRPr>
-            </a:lvl5pPr>
-            <a:lvl6pPr marL="2514600" indent="-228600" algn="l" defTabSz="914400" rtl="0" eaLnBrk="1" latinLnBrk="0" hangingPunct="1">
-              <a:lnSpc>
-                <a:spcPct val="90000"/>
-              </a:lnSpc>
-              <a:spcBef>
-                <a:spcPct val="30000"/>
-              </a:spcBef>
-              <a:buFont typeface="Arial" panose="020B0604020202020204" pitchFamily="34" charset="0"/>
-              <a:buChar char="•"/>
-              <a:defRPr sz="1800" kern="1200">
-                <a:solidFill>
-                  <a:schemeClr val="tx1"/>
-                </a:solidFill>
-                <a:latin typeface="+mn-lt"/>
-                <a:ea typeface="+mn-ea"/>
-                <a:cs typeface="+mn-cs"/>
-              </a:defRPr>
-            </a:lvl6pPr>
-            <a:lvl7pPr marL="2971800" indent="-228600" algn="l" defTabSz="914400" rtl="0" eaLnBrk="1" latinLnBrk="0" hangingPunct="1">
-              <a:lnSpc>
-                <a:spcPct val="90000"/>
-              </a:lnSpc>
-              <a:spcBef>
-                <a:spcPct val="30000"/>
-              </a:spcBef>
-              <a:buFont typeface="Arial" panose="020B0604020202020204" pitchFamily="34" charset="0"/>
-              <a:buChar char="•"/>
-              <a:defRPr sz="1800" kern="1200">
-                <a:solidFill>
-                  <a:schemeClr val="tx1"/>
-                </a:solidFill>
-                <a:latin typeface="+mn-lt"/>
-                <a:ea typeface="+mn-ea"/>
-                <a:cs typeface="+mn-cs"/>
-              </a:defRPr>
-            </a:lvl7pPr>
-            <a:lvl8pPr marL="3429000" indent="-228600" algn="l" defTabSz="914400" rtl="0" eaLnBrk="1" latinLnBrk="0" hangingPunct="1">
-              <a:lnSpc>
-                <a:spcPct val="90000"/>
-              </a:lnSpc>
-              <a:spcBef>
-                <a:spcPct val="30000"/>
-              </a:spcBef>
-              <a:buFont typeface="Arial" panose="020B0604020202020204" pitchFamily="34" charset="0"/>
-              <a:buChar char="•"/>
-              <a:defRPr sz="1800" kern="1200">
-                <a:solidFill>
-                  <a:schemeClr val="tx1"/>
-                </a:solidFill>
-                <a:latin typeface="+mn-lt"/>
-                <a:ea typeface="+mn-ea"/>
-                <a:cs typeface="+mn-cs"/>
-              </a:defRPr>
-            </a:lvl8pPr>
-            <a:lvl9pPr marL="3886200" indent="-228600" algn="l" defTabSz="914400" rtl="0" eaLnBrk="1" latinLnBrk="0" hangingPunct="1">
-              <a:lnSpc>
-                <a:spcPct val="90000"/>
-              </a:lnSpc>
-              <a:spcBef>
-                <a:spcPct val="30000"/>
-              </a:spcBef>
-              <a:buFont typeface="Arial" panose="020B0604020202020204" pitchFamily="34" charset="0"/>
-              <a:buChar char="•"/>
-              <a:defRPr sz="1800" kern="1200">
-                <a:solidFill>
-                  <a:schemeClr val="tx1"/>
-                </a:solidFill>
-                <a:latin typeface="+mn-lt"/>
-                <a:ea typeface="+mn-ea"/>
-                <a:cs typeface="+mn-cs"/>
-              </a:defRPr>
-            </a:lvl9pPr>
-          </a:lstStyle>
-          <a:p>
-            <a:pPr marL="0" indent="0">
-              <a:spcAft>
-                <a:spcPts val="2000"/>
-              </a:spcAft>
-              <a:buNone/>
-            </a:pPr>
-            <a:endParaRPr lang="en-US" sz="1800" dirty="0">
-              <a:latin typeface="Segoe UI" panose="020B0502040204020203" pitchFamily="34" charset="0"/>
-              <a:cs typeface="Segoe UI" panose="020B0502040204020203" pitchFamily="34" charset="0"/>
-            </a:endParaRPr>
-          </a:p>
-        </p:txBody>
-      </p:sp>
-      <p:sp>
-        <p:nvSpPr>
-          <p:cNvPr id="8" name="TextBox 7">
-            <a:extLst>
-              <a:ext uri="{FF2B5EF4-FFF2-40B4-BE49-F238E27FC236}">
-                <a16:creationId xmlns:a16="http://schemas.microsoft.com/office/drawing/2014/main" id="{D4329088-EA16-420B-B145-A30265C6D3B4}"/>
-              </a:ext>
-            </a:extLst>
-          </p:cNvPr>
-          <p:cNvSpPr txBox="1"/>
-          <p:nvPr/>
-        </p:nvSpPr>
-        <p:spPr>
-          <a:xfrm>
-            <a:off x="541609" y="1691065"/>
-            <a:ext cx="10971964" cy="4185761"/>
-          </a:xfrm>
-          <a:prstGeom prst="rect">
-            <a:avLst/>
-          </a:prstGeom>
-          <a:noFill/>
-        </p:spPr>
-        <p:txBody>
-          <a:bodyPr wrap="square">
-            <a:spAutoFit/>
-          </a:bodyPr>
-          <a:lstStyle/>
-          <a:p>
-            <a:pPr marL="457200" lvl="1" indent="0">
-              <a:buNone/>
-            </a:pPr>
-            <a:r>
-              <a:rPr lang="en-GB" sz="3800" dirty="0">
-                <a:solidFill>
-                  <a:schemeClr val="bg2">
-                    <a:lumMod val="25000"/>
-                  </a:schemeClr>
-                </a:solidFill>
-                <a:latin typeface="Segoe UI Light" panose="020B0502040204020203" pitchFamily="34" charset="0"/>
-                <a:cs typeface="Segoe UI Light" panose="020B0502040204020203" pitchFamily="34" charset="0"/>
-              </a:rPr>
-              <a:t>These are only limited by our use of JS as they are regular JS components.</a:t>
-            </a:r>
-          </a:p>
-          <a:p>
-            <a:pPr marL="457200" lvl="1" indent="0">
-              <a:buNone/>
-            </a:pPr>
-            <a:endParaRPr lang="en-GB" sz="3800" dirty="0">
-              <a:solidFill>
-                <a:schemeClr val="bg2">
-                  <a:lumMod val="25000"/>
-                </a:schemeClr>
-              </a:solidFill>
-              <a:latin typeface="Segoe UI Light" panose="020B0502040204020203" pitchFamily="34" charset="0"/>
-              <a:cs typeface="Segoe UI Light" panose="020B0502040204020203" pitchFamily="34" charset="0"/>
-            </a:endParaRPr>
-          </a:p>
-          <a:p>
-            <a:pPr marL="457200" lvl="1" indent="0">
-              <a:buNone/>
-            </a:pPr>
-            <a:r>
-              <a:rPr lang="en-GB" sz="3800" dirty="0">
-                <a:solidFill>
-                  <a:schemeClr val="bg2">
-                    <a:lumMod val="25000"/>
-                  </a:schemeClr>
-                </a:solidFill>
-                <a:latin typeface="Segoe UI Light" panose="020B0502040204020203" pitchFamily="34" charset="0"/>
-                <a:cs typeface="Segoe UI Light" panose="020B0502040204020203" pitchFamily="34" charset="0"/>
-              </a:rPr>
-              <a:t>We will look at couple of UI components and many more highly functional components that have built in functionality…</a:t>
-            </a:r>
-          </a:p>
-          <a:p>
-            <a:pPr marL="457200" lvl="1" indent="0">
-              <a:buNone/>
-            </a:pPr>
-            <a:endParaRPr lang="en-GB" sz="3800" dirty="0">
-              <a:solidFill>
-                <a:schemeClr val="bg2">
-                  <a:lumMod val="25000"/>
-                </a:schemeClr>
-              </a:solidFill>
-              <a:latin typeface="Segoe UI Light" panose="020B0502040204020203" pitchFamily="34" charset="0"/>
-              <a:cs typeface="Segoe UI Light" panose="020B0502040204020203" pitchFamily="34" charset="0"/>
-            </a:endParaRPr>
-          </a:p>
-        </p:txBody>
-      </p:sp>
-    </p:spTree>
-    <p:extLst>
-      <p:ext uri="{BB962C8B-B14F-4D97-AF65-F5344CB8AC3E}">
-        <p14:creationId xmlns:p14="http://schemas.microsoft.com/office/powerpoint/2010/main" val="2010978496"/>
-      </p:ext>
-    </p:extLst>
-  </p:cSld>
-  <p:clrMapOvr>
-    <a:masterClrMapping/>
-  </p:clrMapOvr>
-</p:sld>
-</file>
-
-<file path=ppt/slides/slide28.xml><?xml version="1.0" encoding="utf-8"?>
-<p:sld xmlns:a="http://schemas.openxmlformats.org/drawingml/2006/main" xmlns:r="http://schemas.openxmlformats.org/officeDocument/2006/relationships" xmlns:p="http://schemas.openxmlformats.org/presentationml/2006/main">
-  <p:cSld>
-    <p:spTree>
-      <p:nvGrpSpPr>
-        <p:cNvPr id="1" name=""/>
-        <p:cNvGrpSpPr/>
-        <p:nvPr/>
-      </p:nvGrpSpPr>
-      <p:grpSpPr>
-        <a:xfrm>
-          <a:off x="0" y="0"/>
-          <a:ext cx="0" cy="0"/>
-          <a:chOff x="0" y="0"/>
-          <a:chExt cx="0" cy="0"/>
-        </a:xfrm>
-      </p:grpSpPr>
-      <p:sp>
-        <p:nvSpPr>
-          <p:cNvPr id="4" name="Title 3"/>
-          <p:cNvSpPr>
-            <a:spLocks noGrp="1"/>
-          </p:cNvSpPr>
-          <p:nvPr>
-            <p:ph type="title"/>
-          </p:nvPr>
-        </p:nvSpPr>
-        <p:spPr>
-          <a:xfrm>
-            <a:off x="541609" y="426301"/>
-            <a:ext cx="8578726" cy="749992"/>
-          </a:xfrm>
-        </p:spPr>
-        <p:txBody>
-          <a:bodyPr>
-            <a:noAutofit/>
-          </a:bodyPr>
-          <a:lstStyle/>
-          <a:p>
-            <a:r>
-              <a:rPr lang="en-US" sz="4000" dirty="0">
-                <a:latin typeface="Segoe UI Light" panose="020B0502040204020203" pitchFamily="34" charset="0"/>
-                <a:cs typeface="Segoe UI Light" panose="020B0502040204020203" pitchFamily="34" charset="0"/>
-              </a:rPr>
-              <a:t>Types of Web Components</a:t>
-            </a:r>
-          </a:p>
-        </p:txBody>
-      </p:sp>
-      <p:sp>
-        <p:nvSpPr>
-          <p:cNvPr id="25" name="Content Placeholder 17"/>
-          <p:cNvSpPr txBox="1">
-            <a:spLocks/>
-          </p:cNvSpPr>
-          <p:nvPr/>
-        </p:nvSpPr>
-        <p:spPr>
-          <a:xfrm>
-            <a:off x="541609" y="1455491"/>
-            <a:ext cx="5110161" cy="471149"/>
-          </a:xfrm>
-          <a:prstGeom prst="rect">
-            <a:avLst/>
-          </a:prstGeom>
-        </p:spPr>
-        <p:txBody>
-          <a:bodyPr vert="horz" lIns="91440" tIns="45720" rIns="91440" bIns="45720" rtlCol="0">
-            <a:normAutofit/>
-          </a:bodyPr>
-          <a:lstStyle>
-            <a:lvl1pPr marL="228600" indent="-228600" algn="l" defTabSz="914400" rtl="0" eaLnBrk="1" latinLnBrk="0" hangingPunct="1">
-              <a:lnSpc>
-                <a:spcPts val="1800"/>
-              </a:lnSpc>
-              <a:spcBef>
-                <a:spcPts val="1000"/>
-              </a:spcBef>
-              <a:spcAft>
-                <a:spcPts val="1000"/>
-              </a:spcAft>
-              <a:buFont typeface="Arial" panose="020B0604020202020204" pitchFamily="34" charset="0"/>
-              <a:buChar char="•"/>
-              <a:defRPr lang="en-US" sz="1200" kern="1200" smtClean="0">
-                <a:solidFill>
-                  <a:schemeClr val="tx1">
-                    <a:lumMod val="75000"/>
-                    <a:lumOff val="25000"/>
-                  </a:schemeClr>
-                </a:solidFill>
-                <a:latin typeface="+mn-lt"/>
-                <a:ea typeface="+mn-ea"/>
-                <a:cs typeface="+mn-cs"/>
-              </a:defRPr>
-            </a:lvl1pPr>
-            <a:lvl2pPr marL="685800" indent="-228600" algn="l" defTabSz="914400" rtl="0" eaLnBrk="1" latinLnBrk="0" hangingPunct="1">
-              <a:lnSpc>
-                <a:spcPts val="1800"/>
-              </a:lnSpc>
-              <a:spcBef>
-                <a:spcPts val="1000"/>
-              </a:spcBef>
-              <a:spcAft>
-                <a:spcPts val="1000"/>
-              </a:spcAft>
-              <a:buFont typeface="Arial" panose="020B0604020202020204" pitchFamily="34" charset="0"/>
-              <a:buChar char="•"/>
-              <a:defRPr lang="en-US" sz="1200" kern="1200" smtClean="0">
-                <a:solidFill>
-                  <a:schemeClr val="tx1">
-                    <a:lumMod val="75000"/>
-                    <a:lumOff val="25000"/>
-                  </a:schemeClr>
-                </a:solidFill>
-                <a:latin typeface="+mn-lt"/>
-                <a:ea typeface="+mn-ea"/>
-                <a:cs typeface="+mn-cs"/>
-              </a:defRPr>
-            </a:lvl2pPr>
-            <a:lvl3pPr marL="1143000" indent="-228600" algn="l" defTabSz="914400" rtl="0" eaLnBrk="1" latinLnBrk="0" hangingPunct="1">
-              <a:lnSpc>
-                <a:spcPts val="1800"/>
-              </a:lnSpc>
-              <a:spcBef>
-                <a:spcPts val="1000"/>
-              </a:spcBef>
-              <a:spcAft>
-                <a:spcPts val="1000"/>
-              </a:spcAft>
-              <a:buFont typeface="Arial" panose="020B0604020202020204" pitchFamily="34" charset="0"/>
-              <a:buChar char="•"/>
-              <a:defRPr lang="en-US" sz="1200" kern="1200" smtClean="0">
-                <a:solidFill>
-                  <a:schemeClr val="tx1">
-                    <a:lumMod val="75000"/>
-                    <a:lumOff val="25000"/>
-                  </a:schemeClr>
-                </a:solidFill>
-                <a:latin typeface="+mn-lt"/>
-                <a:ea typeface="+mn-ea"/>
-                <a:cs typeface="+mn-cs"/>
-              </a:defRPr>
-            </a:lvl3pPr>
-            <a:lvl4pPr marL="1600200" indent="-228600" algn="l" defTabSz="914400" rtl="0" eaLnBrk="1" latinLnBrk="0" hangingPunct="1">
-              <a:lnSpc>
-                <a:spcPts val="1800"/>
-              </a:lnSpc>
-              <a:spcBef>
-                <a:spcPts val="1000"/>
-              </a:spcBef>
-              <a:spcAft>
-                <a:spcPts val="1000"/>
-              </a:spcAft>
-              <a:buFont typeface="Arial" panose="020B0604020202020204" pitchFamily="34" charset="0"/>
-              <a:buChar char="•"/>
-              <a:defRPr lang="en-US" sz="1200" kern="1200" smtClean="0">
-                <a:solidFill>
-                  <a:schemeClr val="tx1">
-                    <a:lumMod val="75000"/>
-                    <a:lumOff val="25000"/>
-                  </a:schemeClr>
-                </a:solidFill>
-                <a:latin typeface="+mn-lt"/>
-                <a:ea typeface="+mn-ea"/>
-                <a:cs typeface="+mn-cs"/>
-              </a:defRPr>
-            </a:lvl4pPr>
-            <a:lvl5pPr marL="2057400" indent="-228600" algn="l" defTabSz="914400" rtl="0" eaLnBrk="1" latinLnBrk="0" hangingPunct="1">
-              <a:lnSpc>
-                <a:spcPts val="1800"/>
-              </a:lnSpc>
-              <a:spcBef>
-                <a:spcPts val="1000"/>
-              </a:spcBef>
-              <a:spcAft>
-                <a:spcPts val="1000"/>
-              </a:spcAft>
-              <a:buFont typeface="Arial" panose="020B0604020202020204" pitchFamily="34" charset="0"/>
-              <a:buChar char="•"/>
-              <a:defRPr lang="en-US" sz="1200" kern="1200">
-                <a:solidFill>
-                  <a:schemeClr val="tx1">
-                    <a:lumMod val="75000"/>
-                    <a:lumOff val="25000"/>
-                  </a:schemeClr>
-                </a:solidFill>
-                <a:latin typeface="+mn-lt"/>
-                <a:ea typeface="+mn-ea"/>
-                <a:cs typeface="+mn-cs"/>
-              </a:defRPr>
-            </a:lvl5pPr>
-            <a:lvl6pPr marL="2514600" indent="-228600" algn="l" defTabSz="914400" rtl="0" eaLnBrk="1" latinLnBrk="0" hangingPunct="1">
-              <a:lnSpc>
-                <a:spcPct val="90000"/>
-              </a:lnSpc>
-              <a:spcBef>
-                <a:spcPct val="30000"/>
-              </a:spcBef>
-              <a:buFont typeface="Arial" panose="020B0604020202020204" pitchFamily="34" charset="0"/>
-              <a:buChar char="•"/>
-              <a:defRPr sz="1800" kern="1200">
-                <a:solidFill>
-                  <a:schemeClr val="tx1"/>
-                </a:solidFill>
-                <a:latin typeface="+mn-lt"/>
-                <a:ea typeface="+mn-ea"/>
-                <a:cs typeface="+mn-cs"/>
-              </a:defRPr>
-            </a:lvl6pPr>
-            <a:lvl7pPr marL="2971800" indent="-228600" algn="l" defTabSz="914400" rtl="0" eaLnBrk="1" latinLnBrk="0" hangingPunct="1">
-              <a:lnSpc>
-                <a:spcPct val="90000"/>
-              </a:lnSpc>
-              <a:spcBef>
-                <a:spcPct val="30000"/>
-              </a:spcBef>
-              <a:buFont typeface="Arial" panose="020B0604020202020204" pitchFamily="34" charset="0"/>
-              <a:buChar char="•"/>
-              <a:defRPr sz="1800" kern="1200">
-                <a:solidFill>
-                  <a:schemeClr val="tx1"/>
-                </a:solidFill>
-                <a:latin typeface="+mn-lt"/>
-                <a:ea typeface="+mn-ea"/>
-                <a:cs typeface="+mn-cs"/>
-              </a:defRPr>
-            </a:lvl7pPr>
-            <a:lvl8pPr marL="3429000" indent="-228600" algn="l" defTabSz="914400" rtl="0" eaLnBrk="1" latinLnBrk="0" hangingPunct="1">
-              <a:lnSpc>
-                <a:spcPct val="90000"/>
-              </a:lnSpc>
-              <a:spcBef>
-                <a:spcPct val="30000"/>
-              </a:spcBef>
-              <a:buFont typeface="Arial" panose="020B0604020202020204" pitchFamily="34" charset="0"/>
-              <a:buChar char="•"/>
-              <a:defRPr sz="1800" kern="1200">
-                <a:solidFill>
-                  <a:schemeClr val="tx1"/>
-                </a:solidFill>
-                <a:latin typeface="+mn-lt"/>
-                <a:ea typeface="+mn-ea"/>
-                <a:cs typeface="+mn-cs"/>
-              </a:defRPr>
-            </a:lvl8pPr>
-            <a:lvl9pPr marL="3886200" indent="-228600" algn="l" defTabSz="914400" rtl="0" eaLnBrk="1" latinLnBrk="0" hangingPunct="1">
-              <a:lnSpc>
-                <a:spcPct val="90000"/>
-              </a:lnSpc>
-              <a:spcBef>
-                <a:spcPct val="30000"/>
-              </a:spcBef>
-              <a:buFont typeface="Arial" panose="020B0604020202020204" pitchFamily="34" charset="0"/>
-              <a:buChar char="•"/>
-              <a:defRPr sz="1800" kern="1200">
-                <a:solidFill>
-                  <a:schemeClr val="tx1"/>
-                </a:solidFill>
-                <a:latin typeface="+mn-lt"/>
-                <a:ea typeface="+mn-ea"/>
-                <a:cs typeface="+mn-cs"/>
-              </a:defRPr>
-            </a:lvl9pPr>
-          </a:lstStyle>
-          <a:p>
-            <a:pPr marL="0" indent="0">
-              <a:spcAft>
-                <a:spcPts val="2000"/>
-              </a:spcAft>
-              <a:buNone/>
-            </a:pPr>
-            <a:endParaRPr lang="en-US" sz="1800" dirty="0">
-              <a:latin typeface="Segoe UI" panose="020B0502040204020203" pitchFamily="34" charset="0"/>
-              <a:cs typeface="Segoe UI" panose="020B0502040204020203" pitchFamily="34" charset="0"/>
-            </a:endParaRPr>
-          </a:p>
-        </p:txBody>
-      </p:sp>
-      <p:sp>
-        <p:nvSpPr>
-          <p:cNvPr id="8" name="TextBox 7">
-            <a:extLst>
-              <a:ext uri="{FF2B5EF4-FFF2-40B4-BE49-F238E27FC236}">
-                <a16:creationId xmlns:a16="http://schemas.microsoft.com/office/drawing/2014/main" id="{D4329088-EA16-420B-B145-A30265C6D3B4}"/>
-              </a:ext>
-            </a:extLst>
-          </p:cNvPr>
-          <p:cNvSpPr txBox="1"/>
-          <p:nvPr/>
-        </p:nvSpPr>
-        <p:spPr>
-          <a:xfrm>
-            <a:off x="541609" y="1012639"/>
-            <a:ext cx="10971964" cy="6524863"/>
-          </a:xfrm>
-          <a:prstGeom prst="rect">
-            <a:avLst/>
-          </a:prstGeom>
-          <a:noFill/>
-        </p:spPr>
-        <p:txBody>
-          <a:bodyPr wrap="square">
-            <a:spAutoFit/>
-          </a:bodyPr>
-          <a:lstStyle/>
-          <a:p>
-            <a:pPr marL="457200" lvl="1" indent="0">
-              <a:buNone/>
-            </a:pPr>
-            <a:endParaRPr lang="en-GB" sz="3800" dirty="0">
-              <a:solidFill>
-                <a:schemeClr val="bg2">
-                  <a:lumMod val="25000"/>
-                </a:schemeClr>
-              </a:solidFill>
-              <a:latin typeface="Segoe UI Light" panose="020B0502040204020203" pitchFamily="34" charset="0"/>
-              <a:cs typeface="Segoe UI Light" panose="020B0502040204020203" pitchFamily="34" charset="0"/>
-            </a:endParaRPr>
-          </a:p>
-          <a:p>
-            <a:pPr marL="1028700" lvl="1" indent="-571500">
-              <a:buFont typeface="Arial" panose="020B0604020202020204" pitchFamily="34" charset="0"/>
-              <a:buChar char="•"/>
-            </a:pPr>
-            <a:r>
-              <a:rPr lang="en-GB" sz="3800" dirty="0">
-                <a:solidFill>
-                  <a:schemeClr val="bg2">
-                    <a:lumMod val="25000"/>
-                  </a:schemeClr>
-                </a:solidFill>
-                <a:latin typeface="Segoe UI Light" panose="020B0502040204020203" pitchFamily="34" charset="0"/>
-                <a:cs typeface="Segoe UI Light" panose="020B0502040204020203" pitchFamily="34" charset="0"/>
-              </a:rPr>
-              <a:t>Fetch requests.</a:t>
-            </a:r>
-          </a:p>
-          <a:p>
-            <a:pPr marL="1028700" lvl="1" indent="-571500">
-              <a:buFont typeface="Arial" panose="020B0604020202020204" pitchFamily="34" charset="0"/>
-              <a:buChar char="•"/>
-            </a:pPr>
-            <a:r>
-              <a:rPr lang="en-GB" sz="3800" dirty="0">
-                <a:solidFill>
-                  <a:schemeClr val="bg2">
-                    <a:lumMod val="25000"/>
-                  </a:schemeClr>
-                </a:solidFill>
-                <a:latin typeface="Segoe UI Light" panose="020B0502040204020203" pitchFamily="34" charset="0"/>
-                <a:cs typeface="Segoe UI Light" panose="020B0502040204020203" pitchFamily="34" charset="0"/>
-              </a:rPr>
-              <a:t>Lazy loading and dynamic loading (scripts/components).</a:t>
-            </a:r>
-          </a:p>
-          <a:p>
-            <a:pPr marL="1028700" lvl="1" indent="-571500">
-              <a:buFont typeface="Arial" panose="020B0604020202020204" pitchFamily="34" charset="0"/>
-              <a:buChar char="•"/>
-            </a:pPr>
-            <a:r>
-              <a:rPr lang="en-GB" sz="3800" dirty="0">
-                <a:solidFill>
-                  <a:schemeClr val="bg2">
-                    <a:lumMod val="25000"/>
-                  </a:schemeClr>
-                </a:solidFill>
-                <a:latin typeface="Segoe UI Light" panose="020B0502040204020203" pitchFamily="34" charset="0"/>
-                <a:cs typeface="Segoe UI Light" panose="020B0502040204020203" pitchFamily="34" charset="0"/>
-              </a:rPr>
-              <a:t>Storing JSON in IndexedDB and rendering it via templates.</a:t>
-            </a:r>
-          </a:p>
-          <a:p>
-            <a:pPr marL="1028700" lvl="1" indent="-571500">
-              <a:buFont typeface="Arial" panose="020B0604020202020204" pitchFamily="34" charset="0"/>
-              <a:buChar char="•"/>
-            </a:pPr>
-            <a:r>
-              <a:rPr lang="en-GB" sz="3800" dirty="0">
-                <a:solidFill>
-                  <a:schemeClr val="bg2">
-                    <a:lumMod val="25000"/>
-                  </a:schemeClr>
-                </a:solidFill>
-                <a:latin typeface="Segoe UI Light" panose="020B0502040204020203" pitchFamily="34" charset="0"/>
-                <a:cs typeface="Segoe UI Light" panose="020B0502040204020203" pitchFamily="34" charset="0"/>
-              </a:rPr>
-              <a:t>Authentication and storage of JSON Web Tokens.</a:t>
-            </a:r>
-          </a:p>
-          <a:p>
-            <a:pPr marL="1028700" lvl="1" indent="-571500">
-              <a:buFont typeface="Arial" panose="020B0604020202020204" pitchFamily="34" charset="0"/>
-              <a:buChar char="•"/>
-            </a:pPr>
-            <a:r>
-              <a:rPr lang="en-GB" sz="3800" dirty="0">
-                <a:solidFill>
-                  <a:schemeClr val="bg2">
-                    <a:lumMod val="25000"/>
-                  </a:schemeClr>
-                </a:solidFill>
-                <a:latin typeface="Segoe UI Light" panose="020B0502040204020203" pitchFamily="34" charset="0"/>
-                <a:cs typeface="Segoe UI Light" panose="020B0502040204020203" pitchFamily="34" charset="0"/>
-              </a:rPr>
-              <a:t>Added offline capability and ‘instant’ pages.</a:t>
-            </a:r>
-          </a:p>
-          <a:p>
-            <a:pPr marL="457200" lvl="1" indent="0">
-              <a:buNone/>
-            </a:pPr>
-            <a:endParaRPr lang="en-GB" sz="3800" dirty="0">
-              <a:solidFill>
-                <a:schemeClr val="bg2">
-                  <a:lumMod val="25000"/>
-                </a:schemeClr>
-              </a:solidFill>
-              <a:latin typeface="Segoe UI Light" panose="020B0502040204020203" pitchFamily="34" charset="0"/>
-              <a:cs typeface="Segoe UI Light" panose="020B0502040204020203" pitchFamily="34" charset="0"/>
-            </a:endParaRPr>
-          </a:p>
-          <a:p>
-            <a:pPr marL="457200" lvl="1" indent="0">
-              <a:buNone/>
-            </a:pPr>
-            <a:endParaRPr lang="en-GB" sz="3800" dirty="0">
-              <a:solidFill>
-                <a:schemeClr val="bg2">
-                  <a:lumMod val="25000"/>
-                </a:schemeClr>
-              </a:solidFill>
-              <a:latin typeface="Segoe UI Light" panose="020B0502040204020203" pitchFamily="34" charset="0"/>
-              <a:cs typeface="Segoe UI Light" panose="020B0502040204020203" pitchFamily="34" charset="0"/>
-            </a:endParaRPr>
-          </a:p>
-        </p:txBody>
-      </p:sp>
-    </p:spTree>
-    <p:extLst>
-      <p:ext uri="{BB962C8B-B14F-4D97-AF65-F5344CB8AC3E}">
-        <p14:creationId xmlns:p14="http://schemas.microsoft.com/office/powerpoint/2010/main" val="1862207496"/>
-      </p:ext>
-    </p:extLst>
-  </p:cSld>
-  <p:clrMapOvr>
-    <a:masterClrMapping/>
-  </p:clrMapOvr>
-</p:sld>
-</file>
-
 <file path=ppt/slides/slide29.xml><?xml version="1.0" encoding="utf-8"?>
 <p:sld xmlns:a="http://schemas.openxmlformats.org/drawingml/2006/main" xmlns:r="http://schemas.openxmlformats.org/officeDocument/2006/relationships" xmlns:p="http://schemas.openxmlformats.org/presentationml/2006/main">
   <p:cSld>
@@ -15125,7 +15448,7 @@
                 <a:latin typeface="Segoe UI Light" panose="020B0502040204020203" pitchFamily="34" charset="0"/>
                 <a:cs typeface="Segoe UI Light" panose="020B0502040204020203" pitchFamily="34" charset="0"/>
               </a:rPr>
-              <a:t>Useful references</a:t>
+              <a:t>Types of Web Components</a:t>
             </a:r>
           </a:p>
         </p:txBody>
@@ -15140,7 +15463,7 @@
         </p:nvSpPr>
         <p:spPr>
           <a:xfrm>
-            <a:off x="541609" y="1455491"/>
+            <a:off x="678427" y="1330374"/>
             <a:ext cx="5110161" cy="471149"/>
           </a:xfrm>
           <a:prstGeom prst="rect">
@@ -15361,263 +15684,33 @@
       </p:sp>
       <p:sp>
         <p:nvSpPr>
-          <p:cNvPr id="36" name="Content Placeholder 17"/>
-          <p:cNvSpPr txBox="1">
-            <a:spLocks/>
-          </p:cNvSpPr>
+          <p:cNvPr id="8" name="TextBox 7">
+            <a:extLst>
+              <a:ext uri="{FF2B5EF4-FFF2-40B4-BE49-F238E27FC236}">
+                <a16:creationId xmlns:a16="http://schemas.microsoft.com/office/drawing/2014/main" id="{D4329088-EA16-420B-B145-A30265C6D3B4}"/>
+              </a:ext>
+            </a:extLst>
+          </p:cNvPr>
+          <p:cNvSpPr txBox="1"/>
           <p:nvPr/>
         </p:nvSpPr>
         <p:spPr>
           <a:xfrm>
-            <a:off x="667892" y="1550741"/>
-            <a:ext cx="10356444" cy="5147658"/>
+            <a:off x="541609" y="1691065"/>
+            <a:ext cx="10971964" cy="4185761"/>
           </a:xfrm>
           <a:prstGeom prst="rect">
             <a:avLst/>
           </a:prstGeom>
+          <a:noFill/>
         </p:spPr>
         <p:txBody>
-          <a:bodyPr vert="horz" lIns="91440" tIns="45720" rIns="91440" bIns="45720" rtlCol="0">
-            <a:noAutofit/>
+          <a:bodyPr wrap="square">
+            <a:spAutoFit/>
           </a:bodyPr>
-          <a:lstStyle>
-            <a:lvl1pPr marL="228600" indent="-228600" algn="l" defTabSz="914400" rtl="0" eaLnBrk="1" latinLnBrk="0" hangingPunct="1">
-              <a:lnSpc>
-                <a:spcPts val="1800"/>
-              </a:lnSpc>
-              <a:spcBef>
-                <a:spcPts val="1000"/>
-              </a:spcBef>
-              <a:spcAft>
-                <a:spcPts val="1000"/>
-              </a:spcAft>
-              <a:buFont typeface="Arial" panose="020B0604020202020204" pitchFamily="34" charset="0"/>
-              <a:buChar char="•"/>
-              <a:defRPr lang="en-US" sz="1200" kern="1200" smtClean="0">
-                <a:solidFill>
-                  <a:schemeClr val="tx1">
-                    <a:lumMod val="75000"/>
-                    <a:lumOff val="25000"/>
-                  </a:schemeClr>
-                </a:solidFill>
-                <a:latin typeface="+mn-lt"/>
-                <a:ea typeface="+mn-ea"/>
-                <a:cs typeface="+mn-cs"/>
-              </a:defRPr>
-            </a:lvl1pPr>
-            <a:lvl2pPr marL="685800" indent="-228600" algn="l" defTabSz="914400" rtl="0" eaLnBrk="1" latinLnBrk="0" hangingPunct="1">
-              <a:lnSpc>
-                <a:spcPts val="1800"/>
-              </a:lnSpc>
-              <a:spcBef>
-                <a:spcPts val="1000"/>
-              </a:spcBef>
-              <a:spcAft>
-                <a:spcPts val="1000"/>
-              </a:spcAft>
-              <a:buFont typeface="Arial" panose="020B0604020202020204" pitchFamily="34" charset="0"/>
-              <a:buChar char="•"/>
-              <a:defRPr lang="en-US" sz="1200" kern="1200" smtClean="0">
-                <a:solidFill>
-                  <a:schemeClr val="tx1">
-                    <a:lumMod val="75000"/>
-                    <a:lumOff val="25000"/>
-                  </a:schemeClr>
-                </a:solidFill>
-                <a:latin typeface="+mn-lt"/>
-                <a:ea typeface="+mn-ea"/>
-                <a:cs typeface="+mn-cs"/>
-              </a:defRPr>
-            </a:lvl2pPr>
-            <a:lvl3pPr marL="1143000" indent="-228600" algn="l" defTabSz="914400" rtl="0" eaLnBrk="1" latinLnBrk="0" hangingPunct="1">
-              <a:lnSpc>
-                <a:spcPts val="1800"/>
-              </a:lnSpc>
-              <a:spcBef>
-                <a:spcPts val="1000"/>
-              </a:spcBef>
-              <a:spcAft>
-                <a:spcPts val="1000"/>
-              </a:spcAft>
-              <a:buFont typeface="Arial" panose="020B0604020202020204" pitchFamily="34" charset="0"/>
-              <a:buChar char="•"/>
-              <a:defRPr lang="en-US" sz="1200" kern="1200" smtClean="0">
-                <a:solidFill>
-                  <a:schemeClr val="tx1">
-                    <a:lumMod val="75000"/>
-                    <a:lumOff val="25000"/>
-                  </a:schemeClr>
-                </a:solidFill>
-                <a:latin typeface="+mn-lt"/>
-                <a:ea typeface="+mn-ea"/>
-                <a:cs typeface="+mn-cs"/>
-              </a:defRPr>
-            </a:lvl3pPr>
-            <a:lvl4pPr marL="1600200" indent="-228600" algn="l" defTabSz="914400" rtl="0" eaLnBrk="1" latinLnBrk="0" hangingPunct="1">
-              <a:lnSpc>
-                <a:spcPts val="1800"/>
-              </a:lnSpc>
-              <a:spcBef>
-                <a:spcPts val="1000"/>
-              </a:spcBef>
-              <a:spcAft>
-                <a:spcPts val="1000"/>
-              </a:spcAft>
-              <a:buFont typeface="Arial" panose="020B0604020202020204" pitchFamily="34" charset="0"/>
-              <a:buChar char="•"/>
-              <a:defRPr lang="en-US" sz="1200" kern="1200" smtClean="0">
-                <a:solidFill>
-                  <a:schemeClr val="tx1">
-                    <a:lumMod val="75000"/>
-                    <a:lumOff val="25000"/>
-                  </a:schemeClr>
-                </a:solidFill>
-                <a:latin typeface="+mn-lt"/>
-                <a:ea typeface="+mn-ea"/>
-                <a:cs typeface="+mn-cs"/>
-              </a:defRPr>
-            </a:lvl4pPr>
-            <a:lvl5pPr marL="2057400" indent="-228600" algn="l" defTabSz="914400" rtl="0" eaLnBrk="1" latinLnBrk="0" hangingPunct="1">
-              <a:lnSpc>
-                <a:spcPts val="1800"/>
-              </a:lnSpc>
-              <a:spcBef>
-                <a:spcPts val="1000"/>
-              </a:spcBef>
-              <a:spcAft>
-                <a:spcPts val="1000"/>
-              </a:spcAft>
-              <a:buFont typeface="Arial" panose="020B0604020202020204" pitchFamily="34" charset="0"/>
-              <a:buChar char="•"/>
-              <a:defRPr lang="en-US" sz="1200" kern="1200">
-                <a:solidFill>
-                  <a:schemeClr val="tx1">
-                    <a:lumMod val="75000"/>
-                    <a:lumOff val="25000"/>
-                  </a:schemeClr>
-                </a:solidFill>
-                <a:latin typeface="+mn-lt"/>
-                <a:ea typeface="+mn-ea"/>
-                <a:cs typeface="+mn-cs"/>
-              </a:defRPr>
-            </a:lvl5pPr>
-            <a:lvl6pPr marL="2514600" indent="-228600" algn="l" defTabSz="914400" rtl="0" eaLnBrk="1" latinLnBrk="0" hangingPunct="1">
-              <a:lnSpc>
-                <a:spcPct val="90000"/>
-              </a:lnSpc>
-              <a:spcBef>
-                <a:spcPct val="30000"/>
-              </a:spcBef>
-              <a:buFont typeface="Arial" panose="020B0604020202020204" pitchFamily="34" charset="0"/>
-              <a:buChar char="•"/>
-              <a:defRPr sz="1800" kern="1200">
-                <a:solidFill>
-                  <a:schemeClr val="tx1"/>
-                </a:solidFill>
-                <a:latin typeface="+mn-lt"/>
-                <a:ea typeface="+mn-ea"/>
-                <a:cs typeface="+mn-cs"/>
-              </a:defRPr>
-            </a:lvl6pPr>
-            <a:lvl7pPr marL="2971800" indent="-228600" algn="l" defTabSz="914400" rtl="0" eaLnBrk="1" latinLnBrk="0" hangingPunct="1">
-              <a:lnSpc>
-                <a:spcPct val="90000"/>
-              </a:lnSpc>
-              <a:spcBef>
-                <a:spcPct val="30000"/>
-              </a:spcBef>
-              <a:buFont typeface="Arial" panose="020B0604020202020204" pitchFamily="34" charset="0"/>
-              <a:buChar char="•"/>
-              <a:defRPr sz="1800" kern="1200">
-                <a:solidFill>
-                  <a:schemeClr val="tx1"/>
-                </a:solidFill>
-                <a:latin typeface="+mn-lt"/>
-                <a:ea typeface="+mn-ea"/>
-                <a:cs typeface="+mn-cs"/>
-              </a:defRPr>
-            </a:lvl7pPr>
-            <a:lvl8pPr marL="3429000" indent="-228600" algn="l" defTabSz="914400" rtl="0" eaLnBrk="1" latinLnBrk="0" hangingPunct="1">
-              <a:lnSpc>
-                <a:spcPct val="90000"/>
-              </a:lnSpc>
-              <a:spcBef>
-                <a:spcPct val="30000"/>
-              </a:spcBef>
-              <a:buFont typeface="Arial" panose="020B0604020202020204" pitchFamily="34" charset="0"/>
-              <a:buChar char="•"/>
-              <a:defRPr sz="1800" kern="1200">
-                <a:solidFill>
-                  <a:schemeClr val="tx1"/>
-                </a:solidFill>
-                <a:latin typeface="+mn-lt"/>
-                <a:ea typeface="+mn-ea"/>
-                <a:cs typeface="+mn-cs"/>
-              </a:defRPr>
-            </a:lvl8pPr>
-            <a:lvl9pPr marL="3886200" indent="-228600" algn="l" defTabSz="914400" rtl="0" eaLnBrk="1" latinLnBrk="0" hangingPunct="1">
-              <a:lnSpc>
-                <a:spcPct val="90000"/>
-              </a:lnSpc>
-              <a:spcBef>
-                <a:spcPct val="30000"/>
-              </a:spcBef>
-              <a:buFont typeface="Arial" panose="020B0604020202020204" pitchFamily="34" charset="0"/>
-              <a:buChar char="•"/>
-              <a:defRPr sz="1800" kern="1200">
-                <a:solidFill>
-                  <a:schemeClr val="tx1"/>
-                </a:solidFill>
-                <a:latin typeface="+mn-lt"/>
-                <a:ea typeface="+mn-ea"/>
-                <a:cs typeface="+mn-cs"/>
-              </a:defRPr>
-            </a:lvl9pPr>
-          </a:lstStyle>
+          <a:lstStyle/>
           <a:p>
             <a:pPr marL="457200" lvl="1" indent="0">
-              <a:lnSpc>
-                <a:spcPts val="3000"/>
-              </a:lnSpc>
-              <a:buNone/>
-            </a:pPr>
-            <a:r>
-              <a:rPr lang="en-GB" sz="3800" b="1" dirty="0">
-                <a:solidFill>
-                  <a:schemeClr val="bg2">
-                    <a:lumMod val="25000"/>
-                  </a:schemeClr>
-                </a:solidFill>
-                <a:latin typeface="Segoe UI Light" panose="020B0502040204020203" pitchFamily="34" charset="0"/>
-                <a:cs typeface="Segoe UI Light" panose="020B0502040204020203" pitchFamily="34" charset="0"/>
-                <a:hlinkClick r:id="rId2">
-                  <a:extLst>
-                    <a:ext uri="{A12FA001-AC4F-418D-AE19-62706E023703}">
-                      <ahyp:hlinkClr xmlns:ahyp="http://schemas.microsoft.com/office/drawing/2018/hyperlinkcolor" val="tx"/>
-                    </a:ext>
-                  </a:extLst>
-                </a:hlinkClick>
-              </a:rPr>
-              <a:t>https://www.webcomponents.org/</a:t>
-            </a:r>
-            <a:r>
-              <a:rPr lang="en-GB" sz="3800" b="1" dirty="0">
-                <a:solidFill>
-                  <a:schemeClr val="bg2">
-                    <a:lumMod val="25000"/>
-                  </a:schemeClr>
-                </a:solidFill>
-                <a:latin typeface="Segoe UI Light" panose="020B0502040204020203" pitchFamily="34" charset="0"/>
-                <a:cs typeface="Segoe UI Light" panose="020B0502040204020203" pitchFamily="34" charset="0"/>
-              </a:rPr>
-              <a:t> </a:t>
-            </a:r>
-          </a:p>
-          <a:p>
-            <a:pPr marL="457200" lvl="1" indent="0">
-              <a:lnSpc>
-                <a:spcPts val="3000"/>
-              </a:lnSpc>
               <a:buNone/>
             </a:pPr>
             <a:r>
@@ -15630,153 +15723,12 @@
                 <a:latin typeface="Segoe UI Light" panose="020B0502040204020203" pitchFamily="34" charset="0"/>
                 <a:cs typeface="Segoe UI Light" panose="020B0502040204020203" pitchFamily="34" charset="0"/>
               </a:rPr>
-              <a:t>- main reference site</a:t>
+              <a:t>These are only limited by our use of JS as they are regular JS components.</a:t>
             </a:r>
           </a:p>
           <a:p>
             <a:pPr marL="457200" lvl="1" indent="0">
-              <a:lnSpc>
-                <a:spcPts val="3000"/>
-              </a:lnSpc>
               <a:buNone/>
-            </a:pPr>
-            <a:r>
-              <a:rPr lang="en-GB" sz="3800" b="1" dirty="0">
-                <a:solidFill>
-                  <a:schemeClr val="bg2">
-                    <a:lumMod val="25000"/>
-                  </a:schemeClr>
-                </a:solidFill>
-                <a:latin typeface="Segoe UI Light" panose="020B0502040204020203" pitchFamily="34" charset="0"/>
-                <a:cs typeface="Segoe UI Light" panose="020B0502040204020203" pitchFamily="34" charset="0"/>
-                <a:hlinkClick r:id="rId3">
-                  <a:extLst>
-                    <a:ext uri="{A12FA001-AC4F-418D-AE19-62706E023703}">
-                      <ahyp:hlinkClr xmlns:ahyp="http://schemas.microsoft.com/office/drawing/2018/hyperlinkcolor" val="tx"/>
-                    </a:ext>
-                  </a:extLst>
-                </a:hlinkClick>
-              </a:rPr>
-              <a:t>https://custom-elements-everywhere.com/</a:t>
-            </a:r>
-            <a:r>
-              <a:rPr lang="en-GB" sz="3800" b="1" dirty="0">
-                <a:solidFill>
-                  <a:schemeClr val="bg2">
-                    <a:lumMod val="25000"/>
-                  </a:schemeClr>
-                </a:solidFill>
-                <a:latin typeface="Segoe UI Light" panose="020B0502040204020203" pitchFamily="34" charset="0"/>
-                <a:cs typeface="Segoe UI Light" panose="020B0502040204020203" pitchFamily="34" charset="0"/>
-              </a:rPr>
-              <a:t> </a:t>
-            </a:r>
-          </a:p>
-          <a:p>
-            <a:pPr marL="457200" lvl="1" indent="0">
-              <a:lnSpc>
-                <a:spcPts val="3500"/>
-              </a:lnSpc>
-              <a:buNone/>
-            </a:pPr>
-            <a:r>
-              <a:rPr lang="en-GB" sz="3800" dirty="0">
-                <a:solidFill>
-                  <a:schemeClr val="bg2">
-                    <a:lumMod val="25000"/>
-                  </a:schemeClr>
-                </a:solidFill>
-                <a:latin typeface="Segoe UI Light" panose="020B0502040204020203" pitchFamily="34" charset="0"/>
-                <a:cs typeface="Segoe UI Light" panose="020B0502040204020203" pitchFamily="34" charset="0"/>
-              </a:rPr>
-              <a:t>(Making sure frameworks and custom elements can be BFFs )</a:t>
-            </a:r>
-          </a:p>
-          <a:p>
-            <a:pPr marL="457200" lvl="1" indent="0">
-              <a:lnSpc>
-                <a:spcPts val="3000"/>
-              </a:lnSpc>
-              <a:buNone/>
-            </a:pPr>
-            <a:r>
-              <a:rPr lang="en-GB" sz="3800" b="1" dirty="0">
-                <a:solidFill>
-                  <a:schemeClr val="bg2">
-                    <a:lumMod val="25000"/>
-                  </a:schemeClr>
-                </a:solidFill>
-                <a:latin typeface="Segoe UI Light" panose="020B0502040204020203" pitchFamily="34" charset="0"/>
-                <a:cs typeface="Segoe UI Light" panose="020B0502040204020203" pitchFamily="34" charset="0"/>
-                <a:hlinkClick r:id="rId4">
-                  <a:extLst>
-                    <a:ext uri="{A12FA001-AC4F-418D-AE19-62706E023703}">
-                      <ahyp:hlinkClr xmlns:ahyp="http://schemas.microsoft.com/office/drawing/2018/hyperlinkcolor" val="tx"/>
-                    </a:ext>
-                  </a:extLst>
-                </a:hlinkClick>
-              </a:rPr>
-              <a:t>https://webcomponents.dev/</a:t>
-            </a:r>
-            <a:r>
-              <a:rPr lang="en-GB" sz="3800" b="1" dirty="0">
-                <a:solidFill>
-                  <a:schemeClr val="bg2">
-                    <a:lumMod val="25000"/>
-                  </a:schemeClr>
-                </a:solidFill>
-                <a:latin typeface="Segoe UI Light" panose="020B0502040204020203" pitchFamily="34" charset="0"/>
-                <a:cs typeface="Segoe UI Light" panose="020B0502040204020203" pitchFamily="34" charset="0"/>
-              </a:rPr>
-              <a:t> </a:t>
-            </a:r>
-          </a:p>
-          <a:p>
-            <a:pPr lvl="1">
-              <a:lnSpc>
-                <a:spcPts val="3000"/>
-              </a:lnSpc>
-              <a:buFontTx/>
-              <a:buChar char="-"/>
-            </a:pPr>
-            <a:r>
-              <a:rPr lang="en-GB" sz="3800" dirty="0">
-                <a:solidFill>
-                  <a:schemeClr val="bg2">
-                    <a:lumMod val="25000"/>
-                  </a:schemeClr>
-                </a:solidFill>
-                <a:latin typeface="Segoe UI Light" panose="020B0502040204020203" pitchFamily="34" charset="0"/>
-                <a:cs typeface="Segoe UI Light" panose="020B0502040204020203" pitchFamily="34" charset="0"/>
-              </a:rPr>
-              <a:t>over 40 libraries and compilers </a:t>
-            </a:r>
-          </a:p>
-          <a:p>
-            <a:pPr marL="457200" lvl="1" indent="0">
-              <a:lnSpc>
-                <a:spcPts val="3000"/>
-              </a:lnSpc>
-              <a:buNone/>
-            </a:pPr>
-            <a:r>
-              <a:rPr lang="en-GB" sz="3800" i="1" dirty="0">
-                <a:solidFill>
-                  <a:schemeClr val="bg2">
-                    <a:lumMod val="25000"/>
-                  </a:schemeClr>
-                </a:solidFill>
-                <a:latin typeface="Segoe UI Light" panose="020B0502040204020203" pitchFamily="34" charset="0"/>
-                <a:cs typeface="Segoe UI Light" panose="020B0502040204020203" pitchFamily="34" charset="0"/>
-              </a:rPr>
-              <a:t>let’s see them…</a:t>
-            </a:r>
-          </a:p>
-          <a:p>
-            <a:pPr lvl="1">
-              <a:lnSpc>
-                <a:spcPts val="4000"/>
-              </a:lnSpc>
             </a:pPr>
             <a:endParaRPr lang="en-GB" sz="3800" dirty="0">
               <a:solidFill>
@@ -15789,17 +15741,27 @@
             </a:endParaRPr>
           </a:p>
           <a:p>
-            <a:pPr marL="0" lvl="0" indent="0">
-              <a:spcBef>
-                <a:spcPct val="0"/>
-              </a:spcBef>
-              <a:spcAft>
-                <a:spcPts val="2000"/>
-              </a:spcAft>
+            <a:pPr marL="457200" lvl="1" indent="0">
               <a:buNone/>
-              <a:defRPr/>
             </a:pPr>
-            <a:endParaRPr lang="en-US" sz="3800" dirty="0">
+            <a:r>
+              <a:rPr lang="en-GB" sz="3800" dirty="0">
+                <a:solidFill>
+                  <a:schemeClr val="bg2">
+                    <a:lumMod val="25000"/>
+                  </a:schemeClr>
+                </a:solidFill>
+                <a:latin typeface="Segoe UI Light" panose="020B0502040204020203" pitchFamily="34" charset="0"/>
+                <a:cs typeface="Segoe UI Light" panose="020B0502040204020203" pitchFamily="34" charset="0"/>
+              </a:rPr>
+              <a:t>We will look at couple of UI components and many more highly functional components that have built in functionality…</a:t>
+            </a:r>
+          </a:p>
+          <a:p>
+            <a:pPr marL="457200" lvl="1" indent="0">
+              <a:buNone/>
+            </a:pPr>
+            <a:endParaRPr lang="en-GB" sz="3800" dirty="0">
               <a:solidFill>
                 <a:schemeClr val="bg2">
                   <a:lumMod val="25000"/>
@@ -15814,7 +15776,7 @@
     </p:spTree>
     <p:extLst>
       <p:ext uri="{BB962C8B-B14F-4D97-AF65-F5344CB8AC3E}">
-        <p14:creationId xmlns:p14="http://schemas.microsoft.com/office/powerpoint/2010/main" val="2661540520"/>
+        <p14:creationId xmlns:p14="http://schemas.microsoft.com/office/powerpoint/2010/main" val="2010978496"/>
       </p:ext>
     </p:extLst>
   </p:cSld>
@@ -17119,7 +17081,7 @@
                 <a:latin typeface="Segoe UI Light" panose="020B0502040204020203" pitchFamily="34" charset="0"/>
                 <a:cs typeface="Segoe UI Light" panose="020B0502040204020203" pitchFamily="34" charset="0"/>
               </a:rPr>
-              <a:t>Demo time</a:t>
+              <a:t>Types of Web Components</a:t>
             </a:r>
           </a:p>
         </p:txBody>
@@ -17367,8 +17329,8 @@
         </p:nvSpPr>
         <p:spPr>
           <a:xfrm>
-            <a:off x="678427" y="995260"/>
-            <a:ext cx="10971964" cy="4653710"/>
+            <a:off x="541609" y="1012639"/>
+            <a:ext cx="10971964" cy="6524863"/>
           </a:xfrm>
           <a:prstGeom prst="rect">
             <a:avLst/>
@@ -17395,14 +17357,12 @@
             </a:endParaRPr>
           </a:p>
           <a:p>
-            <a:pPr marL="457200" lvl="1" indent="0">
-              <a:lnSpc>
-                <a:spcPts val="4500"/>
-              </a:lnSpc>
-              <a:buNone/>
+            <a:pPr marL="1028700" lvl="1" indent="-571500">
+              <a:buFont typeface="Arial" panose="020B0604020202020204" pitchFamily="34" charset="0"/>
+              <a:buChar char="•"/>
             </a:pPr>
             <a:r>
-              <a:rPr lang="en-GB" sz="2800" dirty="0">
+              <a:rPr lang="en-GB" sz="3800" dirty="0">
                 <a:solidFill>
                   <a:schemeClr val="bg2">
                     <a:lumMod val="25000"/>
@@ -17411,18 +17371,16 @@
                 <a:latin typeface="Segoe UI Light" panose="020B0502040204020203" pitchFamily="34" charset="0"/>
                 <a:cs typeface="Segoe UI Light" panose="020B0502040204020203" pitchFamily="34" charset="0"/>
               </a:rPr>
-              <a:t>Walkthrough of Web Components:</a:t>
+              <a:t>Fetch requests.</a:t>
             </a:r>
           </a:p>
           <a:p>
-            <a:pPr marL="457200" lvl="1" indent="0">
-              <a:lnSpc>
-                <a:spcPts val="4500"/>
-              </a:lnSpc>
-              <a:buNone/>
+            <a:pPr marL="1028700" lvl="1" indent="-571500">
+              <a:buFont typeface="Arial" panose="020B0604020202020204" pitchFamily="34" charset="0"/>
+              <a:buChar char="•"/>
             </a:pPr>
             <a:r>
-              <a:rPr lang="en-GB" sz="2800" b="1" dirty="0">
+              <a:rPr lang="en-GB" sz="3800" dirty="0">
                 <a:solidFill>
                   <a:schemeClr val="bg2">
                     <a:lumMod val="25000"/>
@@ -17431,135 +17389,86 @@
                 <a:latin typeface="Segoe UI Light" panose="020B0502040204020203" pitchFamily="34" charset="0"/>
                 <a:cs typeface="Segoe UI Light" panose="020B0502040204020203" pitchFamily="34" charset="0"/>
               </a:rPr>
-              <a:t>Business case (1) site:</a:t>
+              <a:t>Lazy loading and dynamic loading (scripts/components).</a:t>
             </a:r>
           </a:p>
           <a:p>
-            <a:pPr lvl="1">
-              <a:lnSpc>
-                <a:spcPts val="4500"/>
-              </a:lnSpc>
+            <a:pPr marL="1028700" lvl="1" indent="-571500">
+              <a:buFont typeface="Arial" panose="020B0604020202020204" pitchFamily="34" charset="0"/>
+              <a:buChar char="•"/>
             </a:pPr>
             <a:r>
-              <a:rPr lang="en-GB" sz="2800" dirty="0">
-                <a:solidFill>
-                  <a:srgbClr val="0070C0"/>
+              <a:rPr lang="en-GB" sz="3800" dirty="0">
+                <a:solidFill>
+                  <a:schemeClr val="bg2">
+                    <a:lumMod val="25000"/>
+                  </a:schemeClr>
                 </a:solidFill>
                 <a:latin typeface="Segoe UI Light" panose="020B0502040204020203" pitchFamily="34" charset="0"/>
                 <a:cs typeface="Segoe UI Light" panose="020B0502040204020203" pitchFamily="34" charset="0"/>
-                <a:hlinkClick r:id="rId2">
-                  <a:extLst>
-                    <a:ext uri="{A12FA001-AC4F-418D-AE19-62706E023703}">
-                      <ahyp:hlinkClr xmlns:ahyp="http://schemas.microsoft.com/office/drawing/2018/hyperlinkcolor" val="tx"/>
-                    </a:ext>
-                  </a:extLst>
-                </a:hlinkClick>
               </a:rPr>
-              <a:t>https://wpjs.co.uk/demo1</a:t>
+              <a:t>Storing JSON in IndexedDB and rendering it via templates.</a:t>
             </a:r>
-            <a:endParaRPr lang="en-GB" sz="2800" dirty="0">
+          </a:p>
+          <a:p>
+            <a:pPr marL="1028700" lvl="1" indent="-571500">
+              <a:buFont typeface="Arial" panose="020B0604020202020204" pitchFamily="34" charset="0"/>
+              <a:buChar char="•"/>
+            </a:pPr>
+            <a:r>
+              <a:rPr lang="en-GB" sz="3800" dirty="0">
+                <a:solidFill>
+                  <a:schemeClr val="bg2">
+                    <a:lumMod val="25000"/>
+                  </a:schemeClr>
+                </a:solidFill>
+                <a:latin typeface="Segoe UI Light" panose="020B0502040204020203" pitchFamily="34" charset="0"/>
+                <a:cs typeface="Segoe UI Light" panose="020B0502040204020203" pitchFamily="34" charset="0"/>
+              </a:rPr>
+              <a:t>Authentication and storage of JSON Web Tokens.</a:t>
+            </a:r>
+          </a:p>
+          <a:p>
+            <a:pPr marL="1028700" lvl="1" indent="-571500">
+              <a:buFont typeface="Arial" panose="020B0604020202020204" pitchFamily="34" charset="0"/>
+              <a:buChar char="•"/>
+            </a:pPr>
+            <a:r>
+              <a:rPr lang="en-GB" sz="3800" dirty="0">
+                <a:solidFill>
+                  <a:schemeClr val="bg2">
+                    <a:lumMod val="25000"/>
+                  </a:schemeClr>
+                </a:solidFill>
+                <a:latin typeface="Segoe UI Light" panose="020B0502040204020203" pitchFamily="34" charset="0"/>
+                <a:cs typeface="Segoe UI Light" panose="020B0502040204020203" pitchFamily="34" charset="0"/>
+              </a:rPr>
+              <a:t>Added offline capability and ‘instant’ pages.</a:t>
+            </a:r>
+          </a:p>
+          <a:p>
+            <a:pPr marL="457200" lvl="1" indent="0">
+              <a:buNone/>
+            </a:pPr>
+            <a:endParaRPr lang="en-GB" sz="3800" dirty="0">
               <a:solidFill>
-                <a:srgbClr val="0070C0"/>
+                <a:schemeClr val="bg2">
+                  <a:lumMod val="25000"/>
+                </a:schemeClr>
               </a:solidFill>
               <a:latin typeface="Segoe UI Light" panose="020B0502040204020203" pitchFamily="34" charset="0"/>
               <a:cs typeface="Segoe UI Light" panose="020B0502040204020203" pitchFamily="34" charset="0"/>
             </a:endParaRPr>
           </a:p>
           <a:p>
-            <a:pPr lvl="1">
-              <a:lnSpc>
-                <a:spcPts val="4500"/>
-              </a:lnSpc>
+            <a:pPr marL="457200" lvl="1" indent="0">
+              <a:buNone/>
             </a:pPr>
-            <a:r>
-              <a:rPr lang="en-GB" sz="2800" i="1" dirty="0">
-                <a:solidFill>
-                  <a:schemeClr val="bg2">
-                    <a:lumMod val="25000"/>
-                  </a:schemeClr>
-                </a:solidFill>
-                <a:latin typeface="Segoe UI Light" panose="020B0502040204020203" pitchFamily="34" charset="0"/>
-                <a:cs typeface="Segoe UI Light" panose="020B0502040204020203" pitchFamily="34" charset="0"/>
-              </a:rPr>
-              <a:t>Also in repo as 06/20-ndc/site</a:t>
-            </a:r>
-          </a:p>
-          <a:p>
-            <a:pPr lvl="1">
-              <a:lnSpc>
-                <a:spcPts val="4500"/>
-              </a:lnSpc>
-            </a:pPr>
-            <a:r>
-              <a:rPr lang="en-GB" sz="2800" dirty="0">
-                <a:solidFill>
-                  <a:srgbClr val="0070C0"/>
-                </a:solidFill>
-                <a:latin typeface="Segoe UI Light" panose="020B0502040204020203" pitchFamily="34" charset="0"/>
-                <a:cs typeface="Segoe UI Light" panose="020B0502040204020203" pitchFamily="34" charset="0"/>
-                <a:hlinkClick r:id="rId3">
-                  <a:extLst>
-                    <a:ext uri="{A12FA001-AC4F-418D-AE19-62706E023703}">
-                      <ahyp:hlinkClr xmlns:ahyp="http://schemas.microsoft.com/office/drawing/2018/hyperlinkcolor" val="tx"/>
-                    </a:ext>
-                  </a:extLst>
-                </a:hlinkClick>
-              </a:rPr>
-              <a:t>https://github.com/iwswordpress/ndc-london-web-components</a:t>
-            </a:r>
-            <a:endParaRPr lang="en-GB" sz="1600" i="1" dirty="0">
-              <a:solidFill>
-                <a:srgbClr val="0070C0"/>
-              </a:solidFill>
-              <a:latin typeface="Segoe UI Light" panose="020B0502040204020203" pitchFamily="34" charset="0"/>
-              <a:cs typeface="Segoe UI Light" panose="020B0502040204020203" pitchFamily="34" charset="0"/>
-            </a:endParaRPr>
-          </a:p>
-          <a:p>
-            <a:pPr lvl="1">
-              <a:lnSpc>
-                <a:spcPts val="4500"/>
-              </a:lnSpc>
-            </a:pPr>
-            <a:r>
-              <a:rPr lang="en-GB" sz="2800" b="1" dirty="0">
-                <a:solidFill>
-                  <a:schemeClr val="bg2">
-                    <a:lumMod val="25000"/>
-                  </a:schemeClr>
-                </a:solidFill>
-                <a:latin typeface="Segoe UI Light" panose="020B0502040204020203" pitchFamily="34" charset="0"/>
-                <a:cs typeface="Segoe UI Light" panose="020B0502040204020203" pitchFamily="34" charset="0"/>
-              </a:rPr>
-              <a:t>Business case (2) site:</a:t>
-            </a:r>
-          </a:p>
-          <a:p>
-            <a:pPr lvl="1">
-              <a:lnSpc>
-                <a:spcPts val="4500"/>
-              </a:lnSpc>
-            </a:pPr>
-            <a:r>
-              <a:rPr lang="en-GB" sz="2800" dirty="0">
-                <a:solidFill>
-                  <a:srgbClr val="0070C0"/>
-                </a:solidFill>
-                <a:latin typeface="Segoe UI Light" panose="020B0502040204020203" pitchFamily="34" charset="0"/>
-                <a:cs typeface="Segoe UI Light" panose="020B0502040204020203" pitchFamily="34" charset="0"/>
-                <a:hlinkClick r:id="rId2">
-                  <a:extLst>
-                    <a:ext uri="{A12FA001-AC4F-418D-AE19-62706E023703}">
-                      <ahyp:hlinkClr xmlns:ahyp="http://schemas.microsoft.com/office/drawing/2018/hyperlinkcolor" val="tx"/>
-                    </a:ext>
-                  </a:extLst>
-                </a:hlinkClick>
-              </a:rPr>
-              <a:t>https://wpjs.co.uk/demo1</a:t>
-            </a:r>
             <a:endParaRPr lang="en-GB" sz="3800" dirty="0">
               <a:solidFill>
-                <a:srgbClr val="0070C0"/>
+                <a:schemeClr val="bg2">
+                  <a:lumMod val="25000"/>
+                </a:schemeClr>
               </a:solidFill>
               <a:latin typeface="Segoe UI Light" panose="020B0502040204020203" pitchFamily="34" charset="0"/>
               <a:cs typeface="Segoe UI Light" panose="020B0502040204020203" pitchFamily="34" charset="0"/>
@@ -17570,7 +17479,7 @@
     </p:spTree>
     <p:extLst>
       <p:ext uri="{BB962C8B-B14F-4D97-AF65-F5344CB8AC3E}">
-        <p14:creationId xmlns:p14="http://schemas.microsoft.com/office/powerpoint/2010/main" val="2710248439"/>
+        <p14:creationId xmlns:p14="http://schemas.microsoft.com/office/powerpoint/2010/main" val="1862207496"/>
       </p:ext>
     </p:extLst>
   </p:cSld>
@@ -17609,8 +17518,8 @@
         </p:nvSpPr>
         <p:spPr>
           <a:xfrm>
-            <a:off x="541608" y="426301"/>
-            <a:ext cx="10293539" cy="749992"/>
+            <a:off x="541609" y="426301"/>
+            <a:ext cx="8578726" cy="749992"/>
           </a:xfrm>
         </p:spPr>
         <p:txBody>
@@ -17624,7 +17533,7 @@
                 <a:latin typeface="Segoe UI Light" panose="020B0502040204020203" pitchFamily="34" charset="0"/>
                 <a:cs typeface="Segoe UI Light" panose="020B0502040204020203" pitchFamily="34" charset="0"/>
               </a:rPr>
-              <a:t>Converting Frameworks to Web Components</a:t>
+              <a:t>Useful references</a:t>
             </a:r>
           </a:p>
         </p:txBody>
@@ -17860,53 +17769,247 @@
       </p:sp>
       <p:sp>
         <p:nvSpPr>
-          <p:cNvPr id="8" name="TextBox 7">
-            <a:extLst>
-              <a:ext uri="{FF2B5EF4-FFF2-40B4-BE49-F238E27FC236}">
-                <a16:creationId xmlns:a16="http://schemas.microsoft.com/office/drawing/2014/main" id="{D4329088-EA16-420B-B145-A30265C6D3B4}"/>
-              </a:ext>
-            </a:extLst>
-          </p:cNvPr>
-          <p:cNvSpPr txBox="1"/>
+          <p:cNvPr id="36" name="Content Placeholder 17"/>
+          <p:cNvSpPr txBox="1">
+            <a:spLocks/>
+          </p:cNvSpPr>
           <p:nvPr/>
         </p:nvSpPr>
         <p:spPr>
           <a:xfrm>
-            <a:off x="541608" y="1691065"/>
-            <a:ext cx="10971964" cy="5370701"/>
+            <a:off x="667892" y="1550741"/>
+            <a:ext cx="10356444" cy="5147658"/>
           </a:xfrm>
           <a:prstGeom prst="rect">
             <a:avLst/>
           </a:prstGeom>
-          <a:noFill/>
         </p:spPr>
         <p:txBody>
-          <a:bodyPr wrap="square">
-            <a:spAutoFit/>
+          <a:bodyPr vert="horz" lIns="91440" tIns="45720" rIns="91440" bIns="45720" rtlCol="0">
+            <a:noAutofit/>
           </a:bodyPr>
-          <a:lstStyle/>
-          <a:p>
-            <a:pPr marL="914400" lvl="1" indent="-457200">
-              <a:buFont typeface="Arial" panose="020B0604020202020204" pitchFamily="34" charset="0"/>
-              <a:buChar char="•"/>
-            </a:pPr>
-            <a:endParaRPr lang="en-GB" sz="1100" dirty="0">
-              <a:solidFill>
-                <a:schemeClr val="bg2">
-                  <a:lumMod val="25000"/>
-                </a:schemeClr>
-              </a:solidFill>
-              <a:latin typeface="Segoe UI Light" panose="020B0502040204020203" pitchFamily="34" charset="0"/>
-              <a:cs typeface="Segoe UI Light" panose="020B0502040204020203" pitchFamily="34" charset="0"/>
-            </a:endParaRPr>
-          </a:p>
-          <a:p>
-            <a:pPr marL="914400" lvl="1" indent="-457200">
-              <a:buFont typeface="Arial" panose="020B0604020202020204" pitchFamily="34" charset="0"/>
-              <a:buChar char="•"/>
+          <a:lstStyle>
+            <a:lvl1pPr marL="228600" indent="-228600" algn="l" defTabSz="914400" rtl="0" eaLnBrk="1" latinLnBrk="0" hangingPunct="1">
+              <a:lnSpc>
+                <a:spcPts val="1800"/>
+              </a:lnSpc>
+              <a:spcBef>
+                <a:spcPts val="1000"/>
+              </a:spcBef>
+              <a:spcAft>
+                <a:spcPts val="1000"/>
+              </a:spcAft>
+              <a:buFont typeface="Arial" panose="020B0604020202020204" pitchFamily="34" charset="0"/>
+              <a:buChar char="•"/>
+              <a:defRPr lang="en-US" sz="1200" kern="1200" smtClean="0">
+                <a:solidFill>
+                  <a:schemeClr val="tx1">
+                    <a:lumMod val="75000"/>
+                    <a:lumOff val="25000"/>
+                  </a:schemeClr>
+                </a:solidFill>
+                <a:latin typeface="+mn-lt"/>
+                <a:ea typeface="+mn-ea"/>
+                <a:cs typeface="+mn-cs"/>
+              </a:defRPr>
+            </a:lvl1pPr>
+            <a:lvl2pPr marL="685800" indent="-228600" algn="l" defTabSz="914400" rtl="0" eaLnBrk="1" latinLnBrk="0" hangingPunct="1">
+              <a:lnSpc>
+                <a:spcPts val="1800"/>
+              </a:lnSpc>
+              <a:spcBef>
+                <a:spcPts val="1000"/>
+              </a:spcBef>
+              <a:spcAft>
+                <a:spcPts val="1000"/>
+              </a:spcAft>
+              <a:buFont typeface="Arial" panose="020B0604020202020204" pitchFamily="34" charset="0"/>
+              <a:buChar char="•"/>
+              <a:defRPr lang="en-US" sz="1200" kern="1200" smtClean="0">
+                <a:solidFill>
+                  <a:schemeClr val="tx1">
+                    <a:lumMod val="75000"/>
+                    <a:lumOff val="25000"/>
+                  </a:schemeClr>
+                </a:solidFill>
+                <a:latin typeface="+mn-lt"/>
+                <a:ea typeface="+mn-ea"/>
+                <a:cs typeface="+mn-cs"/>
+              </a:defRPr>
+            </a:lvl2pPr>
+            <a:lvl3pPr marL="1143000" indent="-228600" algn="l" defTabSz="914400" rtl="0" eaLnBrk="1" latinLnBrk="0" hangingPunct="1">
+              <a:lnSpc>
+                <a:spcPts val="1800"/>
+              </a:lnSpc>
+              <a:spcBef>
+                <a:spcPts val="1000"/>
+              </a:spcBef>
+              <a:spcAft>
+                <a:spcPts val="1000"/>
+              </a:spcAft>
+              <a:buFont typeface="Arial" panose="020B0604020202020204" pitchFamily="34" charset="0"/>
+              <a:buChar char="•"/>
+              <a:defRPr lang="en-US" sz="1200" kern="1200" smtClean="0">
+                <a:solidFill>
+                  <a:schemeClr val="tx1">
+                    <a:lumMod val="75000"/>
+                    <a:lumOff val="25000"/>
+                  </a:schemeClr>
+                </a:solidFill>
+                <a:latin typeface="+mn-lt"/>
+                <a:ea typeface="+mn-ea"/>
+                <a:cs typeface="+mn-cs"/>
+              </a:defRPr>
+            </a:lvl3pPr>
+            <a:lvl4pPr marL="1600200" indent="-228600" algn="l" defTabSz="914400" rtl="0" eaLnBrk="1" latinLnBrk="0" hangingPunct="1">
+              <a:lnSpc>
+                <a:spcPts val="1800"/>
+              </a:lnSpc>
+              <a:spcBef>
+                <a:spcPts val="1000"/>
+              </a:spcBef>
+              <a:spcAft>
+                <a:spcPts val="1000"/>
+              </a:spcAft>
+              <a:buFont typeface="Arial" panose="020B0604020202020204" pitchFamily="34" charset="0"/>
+              <a:buChar char="•"/>
+              <a:defRPr lang="en-US" sz="1200" kern="1200" smtClean="0">
+                <a:solidFill>
+                  <a:schemeClr val="tx1">
+                    <a:lumMod val="75000"/>
+                    <a:lumOff val="25000"/>
+                  </a:schemeClr>
+                </a:solidFill>
+                <a:latin typeface="+mn-lt"/>
+                <a:ea typeface="+mn-ea"/>
+                <a:cs typeface="+mn-cs"/>
+              </a:defRPr>
+            </a:lvl4pPr>
+            <a:lvl5pPr marL="2057400" indent="-228600" algn="l" defTabSz="914400" rtl="0" eaLnBrk="1" latinLnBrk="0" hangingPunct="1">
+              <a:lnSpc>
+                <a:spcPts val="1800"/>
+              </a:lnSpc>
+              <a:spcBef>
+                <a:spcPts val="1000"/>
+              </a:spcBef>
+              <a:spcAft>
+                <a:spcPts val="1000"/>
+              </a:spcAft>
+              <a:buFont typeface="Arial" panose="020B0604020202020204" pitchFamily="34" charset="0"/>
+              <a:buChar char="•"/>
+              <a:defRPr lang="en-US" sz="1200" kern="1200">
+                <a:solidFill>
+                  <a:schemeClr val="tx1">
+                    <a:lumMod val="75000"/>
+                    <a:lumOff val="25000"/>
+                  </a:schemeClr>
+                </a:solidFill>
+                <a:latin typeface="+mn-lt"/>
+                <a:ea typeface="+mn-ea"/>
+                <a:cs typeface="+mn-cs"/>
+              </a:defRPr>
+            </a:lvl5pPr>
+            <a:lvl6pPr marL="2514600" indent="-228600" algn="l" defTabSz="914400" rtl="0" eaLnBrk="1" latinLnBrk="0" hangingPunct="1">
+              <a:lnSpc>
+                <a:spcPct val="90000"/>
+              </a:lnSpc>
+              <a:spcBef>
+                <a:spcPct val="30000"/>
+              </a:spcBef>
+              <a:buFont typeface="Arial" panose="020B0604020202020204" pitchFamily="34" charset="0"/>
+              <a:buChar char="•"/>
+              <a:defRPr sz="1800" kern="1200">
+                <a:solidFill>
+                  <a:schemeClr val="tx1"/>
+                </a:solidFill>
+                <a:latin typeface="+mn-lt"/>
+                <a:ea typeface="+mn-ea"/>
+                <a:cs typeface="+mn-cs"/>
+              </a:defRPr>
+            </a:lvl6pPr>
+            <a:lvl7pPr marL="2971800" indent="-228600" algn="l" defTabSz="914400" rtl="0" eaLnBrk="1" latinLnBrk="0" hangingPunct="1">
+              <a:lnSpc>
+                <a:spcPct val="90000"/>
+              </a:lnSpc>
+              <a:spcBef>
+                <a:spcPct val="30000"/>
+              </a:spcBef>
+              <a:buFont typeface="Arial" panose="020B0604020202020204" pitchFamily="34" charset="0"/>
+              <a:buChar char="•"/>
+              <a:defRPr sz="1800" kern="1200">
+                <a:solidFill>
+                  <a:schemeClr val="tx1"/>
+                </a:solidFill>
+                <a:latin typeface="+mn-lt"/>
+                <a:ea typeface="+mn-ea"/>
+                <a:cs typeface="+mn-cs"/>
+              </a:defRPr>
+            </a:lvl7pPr>
+            <a:lvl8pPr marL="3429000" indent="-228600" algn="l" defTabSz="914400" rtl="0" eaLnBrk="1" latinLnBrk="0" hangingPunct="1">
+              <a:lnSpc>
+                <a:spcPct val="90000"/>
+              </a:lnSpc>
+              <a:spcBef>
+                <a:spcPct val="30000"/>
+              </a:spcBef>
+              <a:buFont typeface="Arial" panose="020B0604020202020204" pitchFamily="34" charset="0"/>
+              <a:buChar char="•"/>
+              <a:defRPr sz="1800" kern="1200">
+                <a:solidFill>
+                  <a:schemeClr val="tx1"/>
+                </a:solidFill>
+                <a:latin typeface="+mn-lt"/>
+                <a:ea typeface="+mn-ea"/>
+                <a:cs typeface="+mn-cs"/>
+              </a:defRPr>
+            </a:lvl8pPr>
+            <a:lvl9pPr marL="3886200" indent="-228600" algn="l" defTabSz="914400" rtl="0" eaLnBrk="1" latinLnBrk="0" hangingPunct="1">
+              <a:lnSpc>
+                <a:spcPct val="90000"/>
+              </a:lnSpc>
+              <a:spcBef>
+                <a:spcPct val="30000"/>
+              </a:spcBef>
+              <a:buFont typeface="Arial" panose="020B0604020202020204" pitchFamily="34" charset="0"/>
+              <a:buChar char="•"/>
+              <a:defRPr sz="1800" kern="1200">
+                <a:solidFill>
+                  <a:schemeClr val="tx1"/>
+                </a:solidFill>
+                <a:latin typeface="+mn-lt"/>
+                <a:ea typeface="+mn-ea"/>
+                <a:cs typeface="+mn-cs"/>
+              </a:defRPr>
+            </a:lvl9pPr>
+          </a:lstStyle>
+          <a:p>
+            <a:pPr marL="457200" lvl="1" indent="0">
+              <a:lnSpc>
+                <a:spcPts val="3000"/>
+              </a:lnSpc>
+              <a:buNone/>
             </a:pPr>
             <a:r>
-              <a:rPr lang="en-GB" sz="3200" dirty="0">
+              <a:rPr lang="en-GB" sz="3800" b="1" dirty="0">
+                <a:solidFill>
+                  <a:schemeClr val="bg2">
+                    <a:lumMod val="25000"/>
+                  </a:schemeClr>
+                </a:solidFill>
+                <a:latin typeface="Segoe UI Light" panose="020B0502040204020203" pitchFamily="34" charset="0"/>
+                <a:cs typeface="Segoe UI Light" panose="020B0502040204020203" pitchFamily="34" charset="0"/>
+                <a:hlinkClick r:id="rId2">
+                  <a:extLst>
+                    <a:ext uri="{A12FA001-AC4F-418D-AE19-62706E023703}">
+                      <ahyp:hlinkClr xmlns:ahyp="http://schemas.microsoft.com/office/drawing/2018/hyperlinkcolor" val="tx"/>
+                    </a:ext>
+                  </a:extLst>
+                </a:hlinkClick>
+              </a:rPr>
+              <a:t>https://www.webcomponents.org/</a:t>
+            </a:r>
+            <a:r>
+              <a:rPr lang="en-GB" sz="3800" b="1" dirty="0">
                 <a:solidFill>
                   <a:schemeClr val="bg2">
                     <a:lumMod val="25000"/>
@@ -17915,16 +18018,18 @@
                 <a:latin typeface="Segoe UI Light" panose="020B0502040204020203" pitchFamily="34" charset="0"/>
                 <a:cs typeface="Segoe UI Light" panose="020B0502040204020203" pitchFamily="34" charset="0"/>
               </a:rPr>
-              <a:t>Angular: https://angular.io/guide/elements</a:t>
+              <a:t> </a:t>
             </a:r>
           </a:p>
           <a:p>
-            <a:pPr marL="914400" lvl="1" indent="-457200">
-              <a:buFont typeface="Arial" panose="020B0604020202020204" pitchFamily="34" charset="0"/>
-              <a:buChar char="•"/>
+            <a:pPr marL="457200" lvl="1" indent="0">
+              <a:lnSpc>
+                <a:spcPts val="3000"/>
+              </a:lnSpc>
+              <a:buNone/>
             </a:pPr>
             <a:r>
-              <a:rPr lang="en-GB" sz="3200" dirty="0">
+              <a:rPr lang="en-GB" sz="3800" dirty="0">
                 <a:solidFill>
                   <a:schemeClr val="bg2">
                     <a:lumMod val="25000"/>
@@ -17933,16 +18038,37 @@
                 <a:latin typeface="Segoe UI Light" panose="020B0502040204020203" pitchFamily="34" charset="0"/>
                 <a:cs typeface="Segoe UI Light" panose="020B0502040204020203" pitchFamily="34" charset="0"/>
               </a:rPr>
-              <a:t>Vue: https://www.npmjs.com/package/vue-custom-element</a:t>
+              <a:t>- main reference site</a:t>
             </a:r>
           </a:p>
           <a:p>
-            <a:pPr marL="914400" lvl="1" indent="-457200">
-              <a:buFont typeface="Arial" panose="020B0604020202020204" pitchFamily="34" charset="0"/>
-              <a:buChar char="•"/>
+            <a:pPr marL="457200" lvl="1" indent="0">
+              <a:lnSpc>
+                <a:spcPts val="3000"/>
+              </a:lnSpc>
+              <a:buNone/>
             </a:pPr>
             <a:r>
-              <a:rPr lang="en-GB" sz="3200" dirty="0">
+              <a:rPr lang="en-GB" sz="3800" b="1" dirty="0">
+                <a:solidFill>
+                  <a:schemeClr val="bg2">
+                    <a:lumMod val="25000"/>
+                  </a:schemeClr>
+                </a:solidFill>
+                <a:latin typeface="Segoe UI Light" panose="020B0502040204020203" pitchFamily="34" charset="0"/>
+                <a:cs typeface="Segoe UI Light" panose="020B0502040204020203" pitchFamily="34" charset="0"/>
+                <a:hlinkClick r:id="rId3">
+                  <a:extLst>
+                    <a:ext uri="{A12FA001-AC4F-418D-AE19-62706E023703}">
+                      <ahyp:hlinkClr xmlns:ahyp="http://schemas.microsoft.com/office/drawing/2018/hyperlinkcolor" val="tx"/>
+                    </a:ext>
+                  </a:extLst>
+                </a:hlinkClick>
+              </a:rPr>
+              <a:t>https://custom-elements-everywhere.com/</a:t>
+            </a:r>
+            <a:r>
+              <a:rPr lang="en-GB" sz="3800" b="1" dirty="0">
                 <a:solidFill>
                   <a:schemeClr val="bg2">
                     <a:lumMod val="25000"/>
@@ -17951,16 +18077,18 @@
                 <a:latin typeface="Segoe UI Light" panose="020B0502040204020203" pitchFamily="34" charset="0"/>
                 <a:cs typeface="Segoe UI Light" panose="020B0502040204020203" pitchFamily="34" charset="0"/>
               </a:rPr>
-              <a:t>Vue: https://github.com/karol-f/vue-custom-element#demo</a:t>
+              <a:t> </a:t>
             </a:r>
           </a:p>
           <a:p>
-            <a:pPr marL="914400" lvl="1" indent="-457200">
-              <a:buFont typeface="Arial" panose="020B0604020202020204" pitchFamily="34" charset="0"/>
-              <a:buChar char="•"/>
+            <a:pPr marL="457200" lvl="1" indent="0">
+              <a:lnSpc>
+                <a:spcPts val="3500"/>
+              </a:lnSpc>
+              <a:buNone/>
             </a:pPr>
             <a:r>
-              <a:rPr lang="en-GB" sz="3200" dirty="0">
+              <a:rPr lang="en-GB" sz="3800" dirty="0">
                 <a:solidFill>
                   <a:schemeClr val="bg2">
                     <a:lumMod val="25000"/>
@@ -17969,16 +18097,37 @@
                 <a:latin typeface="Segoe UI Light" panose="020B0502040204020203" pitchFamily="34" charset="0"/>
                 <a:cs typeface="Segoe UI Light" panose="020B0502040204020203" pitchFamily="34" charset="0"/>
               </a:rPr>
-              <a:t>React: https://github.com/LukasBombach/react-web-component</a:t>
+              <a:t>(Making sure frameworks and custom elements can be BFFs )</a:t>
             </a:r>
           </a:p>
           <a:p>
-            <a:pPr marL="914400" lvl="1" indent="-457200">
-              <a:buFont typeface="Arial" panose="020B0604020202020204" pitchFamily="34" charset="0"/>
-              <a:buChar char="•"/>
+            <a:pPr marL="457200" lvl="1" indent="0">
+              <a:lnSpc>
+                <a:spcPts val="3000"/>
+              </a:lnSpc>
+              <a:buNone/>
             </a:pPr>
             <a:r>
-              <a:rPr lang="en-GB" sz="3200" i="1" dirty="0">
+              <a:rPr lang="en-GB" sz="3800" b="1" dirty="0">
+                <a:solidFill>
+                  <a:schemeClr val="bg2">
+                    <a:lumMod val="25000"/>
+                  </a:schemeClr>
+                </a:solidFill>
+                <a:latin typeface="Segoe UI Light" panose="020B0502040204020203" pitchFamily="34" charset="0"/>
+                <a:cs typeface="Segoe UI Light" panose="020B0502040204020203" pitchFamily="34" charset="0"/>
+                <a:hlinkClick r:id="rId4">
+                  <a:extLst>
+                    <a:ext uri="{A12FA001-AC4F-418D-AE19-62706E023703}">
+                      <ahyp:hlinkClr xmlns:ahyp="http://schemas.microsoft.com/office/drawing/2018/hyperlinkcolor" val="tx"/>
+                    </a:ext>
+                  </a:extLst>
+                </a:hlinkClick>
+              </a:rPr>
+              <a:t>https://webcomponents.dev/</a:t>
+            </a:r>
+            <a:r>
+              <a:rPr lang="en-GB" sz="3800" b="1" dirty="0">
                 <a:solidFill>
                   <a:schemeClr val="bg2">
                     <a:lumMod val="25000"/>
@@ -17987,12 +18136,55 @@
                 <a:latin typeface="Segoe UI Light" panose="020B0502040204020203" pitchFamily="34" charset="0"/>
                 <a:cs typeface="Segoe UI Light" panose="020B0502040204020203" pitchFamily="34" charset="0"/>
               </a:rPr>
-              <a:t>Many others: https://webcomponents.dev/</a:t>
+              <a:t> </a:t>
             </a:r>
           </a:p>
           <a:p>
+            <a:pPr lvl="1">
+              <a:lnSpc>
+                <a:spcPts val="3000"/>
+              </a:lnSpc>
+              <a:buFontTx/>
+              <a:buChar char="-"/>
+            </a:pPr>
+            <a:r>
+              <a:rPr lang="en-GB" sz="3800" dirty="0">
+                <a:solidFill>
+                  <a:schemeClr val="bg2">
+                    <a:lumMod val="25000"/>
+                  </a:schemeClr>
+                </a:solidFill>
+                <a:latin typeface="Segoe UI Light" panose="020B0502040204020203" pitchFamily="34" charset="0"/>
+                <a:cs typeface="Segoe UI Light" panose="020B0502040204020203" pitchFamily="34" charset="0"/>
+              </a:rPr>
+              <a:t>over 40 libraries and compilers </a:t>
+            </a:r>
+          </a:p>
+          <a:p>
             <a:pPr marL="457200" lvl="1" indent="0">
+              <a:lnSpc>
+                <a:spcPts val="3000"/>
+              </a:lnSpc>
               <a:buNone/>
+            </a:pPr>
+            <a:r>
+              <a:rPr lang="en-GB" sz="3800" i="1" dirty="0">
+                <a:solidFill>
+                  <a:schemeClr val="bg2">
+                    <a:lumMod val="25000"/>
+                  </a:schemeClr>
+                </a:solidFill>
+                <a:latin typeface="Segoe UI Light" panose="020B0502040204020203" pitchFamily="34" charset="0"/>
+                <a:cs typeface="Segoe UI Light" panose="020B0502040204020203" pitchFamily="34" charset="0"/>
+              </a:rPr>
+              <a:t>let’s see these libraries and compilers…</a:t>
+            </a:r>
+          </a:p>
+          <a:p>
+            <a:pPr lvl="1">
+              <a:lnSpc>
+                <a:spcPts val="4000"/>
+              </a:lnSpc>
             </a:pPr>
             <a:endParaRPr lang="en-GB" sz="3800" dirty="0">
               <a:solidFill>
@@ -18005,10 +18197,17 @@
             </a:endParaRPr>
           </a:p>
           <a:p>
-            <a:pPr marL="457200" lvl="1" indent="0">
+            <a:pPr marL="0" lvl="0" indent="0">
+              <a:spcBef>
+                <a:spcPct val="0"/>
+              </a:spcBef>
+              <a:spcAft>
+                <a:spcPts val="2000"/>
+              </a:spcAft>
               <a:buNone/>
+              <a:defRPr/>
             </a:pPr>
-            <a:endParaRPr lang="en-GB" sz="3800" dirty="0">
+            <a:endParaRPr lang="en-US" sz="3800" dirty="0">
               <a:solidFill>
                 <a:schemeClr val="bg2">
                   <a:lumMod val="25000"/>
@@ -18023,7 +18222,7 @@
     </p:spTree>
     <p:extLst>
       <p:ext uri="{BB962C8B-B14F-4D97-AF65-F5344CB8AC3E}">
-        <p14:creationId xmlns:p14="http://schemas.microsoft.com/office/powerpoint/2010/main" val="2544231288"/>
+        <p14:creationId xmlns:p14="http://schemas.microsoft.com/office/powerpoint/2010/main" val="2661540520"/>
       </p:ext>
     </p:extLst>
   </p:cSld>
@@ -18062,6 +18261,964 @@
         </p:nvSpPr>
         <p:spPr>
           <a:xfrm>
+            <a:off x="541609" y="426301"/>
+            <a:ext cx="8578726" cy="749992"/>
+          </a:xfrm>
+        </p:spPr>
+        <p:txBody>
+          <a:bodyPr>
+            <a:noAutofit/>
+          </a:bodyPr>
+          <a:lstStyle/>
+          <a:p>
+            <a:r>
+              <a:rPr lang="en-US" sz="4000" dirty="0">
+                <a:latin typeface="Segoe UI Light" panose="020B0502040204020203" pitchFamily="34" charset="0"/>
+                <a:cs typeface="Segoe UI Light" panose="020B0502040204020203" pitchFamily="34" charset="0"/>
+              </a:rPr>
+              <a:t>Demo time</a:t>
+            </a:r>
+          </a:p>
+        </p:txBody>
+      </p:sp>
+      <p:sp>
+        <p:nvSpPr>
+          <p:cNvPr id="25" name="Content Placeholder 17"/>
+          <p:cNvSpPr txBox="1">
+            <a:spLocks/>
+          </p:cNvSpPr>
+          <p:nvPr/>
+        </p:nvSpPr>
+        <p:spPr>
+          <a:xfrm>
+            <a:off x="541609" y="1455491"/>
+            <a:ext cx="5110161" cy="471149"/>
+          </a:xfrm>
+          <a:prstGeom prst="rect">
+            <a:avLst/>
+          </a:prstGeom>
+        </p:spPr>
+        <p:txBody>
+          <a:bodyPr vert="horz" lIns="91440" tIns="45720" rIns="91440" bIns="45720" rtlCol="0">
+            <a:normAutofit/>
+          </a:bodyPr>
+          <a:lstStyle>
+            <a:lvl1pPr marL="228600" indent="-228600" algn="l" defTabSz="914400" rtl="0" eaLnBrk="1" latinLnBrk="0" hangingPunct="1">
+              <a:lnSpc>
+                <a:spcPts val="1800"/>
+              </a:lnSpc>
+              <a:spcBef>
+                <a:spcPts val="1000"/>
+              </a:spcBef>
+              <a:spcAft>
+                <a:spcPts val="1000"/>
+              </a:spcAft>
+              <a:buFont typeface="Arial" panose="020B0604020202020204" pitchFamily="34" charset="0"/>
+              <a:buChar char="•"/>
+              <a:defRPr lang="en-US" sz="1200" kern="1200" smtClean="0">
+                <a:solidFill>
+                  <a:schemeClr val="tx1">
+                    <a:lumMod val="75000"/>
+                    <a:lumOff val="25000"/>
+                  </a:schemeClr>
+                </a:solidFill>
+                <a:latin typeface="+mn-lt"/>
+                <a:ea typeface="+mn-ea"/>
+                <a:cs typeface="+mn-cs"/>
+              </a:defRPr>
+            </a:lvl1pPr>
+            <a:lvl2pPr marL="685800" indent="-228600" algn="l" defTabSz="914400" rtl="0" eaLnBrk="1" latinLnBrk="0" hangingPunct="1">
+              <a:lnSpc>
+                <a:spcPts val="1800"/>
+              </a:lnSpc>
+              <a:spcBef>
+                <a:spcPts val="1000"/>
+              </a:spcBef>
+              <a:spcAft>
+                <a:spcPts val="1000"/>
+              </a:spcAft>
+              <a:buFont typeface="Arial" panose="020B0604020202020204" pitchFamily="34" charset="0"/>
+              <a:buChar char="•"/>
+              <a:defRPr lang="en-US" sz="1200" kern="1200" smtClean="0">
+                <a:solidFill>
+                  <a:schemeClr val="tx1">
+                    <a:lumMod val="75000"/>
+                    <a:lumOff val="25000"/>
+                  </a:schemeClr>
+                </a:solidFill>
+                <a:latin typeface="+mn-lt"/>
+                <a:ea typeface="+mn-ea"/>
+                <a:cs typeface="+mn-cs"/>
+              </a:defRPr>
+            </a:lvl2pPr>
+            <a:lvl3pPr marL="1143000" indent="-228600" algn="l" defTabSz="914400" rtl="0" eaLnBrk="1" latinLnBrk="0" hangingPunct="1">
+              <a:lnSpc>
+                <a:spcPts val="1800"/>
+              </a:lnSpc>
+              <a:spcBef>
+                <a:spcPts val="1000"/>
+              </a:spcBef>
+              <a:spcAft>
+                <a:spcPts val="1000"/>
+              </a:spcAft>
+              <a:buFont typeface="Arial" panose="020B0604020202020204" pitchFamily="34" charset="0"/>
+              <a:buChar char="•"/>
+              <a:defRPr lang="en-US" sz="1200" kern="1200" smtClean="0">
+                <a:solidFill>
+                  <a:schemeClr val="tx1">
+                    <a:lumMod val="75000"/>
+                    <a:lumOff val="25000"/>
+                  </a:schemeClr>
+                </a:solidFill>
+                <a:latin typeface="+mn-lt"/>
+                <a:ea typeface="+mn-ea"/>
+                <a:cs typeface="+mn-cs"/>
+              </a:defRPr>
+            </a:lvl3pPr>
+            <a:lvl4pPr marL="1600200" indent="-228600" algn="l" defTabSz="914400" rtl="0" eaLnBrk="1" latinLnBrk="0" hangingPunct="1">
+              <a:lnSpc>
+                <a:spcPts val="1800"/>
+              </a:lnSpc>
+              <a:spcBef>
+                <a:spcPts val="1000"/>
+              </a:spcBef>
+              <a:spcAft>
+                <a:spcPts val="1000"/>
+              </a:spcAft>
+              <a:buFont typeface="Arial" panose="020B0604020202020204" pitchFamily="34" charset="0"/>
+              <a:buChar char="•"/>
+              <a:defRPr lang="en-US" sz="1200" kern="1200" smtClean="0">
+                <a:solidFill>
+                  <a:schemeClr val="tx1">
+                    <a:lumMod val="75000"/>
+                    <a:lumOff val="25000"/>
+                  </a:schemeClr>
+                </a:solidFill>
+                <a:latin typeface="+mn-lt"/>
+                <a:ea typeface="+mn-ea"/>
+                <a:cs typeface="+mn-cs"/>
+              </a:defRPr>
+            </a:lvl4pPr>
+            <a:lvl5pPr marL="2057400" indent="-228600" algn="l" defTabSz="914400" rtl="0" eaLnBrk="1" latinLnBrk="0" hangingPunct="1">
+              <a:lnSpc>
+                <a:spcPts val="1800"/>
+              </a:lnSpc>
+              <a:spcBef>
+                <a:spcPts val="1000"/>
+              </a:spcBef>
+              <a:spcAft>
+                <a:spcPts val="1000"/>
+              </a:spcAft>
+              <a:buFont typeface="Arial" panose="020B0604020202020204" pitchFamily="34" charset="0"/>
+              <a:buChar char="•"/>
+              <a:defRPr lang="en-US" sz="1200" kern="1200">
+                <a:solidFill>
+                  <a:schemeClr val="tx1">
+                    <a:lumMod val="75000"/>
+                    <a:lumOff val="25000"/>
+                  </a:schemeClr>
+                </a:solidFill>
+                <a:latin typeface="+mn-lt"/>
+                <a:ea typeface="+mn-ea"/>
+                <a:cs typeface="+mn-cs"/>
+              </a:defRPr>
+            </a:lvl5pPr>
+            <a:lvl6pPr marL="2514600" indent="-228600" algn="l" defTabSz="914400" rtl="0" eaLnBrk="1" latinLnBrk="0" hangingPunct="1">
+              <a:lnSpc>
+                <a:spcPct val="90000"/>
+              </a:lnSpc>
+              <a:spcBef>
+                <a:spcPct val="30000"/>
+              </a:spcBef>
+              <a:buFont typeface="Arial" panose="020B0604020202020204" pitchFamily="34" charset="0"/>
+              <a:buChar char="•"/>
+              <a:defRPr sz="1800" kern="1200">
+                <a:solidFill>
+                  <a:schemeClr val="tx1"/>
+                </a:solidFill>
+                <a:latin typeface="+mn-lt"/>
+                <a:ea typeface="+mn-ea"/>
+                <a:cs typeface="+mn-cs"/>
+              </a:defRPr>
+            </a:lvl6pPr>
+            <a:lvl7pPr marL="2971800" indent="-228600" algn="l" defTabSz="914400" rtl="0" eaLnBrk="1" latinLnBrk="0" hangingPunct="1">
+              <a:lnSpc>
+                <a:spcPct val="90000"/>
+              </a:lnSpc>
+              <a:spcBef>
+                <a:spcPct val="30000"/>
+              </a:spcBef>
+              <a:buFont typeface="Arial" panose="020B0604020202020204" pitchFamily="34" charset="0"/>
+              <a:buChar char="•"/>
+              <a:defRPr sz="1800" kern="1200">
+                <a:solidFill>
+                  <a:schemeClr val="tx1"/>
+                </a:solidFill>
+                <a:latin typeface="+mn-lt"/>
+                <a:ea typeface="+mn-ea"/>
+                <a:cs typeface="+mn-cs"/>
+              </a:defRPr>
+            </a:lvl7pPr>
+            <a:lvl8pPr marL="3429000" indent="-228600" algn="l" defTabSz="914400" rtl="0" eaLnBrk="1" latinLnBrk="0" hangingPunct="1">
+              <a:lnSpc>
+                <a:spcPct val="90000"/>
+              </a:lnSpc>
+              <a:spcBef>
+                <a:spcPct val="30000"/>
+              </a:spcBef>
+              <a:buFont typeface="Arial" panose="020B0604020202020204" pitchFamily="34" charset="0"/>
+              <a:buChar char="•"/>
+              <a:defRPr sz="1800" kern="1200">
+                <a:solidFill>
+                  <a:schemeClr val="tx1"/>
+                </a:solidFill>
+                <a:latin typeface="+mn-lt"/>
+                <a:ea typeface="+mn-ea"/>
+                <a:cs typeface="+mn-cs"/>
+              </a:defRPr>
+            </a:lvl8pPr>
+            <a:lvl9pPr marL="3886200" indent="-228600" algn="l" defTabSz="914400" rtl="0" eaLnBrk="1" latinLnBrk="0" hangingPunct="1">
+              <a:lnSpc>
+                <a:spcPct val="90000"/>
+              </a:lnSpc>
+              <a:spcBef>
+                <a:spcPct val="30000"/>
+              </a:spcBef>
+              <a:buFont typeface="Arial" panose="020B0604020202020204" pitchFamily="34" charset="0"/>
+              <a:buChar char="•"/>
+              <a:defRPr sz="1800" kern="1200">
+                <a:solidFill>
+                  <a:schemeClr val="tx1"/>
+                </a:solidFill>
+                <a:latin typeface="+mn-lt"/>
+                <a:ea typeface="+mn-ea"/>
+                <a:cs typeface="+mn-cs"/>
+              </a:defRPr>
+            </a:lvl9pPr>
+          </a:lstStyle>
+          <a:p>
+            <a:pPr marL="0" indent="0">
+              <a:spcAft>
+                <a:spcPts val="2000"/>
+              </a:spcAft>
+              <a:buNone/>
+            </a:pPr>
+            <a:endParaRPr lang="en-US" sz="1800" dirty="0">
+              <a:latin typeface="Segoe UI" panose="020B0502040204020203" pitchFamily="34" charset="0"/>
+              <a:cs typeface="Segoe UI" panose="020B0502040204020203" pitchFamily="34" charset="0"/>
+            </a:endParaRPr>
+          </a:p>
+        </p:txBody>
+      </p:sp>
+      <p:sp>
+        <p:nvSpPr>
+          <p:cNvPr id="8" name="TextBox 7">
+            <a:extLst>
+              <a:ext uri="{FF2B5EF4-FFF2-40B4-BE49-F238E27FC236}">
+                <a16:creationId xmlns:a16="http://schemas.microsoft.com/office/drawing/2014/main" id="{D4329088-EA16-420B-B145-A30265C6D3B4}"/>
+              </a:ext>
+            </a:extLst>
+          </p:cNvPr>
+          <p:cNvSpPr txBox="1"/>
+          <p:nvPr/>
+        </p:nvSpPr>
+        <p:spPr>
+          <a:xfrm>
+            <a:off x="678427" y="995260"/>
+            <a:ext cx="10971964" cy="4653710"/>
+          </a:xfrm>
+          <a:prstGeom prst="rect">
+            <a:avLst/>
+          </a:prstGeom>
+          <a:noFill/>
+        </p:spPr>
+        <p:txBody>
+          <a:bodyPr wrap="square">
+            <a:spAutoFit/>
+          </a:bodyPr>
+          <a:lstStyle/>
+          <a:p>
+            <a:pPr marL="457200" lvl="1" indent="0">
+              <a:buNone/>
+            </a:pPr>
+            <a:endParaRPr lang="en-GB" sz="3800" dirty="0">
+              <a:solidFill>
+                <a:schemeClr val="bg2">
+                  <a:lumMod val="25000"/>
+                </a:schemeClr>
+              </a:solidFill>
+              <a:latin typeface="Segoe UI Light" panose="020B0502040204020203" pitchFamily="34" charset="0"/>
+              <a:cs typeface="Segoe UI Light" panose="020B0502040204020203" pitchFamily="34" charset="0"/>
+            </a:endParaRPr>
+          </a:p>
+          <a:p>
+            <a:pPr marL="457200" lvl="1" indent="0">
+              <a:lnSpc>
+                <a:spcPts val="4500"/>
+              </a:lnSpc>
+              <a:buNone/>
+            </a:pPr>
+            <a:r>
+              <a:rPr lang="en-GB" sz="2800" dirty="0">
+                <a:solidFill>
+                  <a:schemeClr val="bg2">
+                    <a:lumMod val="25000"/>
+                  </a:schemeClr>
+                </a:solidFill>
+                <a:latin typeface="Segoe UI Light" panose="020B0502040204020203" pitchFamily="34" charset="0"/>
+                <a:cs typeface="Segoe UI Light" panose="020B0502040204020203" pitchFamily="34" charset="0"/>
+              </a:rPr>
+              <a:t>Walkthrough of Web Components:</a:t>
+            </a:r>
+          </a:p>
+          <a:p>
+            <a:pPr marL="457200" lvl="1" indent="0">
+              <a:lnSpc>
+                <a:spcPts val="4500"/>
+              </a:lnSpc>
+              <a:buNone/>
+            </a:pPr>
+            <a:r>
+              <a:rPr lang="en-GB" sz="2800" b="1" dirty="0">
+                <a:solidFill>
+                  <a:schemeClr val="bg2">
+                    <a:lumMod val="25000"/>
+                  </a:schemeClr>
+                </a:solidFill>
+                <a:latin typeface="Segoe UI Light" panose="020B0502040204020203" pitchFamily="34" charset="0"/>
+                <a:cs typeface="Segoe UI Light" panose="020B0502040204020203" pitchFamily="34" charset="0"/>
+              </a:rPr>
+              <a:t>Business case (1) site:</a:t>
+            </a:r>
+          </a:p>
+          <a:p>
+            <a:pPr lvl="1">
+              <a:lnSpc>
+                <a:spcPts val="4500"/>
+              </a:lnSpc>
+            </a:pPr>
+            <a:r>
+              <a:rPr lang="en-GB" sz="2800" dirty="0">
+                <a:solidFill>
+                  <a:srgbClr val="0070C0"/>
+                </a:solidFill>
+                <a:latin typeface="Segoe UI Light" panose="020B0502040204020203" pitchFamily="34" charset="0"/>
+                <a:cs typeface="Segoe UI Light" panose="020B0502040204020203" pitchFamily="34" charset="0"/>
+                <a:hlinkClick r:id="rId2">
+                  <a:extLst>
+                    <a:ext uri="{A12FA001-AC4F-418D-AE19-62706E023703}">
+                      <ahyp:hlinkClr xmlns:ahyp="http://schemas.microsoft.com/office/drawing/2018/hyperlinkcolor" val="tx"/>
+                    </a:ext>
+                  </a:extLst>
+                </a:hlinkClick>
+              </a:rPr>
+              <a:t>https://wpjs.co.uk/demo1</a:t>
+            </a:r>
+            <a:endParaRPr lang="en-GB" sz="2800" dirty="0">
+              <a:solidFill>
+                <a:srgbClr val="0070C0"/>
+              </a:solidFill>
+              <a:latin typeface="Segoe UI Light" panose="020B0502040204020203" pitchFamily="34" charset="0"/>
+              <a:cs typeface="Segoe UI Light" panose="020B0502040204020203" pitchFamily="34" charset="0"/>
+            </a:endParaRPr>
+          </a:p>
+          <a:p>
+            <a:pPr lvl="1">
+              <a:lnSpc>
+                <a:spcPts val="4500"/>
+              </a:lnSpc>
+            </a:pPr>
+            <a:r>
+              <a:rPr lang="en-GB" sz="2800" i="1" dirty="0">
+                <a:solidFill>
+                  <a:schemeClr val="bg2">
+                    <a:lumMod val="25000"/>
+                  </a:schemeClr>
+                </a:solidFill>
+                <a:latin typeface="Segoe UI Light" panose="020B0502040204020203" pitchFamily="34" charset="0"/>
+                <a:cs typeface="Segoe UI Light" panose="020B0502040204020203" pitchFamily="34" charset="0"/>
+              </a:rPr>
+              <a:t>Also in repo as 06/20-ndc/site</a:t>
+            </a:r>
+          </a:p>
+          <a:p>
+            <a:pPr lvl="1">
+              <a:lnSpc>
+                <a:spcPts val="4500"/>
+              </a:lnSpc>
+            </a:pPr>
+            <a:r>
+              <a:rPr lang="en-GB" sz="2800" dirty="0">
+                <a:solidFill>
+                  <a:srgbClr val="0070C0"/>
+                </a:solidFill>
+                <a:latin typeface="Segoe UI Light" panose="020B0502040204020203" pitchFamily="34" charset="0"/>
+                <a:cs typeface="Segoe UI Light" panose="020B0502040204020203" pitchFamily="34" charset="0"/>
+                <a:hlinkClick r:id="rId3">
+                  <a:extLst>
+                    <a:ext uri="{A12FA001-AC4F-418D-AE19-62706E023703}">
+                      <ahyp:hlinkClr xmlns:ahyp="http://schemas.microsoft.com/office/drawing/2018/hyperlinkcolor" val="tx"/>
+                    </a:ext>
+                  </a:extLst>
+                </a:hlinkClick>
+              </a:rPr>
+              <a:t>https://github.com/iwswordpress/ndc-london-web-components</a:t>
+            </a:r>
+            <a:endParaRPr lang="en-GB" sz="1600" i="1" dirty="0">
+              <a:solidFill>
+                <a:srgbClr val="0070C0"/>
+              </a:solidFill>
+              <a:latin typeface="Segoe UI Light" panose="020B0502040204020203" pitchFamily="34" charset="0"/>
+              <a:cs typeface="Segoe UI Light" panose="020B0502040204020203" pitchFamily="34" charset="0"/>
+            </a:endParaRPr>
+          </a:p>
+          <a:p>
+            <a:pPr lvl="1">
+              <a:lnSpc>
+                <a:spcPts val="4500"/>
+              </a:lnSpc>
+            </a:pPr>
+            <a:r>
+              <a:rPr lang="en-GB" sz="2800" b="1" dirty="0">
+                <a:solidFill>
+                  <a:schemeClr val="bg2">
+                    <a:lumMod val="25000"/>
+                  </a:schemeClr>
+                </a:solidFill>
+                <a:latin typeface="Segoe UI Light" panose="020B0502040204020203" pitchFamily="34" charset="0"/>
+                <a:cs typeface="Segoe UI Light" panose="020B0502040204020203" pitchFamily="34" charset="0"/>
+              </a:rPr>
+              <a:t>Business case (2) site:</a:t>
+            </a:r>
+          </a:p>
+          <a:p>
+            <a:pPr lvl="1">
+              <a:lnSpc>
+                <a:spcPts val="4500"/>
+              </a:lnSpc>
+            </a:pPr>
+            <a:r>
+              <a:rPr lang="en-GB" sz="2800" dirty="0">
+                <a:solidFill>
+                  <a:srgbClr val="0070C0"/>
+                </a:solidFill>
+                <a:latin typeface="Segoe UI Light" panose="020B0502040204020203" pitchFamily="34" charset="0"/>
+                <a:cs typeface="Segoe UI Light" panose="020B0502040204020203" pitchFamily="34" charset="0"/>
+                <a:hlinkClick r:id="rId2">
+                  <a:extLst>
+                    <a:ext uri="{A12FA001-AC4F-418D-AE19-62706E023703}">
+                      <ahyp:hlinkClr xmlns:ahyp="http://schemas.microsoft.com/office/drawing/2018/hyperlinkcolor" val="tx"/>
+                    </a:ext>
+                  </a:extLst>
+                </a:hlinkClick>
+              </a:rPr>
+              <a:t>https://wpjs.co.uk/demo1</a:t>
+            </a:r>
+            <a:endParaRPr lang="en-GB" sz="3800" dirty="0">
+              <a:solidFill>
+                <a:srgbClr val="0070C0"/>
+              </a:solidFill>
+              <a:latin typeface="Segoe UI Light" panose="020B0502040204020203" pitchFamily="34" charset="0"/>
+              <a:cs typeface="Segoe UI Light" panose="020B0502040204020203" pitchFamily="34" charset="0"/>
+            </a:endParaRPr>
+          </a:p>
+        </p:txBody>
+      </p:sp>
+    </p:spTree>
+    <p:extLst>
+      <p:ext uri="{BB962C8B-B14F-4D97-AF65-F5344CB8AC3E}">
+        <p14:creationId xmlns:p14="http://schemas.microsoft.com/office/powerpoint/2010/main" val="2710248439"/>
+      </p:ext>
+    </p:extLst>
+  </p:cSld>
+  <p:clrMapOvr>
+    <a:masterClrMapping/>
+  </p:clrMapOvr>
+</p:sld>
+</file>
+
+<file path=ppt/slides/slide33.xml><?xml version="1.0" encoding="utf-8"?>
+<p:sld xmlns:a="http://schemas.openxmlformats.org/drawingml/2006/main" xmlns:r="http://schemas.openxmlformats.org/officeDocument/2006/relationships" xmlns:p="http://schemas.openxmlformats.org/presentationml/2006/main">
+  <p:cSld>
+    <p:spTree>
+      <p:nvGrpSpPr>
+        <p:cNvPr id="1" name=""/>
+        <p:cNvGrpSpPr/>
+        <p:nvPr/>
+      </p:nvGrpSpPr>
+      <p:grpSpPr>
+        <a:xfrm>
+          <a:off x="0" y="0"/>
+          <a:ext cx="0" cy="0"/>
+          <a:chOff x="0" y="0"/>
+          <a:chExt cx="0" cy="0"/>
+        </a:xfrm>
+      </p:grpSpPr>
+      <p:sp>
+        <p:nvSpPr>
+          <p:cNvPr id="4" name="Title 3"/>
+          <p:cNvSpPr>
+            <a:spLocks noGrp="1"/>
+          </p:cNvSpPr>
+          <p:nvPr>
+            <p:ph type="title"/>
+          </p:nvPr>
+        </p:nvSpPr>
+        <p:spPr>
+          <a:xfrm>
+            <a:off x="541608" y="426301"/>
+            <a:ext cx="10293539" cy="749992"/>
+          </a:xfrm>
+        </p:spPr>
+        <p:txBody>
+          <a:bodyPr>
+            <a:noAutofit/>
+          </a:bodyPr>
+          <a:lstStyle/>
+          <a:p>
+            <a:r>
+              <a:rPr lang="en-US" sz="4000" dirty="0">
+                <a:latin typeface="Segoe UI Light" panose="020B0502040204020203" pitchFamily="34" charset="0"/>
+                <a:cs typeface="Segoe UI Light" panose="020B0502040204020203" pitchFamily="34" charset="0"/>
+              </a:rPr>
+              <a:t>Converting Frameworks to Web Components</a:t>
+            </a:r>
+          </a:p>
+        </p:txBody>
+      </p:sp>
+      <p:sp>
+        <p:nvSpPr>
+          <p:cNvPr id="25" name="Content Placeholder 17"/>
+          <p:cNvSpPr txBox="1">
+            <a:spLocks/>
+          </p:cNvSpPr>
+          <p:nvPr/>
+        </p:nvSpPr>
+        <p:spPr>
+          <a:xfrm>
+            <a:off x="541609" y="1455491"/>
+            <a:ext cx="5110161" cy="471149"/>
+          </a:xfrm>
+          <a:prstGeom prst="rect">
+            <a:avLst/>
+          </a:prstGeom>
+        </p:spPr>
+        <p:txBody>
+          <a:bodyPr vert="horz" lIns="91440" tIns="45720" rIns="91440" bIns="45720" rtlCol="0">
+            <a:normAutofit/>
+          </a:bodyPr>
+          <a:lstStyle>
+            <a:lvl1pPr marL="228600" indent="-228600" algn="l" defTabSz="914400" rtl="0" eaLnBrk="1" latinLnBrk="0" hangingPunct="1">
+              <a:lnSpc>
+                <a:spcPts val="1800"/>
+              </a:lnSpc>
+              <a:spcBef>
+                <a:spcPts val="1000"/>
+              </a:spcBef>
+              <a:spcAft>
+                <a:spcPts val="1000"/>
+              </a:spcAft>
+              <a:buFont typeface="Arial" panose="020B0604020202020204" pitchFamily="34" charset="0"/>
+              <a:buChar char="•"/>
+              <a:defRPr lang="en-US" sz="1200" kern="1200" smtClean="0">
+                <a:solidFill>
+                  <a:schemeClr val="tx1">
+                    <a:lumMod val="75000"/>
+                    <a:lumOff val="25000"/>
+                  </a:schemeClr>
+                </a:solidFill>
+                <a:latin typeface="+mn-lt"/>
+                <a:ea typeface="+mn-ea"/>
+                <a:cs typeface="+mn-cs"/>
+              </a:defRPr>
+            </a:lvl1pPr>
+            <a:lvl2pPr marL="685800" indent="-228600" algn="l" defTabSz="914400" rtl="0" eaLnBrk="1" latinLnBrk="0" hangingPunct="1">
+              <a:lnSpc>
+                <a:spcPts val="1800"/>
+              </a:lnSpc>
+              <a:spcBef>
+                <a:spcPts val="1000"/>
+              </a:spcBef>
+              <a:spcAft>
+                <a:spcPts val="1000"/>
+              </a:spcAft>
+              <a:buFont typeface="Arial" panose="020B0604020202020204" pitchFamily="34" charset="0"/>
+              <a:buChar char="•"/>
+              <a:defRPr lang="en-US" sz="1200" kern="1200" smtClean="0">
+                <a:solidFill>
+                  <a:schemeClr val="tx1">
+                    <a:lumMod val="75000"/>
+                    <a:lumOff val="25000"/>
+                  </a:schemeClr>
+                </a:solidFill>
+                <a:latin typeface="+mn-lt"/>
+                <a:ea typeface="+mn-ea"/>
+                <a:cs typeface="+mn-cs"/>
+              </a:defRPr>
+            </a:lvl2pPr>
+            <a:lvl3pPr marL="1143000" indent="-228600" algn="l" defTabSz="914400" rtl="0" eaLnBrk="1" latinLnBrk="0" hangingPunct="1">
+              <a:lnSpc>
+                <a:spcPts val="1800"/>
+              </a:lnSpc>
+              <a:spcBef>
+                <a:spcPts val="1000"/>
+              </a:spcBef>
+              <a:spcAft>
+                <a:spcPts val="1000"/>
+              </a:spcAft>
+              <a:buFont typeface="Arial" panose="020B0604020202020204" pitchFamily="34" charset="0"/>
+              <a:buChar char="•"/>
+              <a:defRPr lang="en-US" sz="1200" kern="1200" smtClean="0">
+                <a:solidFill>
+                  <a:schemeClr val="tx1">
+                    <a:lumMod val="75000"/>
+                    <a:lumOff val="25000"/>
+                  </a:schemeClr>
+                </a:solidFill>
+                <a:latin typeface="+mn-lt"/>
+                <a:ea typeface="+mn-ea"/>
+                <a:cs typeface="+mn-cs"/>
+              </a:defRPr>
+            </a:lvl3pPr>
+            <a:lvl4pPr marL="1600200" indent="-228600" algn="l" defTabSz="914400" rtl="0" eaLnBrk="1" latinLnBrk="0" hangingPunct="1">
+              <a:lnSpc>
+                <a:spcPts val="1800"/>
+              </a:lnSpc>
+              <a:spcBef>
+                <a:spcPts val="1000"/>
+              </a:spcBef>
+              <a:spcAft>
+                <a:spcPts val="1000"/>
+              </a:spcAft>
+              <a:buFont typeface="Arial" panose="020B0604020202020204" pitchFamily="34" charset="0"/>
+              <a:buChar char="•"/>
+              <a:defRPr lang="en-US" sz="1200" kern="1200" smtClean="0">
+                <a:solidFill>
+                  <a:schemeClr val="tx1">
+                    <a:lumMod val="75000"/>
+                    <a:lumOff val="25000"/>
+                  </a:schemeClr>
+                </a:solidFill>
+                <a:latin typeface="+mn-lt"/>
+                <a:ea typeface="+mn-ea"/>
+                <a:cs typeface="+mn-cs"/>
+              </a:defRPr>
+            </a:lvl4pPr>
+            <a:lvl5pPr marL="2057400" indent="-228600" algn="l" defTabSz="914400" rtl="0" eaLnBrk="1" latinLnBrk="0" hangingPunct="1">
+              <a:lnSpc>
+                <a:spcPts val="1800"/>
+              </a:lnSpc>
+              <a:spcBef>
+                <a:spcPts val="1000"/>
+              </a:spcBef>
+              <a:spcAft>
+                <a:spcPts val="1000"/>
+              </a:spcAft>
+              <a:buFont typeface="Arial" panose="020B0604020202020204" pitchFamily="34" charset="0"/>
+              <a:buChar char="•"/>
+              <a:defRPr lang="en-US" sz="1200" kern="1200">
+                <a:solidFill>
+                  <a:schemeClr val="tx1">
+                    <a:lumMod val="75000"/>
+                    <a:lumOff val="25000"/>
+                  </a:schemeClr>
+                </a:solidFill>
+                <a:latin typeface="+mn-lt"/>
+                <a:ea typeface="+mn-ea"/>
+                <a:cs typeface="+mn-cs"/>
+              </a:defRPr>
+            </a:lvl5pPr>
+            <a:lvl6pPr marL="2514600" indent="-228600" algn="l" defTabSz="914400" rtl="0" eaLnBrk="1" latinLnBrk="0" hangingPunct="1">
+              <a:lnSpc>
+                <a:spcPct val="90000"/>
+              </a:lnSpc>
+              <a:spcBef>
+                <a:spcPct val="30000"/>
+              </a:spcBef>
+              <a:buFont typeface="Arial" panose="020B0604020202020204" pitchFamily="34" charset="0"/>
+              <a:buChar char="•"/>
+              <a:defRPr sz="1800" kern="1200">
+                <a:solidFill>
+                  <a:schemeClr val="tx1"/>
+                </a:solidFill>
+                <a:latin typeface="+mn-lt"/>
+                <a:ea typeface="+mn-ea"/>
+                <a:cs typeface="+mn-cs"/>
+              </a:defRPr>
+            </a:lvl6pPr>
+            <a:lvl7pPr marL="2971800" indent="-228600" algn="l" defTabSz="914400" rtl="0" eaLnBrk="1" latinLnBrk="0" hangingPunct="1">
+              <a:lnSpc>
+                <a:spcPct val="90000"/>
+              </a:lnSpc>
+              <a:spcBef>
+                <a:spcPct val="30000"/>
+              </a:spcBef>
+              <a:buFont typeface="Arial" panose="020B0604020202020204" pitchFamily="34" charset="0"/>
+              <a:buChar char="•"/>
+              <a:defRPr sz="1800" kern="1200">
+                <a:solidFill>
+                  <a:schemeClr val="tx1"/>
+                </a:solidFill>
+                <a:latin typeface="+mn-lt"/>
+                <a:ea typeface="+mn-ea"/>
+                <a:cs typeface="+mn-cs"/>
+              </a:defRPr>
+            </a:lvl7pPr>
+            <a:lvl8pPr marL="3429000" indent="-228600" algn="l" defTabSz="914400" rtl="0" eaLnBrk="1" latinLnBrk="0" hangingPunct="1">
+              <a:lnSpc>
+                <a:spcPct val="90000"/>
+              </a:lnSpc>
+              <a:spcBef>
+                <a:spcPct val="30000"/>
+              </a:spcBef>
+              <a:buFont typeface="Arial" panose="020B0604020202020204" pitchFamily="34" charset="0"/>
+              <a:buChar char="•"/>
+              <a:defRPr sz="1800" kern="1200">
+                <a:solidFill>
+                  <a:schemeClr val="tx1"/>
+                </a:solidFill>
+                <a:latin typeface="+mn-lt"/>
+                <a:ea typeface="+mn-ea"/>
+                <a:cs typeface="+mn-cs"/>
+              </a:defRPr>
+            </a:lvl8pPr>
+            <a:lvl9pPr marL="3886200" indent="-228600" algn="l" defTabSz="914400" rtl="0" eaLnBrk="1" latinLnBrk="0" hangingPunct="1">
+              <a:lnSpc>
+                <a:spcPct val="90000"/>
+              </a:lnSpc>
+              <a:spcBef>
+                <a:spcPct val="30000"/>
+              </a:spcBef>
+              <a:buFont typeface="Arial" panose="020B0604020202020204" pitchFamily="34" charset="0"/>
+              <a:buChar char="•"/>
+              <a:defRPr sz="1800" kern="1200">
+                <a:solidFill>
+                  <a:schemeClr val="tx1"/>
+                </a:solidFill>
+                <a:latin typeface="+mn-lt"/>
+                <a:ea typeface="+mn-ea"/>
+                <a:cs typeface="+mn-cs"/>
+              </a:defRPr>
+            </a:lvl9pPr>
+          </a:lstStyle>
+          <a:p>
+            <a:pPr marL="0" indent="0">
+              <a:spcAft>
+                <a:spcPts val="2000"/>
+              </a:spcAft>
+              <a:buNone/>
+            </a:pPr>
+            <a:endParaRPr lang="en-US" sz="1800" dirty="0">
+              <a:latin typeface="Segoe UI" panose="020B0502040204020203" pitchFamily="34" charset="0"/>
+              <a:cs typeface="Segoe UI" panose="020B0502040204020203" pitchFamily="34" charset="0"/>
+            </a:endParaRPr>
+          </a:p>
+        </p:txBody>
+      </p:sp>
+      <p:sp>
+        <p:nvSpPr>
+          <p:cNvPr id="8" name="TextBox 7">
+            <a:extLst>
+              <a:ext uri="{FF2B5EF4-FFF2-40B4-BE49-F238E27FC236}">
+                <a16:creationId xmlns:a16="http://schemas.microsoft.com/office/drawing/2014/main" id="{D4329088-EA16-420B-B145-A30265C6D3B4}"/>
+              </a:ext>
+            </a:extLst>
+          </p:cNvPr>
+          <p:cNvSpPr txBox="1"/>
+          <p:nvPr/>
+        </p:nvSpPr>
+        <p:spPr>
+          <a:xfrm>
+            <a:off x="541608" y="1691065"/>
+            <a:ext cx="10971964" cy="5370701"/>
+          </a:xfrm>
+          <a:prstGeom prst="rect">
+            <a:avLst/>
+          </a:prstGeom>
+          <a:noFill/>
+        </p:spPr>
+        <p:txBody>
+          <a:bodyPr wrap="square">
+            <a:spAutoFit/>
+          </a:bodyPr>
+          <a:lstStyle/>
+          <a:p>
+            <a:pPr marL="914400" lvl="1" indent="-457200">
+              <a:buFont typeface="Arial" panose="020B0604020202020204" pitchFamily="34" charset="0"/>
+              <a:buChar char="•"/>
+            </a:pPr>
+            <a:endParaRPr lang="en-GB" sz="1100" dirty="0">
+              <a:solidFill>
+                <a:schemeClr val="bg2">
+                  <a:lumMod val="25000"/>
+                </a:schemeClr>
+              </a:solidFill>
+              <a:latin typeface="Segoe UI Light" panose="020B0502040204020203" pitchFamily="34" charset="0"/>
+              <a:cs typeface="Segoe UI Light" panose="020B0502040204020203" pitchFamily="34" charset="0"/>
+            </a:endParaRPr>
+          </a:p>
+          <a:p>
+            <a:pPr marL="914400" lvl="1" indent="-457200">
+              <a:buFont typeface="Arial" panose="020B0604020202020204" pitchFamily="34" charset="0"/>
+              <a:buChar char="•"/>
+            </a:pPr>
+            <a:r>
+              <a:rPr lang="en-GB" sz="3200" dirty="0">
+                <a:solidFill>
+                  <a:schemeClr val="bg2">
+                    <a:lumMod val="25000"/>
+                  </a:schemeClr>
+                </a:solidFill>
+                <a:latin typeface="Segoe UI Light" panose="020B0502040204020203" pitchFamily="34" charset="0"/>
+                <a:cs typeface="Segoe UI Light" panose="020B0502040204020203" pitchFamily="34" charset="0"/>
+              </a:rPr>
+              <a:t>Angular: https://angular.io/guide/elements</a:t>
+            </a:r>
+          </a:p>
+          <a:p>
+            <a:pPr marL="914400" lvl="1" indent="-457200">
+              <a:buFont typeface="Arial" panose="020B0604020202020204" pitchFamily="34" charset="0"/>
+              <a:buChar char="•"/>
+            </a:pPr>
+            <a:r>
+              <a:rPr lang="en-GB" sz="3200" dirty="0">
+                <a:solidFill>
+                  <a:schemeClr val="bg2">
+                    <a:lumMod val="25000"/>
+                  </a:schemeClr>
+                </a:solidFill>
+                <a:latin typeface="Segoe UI Light" panose="020B0502040204020203" pitchFamily="34" charset="0"/>
+                <a:cs typeface="Segoe UI Light" panose="020B0502040204020203" pitchFamily="34" charset="0"/>
+              </a:rPr>
+              <a:t>Vue: https://www.npmjs.com/package/vue-custom-element</a:t>
+            </a:r>
+          </a:p>
+          <a:p>
+            <a:pPr marL="914400" lvl="1" indent="-457200">
+              <a:buFont typeface="Arial" panose="020B0604020202020204" pitchFamily="34" charset="0"/>
+              <a:buChar char="•"/>
+            </a:pPr>
+            <a:r>
+              <a:rPr lang="en-GB" sz="3200" dirty="0">
+                <a:solidFill>
+                  <a:schemeClr val="bg2">
+                    <a:lumMod val="25000"/>
+                  </a:schemeClr>
+                </a:solidFill>
+                <a:latin typeface="Segoe UI Light" panose="020B0502040204020203" pitchFamily="34" charset="0"/>
+                <a:cs typeface="Segoe UI Light" panose="020B0502040204020203" pitchFamily="34" charset="0"/>
+              </a:rPr>
+              <a:t>Vue: https://github.com/karol-f/vue-custom-element#demo</a:t>
+            </a:r>
+          </a:p>
+          <a:p>
+            <a:pPr marL="914400" lvl="1" indent="-457200">
+              <a:buFont typeface="Arial" panose="020B0604020202020204" pitchFamily="34" charset="0"/>
+              <a:buChar char="•"/>
+            </a:pPr>
+            <a:r>
+              <a:rPr lang="en-GB" sz="3200" dirty="0">
+                <a:solidFill>
+                  <a:schemeClr val="bg2">
+                    <a:lumMod val="25000"/>
+                  </a:schemeClr>
+                </a:solidFill>
+                <a:latin typeface="Segoe UI Light" panose="020B0502040204020203" pitchFamily="34" charset="0"/>
+                <a:cs typeface="Segoe UI Light" panose="020B0502040204020203" pitchFamily="34" charset="0"/>
+              </a:rPr>
+              <a:t>React: https://github.com/LukasBombach/react-web-component</a:t>
+            </a:r>
+          </a:p>
+          <a:p>
+            <a:pPr marL="914400" lvl="1" indent="-457200">
+              <a:buFont typeface="Arial" panose="020B0604020202020204" pitchFamily="34" charset="0"/>
+              <a:buChar char="•"/>
+            </a:pPr>
+            <a:r>
+              <a:rPr lang="en-GB" sz="3200" i="1" dirty="0">
+                <a:solidFill>
+                  <a:schemeClr val="bg2">
+                    <a:lumMod val="25000"/>
+                  </a:schemeClr>
+                </a:solidFill>
+                <a:latin typeface="Segoe UI Light" panose="020B0502040204020203" pitchFamily="34" charset="0"/>
+                <a:cs typeface="Segoe UI Light" panose="020B0502040204020203" pitchFamily="34" charset="0"/>
+              </a:rPr>
+              <a:t>Many others: https://webcomponents.dev/</a:t>
+            </a:r>
+          </a:p>
+          <a:p>
+            <a:pPr marL="457200" lvl="1" indent="0">
+              <a:buNone/>
+            </a:pPr>
+            <a:endParaRPr lang="en-GB" sz="3800" dirty="0">
+              <a:solidFill>
+                <a:schemeClr val="bg2">
+                  <a:lumMod val="25000"/>
+                </a:schemeClr>
+              </a:solidFill>
+              <a:latin typeface="Segoe UI Light" panose="020B0502040204020203" pitchFamily="34" charset="0"/>
+              <a:cs typeface="Segoe UI Light" panose="020B0502040204020203" pitchFamily="34" charset="0"/>
+            </a:endParaRPr>
+          </a:p>
+          <a:p>
+            <a:pPr marL="457200" lvl="1" indent="0">
+              <a:buNone/>
+            </a:pPr>
+            <a:endParaRPr lang="en-GB" sz="3800" dirty="0">
+              <a:solidFill>
+                <a:schemeClr val="bg2">
+                  <a:lumMod val="25000"/>
+                </a:schemeClr>
+              </a:solidFill>
+              <a:latin typeface="Segoe UI Light" panose="020B0502040204020203" pitchFamily="34" charset="0"/>
+              <a:cs typeface="Segoe UI Light" panose="020B0502040204020203" pitchFamily="34" charset="0"/>
+            </a:endParaRPr>
+          </a:p>
+        </p:txBody>
+      </p:sp>
+    </p:spTree>
+    <p:extLst>
+      <p:ext uri="{BB962C8B-B14F-4D97-AF65-F5344CB8AC3E}">
+        <p14:creationId xmlns:p14="http://schemas.microsoft.com/office/powerpoint/2010/main" val="2544231288"/>
+      </p:ext>
+    </p:extLst>
+  </p:cSld>
+  <p:clrMapOvr>
+    <a:masterClrMapping/>
+  </p:clrMapOvr>
+</p:sld>
+</file>
+
+<file path=ppt/slides/slide34.xml><?xml version="1.0" encoding="utf-8"?>
+<p:sld xmlns:a="http://schemas.openxmlformats.org/drawingml/2006/main" xmlns:r="http://schemas.openxmlformats.org/officeDocument/2006/relationships" xmlns:p="http://schemas.openxmlformats.org/presentationml/2006/main">
+  <p:cSld>
+    <p:spTree>
+      <p:nvGrpSpPr>
+        <p:cNvPr id="1" name=""/>
+        <p:cNvGrpSpPr/>
+        <p:nvPr/>
+      </p:nvGrpSpPr>
+      <p:grpSpPr>
+        <a:xfrm>
+          <a:off x="0" y="0"/>
+          <a:ext cx="0" cy="0"/>
+          <a:chOff x="0" y="0"/>
+          <a:chExt cx="0" cy="0"/>
+        </a:xfrm>
+      </p:grpSpPr>
+      <p:sp>
+        <p:nvSpPr>
+          <p:cNvPr id="4" name="Title 3"/>
+          <p:cNvSpPr>
+            <a:spLocks noGrp="1"/>
+          </p:cNvSpPr>
+          <p:nvPr>
+            <p:ph type="title"/>
+          </p:nvPr>
+        </p:nvSpPr>
+        <p:spPr>
+          <a:xfrm>
             <a:off x="541608" y="426301"/>
             <a:ext cx="10293539" cy="749992"/>
           </a:xfrm>
@@ -18495,7 +19652,7 @@
 </p:sld>
 </file>
 
-<file path=ppt/slides/slide33.xml><?xml version="1.0" encoding="utf-8"?>
+<file path=ppt/slides/slide35.xml><?xml version="1.0" encoding="utf-8"?>
 <p:sld xmlns:a="http://schemas.openxmlformats.org/drawingml/2006/main" xmlns:r="http://schemas.openxmlformats.org/officeDocument/2006/relationships" xmlns:p="http://schemas.openxmlformats.org/presentationml/2006/main">
   <p:cSld>
     <p:spTree>
@@ -23181,8 +24338,8 @@
         </p:nvSpPr>
         <p:spPr>
           <a:xfrm>
-            <a:off x="4191877" y="5857539"/>
-            <a:ext cx="3326807" cy="707886"/>
+            <a:off x="478971" y="5857539"/>
+            <a:ext cx="11225349" cy="707886"/>
           </a:xfrm>
           <a:prstGeom prst="rect">
             <a:avLst/>
@@ -23201,7 +24358,7 @@
                   <a:srgbClr val="FF0000"/>
                 </a:solidFill>
               </a:rPr>
-              <a:t>Micro Apps</a:t>
+              <a:t>Micro Apps based on a variety of frameworks</a:t>
             </a:r>
             <a:endParaRPr lang="en-GB" sz="2800" b="1" dirty="0">
               <a:solidFill>

--- a/talk.pptx
+++ b/talk.pptx
@@ -5,10 +5,10 @@
     <p:sldMasterId id="2147483660" r:id="rId4"/>
   </p:sldMasterIdLst>
   <p:notesMasterIdLst>
-    <p:notesMasterId r:id="rId40"/>
+    <p:notesMasterId r:id="rId42"/>
   </p:notesMasterIdLst>
   <p:handoutMasterIdLst>
-    <p:handoutMasterId r:id="rId41"/>
+    <p:handoutMasterId r:id="rId43"/>
   </p:handoutMasterIdLst>
   <p:sldIdLst>
     <p:sldId id="286" r:id="rId5"/>
@@ -22,30 +22,32 @@
     <p:sldId id="337" r:id="rId13"/>
     <p:sldId id="372" r:id="rId14"/>
     <p:sldId id="341" r:id="rId15"/>
-    <p:sldId id="349" r:id="rId16"/>
-    <p:sldId id="368" r:id="rId17"/>
-    <p:sldId id="370" r:id="rId18"/>
-    <p:sldId id="350" r:id="rId19"/>
-    <p:sldId id="351" r:id="rId20"/>
-    <p:sldId id="369" r:id="rId21"/>
-    <p:sldId id="352" r:id="rId22"/>
-    <p:sldId id="356" r:id="rId23"/>
-    <p:sldId id="358" r:id="rId24"/>
-    <p:sldId id="373" r:id="rId25"/>
-    <p:sldId id="359" r:id="rId26"/>
-    <p:sldId id="357" r:id="rId27"/>
-    <p:sldId id="360" r:id="rId28"/>
-    <p:sldId id="355" r:id="rId29"/>
-    <p:sldId id="367" r:id="rId30"/>
-    <p:sldId id="371" r:id="rId31"/>
-    <p:sldId id="354" r:id="rId32"/>
-    <p:sldId id="361" r:id="rId33"/>
-    <p:sldId id="362" r:id="rId34"/>
-    <p:sldId id="353" r:id="rId35"/>
-    <p:sldId id="363" r:id="rId36"/>
-    <p:sldId id="364" r:id="rId37"/>
-    <p:sldId id="365" r:id="rId38"/>
-    <p:sldId id="366" r:id="rId39"/>
+    <p:sldId id="374" r:id="rId16"/>
+    <p:sldId id="349" r:id="rId17"/>
+    <p:sldId id="368" r:id="rId18"/>
+    <p:sldId id="375" r:id="rId19"/>
+    <p:sldId id="370" r:id="rId20"/>
+    <p:sldId id="350" r:id="rId21"/>
+    <p:sldId id="351" r:id="rId22"/>
+    <p:sldId id="369" r:id="rId23"/>
+    <p:sldId id="352" r:id="rId24"/>
+    <p:sldId id="356" r:id="rId25"/>
+    <p:sldId id="358" r:id="rId26"/>
+    <p:sldId id="373" r:id="rId27"/>
+    <p:sldId id="359" r:id="rId28"/>
+    <p:sldId id="357" r:id="rId29"/>
+    <p:sldId id="360" r:id="rId30"/>
+    <p:sldId id="355" r:id="rId31"/>
+    <p:sldId id="367" r:id="rId32"/>
+    <p:sldId id="371" r:id="rId33"/>
+    <p:sldId id="354" r:id="rId34"/>
+    <p:sldId id="361" r:id="rId35"/>
+    <p:sldId id="362" r:id="rId36"/>
+    <p:sldId id="353" r:id="rId37"/>
+    <p:sldId id="363" r:id="rId38"/>
+    <p:sldId id="364" r:id="rId39"/>
+    <p:sldId id="365" r:id="rId40"/>
+    <p:sldId id="366" r:id="rId41"/>
   </p:sldIdLst>
   <p:sldSz cx="12192000" cy="6858000"/>
   <p:notesSz cx="6858000" cy="9144000"/>
@@ -163,8 +165,10 @@
             <p14:sldId id="337"/>
             <p14:sldId id="372"/>
             <p14:sldId id="341"/>
+            <p14:sldId id="374"/>
             <p14:sldId id="349"/>
             <p14:sldId id="368"/>
+            <p14:sldId id="375"/>
             <p14:sldId id="370"/>
             <p14:sldId id="350"/>
             <p14:sldId id="351"/>
@@ -4434,6 +4438,702 @@
           <a:chExt cx="0" cy="0"/>
         </a:xfrm>
       </p:grpSpPr>
+      <p:sp>
+        <p:nvSpPr>
+          <p:cNvPr id="4" name="Title 3"/>
+          <p:cNvSpPr>
+            <a:spLocks noGrp="1"/>
+          </p:cNvSpPr>
+          <p:nvPr>
+            <p:ph type="title"/>
+          </p:nvPr>
+        </p:nvSpPr>
+        <p:spPr>
+          <a:xfrm>
+            <a:off x="541609" y="426301"/>
+            <a:ext cx="8578726" cy="749992"/>
+          </a:xfrm>
+        </p:spPr>
+        <p:txBody>
+          <a:bodyPr>
+            <a:noAutofit/>
+          </a:bodyPr>
+          <a:lstStyle/>
+          <a:p>
+            <a:r>
+              <a:rPr lang="en-US" sz="4000" dirty="0">
+                <a:latin typeface="Segoe UI Light" panose="020B0502040204020203" pitchFamily="34" charset="0"/>
+                <a:cs typeface="Segoe UI Light" panose="020B0502040204020203" pitchFamily="34" charset="0"/>
+              </a:rPr>
+              <a:t>Pseudo code</a:t>
+            </a:r>
+          </a:p>
+        </p:txBody>
+      </p:sp>
+      <p:sp>
+        <p:nvSpPr>
+          <p:cNvPr id="25" name="Content Placeholder 17"/>
+          <p:cNvSpPr txBox="1">
+            <a:spLocks/>
+          </p:cNvSpPr>
+          <p:nvPr/>
+        </p:nvSpPr>
+        <p:spPr>
+          <a:xfrm>
+            <a:off x="541609" y="1455491"/>
+            <a:ext cx="5110161" cy="471149"/>
+          </a:xfrm>
+          <a:prstGeom prst="rect">
+            <a:avLst/>
+          </a:prstGeom>
+        </p:spPr>
+        <p:txBody>
+          <a:bodyPr vert="horz" lIns="91440" tIns="45720" rIns="91440" bIns="45720" rtlCol="0">
+            <a:normAutofit/>
+          </a:bodyPr>
+          <a:lstStyle>
+            <a:lvl1pPr marL="228600" indent="-228600" algn="l" defTabSz="914400" rtl="0" eaLnBrk="1" latinLnBrk="0" hangingPunct="1">
+              <a:lnSpc>
+                <a:spcPts val="1800"/>
+              </a:lnSpc>
+              <a:spcBef>
+                <a:spcPts val="1000"/>
+              </a:spcBef>
+              <a:spcAft>
+                <a:spcPts val="1000"/>
+              </a:spcAft>
+              <a:buFont typeface="Arial" panose="020B0604020202020204" pitchFamily="34" charset="0"/>
+              <a:buChar char="•"/>
+              <a:defRPr lang="en-US" sz="1200" kern="1200" smtClean="0">
+                <a:solidFill>
+                  <a:schemeClr val="tx1">
+                    <a:lumMod val="75000"/>
+                    <a:lumOff val="25000"/>
+                  </a:schemeClr>
+                </a:solidFill>
+                <a:latin typeface="+mn-lt"/>
+                <a:ea typeface="+mn-ea"/>
+                <a:cs typeface="+mn-cs"/>
+              </a:defRPr>
+            </a:lvl1pPr>
+            <a:lvl2pPr marL="685800" indent="-228600" algn="l" defTabSz="914400" rtl="0" eaLnBrk="1" latinLnBrk="0" hangingPunct="1">
+              <a:lnSpc>
+                <a:spcPts val="1800"/>
+              </a:lnSpc>
+              <a:spcBef>
+                <a:spcPts val="1000"/>
+              </a:spcBef>
+              <a:spcAft>
+                <a:spcPts val="1000"/>
+              </a:spcAft>
+              <a:buFont typeface="Arial" panose="020B0604020202020204" pitchFamily="34" charset="0"/>
+              <a:buChar char="•"/>
+              <a:defRPr lang="en-US" sz="1200" kern="1200" smtClean="0">
+                <a:solidFill>
+                  <a:schemeClr val="tx1">
+                    <a:lumMod val="75000"/>
+                    <a:lumOff val="25000"/>
+                  </a:schemeClr>
+                </a:solidFill>
+                <a:latin typeface="+mn-lt"/>
+                <a:ea typeface="+mn-ea"/>
+                <a:cs typeface="+mn-cs"/>
+              </a:defRPr>
+            </a:lvl2pPr>
+            <a:lvl3pPr marL="1143000" indent="-228600" algn="l" defTabSz="914400" rtl="0" eaLnBrk="1" latinLnBrk="0" hangingPunct="1">
+              <a:lnSpc>
+                <a:spcPts val="1800"/>
+              </a:lnSpc>
+              <a:spcBef>
+                <a:spcPts val="1000"/>
+              </a:spcBef>
+              <a:spcAft>
+                <a:spcPts val="1000"/>
+              </a:spcAft>
+              <a:buFont typeface="Arial" panose="020B0604020202020204" pitchFamily="34" charset="0"/>
+              <a:buChar char="•"/>
+              <a:defRPr lang="en-US" sz="1200" kern="1200" smtClean="0">
+                <a:solidFill>
+                  <a:schemeClr val="tx1">
+                    <a:lumMod val="75000"/>
+                    <a:lumOff val="25000"/>
+                  </a:schemeClr>
+                </a:solidFill>
+                <a:latin typeface="+mn-lt"/>
+                <a:ea typeface="+mn-ea"/>
+                <a:cs typeface="+mn-cs"/>
+              </a:defRPr>
+            </a:lvl3pPr>
+            <a:lvl4pPr marL="1600200" indent="-228600" algn="l" defTabSz="914400" rtl="0" eaLnBrk="1" latinLnBrk="0" hangingPunct="1">
+              <a:lnSpc>
+                <a:spcPts val="1800"/>
+              </a:lnSpc>
+              <a:spcBef>
+                <a:spcPts val="1000"/>
+              </a:spcBef>
+              <a:spcAft>
+                <a:spcPts val="1000"/>
+              </a:spcAft>
+              <a:buFont typeface="Arial" panose="020B0604020202020204" pitchFamily="34" charset="0"/>
+              <a:buChar char="•"/>
+              <a:defRPr lang="en-US" sz="1200" kern="1200" smtClean="0">
+                <a:solidFill>
+                  <a:schemeClr val="tx1">
+                    <a:lumMod val="75000"/>
+                    <a:lumOff val="25000"/>
+                  </a:schemeClr>
+                </a:solidFill>
+                <a:latin typeface="+mn-lt"/>
+                <a:ea typeface="+mn-ea"/>
+                <a:cs typeface="+mn-cs"/>
+              </a:defRPr>
+            </a:lvl4pPr>
+            <a:lvl5pPr marL="2057400" indent="-228600" algn="l" defTabSz="914400" rtl="0" eaLnBrk="1" latinLnBrk="0" hangingPunct="1">
+              <a:lnSpc>
+                <a:spcPts val="1800"/>
+              </a:lnSpc>
+              <a:spcBef>
+                <a:spcPts val="1000"/>
+              </a:spcBef>
+              <a:spcAft>
+                <a:spcPts val="1000"/>
+              </a:spcAft>
+              <a:buFont typeface="Arial" panose="020B0604020202020204" pitchFamily="34" charset="0"/>
+              <a:buChar char="•"/>
+              <a:defRPr lang="en-US" sz="1200" kern="1200">
+                <a:solidFill>
+                  <a:schemeClr val="tx1">
+                    <a:lumMod val="75000"/>
+                    <a:lumOff val="25000"/>
+                  </a:schemeClr>
+                </a:solidFill>
+                <a:latin typeface="+mn-lt"/>
+                <a:ea typeface="+mn-ea"/>
+                <a:cs typeface="+mn-cs"/>
+              </a:defRPr>
+            </a:lvl5pPr>
+            <a:lvl6pPr marL="2514600" indent="-228600" algn="l" defTabSz="914400" rtl="0" eaLnBrk="1" latinLnBrk="0" hangingPunct="1">
+              <a:lnSpc>
+                <a:spcPct val="90000"/>
+              </a:lnSpc>
+              <a:spcBef>
+                <a:spcPct val="30000"/>
+              </a:spcBef>
+              <a:buFont typeface="Arial" panose="020B0604020202020204" pitchFamily="34" charset="0"/>
+              <a:buChar char="•"/>
+              <a:defRPr sz="1800" kern="1200">
+                <a:solidFill>
+                  <a:schemeClr val="tx1"/>
+                </a:solidFill>
+                <a:latin typeface="+mn-lt"/>
+                <a:ea typeface="+mn-ea"/>
+                <a:cs typeface="+mn-cs"/>
+              </a:defRPr>
+            </a:lvl6pPr>
+            <a:lvl7pPr marL="2971800" indent="-228600" algn="l" defTabSz="914400" rtl="0" eaLnBrk="1" latinLnBrk="0" hangingPunct="1">
+              <a:lnSpc>
+                <a:spcPct val="90000"/>
+              </a:lnSpc>
+              <a:spcBef>
+                <a:spcPct val="30000"/>
+              </a:spcBef>
+              <a:buFont typeface="Arial" panose="020B0604020202020204" pitchFamily="34" charset="0"/>
+              <a:buChar char="•"/>
+              <a:defRPr sz="1800" kern="1200">
+                <a:solidFill>
+                  <a:schemeClr val="tx1"/>
+                </a:solidFill>
+                <a:latin typeface="+mn-lt"/>
+                <a:ea typeface="+mn-ea"/>
+                <a:cs typeface="+mn-cs"/>
+              </a:defRPr>
+            </a:lvl7pPr>
+            <a:lvl8pPr marL="3429000" indent="-228600" algn="l" defTabSz="914400" rtl="0" eaLnBrk="1" latinLnBrk="0" hangingPunct="1">
+              <a:lnSpc>
+                <a:spcPct val="90000"/>
+              </a:lnSpc>
+              <a:spcBef>
+                <a:spcPct val="30000"/>
+              </a:spcBef>
+              <a:buFont typeface="Arial" panose="020B0604020202020204" pitchFamily="34" charset="0"/>
+              <a:buChar char="•"/>
+              <a:defRPr sz="1800" kern="1200">
+                <a:solidFill>
+                  <a:schemeClr val="tx1"/>
+                </a:solidFill>
+                <a:latin typeface="+mn-lt"/>
+                <a:ea typeface="+mn-ea"/>
+                <a:cs typeface="+mn-cs"/>
+              </a:defRPr>
+            </a:lvl8pPr>
+            <a:lvl9pPr marL="3886200" indent="-228600" algn="l" defTabSz="914400" rtl="0" eaLnBrk="1" latinLnBrk="0" hangingPunct="1">
+              <a:lnSpc>
+                <a:spcPct val="90000"/>
+              </a:lnSpc>
+              <a:spcBef>
+                <a:spcPct val="30000"/>
+              </a:spcBef>
+              <a:buFont typeface="Arial" panose="020B0604020202020204" pitchFamily="34" charset="0"/>
+              <a:buChar char="•"/>
+              <a:defRPr sz="1800" kern="1200">
+                <a:solidFill>
+                  <a:schemeClr val="tx1"/>
+                </a:solidFill>
+                <a:latin typeface="+mn-lt"/>
+                <a:ea typeface="+mn-ea"/>
+                <a:cs typeface="+mn-cs"/>
+              </a:defRPr>
+            </a:lvl9pPr>
+          </a:lstStyle>
+          <a:p>
+            <a:pPr marL="0" indent="0">
+              <a:spcAft>
+                <a:spcPts val="2000"/>
+              </a:spcAft>
+              <a:buNone/>
+            </a:pPr>
+            <a:endParaRPr lang="en-US" sz="1800" dirty="0">
+              <a:latin typeface="Segoe UI" panose="020B0502040204020203" pitchFamily="34" charset="0"/>
+              <a:cs typeface="Segoe UI" panose="020B0502040204020203" pitchFamily="34" charset="0"/>
+            </a:endParaRPr>
+          </a:p>
+        </p:txBody>
+      </p:sp>
+      <p:sp>
+        <p:nvSpPr>
+          <p:cNvPr id="36" name="Content Placeholder 17"/>
+          <p:cNvSpPr txBox="1">
+            <a:spLocks/>
+          </p:cNvSpPr>
+          <p:nvPr/>
+        </p:nvSpPr>
+        <p:spPr>
+          <a:xfrm>
+            <a:off x="541609" y="1176293"/>
+            <a:ext cx="11138263" cy="3968352"/>
+          </a:xfrm>
+          <a:prstGeom prst="rect">
+            <a:avLst/>
+          </a:prstGeom>
+        </p:spPr>
+        <p:txBody>
+          <a:bodyPr vert="horz" lIns="91440" tIns="45720" rIns="91440" bIns="45720" rtlCol="0">
+            <a:noAutofit/>
+          </a:bodyPr>
+          <a:lstStyle>
+            <a:lvl1pPr marL="228600" indent="-228600" algn="l" defTabSz="914400" rtl="0" eaLnBrk="1" latinLnBrk="0" hangingPunct="1">
+              <a:lnSpc>
+                <a:spcPts val="1800"/>
+              </a:lnSpc>
+              <a:spcBef>
+                <a:spcPts val="1000"/>
+              </a:spcBef>
+              <a:spcAft>
+                <a:spcPts val="1000"/>
+              </a:spcAft>
+              <a:buFont typeface="Arial" panose="020B0604020202020204" pitchFamily="34" charset="0"/>
+              <a:buChar char="•"/>
+              <a:defRPr lang="en-US" sz="1200" kern="1200" smtClean="0">
+                <a:solidFill>
+                  <a:schemeClr val="tx1">
+                    <a:lumMod val="75000"/>
+                    <a:lumOff val="25000"/>
+                  </a:schemeClr>
+                </a:solidFill>
+                <a:latin typeface="+mn-lt"/>
+                <a:ea typeface="+mn-ea"/>
+                <a:cs typeface="+mn-cs"/>
+              </a:defRPr>
+            </a:lvl1pPr>
+            <a:lvl2pPr marL="685800" indent="-228600" algn="l" defTabSz="914400" rtl="0" eaLnBrk="1" latinLnBrk="0" hangingPunct="1">
+              <a:lnSpc>
+                <a:spcPts val="1800"/>
+              </a:lnSpc>
+              <a:spcBef>
+                <a:spcPts val="1000"/>
+              </a:spcBef>
+              <a:spcAft>
+                <a:spcPts val="1000"/>
+              </a:spcAft>
+              <a:buFont typeface="Arial" panose="020B0604020202020204" pitchFamily="34" charset="0"/>
+              <a:buChar char="•"/>
+              <a:defRPr lang="en-US" sz="1200" kern="1200" smtClean="0">
+                <a:solidFill>
+                  <a:schemeClr val="tx1">
+                    <a:lumMod val="75000"/>
+                    <a:lumOff val="25000"/>
+                  </a:schemeClr>
+                </a:solidFill>
+                <a:latin typeface="+mn-lt"/>
+                <a:ea typeface="+mn-ea"/>
+                <a:cs typeface="+mn-cs"/>
+              </a:defRPr>
+            </a:lvl2pPr>
+            <a:lvl3pPr marL="1143000" indent="-228600" algn="l" defTabSz="914400" rtl="0" eaLnBrk="1" latinLnBrk="0" hangingPunct="1">
+              <a:lnSpc>
+                <a:spcPts val="1800"/>
+              </a:lnSpc>
+              <a:spcBef>
+                <a:spcPts val="1000"/>
+              </a:spcBef>
+              <a:spcAft>
+                <a:spcPts val="1000"/>
+              </a:spcAft>
+              <a:buFont typeface="Arial" panose="020B0604020202020204" pitchFamily="34" charset="0"/>
+              <a:buChar char="•"/>
+              <a:defRPr lang="en-US" sz="1200" kern="1200" smtClean="0">
+                <a:solidFill>
+                  <a:schemeClr val="tx1">
+                    <a:lumMod val="75000"/>
+                    <a:lumOff val="25000"/>
+                  </a:schemeClr>
+                </a:solidFill>
+                <a:latin typeface="+mn-lt"/>
+                <a:ea typeface="+mn-ea"/>
+                <a:cs typeface="+mn-cs"/>
+              </a:defRPr>
+            </a:lvl3pPr>
+            <a:lvl4pPr marL="1600200" indent="-228600" algn="l" defTabSz="914400" rtl="0" eaLnBrk="1" latinLnBrk="0" hangingPunct="1">
+              <a:lnSpc>
+                <a:spcPts val="1800"/>
+              </a:lnSpc>
+              <a:spcBef>
+                <a:spcPts val="1000"/>
+              </a:spcBef>
+              <a:spcAft>
+                <a:spcPts val="1000"/>
+              </a:spcAft>
+              <a:buFont typeface="Arial" panose="020B0604020202020204" pitchFamily="34" charset="0"/>
+              <a:buChar char="•"/>
+              <a:defRPr lang="en-US" sz="1200" kern="1200" smtClean="0">
+                <a:solidFill>
+                  <a:schemeClr val="tx1">
+                    <a:lumMod val="75000"/>
+                    <a:lumOff val="25000"/>
+                  </a:schemeClr>
+                </a:solidFill>
+                <a:latin typeface="+mn-lt"/>
+                <a:ea typeface="+mn-ea"/>
+                <a:cs typeface="+mn-cs"/>
+              </a:defRPr>
+            </a:lvl4pPr>
+            <a:lvl5pPr marL="2057400" indent="-228600" algn="l" defTabSz="914400" rtl="0" eaLnBrk="1" latinLnBrk="0" hangingPunct="1">
+              <a:lnSpc>
+                <a:spcPts val="1800"/>
+              </a:lnSpc>
+              <a:spcBef>
+                <a:spcPts val="1000"/>
+              </a:spcBef>
+              <a:spcAft>
+                <a:spcPts val="1000"/>
+              </a:spcAft>
+              <a:buFont typeface="Arial" panose="020B0604020202020204" pitchFamily="34" charset="0"/>
+              <a:buChar char="•"/>
+              <a:defRPr lang="en-US" sz="1200" kern="1200">
+                <a:solidFill>
+                  <a:schemeClr val="tx1">
+                    <a:lumMod val="75000"/>
+                    <a:lumOff val="25000"/>
+                  </a:schemeClr>
+                </a:solidFill>
+                <a:latin typeface="+mn-lt"/>
+                <a:ea typeface="+mn-ea"/>
+                <a:cs typeface="+mn-cs"/>
+              </a:defRPr>
+            </a:lvl5pPr>
+            <a:lvl6pPr marL="2514600" indent="-228600" algn="l" defTabSz="914400" rtl="0" eaLnBrk="1" latinLnBrk="0" hangingPunct="1">
+              <a:lnSpc>
+                <a:spcPct val="90000"/>
+              </a:lnSpc>
+              <a:spcBef>
+                <a:spcPct val="30000"/>
+              </a:spcBef>
+              <a:buFont typeface="Arial" panose="020B0604020202020204" pitchFamily="34" charset="0"/>
+              <a:buChar char="•"/>
+              <a:defRPr sz="1800" kern="1200">
+                <a:solidFill>
+                  <a:schemeClr val="tx1"/>
+                </a:solidFill>
+                <a:latin typeface="+mn-lt"/>
+                <a:ea typeface="+mn-ea"/>
+                <a:cs typeface="+mn-cs"/>
+              </a:defRPr>
+            </a:lvl6pPr>
+            <a:lvl7pPr marL="2971800" indent="-228600" algn="l" defTabSz="914400" rtl="0" eaLnBrk="1" latinLnBrk="0" hangingPunct="1">
+              <a:lnSpc>
+                <a:spcPct val="90000"/>
+              </a:lnSpc>
+              <a:spcBef>
+                <a:spcPct val="30000"/>
+              </a:spcBef>
+              <a:buFont typeface="Arial" panose="020B0604020202020204" pitchFamily="34" charset="0"/>
+              <a:buChar char="•"/>
+              <a:defRPr sz="1800" kern="1200">
+                <a:solidFill>
+                  <a:schemeClr val="tx1"/>
+                </a:solidFill>
+                <a:latin typeface="+mn-lt"/>
+                <a:ea typeface="+mn-ea"/>
+                <a:cs typeface="+mn-cs"/>
+              </a:defRPr>
+            </a:lvl7pPr>
+            <a:lvl8pPr marL="3429000" indent="-228600" algn="l" defTabSz="914400" rtl="0" eaLnBrk="1" latinLnBrk="0" hangingPunct="1">
+              <a:lnSpc>
+                <a:spcPct val="90000"/>
+              </a:lnSpc>
+              <a:spcBef>
+                <a:spcPct val="30000"/>
+              </a:spcBef>
+              <a:buFont typeface="Arial" panose="020B0604020202020204" pitchFamily="34" charset="0"/>
+              <a:buChar char="•"/>
+              <a:defRPr sz="1800" kern="1200">
+                <a:solidFill>
+                  <a:schemeClr val="tx1"/>
+                </a:solidFill>
+                <a:latin typeface="+mn-lt"/>
+                <a:ea typeface="+mn-ea"/>
+                <a:cs typeface="+mn-cs"/>
+              </a:defRPr>
+            </a:lvl8pPr>
+            <a:lvl9pPr marL="3886200" indent="-228600" algn="l" defTabSz="914400" rtl="0" eaLnBrk="1" latinLnBrk="0" hangingPunct="1">
+              <a:lnSpc>
+                <a:spcPct val="90000"/>
+              </a:lnSpc>
+              <a:spcBef>
+                <a:spcPct val="30000"/>
+              </a:spcBef>
+              <a:buFont typeface="Arial" panose="020B0604020202020204" pitchFamily="34" charset="0"/>
+              <a:buChar char="•"/>
+              <a:defRPr sz="1800" kern="1200">
+                <a:solidFill>
+                  <a:schemeClr val="tx1"/>
+                </a:solidFill>
+                <a:latin typeface="+mn-lt"/>
+                <a:ea typeface="+mn-ea"/>
+                <a:cs typeface="+mn-cs"/>
+              </a:defRPr>
+            </a:lvl9pPr>
+          </a:lstStyle>
+          <a:p>
+            <a:pPr marL="457200" lvl="2" indent="0">
+              <a:lnSpc>
+                <a:spcPts val="4560"/>
+              </a:lnSpc>
+              <a:spcAft>
+                <a:spcPts val="1200"/>
+              </a:spcAft>
+              <a:buNone/>
+            </a:pPr>
+            <a:endParaRPr lang="en-GB" sz="3800" dirty="0">
+              <a:solidFill>
+                <a:schemeClr val="bg2">
+                  <a:lumMod val="25000"/>
+                </a:schemeClr>
+              </a:solidFill>
+              <a:latin typeface="Segoe UI Light" panose="020B0502040204020203" pitchFamily="34" charset="0"/>
+              <a:cs typeface="Segoe UI Light" panose="020B0502040204020203" pitchFamily="34" charset="0"/>
+            </a:endParaRPr>
+          </a:p>
+          <a:p>
+            <a:pPr marL="0" lvl="0" indent="0">
+              <a:lnSpc>
+                <a:spcPts val="4560"/>
+              </a:lnSpc>
+              <a:spcBef>
+                <a:spcPct val="0"/>
+              </a:spcBef>
+              <a:spcAft>
+                <a:spcPts val="2000"/>
+              </a:spcAft>
+              <a:buNone/>
+              <a:defRPr/>
+            </a:pPr>
+            <a:r>
+              <a:rPr lang="en-US" sz="4400" dirty="0">
+                <a:solidFill>
+                  <a:schemeClr val="bg2">
+                    <a:lumMod val="25000"/>
+                  </a:schemeClr>
+                </a:solidFill>
+                <a:latin typeface="Segoe UI Light" panose="020B0502040204020203" pitchFamily="34" charset="0"/>
+                <a:cs typeface="Segoe UI Light" panose="020B0502040204020203" pitchFamily="34" charset="0"/>
+              </a:rPr>
+              <a:t>&lt;list-conferences  tech=“JS” workshops=“yes”&gt;</a:t>
+            </a:r>
+          </a:p>
+          <a:p>
+            <a:pPr marL="0" lvl="0" indent="0">
+              <a:lnSpc>
+                <a:spcPts val="4560"/>
+              </a:lnSpc>
+              <a:spcBef>
+                <a:spcPct val="0"/>
+              </a:spcBef>
+              <a:spcAft>
+                <a:spcPts val="2000"/>
+              </a:spcAft>
+              <a:buNone/>
+              <a:defRPr/>
+            </a:pPr>
+            <a:r>
+              <a:rPr lang="en-US" sz="4400" dirty="0">
+                <a:solidFill>
+                  <a:schemeClr val="bg2">
+                    <a:lumMod val="25000"/>
+                  </a:schemeClr>
+                </a:solidFill>
+                <a:latin typeface="Segoe UI Light" panose="020B0502040204020203" pitchFamily="34" charset="0"/>
+                <a:cs typeface="Segoe UI Light" panose="020B0502040204020203" pitchFamily="34" charset="0"/>
+              </a:rPr>
+              <a:t>&lt;book-an-event  event=“22”  use=“invoice” /&gt;</a:t>
+            </a:r>
+          </a:p>
+          <a:p>
+            <a:pPr marL="0" indent="0">
+              <a:lnSpc>
+                <a:spcPts val="4560"/>
+              </a:lnSpc>
+              <a:spcBef>
+                <a:spcPct val="0"/>
+              </a:spcBef>
+              <a:spcAft>
+                <a:spcPts val="2000"/>
+              </a:spcAft>
+              <a:buNone/>
+              <a:defRPr/>
+            </a:pPr>
+            <a:r>
+              <a:rPr lang="en-US" sz="4400" dirty="0">
+                <a:solidFill>
+                  <a:schemeClr val="bg2">
+                    <a:lumMod val="25000"/>
+                  </a:schemeClr>
+                </a:solidFill>
+                <a:latin typeface="Segoe UI Light" panose="020B0502040204020203" pitchFamily="34" charset="0"/>
+                <a:cs typeface="Segoe UI Light" panose="020B0502040204020203" pitchFamily="34" charset="0"/>
+              </a:rPr>
+              <a:t>&lt;show-flights  city=“LON”  when=“…”/&gt;</a:t>
+            </a:r>
+          </a:p>
+          <a:p>
+            <a:pPr marL="0" indent="0">
+              <a:lnSpc>
+                <a:spcPts val="4560"/>
+              </a:lnSpc>
+              <a:spcBef>
+                <a:spcPct val="0"/>
+              </a:spcBef>
+              <a:spcAft>
+                <a:spcPts val="2000"/>
+              </a:spcAft>
+              <a:buNone/>
+              <a:defRPr/>
+            </a:pPr>
+            <a:r>
+              <a:rPr lang="en-US" sz="4400" dirty="0">
+                <a:solidFill>
+                  <a:schemeClr val="bg2">
+                    <a:lumMod val="25000"/>
+                  </a:schemeClr>
+                </a:solidFill>
+                <a:latin typeface="Segoe UI Light" panose="020B0502040204020203" pitchFamily="34" charset="0"/>
+                <a:cs typeface="Segoe UI Light" panose="020B0502040204020203" pitchFamily="34" charset="0"/>
+              </a:rPr>
+              <a:t>&lt;list-hotels  min-stars=“3”  meals=“yes” /&gt;</a:t>
+            </a:r>
+            <a:endParaRPr lang="en-US" dirty="0">
+              <a:solidFill>
+                <a:schemeClr val="bg2">
+                  <a:lumMod val="25000"/>
+                </a:schemeClr>
+              </a:solidFill>
+              <a:latin typeface="Segoe UI Light" panose="020B0502040204020203" pitchFamily="34" charset="0"/>
+              <a:cs typeface="Segoe UI Light" panose="020B0502040204020203" pitchFamily="34" charset="0"/>
+            </a:endParaRPr>
+          </a:p>
+          <a:p>
+            <a:pPr marL="0" lvl="0" indent="0">
+              <a:lnSpc>
+                <a:spcPts val="4560"/>
+              </a:lnSpc>
+              <a:spcBef>
+                <a:spcPct val="0"/>
+              </a:spcBef>
+              <a:spcAft>
+                <a:spcPts val="2000"/>
+              </a:spcAft>
+              <a:buNone/>
+              <a:defRPr/>
+            </a:pPr>
+            <a:r>
+              <a:rPr lang="en-US" sz="4400" dirty="0">
+                <a:solidFill>
+                  <a:schemeClr val="bg2">
+                    <a:lumMod val="25000"/>
+                  </a:schemeClr>
+                </a:solidFill>
+                <a:latin typeface="Segoe UI Light" panose="020B0502040204020203" pitchFamily="34" charset="0"/>
+                <a:cs typeface="Segoe UI Light" panose="020B0502040204020203" pitchFamily="34" charset="0"/>
+              </a:rPr>
+              <a:t>Declarative rather than Imperative</a:t>
+            </a:r>
+          </a:p>
+          <a:p>
+            <a:pPr marL="0" lvl="0" indent="0">
+              <a:lnSpc>
+                <a:spcPts val="4560"/>
+              </a:lnSpc>
+              <a:spcBef>
+                <a:spcPct val="0"/>
+              </a:spcBef>
+              <a:spcAft>
+                <a:spcPts val="2000"/>
+              </a:spcAft>
+              <a:buNone/>
+              <a:defRPr/>
+            </a:pPr>
+            <a:endParaRPr lang="en-US" sz="3800" dirty="0">
+              <a:solidFill>
+                <a:schemeClr val="bg2">
+                  <a:lumMod val="25000"/>
+                </a:schemeClr>
+              </a:solidFill>
+              <a:latin typeface="Segoe UI Light" panose="020B0502040204020203" pitchFamily="34" charset="0"/>
+              <a:cs typeface="Segoe UI Light" panose="020B0502040204020203" pitchFamily="34" charset="0"/>
+            </a:endParaRPr>
+          </a:p>
+        </p:txBody>
+      </p:sp>
+    </p:spTree>
+    <p:extLst>
+      <p:ext uri="{BB962C8B-B14F-4D97-AF65-F5344CB8AC3E}">
+        <p14:creationId xmlns:p14="http://schemas.microsoft.com/office/powerpoint/2010/main" val="2907007641"/>
+      </p:ext>
+    </p:extLst>
+  </p:cSld>
+  <p:clrMapOvr>
+    <a:masterClrMapping/>
+  </p:clrMapOvr>
+</p:sld>
+</file>
+
+<file path=ppt/slides/slide13.xml><?xml version="1.0" encoding="utf-8"?>
+<p:sld xmlns:a="http://schemas.openxmlformats.org/drawingml/2006/main" xmlns:r="http://schemas.openxmlformats.org/officeDocument/2006/relationships" xmlns:p="http://schemas.openxmlformats.org/presentationml/2006/main">
+  <p:cSld>
+    <p:spTree>
+      <p:nvGrpSpPr>
+        <p:cNvPr id="1" name=""/>
+        <p:cNvGrpSpPr/>
+        <p:nvPr/>
+      </p:nvGrpSpPr>
+      <p:grpSpPr>
+        <a:xfrm>
+          <a:off x="0" y="0"/>
+          <a:ext cx="0" cy="0"/>
+          <a:chOff x="0" y="0"/>
+          <a:chExt cx="0" cy="0"/>
+        </a:xfrm>
+      </p:grpSpPr>
       <p:pic>
         <p:nvPicPr>
           <p:cNvPr id="16" name="Picture 15" descr="A close up of a typewriter&#10;&#10;Description automatically generated">
@@ -5049,7 +5749,7 @@
 </p:sld>
 </file>
 
-<file path=ppt/slides/slide13.xml><?xml version="1.0" encoding="utf-8"?>
+<file path=ppt/slides/slide14.xml><?xml version="1.0" encoding="utf-8"?>
 <p:sld xmlns:a="http://schemas.openxmlformats.org/drawingml/2006/main" xmlns:r="http://schemas.openxmlformats.org/officeDocument/2006/relationships" xmlns:p="http://schemas.openxmlformats.org/presentationml/2006/main">
   <p:cSld>
     <p:spTree>
@@ -5695,7 +6395,631 @@
 </p:sld>
 </file>
 
-<file path=ppt/slides/slide14.xml><?xml version="1.0" encoding="utf-8"?>
+<file path=ppt/slides/slide15.xml><?xml version="1.0" encoding="utf-8"?>
+<p:sld xmlns:a="http://schemas.openxmlformats.org/drawingml/2006/main" xmlns:r="http://schemas.openxmlformats.org/officeDocument/2006/relationships" xmlns:p="http://schemas.openxmlformats.org/presentationml/2006/main">
+  <p:cSld>
+    <p:spTree>
+      <p:nvGrpSpPr>
+        <p:cNvPr id="1" name=""/>
+        <p:cNvGrpSpPr/>
+        <p:nvPr/>
+      </p:nvGrpSpPr>
+      <p:grpSpPr>
+        <a:xfrm>
+          <a:off x="0" y="0"/>
+          <a:ext cx="0" cy="0"/>
+          <a:chOff x="0" y="0"/>
+          <a:chExt cx="0" cy="0"/>
+        </a:xfrm>
+      </p:grpSpPr>
+      <p:sp>
+        <p:nvSpPr>
+          <p:cNvPr id="4" name="Title 3"/>
+          <p:cNvSpPr>
+            <a:spLocks noGrp="1"/>
+          </p:cNvSpPr>
+          <p:nvPr>
+            <p:ph type="title"/>
+          </p:nvPr>
+        </p:nvSpPr>
+        <p:spPr>
+          <a:xfrm>
+            <a:off x="541609" y="426301"/>
+            <a:ext cx="8578726" cy="749992"/>
+          </a:xfrm>
+        </p:spPr>
+        <p:txBody>
+          <a:bodyPr>
+            <a:noAutofit/>
+          </a:bodyPr>
+          <a:lstStyle/>
+          <a:p>
+            <a:r>
+              <a:rPr lang="en-US" sz="4000" dirty="0">
+                <a:latin typeface="Segoe UI Light" panose="020B0502040204020203" pitchFamily="34" charset="0"/>
+                <a:cs typeface="Segoe UI Light" panose="020B0502040204020203" pitchFamily="34" charset="0"/>
+              </a:rPr>
+              <a:t>Which begs the question…</a:t>
+            </a:r>
+          </a:p>
+        </p:txBody>
+      </p:sp>
+      <p:sp>
+        <p:nvSpPr>
+          <p:cNvPr id="25" name="Content Placeholder 17"/>
+          <p:cNvSpPr txBox="1">
+            <a:spLocks/>
+          </p:cNvSpPr>
+          <p:nvPr/>
+        </p:nvSpPr>
+        <p:spPr>
+          <a:xfrm>
+            <a:off x="541609" y="1455491"/>
+            <a:ext cx="5110161" cy="471149"/>
+          </a:xfrm>
+          <a:prstGeom prst="rect">
+            <a:avLst/>
+          </a:prstGeom>
+        </p:spPr>
+        <p:txBody>
+          <a:bodyPr vert="horz" lIns="91440" tIns="45720" rIns="91440" bIns="45720" rtlCol="0">
+            <a:normAutofit/>
+          </a:bodyPr>
+          <a:lstStyle>
+            <a:lvl1pPr marL="228600" indent="-228600" algn="l" defTabSz="914400" rtl="0" eaLnBrk="1" latinLnBrk="0" hangingPunct="1">
+              <a:lnSpc>
+                <a:spcPts val="1800"/>
+              </a:lnSpc>
+              <a:spcBef>
+                <a:spcPts val="1000"/>
+              </a:spcBef>
+              <a:spcAft>
+                <a:spcPts val="1000"/>
+              </a:spcAft>
+              <a:buFont typeface="Arial" panose="020B0604020202020204" pitchFamily="34" charset="0"/>
+              <a:buChar char="•"/>
+              <a:defRPr lang="en-US" sz="1200" kern="1200" smtClean="0">
+                <a:solidFill>
+                  <a:schemeClr val="tx1">
+                    <a:lumMod val="75000"/>
+                    <a:lumOff val="25000"/>
+                  </a:schemeClr>
+                </a:solidFill>
+                <a:latin typeface="+mn-lt"/>
+                <a:ea typeface="+mn-ea"/>
+                <a:cs typeface="+mn-cs"/>
+              </a:defRPr>
+            </a:lvl1pPr>
+            <a:lvl2pPr marL="685800" indent="-228600" algn="l" defTabSz="914400" rtl="0" eaLnBrk="1" latinLnBrk="0" hangingPunct="1">
+              <a:lnSpc>
+                <a:spcPts val="1800"/>
+              </a:lnSpc>
+              <a:spcBef>
+                <a:spcPts val="1000"/>
+              </a:spcBef>
+              <a:spcAft>
+                <a:spcPts val="1000"/>
+              </a:spcAft>
+              <a:buFont typeface="Arial" panose="020B0604020202020204" pitchFamily="34" charset="0"/>
+              <a:buChar char="•"/>
+              <a:defRPr lang="en-US" sz="1200" kern="1200" smtClean="0">
+                <a:solidFill>
+                  <a:schemeClr val="tx1">
+                    <a:lumMod val="75000"/>
+                    <a:lumOff val="25000"/>
+                  </a:schemeClr>
+                </a:solidFill>
+                <a:latin typeface="+mn-lt"/>
+                <a:ea typeface="+mn-ea"/>
+                <a:cs typeface="+mn-cs"/>
+              </a:defRPr>
+            </a:lvl2pPr>
+            <a:lvl3pPr marL="1143000" indent="-228600" algn="l" defTabSz="914400" rtl="0" eaLnBrk="1" latinLnBrk="0" hangingPunct="1">
+              <a:lnSpc>
+                <a:spcPts val="1800"/>
+              </a:lnSpc>
+              <a:spcBef>
+                <a:spcPts val="1000"/>
+              </a:spcBef>
+              <a:spcAft>
+                <a:spcPts val="1000"/>
+              </a:spcAft>
+              <a:buFont typeface="Arial" panose="020B0604020202020204" pitchFamily="34" charset="0"/>
+              <a:buChar char="•"/>
+              <a:defRPr lang="en-US" sz="1200" kern="1200" smtClean="0">
+                <a:solidFill>
+                  <a:schemeClr val="tx1">
+                    <a:lumMod val="75000"/>
+                    <a:lumOff val="25000"/>
+                  </a:schemeClr>
+                </a:solidFill>
+                <a:latin typeface="+mn-lt"/>
+                <a:ea typeface="+mn-ea"/>
+                <a:cs typeface="+mn-cs"/>
+              </a:defRPr>
+            </a:lvl3pPr>
+            <a:lvl4pPr marL="1600200" indent="-228600" algn="l" defTabSz="914400" rtl="0" eaLnBrk="1" latinLnBrk="0" hangingPunct="1">
+              <a:lnSpc>
+                <a:spcPts val="1800"/>
+              </a:lnSpc>
+              <a:spcBef>
+                <a:spcPts val="1000"/>
+              </a:spcBef>
+              <a:spcAft>
+                <a:spcPts val="1000"/>
+              </a:spcAft>
+              <a:buFont typeface="Arial" panose="020B0604020202020204" pitchFamily="34" charset="0"/>
+              <a:buChar char="•"/>
+              <a:defRPr lang="en-US" sz="1200" kern="1200" smtClean="0">
+                <a:solidFill>
+                  <a:schemeClr val="tx1">
+                    <a:lumMod val="75000"/>
+                    <a:lumOff val="25000"/>
+                  </a:schemeClr>
+                </a:solidFill>
+                <a:latin typeface="+mn-lt"/>
+                <a:ea typeface="+mn-ea"/>
+                <a:cs typeface="+mn-cs"/>
+              </a:defRPr>
+            </a:lvl4pPr>
+            <a:lvl5pPr marL="2057400" indent="-228600" algn="l" defTabSz="914400" rtl="0" eaLnBrk="1" latinLnBrk="0" hangingPunct="1">
+              <a:lnSpc>
+                <a:spcPts val="1800"/>
+              </a:lnSpc>
+              <a:spcBef>
+                <a:spcPts val="1000"/>
+              </a:spcBef>
+              <a:spcAft>
+                <a:spcPts val="1000"/>
+              </a:spcAft>
+              <a:buFont typeface="Arial" panose="020B0604020202020204" pitchFamily="34" charset="0"/>
+              <a:buChar char="•"/>
+              <a:defRPr lang="en-US" sz="1200" kern="1200">
+                <a:solidFill>
+                  <a:schemeClr val="tx1">
+                    <a:lumMod val="75000"/>
+                    <a:lumOff val="25000"/>
+                  </a:schemeClr>
+                </a:solidFill>
+                <a:latin typeface="+mn-lt"/>
+                <a:ea typeface="+mn-ea"/>
+                <a:cs typeface="+mn-cs"/>
+              </a:defRPr>
+            </a:lvl5pPr>
+            <a:lvl6pPr marL="2514600" indent="-228600" algn="l" defTabSz="914400" rtl="0" eaLnBrk="1" latinLnBrk="0" hangingPunct="1">
+              <a:lnSpc>
+                <a:spcPct val="90000"/>
+              </a:lnSpc>
+              <a:spcBef>
+                <a:spcPct val="30000"/>
+              </a:spcBef>
+              <a:buFont typeface="Arial" panose="020B0604020202020204" pitchFamily="34" charset="0"/>
+              <a:buChar char="•"/>
+              <a:defRPr sz="1800" kern="1200">
+                <a:solidFill>
+                  <a:schemeClr val="tx1"/>
+                </a:solidFill>
+                <a:latin typeface="+mn-lt"/>
+                <a:ea typeface="+mn-ea"/>
+                <a:cs typeface="+mn-cs"/>
+              </a:defRPr>
+            </a:lvl6pPr>
+            <a:lvl7pPr marL="2971800" indent="-228600" algn="l" defTabSz="914400" rtl="0" eaLnBrk="1" latinLnBrk="0" hangingPunct="1">
+              <a:lnSpc>
+                <a:spcPct val="90000"/>
+              </a:lnSpc>
+              <a:spcBef>
+                <a:spcPct val="30000"/>
+              </a:spcBef>
+              <a:buFont typeface="Arial" panose="020B0604020202020204" pitchFamily="34" charset="0"/>
+              <a:buChar char="•"/>
+              <a:defRPr sz="1800" kern="1200">
+                <a:solidFill>
+                  <a:schemeClr val="tx1"/>
+                </a:solidFill>
+                <a:latin typeface="+mn-lt"/>
+                <a:ea typeface="+mn-ea"/>
+                <a:cs typeface="+mn-cs"/>
+              </a:defRPr>
+            </a:lvl7pPr>
+            <a:lvl8pPr marL="3429000" indent="-228600" algn="l" defTabSz="914400" rtl="0" eaLnBrk="1" latinLnBrk="0" hangingPunct="1">
+              <a:lnSpc>
+                <a:spcPct val="90000"/>
+              </a:lnSpc>
+              <a:spcBef>
+                <a:spcPct val="30000"/>
+              </a:spcBef>
+              <a:buFont typeface="Arial" panose="020B0604020202020204" pitchFamily="34" charset="0"/>
+              <a:buChar char="•"/>
+              <a:defRPr sz="1800" kern="1200">
+                <a:solidFill>
+                  <a:schemeClr val="tx1"/>
+                </a:solidFill>
+                <a:latin typeface="+mn-lt"/>
+                <a:ea typeface="+mn-ea"/>
+                <a:cs typeface="+mn-cs"/>
+              </a:defRPr>
+            </a:lvl8pPr>
+            <a:lvl9pPr marL="3886200" indent="-228600" algn="l" defTabSz="914400" rtl="0" eaLnBrk="1" latinLnBrk="0" hangingPunct="1">
+              <a:lnSpc>
+                <a:spcPct val="90000"/>
+              </a:lnSpc>
+              <a:spcBef>
+                <a:spcPct val="30000"/>
+              </a:spcBef>
+              <a:buFont typeface="Arial" panose="020B0604020202020204" pitchFamily="34" charset="0"/>
+              <a:buChar char="•"/>
+              <a:defRPr sz="1800" kern="1200">
+                <a:solidFill>
+                  <a:schemeClr val="tx1"/>
+                </a:solidFill>
+                <a:latin typeface="+mn-lt"/>
+                <a:ea typeface="+mn-ea"/>
+                <a:cs typeface="+mn-cs"/>
+              </a:defRPr>
+            </a:lvl9pPr>
+          </a:lstStyle>
+          <a:p>
+            <a:pPr marL="0" indent="0">
+              <a:spcAft>
+                <a:spcPts val="2000"/>
+              </a:spcAft>
+              <a:buNone/>
+            </a:pPr>
+            <a:endParaRPr lang="en-US" sz="1800" dirty="0">
+              <a:latin typeface="Segoe UI" panose="020B0502040204020203" pitchFamily="34" charset="0"/>
+              <a:cs typeface="Segoe UI" panose="020B0502040204020203" pitchFamily="34" charset="0"/>
+            </a:endParaRPr>
+          </a:p>
+        </p:txBody>
+      </p:sp>
+      <p:sp>
+        <p:nvSpPr>
+          <p:cNvPr id="36" name="Content Placeholder 17"/>
+          <p:cNvSpPr txBox="1">
+            <a:spLocks/>
+          </p:cNvSpPr>
+          <p:nvPr/>
+        </p:nvSpPr>
+        <p:spPr>
+          <a:xfrm>
+            <a:off x="541609" y="1691065"/>
+            <a:ext cx="10356444" cy="4549907"/>
+          </a:xfrm>
+          <a:prstGeom prst="rect">
+            <a:avLst/>
+          </a:prstGeom>
+        </p:spPr>
+        <p:txBody>
+          <a:bodyPr vert="horz" lIns="91440" tIns="45720" rIns="91440" bIns="45720" rtlCol="0">
+            <a:noAutofit/>
+          </a:bodyPr>
+          <a:lstStyle>
+            <a:lvl1pPr marL="228600" indent="-228600" algn="l" defTabSz="914400" rtl="0" eaLnBrk="1" latinLnBrk="0" hangingPunct="1">
+              <a:lnSpc>
+                <a:spcPts val="1800"/>
+              </a:lnSpc>
+              <a:spcBef>
+                <a:spcPts val="1000"/>
+              </a:spcBef>
+              <a:spcAft>
+                <a:spcPts val="1000"/>
+              </a:spcAft>
+              <a:buFont typeface="Arial" panose="020B0604020202020204" pitchFamily="34" charset="0"/>
+              <a:buChar char="•"/>
+              <a:defRPr lang="en-US" sz="1200" kern="1200" smtClean="0">
+                <a:solidFill>
+                  <a:schemeClr val="tx1">
+                    <a:lumMod val="75000"/>
+                    <a:lumOff val="25000"/>
+                  </a:schemeClr>
+                </a:solidFill>
+                <a:latin typeface="+mn-lt"/>
+                <a:ea typeface="+mn-ea"/>
+                <a:cs typeface="+mn-cs"/>
+              </a:defRPr>
+            </a:lvl1pPr>
+            <a:lvl2pPr marL="685800" indent="-228600" algn="l" defTabSz="914400" rtl="0" eaLnBrk="1" latinLnBrk="0" hangingPunct="1">
+              <a:lnSpc>
+                <a:spcPts val="1800"/>
+              </a:lnSpc>
+              <a:spcBef>
+                <a:spcPts val="1000"/>
+              </a:spcBef>
+              <a:spcAft>
+                <a:spcPts val="1000"/>
+              </a:spcAft>
+              <a:buFont typeface="Arial" panose="020B0604020202020204" pitchFamily="34" charset="0"/>
+              <a:buChar char="•"/>
+              <a:defRPr lang="en-US" sz="1200" kern="1200" smtClean="0">
+                <a:solidFill>
+                  <a:schemeClr val="tx1">
+                    <a:lumMod val="75000"/>
+                    <a:lumOff val="25000"/>
+                  </a:schemeClr>
+                </a:solidFill>
+                <a:latin typeface="+mn-lt"/>
+                <a:ea typeface="+mn-ea"/>
+                <a:cs typeface="+mn-cs"/>
+              </a:defRPr>
+            </a:lvl2pPr>
+            <a:lvl3pPr marL="1143000" indent="-228600" algn="l" defTabSz="914400" rtl="0" eaLnBrk="1" latinLnBrk="0" hangingPunct="1">
+              <a:lnSpc>
+                <a:spcPts val="1800"/>
+              </a:lnSpc>
+              <a:spcBef>
+                <a:spcPts val="1000"/>
+              </a:spcBef>
+              <a:spcAft>
+                <a:spcPts val="1000"/>
+              </a:spcAft>
+              <a:buFont typeface="Arial" panose="020B0604020202020204" pitchFamily="34" charset="0"/>
+              <a:buChar char="•"/>
+              <a:defRPr lang="en-US" sz="1200" kern="1200" smtClean="0">
+                <a:solidFill>
+                  <a:schemeClr val="tx1">
+                    <a:lumMod val="75000"/>
+                    <a:lumOff val="25000"/>
+                  </a:schemeClr>
+                </a:solidFill>
+                <a:latin typeface="+mn-lt"/>
+                <a:ea typeface="+mn-ea"/>
+                <a:cs typeface="+mn-cs"/>
+              </a:defRPr>
+            </a:lvl3pPr>
+            <a:lvl4pPr marL="1600200" indent="-228600" algn="l" defTabSz="914400" rtl="0" eaLnBrk="1" latinLnBrk="0" hangingPunct="1">
+              <a:lnSpc>
+                <a:spcPts val="1800"/>
+              </a:lnSpc>
+              <a:spcBef>
+                <a:spcPts val="1000"/>
+              </a:spcBef>
+              <a:spcAft>
+                <a:spcPts val="1000"/>
+              </a:spcAft>
+              <a:buFont typeface="Arial" panose="020B0604020202020204" pitchFamily="34" charset="0"/>
+              <a:buChar char="•"/>
+              <a:defRPr lang="en-US" sz="1200" kern="1200" smtClean="0">
+                <a:solidFill>
+                  <a:schemeClr val="tx1">
+                    <a:lumMod val="75000"/>
+                    <a:lumOff val="25000"/>
+                  </a:schemeClr>
+                </a:solidFill>
+                <a:latin typeface="+mn-lt"/>
+                <a:ea typeface="+mn-ea"/>
+                <a:cs typeface="+mn-cs"/>
+              </a:defRPr>
+            </a:lvl4pPr>
+            <a:lvl5pPr marL="2057400" indent="-228600" algn="l" defTabSz="914400" rtl="0" eaLnBrk="1" latinLnBrk="0" hangingPunct="1">
+              <a:lnSpc>
+                <a:spcPts val="1800"/>
+              </a:lnSpc>
+              <a:spcBef>
+                <a:spcPts val="1000"/>
+              </a:spcBef>
+              <a:spcAft>
+                <a:spcPts val="1000"/>
+              </a:spcAft>
+              <a:buFont typeface="Arial" panose="020B0604020202020204" pitchFamily="34" charset="0"/>
+              <a:buChar char="•"/>
+              <a:defRPr lang="en-US" sz="1200" kern="1200">
+                <a:solidFill>
+                  <a:schemeClr val="tx1">
+                    <a:lumMod val="75000"/>
+                    <a:lumOff val="25000"/>
+                  </a:schemeClr>
+                </a:solidFill>
+                <a:latin typeface="+mn-lt"/>
+                <a:ea typeface="+mn-ea"/>
+                <a:cs typeface="+mn-cs"/>
+              </a:defRPr>
+            </a:lvl5pPr>
+            <a:lvl6pPr marL="2514600" indent="-228600" algn="l" defTabSz="914400" rtl="0" eaLnBrk="1" latinLnBrk="0" hangingPunct="1">
+              <a:lnSpc>
+                <a:spcPct val="90000"/>
+              </a:lnSpc>
+              <a:spcBef>
+                <a:spcPct val="30000"/>
+              </a:spcBef>
+              <a:buFont typeface="Arial" panose="020B0604020202020204" pitchFamily="34" charset="0"/>
+              <a:buChar char="•"/>
+              <a:defRPr sz="1800" kern="1200">
+                <a:solidFill>
+                  <a:schemeClr val="tx1"/>
+                </a:solidFill>
+                <a:latin typeface="+mn-lt"/>
+                <a:ea typeface="+mn-ea"/>
+                <a:cs typeface="+mn-cs"/>
+              </a:defRPr>
+            </a:lvl6pPr>
+            <a:lvl7pPr marL="2971800" indent="-228600" algn="l" defTabSz="914400" rtl="0" eaLnBrk="1" latinLnBrk="0" hangingPunct="1">
+              <a:lnSpc>
+                <a:spcPct val="90000"/>
+              </a:lnSpc>
+              <a:spcBef>
+                <a:spcPct val="30000"/>
+              </a:spcBef>
+              <a:buFont typeface="Arial" panose="020B0604020202020204" pitchFamily="34" charset="0"/>
+              <a:buChar char="•"/>
+              <a:defRPr sz="1800" kern="1200">
+                <a:solidFill>
+                  <a:schemeClr val="tx1"/>
+                </a:solidFill>
+                <a:latin typeface="+mn-lt"/>
+                <a:ea typeface="+mn-ea"/>
+                <a:cs typeface="+mn-cs"/>
+              </a:defRPr>
+            </a:lvl7pPr>
+            <a:lvl8pPr marL="3429000" indent="-228600" algn="l" defTabSz="914400" rtl="0" eaLnBrk="1" latinLnBrk="0" hangingPunct="1">
+              <a:lnSpc>
+                <a:spcPct val="90000"/>
+              </a:lnSpc>
+              <a:spcBef>
+                <a:spcPct val="30000"/>
+              </a:spcBef>
+              <a:buFont typeface="Arial" panose="020B0604020202020204" pitchFamily="34" charset="0"/>
+              <a:buChar char="•"/>
+              <a:defRPr sz="1800" kern="1200">
+                <a:solidFill>
+                  <a:schemeClr val="tx1"/>
+                </a:solidFill>
+                <a:latin typeface="+mn-lt"/>
+                <a:ea typeface="+mn-ea"/>
+                <a:cs typeface="+mn-cs"/>
+              </a:defRPr>
+            </a:lvl8pPr>
+            <a:lvl9pPr marL="3886200" indent="-228600" algn="l" defTabSz="914400" rtl="0" eaLnBrk="1" latinLnBrk="0" hangingPunct="1">
+              <a:lnSpc>
+                <a:spcPct val="90000"/>
+              </a:lnSpc>
+              <a:spcBef>
+                <a:spcPct val="30000"/>
+              </a:spcBef>
+              <a:buFont typeface="Arial" panose="020B0604020202020204" pitchFamily="34" charset="0"/>
+              <a:buChar char="•"/>
+              <a:defRPr sz="1800" kern="1200">
+                <a:solidFill>
+                  <a:schemeClr val="tx1"/>
+                </a:solidFill>
+                <a:latin typeface="+mn-lt"/>
+                <a:ea typeface="+mn-ea"/>
+                <a:cs typeface="+mn-cs"/>
+              </a:defRPr>
+            </a:lvl9pPr>
+          </a:lstStyle>
+          <a:p>
+            <a:pPr lvl="1">
+              <a:lnSpc>
+                <a:spcPts val="4000"/>
+              </a:lnSpc>
+            </a:pPr>
+            <a:endParaRPr lang="en-GB" sz="3800" dirty="0">
+              <a:solidFill>
+                <a:schemeClr val="bg2">
+                  <a:lumMod val="25000"/>
+                </a:schemeClr>
+              </a:solidFill>
+              <a:latin typeface="Segoe UI Light" panose="020B0502040204020203" pitchFamily="34" charset="0"/>
+              <a:cs typeface="Segoe UI Light" panose="020B0502040204020203" pitchFamily="34" charset="0"/>
+            </a:endParaRPr>
+          </a:p>
+          <a:p>
+            <a:pPr marL="0" lvl="0" indent="0">
+              <a:spcBef>
+                <a:spcPct val="0"/>
+              </a:spcBef>
+              <a:spcAft>
+                <a:spcPts val="2000"/>
+              </a:spcAft>
+              <a:buNone/>
+              <a:defRPr/>
+            </a:pPr>
+            <a:endParaRPr lang="en-US" sz="3800" dirty="0">
+              <a:solidFill>
+                <a:schemeClr val="bg2">
+                  <a:lumMod val="25000"/>
+                </a:schemeClr>
+              </a:solidFill>
+              <a:latin typeface="Segoe UI Light" panose="020B0502040204020203" pitchFamily="34" charset="0"/>
+              <a:cs typeface="Segoe UI Light" panose="020B0502040204020203" pitchFamily="34" charset="0"/>
+            </a:endParaRPr>
+          </a:p>
+        </p:txBody>
+      </p:sp>
+      <p:sp>
+        <p:nvSpPr>
+          <p:cNvPr id="2" name="TextBox 1">
+            <a:extLst>
+              <a:ext uri="{FF2B5EF4-FFF2-40B4-BE49-F238E27FC236}">
+                <a16:creationId xmlns:a16="http://schemas.microsoft.com/office/drawing/2014/main" id="{3DA30D17-B9D7-4391-BAD6-C74B935B524D}"/>
+              </a:ext>
+            </a:extLst>
+          </p:cNvPr>
+          <p:cNvSpPr txBox="1"/>
+          <p:nvPr/>
+        </p:nvSpPr>
+        <p:spPr>
+          <a:xfrm>
+            <a:off x="710587" y="1455491"/>
+            <a:ext cx="11293340" cy="4832092"/>
+          </a:xfrm>
+          <a:prstGeom prst="rect">
+            <a:avLst/>
+          </a:prstGeom>
+          <a:noFill/>
+        </p:spPr>
+        <p:txBody>
+          <a:bodyPr wrap="square" rtlCol="0">
+            <a:spAutoFit/>
+          </a:bodyPr>
+          <a:lstStyle/>
+          <a:p>
+            <a:r>
+              <a:rPr lang="en-GB" sz="4400" dirty="0">
+                <a:latin typeface="+mj-lt"/>
+              </a:rPr>
+              <a:t>When is an app an app?</a:t>
+            </a:r>
+          </a:p>
+          <a:p>
+            <a:endParaRPr lang="en-GB" sz="4400" dirty="0">
+              <a:latin typeface="+mj-lt"/>
+            </a:endParaRPr>
+          </a:p>
+          <a:p>
+            <a:r>
+              <a:rPr lang="en-GB" sz="4400" dirty="0">
+                <a:latin typeface="+mj-lt"/>
+              </a:rPr>
+              <a:t>When is an app an micro app?</a:t>
+            </a:r>
+          </a:p>
+          <a:p>
+            <a:endParaRPr lang="en-GB" sz="4400" dirty="0">
+              <a:latin typeface="+mj-lt"/>
+            </a:endParaRPr>
+          </a:p>
+          <a:p>
+            <a:r>
+              <a:rPr lang="en-GB" sz="4400" dirty="0">
+                <a:latin typeface="+mj-lt"/>
+              </a:rPr>
+              <a:t>On own it is an app, with others a micro app?</a:t>
+            </a:r>
+          </a:p>
+          <a:p>
+            <a:endParaRPr lang="en-GB" sz="4400" dirty="0">
+              <a:latin typeface="+mj-lt"/>
+            </a:endParaRPr>
+          </a:p>
+          <a:p>
+            <a:r>
+              <a:rPr lang="en-GB" sz="4400">
+                <a:latin typeface="+mj-lt"/>
+              </a:rPr>
+              <a:t>Context…?</a:t>
+            </a:r>
+            <a:endParaRPr lang="en-GB" sz="4400" dirty="0">
+              <a:latin typeface="+mj-lt"/>
+            </a:endParaRPr>
+          </a:p>
+        </p:txBody>
+      </p:sp>
+    </p:spTree>
+    <p:extLst>
+      <p:ext uri="{BB962C8B-B14F-4D97-AF65-F5344CB8AC3E}">
+        <p14:creationId xmlns:p14="http://schemas.microsoft.com/office/powerpoint/2010/main" val="2835885623"/>
+      </p:ext>
+    </p:extLst>
+  </p:cSld>
+  <p:clrMapOvr>
+    <a:masterClrMapping/>
+  </p:clrMapOvr>
+</p:sld>
+</file>
+
+<file path=ppt/slides/slide16.xml><?xml version="1.0" encoding="utf-8"?>
 <p:sld xmlns:a="http://schemas.openxmlformats.org/drawingml/2006/main" xmlns:r="http://schemas.openxmlformats.org/officeDocument/2006/relationships" xmlns:p="http://schemas.openxmlformats.org/presentationml/2006/main">
   <p:cSld>
     <p:spTree>
@@ -6093,7 +7417,7 @@
 </p:sld>
 </file>
 
-<file path=ppt/slides/slide15.xml><?xml version="1.0" encoding="utf-8"?>
+<file path=ppt/slides/slide17.xml><?xml version="1.0" encoding="utf-8"?>
 <p:sld xmlns:a="http://schemas.openxmlformats.org/drawingml/2006/main" xmlns:r="http://schemas.openxmlformats.org/officeDocument/2006/relationships" xmlns:p="http://schemas.openxmlformats.org/presentationml/2006/main">
   <p:cSld>
     <p:spTree>
@@ -6785,7 +8109,7 @@
 </p:sld>
 </file>
 
-<file path=ppt/slides/slide16.xml><?xml version="1.0" encoding="utf-8"?>
+<file path=ppt/slides/slide18.xml><?xml version="1.0" encoding="utf-8"?>
 <p:sld xmlns:a="http://schemas.openxmlformats.org/drawingml/2006/main" xmlns:r="http://schemas.openxmlformats.org/officeDocument/2006/relationships" xmlns:p="http://schemas.openxmlformats.org/presentationml/2006/main">
   <p:cSld>
     <p:spTree>
@@ -7966,7 +9290,7 @@
 </p:sld>
 </file>
 
-<file path=ppt/slides/slide17.xml><?xml version="1.0" encoding="utf-8"?>
+<file path=ppt/slides/slide19.xml><?xml version="1.0" encoding="utf-8"?>
 <p:sld xmlns:a="http://schemas.openxmlformats.org/drawingml/2006/main" xmlns:r="http://schemas.openxmlformats.org/officeDocument/2006/relationships" xmlns:p="http://schemas.openxmlformats.org/presentationml/2006/main">
   <p:cSld>
     <p:spTree>
@@ -8584,1111 +9908,6 @@
     <p:extLst>
       <p:ext uri="{BB962C8B-B14F-4D97-AF65-F5344CB8AC3E}">
         <p14:creationId xmlns:p14="http://schemas.microsoft.com/office/powerpoint/2010/main" val="2419875657"/>
-      </p:ext>
-    </p:extLst>
-  </p:cSld>
-  <p:clrMapOvr>
-    <a:masterClrMapping/>
-  </p:clrMapOvr>
-</p:sld>
-</file>
-
-<file path=ppt/slides/slide18.xml><?xml version="1.0" encoding="utf-8"?>
-<p:sld xmlns:a="http://schemas.openxmlformats.org/drawingml/2006/main" xmlns:r="http://schemas.openxmlformats.org/officeDocument/2006/relationships" xmlns:p="http://schemas.openxmlformats.org/presentationml/2006/main">
-  <p:cSld>
-    <p:spTree>
-      <p:nvGrpSpPr>
-        <p:cNvPr id="1" name=""/>
-        <p:cNvGrpSpPr/>
-        <p:nvPr/>
-      </p:nvGrpSpPr>
-      <p:grpSpPr>
-        <a:xfrm>
-          <a:off x="0" y="0"/>
-          <a:ext cx="0" cy="0"/>
-          <a:chOff x="0" y="0"/>
-          <a:chExt cx="0" cy="0"/>
-        </a:xfrm>
-      </p:grpSpPr>
-      <p:sp>
-        <p:nvSpPr>
-          <p:cNvPr id="4" name="Title 3"/>
-          <p:cNvSpPr>
-            <a:spLocks noGrp="1"/>
-          </p:cNvSpPr>
-          <p:nvPr>
-            <p:ph type="title"/>
-          </p:nvPr>
-        </p:nvSpPr>
-        <p:spPr>
-          <a:xfrm>
-            <a:off x="541609" y="426301"/>
-            <a:ext cx="8578726" cy="749992"/>
-          </a:xfrm>
-        </p:spPr>
-        <p:txBody>
-          <a:bodyPr>
-            <a:noAutofit/>
-          </a:bodyPr>
-          <a:lstStyle/>
-          <a:p>
-            <a:r>
-              <a:rPr lang="en-US" sz="4000" dirty="0">
-                <a:latin typeface="Segoe UI Light" panose="020B0502040204020203" pitchFamily="34" charset="0"/>
-                <a:cs typeface="Segoe UI Light" panose="020B0502040204020203" pitchFamily="34" charset="0"/>
-              </a:rPr>
-              <a:t>What is a Custom HTML Tag?</a:t>
-            </a:r>
-          </a:p>
-        </p:txBody>
-      </p:sp>
-      <p:sp>
-        <p:nvSpPr>
-          <p:cNvPr id="25" name="Content Placeholder 17"/>
-          <p:cNvSpPr txBox="1">
-            <a:spLocks/>
-          </p:cNvSpPr>
-          <p:nvPr/>
-        </p:nvSpPr>
-        <p:spPr>
-          <a:xfrm>
-            <a:off x="541609" y="1455491"/>
-            <a:ext cx="5110161" cy="471149"/>
-          </a:xfrm>
-          <a:prstGeom prst="rect">
-            <a:avLst/>
-          </a:prstGeom>
-        </p:spPr>
-        <p:txBody>
-          <a:bodyPr vert="horz" lIns="91440" tIns="45720" rIns="91440" bIns="45720" rtlCol="0">
-            <a:normAutofit/>
-          </a:bodyPr>
-          <a:lstStyle>
-            <a:lvl1pPr marL="228600" indent="-228600" algn="l" defTabSz="914400" rtl="0" eaLnBrk="1" latinLnBrk="0" hangingPunct="1">
-              <a:lnSpc>
-                <a:spcPts val="1800"/>
-              </a:lnSpc>
-              <a:spcBef>
-                <a:spcPts val="1000"/>
-              </a:spcBef>
-              <a:spcAft>
-                <a:spcPts val="1000"/>
-              </a:spcAft>
-              <a:buFont typeface="Arial" panose="020B0604020202020204" pitchFamily="34" charset="0"/>
-              <a:buChar char="•"/>
-              <a:defRPr lang="en-US" sz="1200" kern="1200" smtClean="0">
-                <a:solidFill>
-                  <a:schemeClr val="tx1">
-                    <a:lumMod val="75000"/>
-                    <a:lumOff val="25000"/>
-                  </a:schemeClr>
-                </a:solidFill>
-                <a:latin typeface="+mn-lt"/>
-                <a:ea typeface="+mn-ea"/>
-                <a:cs typeface="+mn-cs"/>
-              </a:defRPr>
-            </a:lvl1pPr>
-            <a:lvl2pPr marL="685800" indent="-228600" algn="l" defTabSz="914400" rtl="0" eaLnBrk="1" latinLnBrk="0" hangingPunct="1">
-              <a:lnSpc>
-                <a:spcPts val="1800"/>
-              </a:lnSpc>
-              <a:spcBef>
-                <a:spcPts val="1000"/>
-              </a:spcBef>
-              <a:spcAft>
-                <a:spcPts val="1000"/>
-              </a:spcAft>
-              <a:buFont typeface="Arial" panose="020B0604020202020204" pitchFamily="34" charset="0"/>
-              <a:buChar char="•"/>
-              <a:defRPr lang="en-US" sz="1200" kern="1200" smtClean="0">
-                <a:solidFill>
-                  <a:schemeClr val="tx1">
-                    <a:lumMod val="75000"/>
-                    <a:lumOff val="25000"/>
-                  </a:schemeClr>
-                </a:solidFill>
-                <a:latin typeface="+mn-lt"/>
-                <a:ea typeface="+mn-ea"/>
-                <a:cs typeface="+mn-cs"/>
-              </a:defRPr>
-            </a:lvl2pPr>
-            <a:lvl3pPr marL="1143000" indent="-228600" algn="l" defTabSz="914400" rtl="0" eaLnBrk="1" latinLnBrk="0" hangingPunct="1">
-              <a:lnSpc>
-                <a:spcPts val="1800"/>
-              </a:lnSpc>
-              <a:spcBef>
-                <a:spcPts val="1000"/>
-              </a:spcBef>
-              <a:spcAft>
-                <a:spcPts val="1000"/>
-              </a:spcAft>
-              <a:buFont typeface="Arial" panose="020B0604020202020204" pitchFamily="34" charset="0"/>
-              <a:buChar char="•"/>
-              <a:defRPr lang="en-US" sz="1200" kern="1200" smtClean="0">
-                <a:solidFill>
-                  <a:schemeClr val="tx1">
-                    <a:lumMod val="75000"/>
-                    <a:lumOff val="25000"/>
-                  </a:schemeClr>
-                </a:solidFill>
-                <a:latin typeface="+mn-lt"/>
-                <a:ea typeface="+mn-ea"/>
-                <a:cs typeface="+mn-cs"/>
-              </a:defRPr>
-            </a:lvl3pPr>
-            <a:lvl4pPr marL="1600200" indent="-228600" algn="l" defTabSz="914400" rtl="0" eaLnBrk="1" latinLnBrk="0" hangingPunct="1">
-              <a:lnSpc>
-                <a:spcPts val="1800"/>
-              </a:lnSpc>
-              <a:spcBef>
-                <a:spcPts val="1000"/>
-              </a:spcBef>
-              <a:spcAft>
-                <a:spcPts val="1000"/>
-              </a:spcAft>
-              <a:buFont typeface="Arial" panose="020B0604020202020204" pitchFamily="34" charset="0"/>
-              <a:buChar char="•"/>
-              <a:defRPr lang="en-US" sz="1200" kern="1200" smtClean="0">
-                <a:solidFill>
-                  <a:schemeClr val="tx1">
-                    <a:lumMod val="75000"/>
-                    <a:lumOff val="25000"/>
-                  </a:schemeClr>
-                </a:solidFill>
-                <a:latin typeface="+mn-lt"/>
-                <a:ea typeface="+mn-ea"/>
-                <a:cs typeface="+mn-cs"/>
-              </a:defRPr>
-            </a:lvl4pPr>
-            <a:lvl5pPr marL="2057400" indent="-228600" algn="l" defTabSz="914400" rtl="0" eaLnBrk="1" latinLnBrk="0" hangingPunct="1">
-              <a:lnSpc>
-                <a:spcPts val="1800"/>
-              </a:lnSpc>
-              <a:spcBef>
-                <a:spcPts val="1000"/>
-              </a:spcBef>
-              <a:spcAft>
-                <a:spcPts val="1000"/>
-              </a:spcAft>
-              <a:buFont typeface="Arial" panose="020B0604020202020204" pitchFamily="34" charset="0"/>
-              <a:buChar char="•"/>
-              <a:defRPr lang="en-US" sz="1200" kern="1200">
-                <a:solidFill>
-                  <a:schemeClr val="tx1">
-                    <a:lumMod val="75000"/>
-                    <a:lumOff val="25000"/>
-                  </a:schemeClr>
-                </a:solidFill>
-                <a:latin typeface="+mn-lt"/>
-                <a:ea typeface="+mn-ea"/>
-                <a:cs typeface="+mn-cs"/>
-              </a:defRPr>
-            </a:lvl5pPr>
-            <a:lvl6pPr marL="2514600" indent="-228600" algn="l" defTabSz="914400" rtl="0" eaLnBrk="1" latinLnBrk="0" hangingPunct="1">
-              <a:lnSpc>
-                <a:spcPct val="90000"/>
-              </a:lnSpc>
-              <a:spcBef>
-                <a:spcPct val="30000"/>
-              </a:spcBef>
-              <a:buFont typeface="Arial" panose="020B0604020202020204" pitchFamily="34" charset="0"/>
-              <a:buChar char="•"/>
-              <a:defRPr sz="1800" kern="1200">
-                <a:solidFill>
-                  <a:schemeClr val="tx1"/>
-                </a:solidFill>
-                <a:latin typeface="+mn-lt"/>
-                <a:ea typeface="+mn-ea"/>
-                <a:cs typeface="+mn-cs"/>
-              </a:defRPr>
-            </a:lvl6pPr>
-            <a:lvl7pPr marL="2971800" indent="-228600" algn="l" defTabSz="914400" rtl="0" eaLnBrk="1" latinLnBrk="0" hangingPunct="1">
-              <a:lnSpc>
-                <a:spcPct val="90000"/>
-              </a:lnSpc>
-              <a:spcBef>
-                <a:spcPct val="30000"/>
-              </a:spcBef>
-              <a:buFont typeface="Arial" panose="020B0604020202020204" pitchFamily="34" charset="0"/>
-              <a:buChar char="•"/>
-              <a:defRPr sz="1800" kern="1200">
-                <a:solidFill>
-                  <a:schemeClr val="tx1"/>
-                </a:solidFill>
-                <a:latin typeface="+mn-lt"/>
-                <a:ea typeface="+mn-ea"/>
-                <a:cs typeface="+mn-cs"/>
-              </a:defRPr>
-            </a:lvl7pPr>
-            <a:lvl8pPr marL="3429000" indent="-228600" algn="l" defTabSz="914400" rtl="0" eaLnBrk="1" latinLnBrk="0" hangingPunct="1">
-              <a:lnSpc>
-                <a:spcPct val="90000"/>
-              </a:lnSpc>
-              <a:spcBef>
-                <a:spcPct val="30000"/>
-              </a:spcBef>
-              <a:buFont typeface="Arial" panose="020B0604020202020204" pitchFamily="34" charset="0"/>
-              <a:buChar char="•"/>
-              <a:defRPr sz="1800" kern="1200">
-                <a:solidFill>
-                  <a:schemeClr val="tx1"/>
-                </a:solidFill>
-                <a:latin typeface="+mn-lt"/>
-                <a:ea typeface="+mn-ea"/>
-                <a:cs typeface="+mn-cs"/>
-              </a:defRPr>
-            </a:lvl8pPr>
-            <a:lvl9pPr marL="3886200" indent="-228600" algn="l" defTabSz="914400" rtl="0" eaLnBrk="1" latinLnBrk="0" hangingPunct="1">
-              <a:lnSpc>
-                <a:spcPct val="90000"/>
-              </a:lnSpc>
-              <a:spcBef>
-                <a:spcPct val="30000"/>
-              </a:spcBef>
-              <a:buFont typeface="Arial" panose="020B0604020202020204" pitchFamily="34" charset="0"/>
-              <a:buChar char="•"/>
-              <a:defRPr sz="1800" kern="1200">
-                <a:solidFill>
-                  <a:schemeClr val="tx1"/>
-                </a:solidFill>
-                <a:latin typeface="+mn-lt"/>
-                <a:ea typeface="+mn-ea"/>
-                <a:cs typeface="+mn-cs"/>
-              </a:defRPr>
-            </a:lvl9pPr>
-          </a:lstStyle>
-          <a:p>
-            <a:pPr marL="0" indent="0">
-              <a:spcAft>
-                <a:spcPts val="2000"/>
-              </a:spcAft>
-              <a:buNone/>
-            </a:pPr>
-            <a:endParaRPr lang="en-US" sz="1800" dirty="0">
-              <a:latin typeface="Segoe UI" panose="020B0502040204020203" pitchFamily="34" charset="0"/>
-              <a:cs typeface="Segoe UI" panose="020B0502040204020203" pitchFamily="34" charset="0"/>
-            </a:endParaRPr>
-          </a:p>
-        </p:txBody>
-      </p:sp>
-      <p:pic>
-        <p:nvPicPr>
-          <p:cNvPr id="16" name="Picture 15" descr="Diagram&#10;&#10;Description automatically generated">
-            <a:extLst>
-              <a:ext uri="{FF2B5EF4-FFF2-40B4-BE49-F238E27FC236}">
-                <a16:creationId xmlns:a16="http://schemas.microsoft.com/office/drawing/2014/main" id="{2488CAC4-EFDC-4C1A-A6FE-448404D0176E}"/>
-              </a:ext>
-            </a:extLst>
-          </p:cNvPr>
-          <p:cNvPicPr>
-            <a:picLocks noChangeAspect="1"/>
-          </p:cNvPicPr>
-          <p:nvPr/>
-        </p:nvPicPr>
-        <p:blipFill>
-          <a:blip r:embed="rId2">
-            <a:extLst>
-              <a:ext uri="{28A0092B-C50C-407E-A947-70E740481C1C}">
-                <a14:useLocalDpi xmlns:a14="http://schemas.microsoft.com/office/drawing/2010/main" val="0"/>
-              </a:ext>
-            </a:extLst>
-          </a:blip>
-          <a:stretch>
-            <a:fillRect/>
-          </a:stretch>
-        </p:blipFill>
-        <p:spPr>
-          <a:xfrm>
-            <a:off x="5651770" y="3336591"/>
-            <a:ext cx="6154369" cy="1724248"/>
-          </a:xfrm>
-          <a:prstGeom prst="rect">
-            <a:avLst/>
-          </a:prstGeom>
-        </p:spPr>
-      </p:pic>
-      <p:sp>
-        <p:nvSpPr>
-          <p:cNvPr id="2" name="TextBox 1">
-            <a:extLst>
-              <a:ext uri="{FF2B5EF4-FFF2-40B4-BE49-F238E27FC236}">
-                <a16:creationId xmlns:a16="http://schemas.microsoft.com/office/drawing/2014/main" id="{03A30641-B566-4F11-A31A-FAB971D03D80}"/>
-              </a:ext>
-            </a:extLst>
-          </p:cNvPr>
-          <p:cNvSpPr txBox="1"/>
-          <p:nvPr/>
-        </p:nvSpPr>
-        <p:spPr>
-          <a:xfrm>
-            <a:off x="371847" y="1233775"/>
-            <a:ext cx="10559845" cy="1538883"/>
-          </a:xfrm>
-          <a:prstGeom prst="rect">
-            <a:avLst/>
-          </a:prstGeom>
-          <a:noFill/>
-        </p:spPr>
-        <p:txBody>
-          <a:bodyPr wrap="square" rtlCol="0">
-            <a:spAutoFit/>
-          </a:bodyPr>
-          <a:lstStyle/>
-          <a:p>
-            <a:pPr marL="457200" lvl="1" indent="0" algn="ctr">
-              <a:buNone/>
-            </a:pPr>
-            <a:r>
-              <a:rPr lang="en-GB" sz="3800" dirty="0">
-                <a:solidFill>
-                  <a:schemeClr val="bg2">
-                    <a:lumMod val="25000"/>
-                  </a:schemeClr>
-                </a:solidFill>
-                <a:latin typeface="Segoe UI Light" panose="020B0502040204020203" pitchFamily="34" charset="0"/>
-                <a:cs typeface="Segoe UI Light" panose="020B0502040204020203" pitchFamily="34" charset="0"/>
-              </a:rPr>
-              <a:t>&lt;my-component&gt;&lt;/my-component&gt;</a:t>
-            </a:r>
-          </a:p>
-          <a:p>
-            <a:pPr marL="457200" lvl="1" indent="0" algn="ctr">
-              <a:buNone/>
-            </a:pPr>
-            <a:r>
-              <a:rPr lang="en-GB" sz="3800" dirty="0">
-                <a:solidFill>
-                  <a:schemeClr val="bg2">
-                    <a:lumMod val="25000"/>
-                  </a:schemeClr>
-                </a:solidFill>
-                <a:latin typeface="Segoe UI Light" panose="020B0502040204020203" pitchFamily="34" charset="0"/>
-                <a:cs typeface="Segoe UI Light" panose="020B0502040204020203" pitchFamily="34" charset="0"/>
-              </a:rPr>
-              <a:t>&lt;script src=“file.js”&gt;&lt;/script&gt;</a:t>
-            </a:r>
-          </a:p>
-          <a:p>
-            <a:endParaRPr lang="en-GB" dirty="0"/>
-          </a:p>
-        </p:txBody>
-      </p:sp>
-      <p:sp>
-        <p:nvSpPr>
-          <p:cNvPr id="5" name="TextBox 4">
-            <a:extLst>
-              <a:ext uri="{FF2B5EF4-FFF2-40B4-BE49-F238E27FC236}">
-                <a16:creationId xmlns:a16="http://schemas.microsoft.com/office/drawing/2014/main" id="{C6B601BD-DA82-4F76-B454-D9B8FF4DC959}"/>
-              </a:ext>
-            </a:extLst>
-          </p:cNvPr>
-          <p:cNvSpPr txBox="1"/>
-          <p:nvPr/>
-        </p:nvSpPr>
-        <p:spPr>
-          <a:xfrm>
-            <a:off x="0" y="2656175"/>
-            <a:ext cx="5338916" cy="2857192"/>
-          </a:xfrm>
-          <a:prstGeom prst="rect">
-            <a:avLst/>
-          </a:prstGeom>
-          <a:noFill/>
-        </p:spPr>
-        <p:txBody>
-          <a:bodyPr wrap="square" rtlCol="0">
-            <a:spAutoFit/>
-          </a:bodyPr>
-          <a:lstStyle/>
-          <a:p>
-            <a:pPr marL="457200" lvl="2">
-              <a:lnSpc>
-                <a:spcPts val="4000"/>
-              </a:lnSpc>
-              <a:spcBef>
-                <a:spcPts val="1000"/>
-              </a:spcBef>
-              <a:spcAft>
-                <a:spcPts val="1200"/>
-              </a:spcAft>
-            </a:pPr>
-            <a:r>
-              <a:rPr lang="en-GB" sz="3800" dirty="0">
-                <a:solidFill>
-                  <a:schemeClr val="bg2">
-                    <a:lumMod val="25000"/>
-                  </a:schemeClr>
-                </a:solidFill>
-                <a:latin typeface="Segoe UI Light" panose="020B0502040204020203" pitchFamily="34" charset="0"/>
-                <a:cs typeface="Segoe UI Light" panose="020B0502040204020203" pitchFamily="34" charset="0"/>
-              </a:rPr>
-              <a:t>Must contain at least one hyphen.</a:t>
-            </a:r>
-          </a:p>
-          <a:p>
-            <a:pPr marL="457200" lvl="2">
-              <a:lnSpc>
-                <a:spcPts val="4000"/>
-              </a:lnSpc>
-              <a:spcBef>
-                <a:spcPts val="1000"/>
-              </a:spcBef>
-              <a:spcAft>
-                <a:spcPts val="1200"/>
-              </a:spcAft>
-            </a:pPr>
-            <a:r>
-              <a:rPr lang="en-GB" sz="3800" dirty="0">
-                <a:solidFill>
-                  <a:schemeClr val="bg2">
-                    <a:lumMod val="25000"/>
-                  </a:schemeClr>
-                </a:solidFill>
-                <a:latin typeface="Segoe UI Light" panose="020B0502040204020203" pitchFamily="34" charset="0"/>
-                <a:cs typeface="Segoe UI Light" panose="020B0502040204020203" pitchFamily="34" charset="0"/>
-              </a:rPr>
-              <a:t>Use just like any HTML tag.</a:t>
-            </a:r>
-          </a:p>
-          <a:p>
-            <a:endParaRPr lang="en-GB" dirty="0"/>
-          </a:p>
-        </p:txBody>
-      </p:sp>
-      <p:sp>
-        <p:nvSpPr>
-          <p:cNvPr id="3" name="TextBox 2">
-            <a:extLst>
-              <a:ext uri="{FF2B5EF4-FFF2-40B4-BE49-F238E27FC236}">
-                <a16:creationId xmlns:a16="http://schemas.microsoft.com/office/drawing/2014/main" id="{86653BFB-3B5E-4797-84D1-29C8487E3508}"/>
-              </a:ext>
-            </a:extLst>
-          </p:cNvPr>
-          <p:cNvSpPr txBox="1"/>
-          <p:nvPr/>
-        </p:nvSpPr>
-        <p:spPr>
-          <a:xfrm>
-            <a:off x="541609" y="5677729"/>
-            <a:ext cx="8772525" cy="954107"/>
-          </a:xfrm>
-          <a:prstGeom prst="rect">
-            <a:avLst/>
-          </a:prstGeom>
-          <a:noFill/>
-        </p:spPr>
-        <p:txBody>
-          <a:bodyPr wrap="square" rtlCol="0">
-            <a:spAutoFit/>
-          </a:bodyPr>
-          <a:lstStyle/>
-          <a:p>
-            <a:r>
-              <a:rPr lang="en-GB" sz="3800" dirty="0">
-                <a:solidFill>
-                  <a:schemeClr val="bg2">
-                    <a:lumMod val="25000"/>
-                  </a:schemeClr>
-                </a:solidFill>
-                <a:latin typeface="Segoe UI Light" panose="020B0502040204020203" pitchFamily="34" charset="0"/>
-                <a:cs typeface="Segoe UI Light" panose="020B0502040204020203" pitchFamily="34" charset="0"/>
-              </a:rPr>
-              <a:t>They extend the HTMLElement class.</a:t>
-            </a:r>
-          </a:p>
-          <a:p>
-            <a:endParaRPr lang="en-GB" dirty="0"/>
-          </a:p>
-        </p:txBody>
-      </p:sp>
-      <p:sp>
-        <p:nvSpPr>
-          <p:cNvPr id="9" name="Rectangle 8">
-            <a:extLst>
-              <a:ext uri="{FF2B5EF4-FFF2-40B4-BE49-F238E27FC236}">
-                <a16:creationId xmlns:a16="http://schemas.microsoft.com/office/drawing/2014/main" id="{DAD2BD85-65B7-43AA-A905-195B8B69DFEB}"/>
-              </a:ext>
-            </a:extLst>
-          </p:cNvPr>
-          <p:cNvSpPr/>
-          <p:nvPr/>
-        </p:nvSpPr>
-        <p:spPr>
-          <a:xfrm>
-            <a:off x="9716004" y="3362127"/>
-            <a:ext cx="1913209" cy="795472"/>
-          </a:xfrm>
-          <a:prstGeom prst="rect">
-            <a:avLst/>
-          </a:prstGeom>
-          <a:noFill/>
-          <a:ln w="76200">
-            <a:solidFill>
-              <a:srgbClr val="DD462F"/>
-            </a:solidFill>
-          </a:ln>
-        </p:spPr>
-        <p:style>
-          <a:lnRef idx="2">
-            <a:schemeClr val="accent1">
-              <a:shade val="50000"/>
-            </a:schemeClr>
-          </a:lnRef>
-          <a:fillRef idx="1">
-            <a:schemeClr val="accent1"/>
-          </a:fillRef>
-          <a:effectRef idx="0">
-            <a:schemeClr val="accent1"/>
-          </a:effectRef>
-          <a:fontRef idx="minor">
-            <a:schemeClr val="lt1"/>
-          </a:fontRef>
-        </p:style>
-        <p:txBody>
-          <a:bodyPr rtlCol="0" anchor="ctr"/>
-          <a:lstStyle/>
-          <a:p>
-            <a:pPr algn="ctr"/>
-            <a:endParaRPr lang="en-GB"/>
-          </a:p>
-        </p:txBody>
-      </p:sp>
-      <p:cxnSp>
-        <p:nvCxnSpPr>
-          <p:cNvPr id="17" name="Straight Arrow Connector 16">
-            <a:extLst>
-              <a:ext uri="{FF2B5EF4-FFF2-40B4-BE49-F238E27FC236}">
-                <a16:creationId xmlns:a16="http://schemas.microsoft.com/office/drawing/2014/main" id="{17E3C885-97FD-4A07-B387-4D7925F92F22}"/>
-              </a:ext>
-            </a:extLst>
-          </p:cNvPr>
-          <p:cNvCxnSpPr>
-            <a:cxnSpLocks/>
-          </p:cNvCxnSpPr>
-          <p:nvPr/>
-        </p:nvCxnSpPr>
-        <p:spPr>
-          <a:xfrm flipH="1">
-            <a:off x="5953125" y="3867150"/>
-            <a:ext cx="4105275" cy="1757074"/>
-          </a:xfrm>
-          <a:prstGeom prst="straightConnector1">
-            <a:avLst/>
-          </a:prstGeom>
-          <a:ln w="50800">
-            <a:solidFill>
-              <a:srgbClr val="FFC000"/>
-            </a:solidFill>
-            <a:tailEnd type="triangle"/>
-          </a:ln>
-        </p:spPr>
-        <p:style>
-          <a:lnRef idx="1">
-            <a:schemeClr val="accent1"/>
-          </a:lnRef>
-          <a:fillRef idx="0">
-            <a:schemeClr val="accent1"/>
-          </a:fillRef>
-          <a:effectRef idx="0">
-            <a:schemeClr val="accent1"/>
-          </a:effectRef>
-          <a:fontRef idx="minor">
-            <a:schemeClr val="tx1"/>
-          </a:fontRef>
-        </p:style>
-      </p:cxnSp>
-    </p:spTree>
-    <p:extLst>
-      <p:ext uri="{BB962C8B-B14F-4D97-AF65-F5344CB8AC3E}">
-        <p14:creationId xmlns:p14="http://schemas.microsoft.com/office/powerpoint/2010/main" val="994824223"/>
-      </p:ext>
-    </p:extLst>
-  </p:cSld>
-  <p:clrMapOvr>
-    <a:masterClrMapping/>
-  </p:clrMapOvr>
-</p:sld>
-</file>
-
-<file path=ppt/slides/slide19.xml><?xml version="1.0" encoding="utf-8"?>
-<p:sld xmlns:a="http://schemas.openxmlformats.org/drawingml/2006/main" xmlns:r="http://schemas.openxmlformats.org/officeDocument/2006/relationships" xmlns:p="http://schemas.openxmlformats.org/presentationml/2006/main">
-  <p:cSld>
-    <p:spTree>
-      <p:nvGrpSpPr>
-        <p:cNvPr id="1" name=""/>
-        <p:cNvGrpSpPr/>
-        <p:nvPr/>
-      </p:nvGrpSpPr>
-      <p:grpSpPr>
-        <a:xfrm>
-          <a:off x="0" y="0"/>
-          <a:ext cx="0" cy="0"/>
-          <a:chOff x="0" y="0"/>
-          <a:chExt cx="0" cy="0"/>
-        </a:xfrm>
-      </p:grpSpPr>
-      <p:sp>
-        <p:nvSpPr>
-          <p:cNvPr id="4" name="Title 3"/>
-          <p:cNvSpPr>
-            <a:spLocks noGrp="1"/>
-          </p:cNvSpPr>
-          <p:nvPr>
-            <p:ph type="title"/>
-          </p:nvPr>
-        </p:nvSpPr>
-        <p:spPr>
-          <a:xfrm>
-            <a:off x="541609" y="426301"/>
-            <a:ext cx="8578726" cy="749992"/>
-          </a:xfrm>
-        </p:spPr>
-        <p:txBody>
-          <a:bodyPr>
-            <a:noAutofit/>
-          </a:bodyPr>
-          <a:lstStyle/>
-          <a:p>
-            <a:r>
-              <a:rPr lang="en-US" sz="4000" dirty="0">
-                <a:latin typeface="Segoe UI Light" panose="020B0502040204020203" pitchFamily="34" charset="0"/>
-                <a:cs typeface="Segoe UI Light" panose="020B0502040204020203" pitchFamily="34" charset="0"/>
-              </a:rPr>
-              <a:t>How to use</a:t>
-            </a:r>
-          </a:p>
-        </p:txBody>
-      </p:sp>
-      <p:sp>
-        <p:nvSpPr>
-          <p:cNvPr id="25" name="Content Placeholder 17"/>
-          <p:cNvSpPr txBox="1">
-            <a:spLocks/>
-          </p:cNvSpPr>
-          <p:nvPr/>
-        </p:nvSpPr>
-        <p:spPr>
-          <a:xfrm>
-            <a:off x="541609" y="1455491"/>
-            <a:ext cx="5110161" cy="471149"/>
-          </a:xfrm>
-          <a:prstGeom prst="rect">
-            <a:avLst/>
-          </a:prstGeom>
-        </p:spPr>
-        <p:txBody>
-          <a:bodyPr vert="horz" lIns="91440" tIns="45720" rIns="91440" bIns="45720" rtlCol="0">
-            <a:normAutofit/>
-          </a:bodyPr>
-          <a:lstStyle>
-            <a:lvl1pPr marL="228600" indent="-228600" algn="l" defTabSz="914400" rtl="0" eaLnBrk="1" latinLnBrk="0" hangingPunct="1">
-              <a:lnSpc>
-                <a:spcPts val="1800"/>
-              </a:lnSpc>
-              <a:spcBef>
-                <a:spcPts val="1000"/>
-              </a:spcBef>
-              <a:spcAft>
-                <a:spcPts val="1000"/>
-              </a:spcAft>
-              <a:buFont typeface="Arial" panose="020B0604020202020204" pitchFamily="34" charset="0"/>
-              <a:buChar char="•"/>
-              <a:defRPr lang="en-US" sz="1200" kern="1200" smtClean="0">
-                <a:solidFill>
-                  <a:schemeClr val="tx1">
-                    <a:lumMod val="75000"/>
-                    <a:lumOff val="25000"/>
-                  </a:schemeClr>
-                </a:solidFill>
-                <a:latin typeface="+mn-lt"/>
-                <a:ea typeface="+mn-ea"/>
-                <a:cs typeface="+mn-cs"/>
-              </a:defRPr>
-            </a:lvl1pPr>
-            <a:lvl2pPr marL="685800" indent="-228600" algn="l" defTabSz="914400" rtl="0" eaLnBrk="1" latinLnBrk="0" hangingPunct="1">
-              <a:lnSpc>
-                <a:spcPts val="1800"/>
-              </a:lnSpc>
-              <a:spcBef>
-                <a:spcPts val="1000"/>
-              </a:spcBef>
-              <a:spcAft>
-                <a:spcPts val="1000"/>
-              </a:spcAft>
-              <a:buFont typeface="Arial" panose="020B0604020202020204" pitchFamily="34" charset="0"/>
-              <a:buChar char="•"/>
-              <a:defRPr lang="en-US" sz="1200" kern="1200" smtClean="0">
-                <a:solidFill>
-                  <a:schemeClr val="tx1">
-                    <a:lumMod val="75000"/>
-                    <a:lumOff val="25000"/>
-                  </a:schemeClr>
-                </a:solidFill>
-                <a:latin typeface="+mn-lt"/>
-                <a:ea typeface="+mn-ea"/>
-                <a:cs typeface="+mn-cs"/>
-              </a:defRPr>
-            </a:lvl2pPr>
-            <a:lvl3pPr marL="1143000" indent="-228600" algn="l" defTabSz="914400" rtl="0" eaLnBrk="1" latinLnBrk="0" hangingPunct="1">
-              <a:lnSpc>
-                <a:spcPts val="1800"/>
-              </a:lnSpc>
-              <a:spcBef>
-                <a:spcPts val="1000"/>
-              </a:spcBef>
-              <a:spcAft>
-                <a:spcPts val="1000"/>
-              </a:spcAft>
-              <a:buFont typeface="Arial" panose="020B0604020202020204" pitchFamily="34" charset="0"/>
-              <a:buChar char="•"/>
-              <a:defRPr lang="en-US" sz="1200" kern="1200" smtClean="0">
-                <a:solidFill>
-                  <a:schemeClr val="tx1">
-                    <a:lumMod val="75000"/>
-                    <a:lumOff val="25000"/>
-                  </a:schemeClr>
-                </a:solidFill>
-                <a:latin typeface="+mn-lt"/>
-                <a:ea typeface="+mn-ea"/>
-                <a:cs typeface="+mn-cs"/>
-              </a:defRPr>
-            </a:lvl3pPr>
-            <a:lvl4pPr marL="1600200" indent="-228600" algn="l" defTabSz="914400" rtl="0" eaLnBrk="1" latinLnBrk="0" hangingPunct="1">
-              <a:lnSpc>
-                <a:spcPts val="1800"/>
-              </a:lnSpc>
-              <a:spcBef>
-                <a:spcPts val="1000"/>
-              </a:spcBef>
-              <a:spcAft>
-                <a:spcPts val="1000"/>
-              </a:spcAft>
-              <a:buFont typeface="Arial" panose="020B0604020202020204" pitchFamily="34" charset="0"/>
-              <a:buChar char="•"/>
-              <a:defRPr lang="en-US" sz="1200" kern="1200" smtClean="0">
-                <a:solidFill>
-                  <a:schemeClr val="tx1">
-                    <a:lumMod val="75000"/>
-                    <a:lumOff val="25000"/>
-                  </a:schemeClr>
-                </a:solidFill>
-                <a:latin typeface="+mn-lt"/>
-                <a:ea typeface="+mn-ea"/>
-                <a:cs typeface="+mn-cs"/>
-              </a:defRPr>
-            </a:lvl4pPr>
-            <a:lvl5pPr marL="2057400" indent="-228600" algn="l" defTabSz="914400" rtl="0" eaLnBrk="1" latinLnBrk="0" hangingPunct="1">
-              <a:lnSpc>
-                <a:spcPts val="1800"/>
-              </a:lnSpc>
-              <a:spcBef>
-                <a:spcPts val="1000"/>
-              </a:spcBef>
-              <a:spcAft>
-                <a:spcPts val="1000"/>
-              </a:spcAft>
-              <a:buFont typeface="Arial" panose="020B0604020202020204" pitchFamily="34" charset="0"/>
-              <a:buChar char="•"/>
-              <a:defRPr lang="en-US" sz="1200" kern="1200">
-                <a:solidFill>
-                  <a:schemeClr val="tx1">
-                    <a:lumMod val="75000"/>
-                    <a:lumOff val="25000"/>
-                  </a:schemeClr>
-                </a:solidFill>
-                <a:latin typeface="+mn-lt"/>
-                <a:ea typeface="+mn-ea"/>
-                <a:cs typeface="+mn-cs"/>
-              </a:defRPr>
-            </a:lvl5pPr>
-            <a:lvl6pPr marL="2514600" indent="-228600" algn="l" defTabSz="914400" rtl="0" eaLnBrk="1" latinLnBrk="0" hangingPunct="1">
-              <a:lnSpc>
-                <a:spcPct val="90000"/>
-              </a:lnSpc>
-              <a:spcBef>
-                <a:spcPct val="30000"/>
-              </a:spcBef>
-              <a:buFont typeface="Arial" panose="020B0604020202020204" pitchFamily="34" charset="0"/>
-              <a:buChar char="•"/>
-              <a:defRPr sz="1800" kern="1200">
-                <a:solidFill>
-                  <a:schemeClr val="tx1"/>
-                </a:solidFill>
-                <a:latin typeface="+mn-lt"/>
-                <a:ea typeface="+mn-ea"/>
-                <a:cs typeface="+mn-cs"/>
-              </a:defRPr>
-            </a:lvl6pPr>
-            <a:lvl7pPr marL="2971800" indent="-228600" algn="l" defTabSz="914400" rtl="0" eaLnBrk="1" latinLnBrk="0" hangingPunct="1">
-              <a:lnSpc>
-                <a:spcPct val="90000"/>
-              </a:lnSpc>
-              <a:spcBef>
-                <a:spcPct val="30000"/>
-              </a:spcBef>
-              <a:buFont typeface="Arial" panose="020B0604020202020204" pitchFamily="34" charset="0"/>
-              <a:buChar char="•"/>
-              <a:defRPr sz="1800" kern="1200">
-                <a:solidFill>
-                  <a:schemeClr val="tx1"/>
-                </a:solidFill>
-                <a:latin typeface="+mn-lt"/>
-                <a:ea typeface="+mn-ea"/>
-                <a:cs typeface="+mn-cs"/>
-              </a:defRPr>
-            </a:lvl7pPr>
-            <a:lvl8pPr marL="3429000" indent="-228600" algn="l" defTabSz="914400" rtl="0" eaLnBrk="1" latinLnBrk="0" hangingPunct="1">
-              <a:lnSpc>
-                <a:spcPct val="90000"/>
-              </a:lnSpc>
-              <a:spcBef>
-                <a:spcPct val="30000"/>
-              </a:spcBef>
-              <a:buFont typeface="Arial" panose="020B0604020202020204" pitchFamily="34" charset="0"/>
-              <a:buChar char="•"/>
-              <a:defRPr sz="1800" kern="1200">
-                <a:solidFill>
-                  <a:schemeClr val="tx1"/>
-                </a:solidFill>
-                <a:latin typeface="+mn-lt"/>
-                <a:ea typeface="+mn-ea"/>
-                <a:cs typeface="+mn-cs"/>
-              </a:defRPr>
-            </a:lvl8pPr>
-            <a:lvl9pPr marL="3886200" indent="-228600" algn="l" defTabSz="914400" rtl="0" eaLnBrk="1" latinLnBrk="0" hangingPunct="1">
-              <a:lnSpc>
-                <a:spcPct val="90000"/>
-              </a:lnSpc>
-              <a:spcBef>
-                <a:spcPct val="30000"/>
-              </a:spcBef>
-              <a:buFont typeface="Arial" panose="020B0604020202020204" pitchFamily="34" charset="0"/>
-              <a:buChar char="•"/>
-              <a:defRPr sz="1800" kern="1200">
-                <a:solidFill>
-                  <a:schemeClr val="tx1"/>
-                </a:solidFill>
-                <a:latin typeface="+mn-lt"/>
-                <a:ea typeface="+mn-ea"/>
-                <a:cs typeface="+mn-cs"/>
-              </a:defRPr>
-            </a:lvl9pPr>
-          </a:lstStyle>
-          <a:p>
-            <a:pPr marL="0" indent="0">
-              <a:spcAft>
-                <a:spcPts val="2000"/>
-              </a:spcAft>
-              <a:buNone/>
-            </a:pPr>
-            <a:endParaRPr lang="en-US" sz="1800" dirty="0">
-              <a:latin typeface="Segoe UI" panose="020B0502040204020203" pitchFamily="34" charset="0"/>
-              <a:cs typeface="Segoe UI" panose="020B0502040204020203" pitchFamily="34" charset="0"/>
-            </a:endParaRPr>
-          </a:p>
-        </p:txBody>
-      </p:sp>
-      <p:pic>
-        <p:nvPicPr>
-          <p:cNvPr id="8" name="Picture 7">
-            <a:extLst>
-              <a:ext uri="{FF2B5EF4-FFF2-40B4-BE49-F238E27FC236}">
-                <a16:creationId xmlns:a16="http://schemas.microsoft.com/office/drawing/2014/main" id="{8B9873E3-7AFA-4917-87BE-3176AC3DADB2}"/>
-              </a:ext>
-            </a:extLst>
-          </p:cNvPr>
-          <p:cNvPicPr>
-            <a:picLocks noChangeAspect="1"/>
-          </p:cNvPicPr>
-          <p:nvPr/>
-        </p:nvPicPr>
-        <p:blipFill>
-          <a:blip r:embed="rId2">
-            <a:extLst>
-              <a:ext uri="{28A0092B-C50C-407E-A947-70E740481C1C}">
-                <a14:useLocalDpi xmlns:a14="http://schemas.microsoft.com/office/drawing/2010/main" val="0"/>
-              </a:ext>
-            </a:extLst>
-          </a:blip>
-          <a:stretch>
-            <a:fillRect/>
-          </a:stretch>
-        </p:blipFill>
-        <p:spPr>
-          <a:xfrm>
-            <a:off x="1103332" y="1455491"/>
-            <a:ext cx="10437440" cy="4394712"/>
-          </a:xfrm>
-          <a:prstGeom prst="rect">
-            <a:avLst/>
-          </a:prstGeom>
-        </p:spPr>
-      </p:pic>
-      <p:sp>
-        <p:nvSpPr>
-          <p:cNvPr id="10" name="TextBox 9">
-            <a:extLst>
-              <a:ext uri="{FF2B5EF4-FFF2-40B4-BE49-F238E27FC236}">
-                <a16:creationId xmlns:a16="http://schemas.microsoft.com/office/drawing/2014/main" id="{17A3A587-7E0D-444B-B31E-7D1B32EB3C23}"/>
-              </a:ext>
-            </a:extLst>
-          </p:cNvPr>
-          <p:cNvSpPr txBox="1"/>
-          <p:nvPr/>
-        </p:nvSpPr>
-        <p:spPr>
-          <a:xfrm>
-            <a:off x="3621448" y="6050437"/>
-            <a:ext cx="5440218" cy="369332"/>
-          </a:xfrm>
-          <a:prstGeom prst="rect">
-            <a:avLst/>
-          </a:prstGeom>
-          <a:noFill/>
-        </p:spPr>
-        <p:txBody>
-          <a:bodyPr wrap="square" rtlCol="0">
-            <a:spAutoFit/>
-          </a:bodyPr>
-          <a:lstStyle/>
-          <a:p>
-            <a:r>
-              <a:rPr lang="en-GB" dirty="0"/>
-              <a:t>https://www.webcomponents.org/introduction</a:t>
-            </a:r>
-          </a:p>
-        </p:txBody>
-      </p:sp>
-      <p:cxnSp>
-        <p:nvCxnSpPr>
-          <p:cNvPr id="11" name="Straight Arrow Connector 10">
-            <a:extLst>
-              <a:ext uri="{FF2B5EF4-FFF2-40B4-BE49-F238E27FC236}">
-                <a16:creationId xmlns:a16="http://schemas.microsoft.com/office/drawing/2014/main" id="{7DBFEAC7-49C1-44E1-9BCA-926B102B37F2}"/>
-              </a:ext>
-            </a:extLst>
-          </p:cNvPr>
-          <p:cNvCxnSpPr>
-            <a:cxnSpLocks/>
-            <a:stCxn id="12" idx="1"/>
-          </p:cNvCxnSpPr>
-          <p:nvPr/>
-        </p:nvCxnSpPr>
-        <p:spPr>
-          <a:xfrm flipH="1" flipV="1">
-            <a:off x="3229596" y="2988635"/>
-            <a:ext cx="1016360" cy="681134"/>
-          </a:xfrm>
-          <a:prstGeom prst="straightConnector1">
-            <a:avLst/>
-          </a:prstGeom>
-          <a:ln w="50800">
-            <a:solidFill>
-              <a:srgbClr val="FFC000"/>
-            </a:solidFill>
-            <a:tailEnd type="triangle"/>
-          </a:ln>
-        </p:spPr>
-        <p:style>
-          <a:lnRef idx="1">
-            <a:schemeClr val="accent1"/>
-          </a:lnRef>
-          <a:fillRef idx="0">
-            <a:schemeClr val="accent1"/>
-          </a:fillRef>
-          <a:effectRef idx="0">
-            <a:schemeClr val="accent1"/>
-          </a:effectRef>
-          <a:fontRef idx="minor">
-            <a:schemeClr val="tx1"/>
-          </a:fontRef>
-        </p:style>
-      </p:cxnSp>
-      <p:sp>
-        <p:nvSpPr>
-          <p:cNvPr id="12" name="TextBox 11">
-            <a:extLst>
-              <a:ext uri="{FF2B5EF4-FFF2-40B4-BE49-F238E27FC236}">
-                <a16:creationId xmlns:a16="http://schemas.microsoft.com/office/drawing/2014/main" id="{B535C1CF-C8DE-4C0A-9A52-E3F8F9E78C2D}"/>
-              </a:ext>
-            </a:extLst>
-          </p:cNvPr>
-          <p:cNvSpPr txBox="1"/>
-          <p:nvPr/>
-        </p:nvSpPr>
-        <p:spPr>
-          <a:xfrm>
-            <a:off x="4245956" y="3485103"/>
-            <a:ext cx="5269519" cy="369332"/>
-          </a:xfrm>
-          <a:prstGeom prst="rect">
-            <a:avLst/>
-          </a:prstGeom>
-          <a:noFill/>
-        </p:spPr>
-        <p:txBody>
-          <a:bodyPr wrap="square" rtlCol="0">
-            <a:spAutoFit/>
-          </a:bodyPr>
-          <a:lstStyle/>
-          <a:p>
-            <a:r>
-              <a:rPr lang="en-GB" dirty="0"/>
-              <a:t>We can create elements as part of HTML5 spec.</a:t>
-            </a:r>
-          </a:p>
-        </p:txBody>
-      </p:sp>
-      <p:sp>
-        <p:nvSpPr>
-          <p:cNvPr id="3" name="Lightning Bolt 2">
-            <a:extLst>
-              <a:ext uri="{FF2B5EF4-FFF2-40B4-BE49-F238E27FC236}">
-                <a16:creationId xmlns:a16="http://schemas.microsoft.com/office/drawing/2014/main" id="{7542D67D-5580-463A-9B94-1A153858B7CF}"/>
-              </a:ext>
-            </a:extLst>
-          </p:cNvPr>
-          <p:cNvSpPr/>
-          <p:nvPr/>
-        </p:nvSpPr>
-        <p:spPr>
-          <a:xfrm>
-            <a:off x="790575" y="4811052"/>
-            <a:ext cx="438150" cy="619125"/>
-          </a:xfrm>
-          <a:prstGeom prst="lightningBolt">
-            <a:avLst/>
-          </a:prstGeom>
-        </p:spPr>
-        <p:style>
-          <a:lnRef idx="2">
-            <a:schemeClr val="accent1">
-              <a:shade val="50000"/>
-            </a:schemeClr>
-          </a:lnRef>
-          <a:fillRef idx="1">
-            <a:schemeClr val="accent1"/>
-          </a:fillRef>
-          <a:effectRef idx="0">
-            <a:schemeClr val="accent1"/>
-          </a:effectRef>
-          <a:fontRef idx="minor">
-            <a:schemeClr val="lt1"/>
-          </a:fontRef>
-        </p:style>
-        <p:txBody>
-          <a:bodyPr rtlCol="0" anchor="ctr"/>
-          <a:lstStyle/>
-          <a:p>
-            <a:pPr algn="ctr"/>
-            <a:endParaRPr lang="en-GB"/>
-          </a:p>
-        </p:txBody>
-      </p:sp>
-    </p:spTree>
-    <p:extLst>
-      <p:ext uri="{BB962C8B-B14F-4D97-AF65-F5344CB8AC3E}">
-        <p14:creationId xmlns:p14="http://schemas.microsoft.com/office/powerpoint/2010/main" val="3482672149"/>
       </p:ext>
     </p:extLst>
   </p:cSld>
@@ -10511,6 +10730,1111 @@
                 <a:latin typeface="Segoe UI Light" panose="020B0502040204020203" pitchFamily="34" charset="0"/>
                 <a:cs typeface="Segoe UI Light" panose="020B0502040204020203" pitchFamily="34" charset="0"/>
               </a:rPr>
+              <a:t>What is a Custom HTML Tag?</a:t>
+            </a:r>
+          </a:p>
+        </p:txBody>
+      </p:sp>
+      <p:sp>
+        <p:nvSpPr>
+          <p:cNvPr id="25" name="Content Placeholder 17"/>
+          <p:cNvSpPr txBox="1">
+            <a:spLocks/>
+          </p:cNvSpPr>
+          <p:nvPr/>
+        </p:nvSpPr>
+        <p:spPr>
+          <a:xfrm>
+            <a:off x="541609" y="1455491"/>
+            <a:ext cx="5110161" cy="471149"/>
+          </a:xfrm>
+          <a:prstGeom prst="rect">
+            <a:avLst/>
+          </a:prstGeom>
+        </p:spPr>
+        <p:txBody>
+          <a:bodyPr vert="horz" lIns="91440" tIns="45720" rIns="91440" bIns="45720" rtlCol="0">
+            <a:normAutofit/>
+          </a:bodyPr>
+          <a:lstStyle>
+            <a:lvl1pPr marL="228600" indent="-228600" algn="l" defTabSz="914400" rtl="0" eaLnBrk="1" latinLnBrk="0" hangingPunct="1">
+              <a:lnSpc>
+                <a:spcPts val="1800"/>
+              </a:lnSpc>
+              <a:spcBef>
+                <a:spcPts val="1000"/>
+              </a:spcBef>
+              <a:spcAft>
+                <a:spcPts val="1000"/>
+              </a:spcAft>
+              <a:buFont typeface="Arial" panose="020B0604020202020204" pitchFamily="34" charset="0"/>
+              <a:buChar char="•"/>
+              <a:defRPr lang="en-US" sz="1200" kern="1200" smtClean="0">
+                <a:solidFill>
+                  <a:schemeClr val="tx1">
+                    <a:lumMod val="75000"/>
+                    <a:lumOff val="25000"/>
+                  </a:schemeClr>
+                </a:solidFill>
+                <a:latin typeface="+mn-lt"/>
+                <a:ea typeface="+mn-ea"/>
+                <a:cs typeface="+mn-cs"/>
+              </a:defRPr>
+            </a:lvl1pPr>
+            <a:lvl2pPr marL="685800" indent="-228600" algn="l" defTabSz="914400" rtl="0" eaLnBrk="1" latinLnBrk="0" hangingPunct="1">
+              <a:lnSpc>
+                <a:spcPts val="1800"/>
+              </a:lnSpc>
+              <a:spcBef>
+                <a:spcPts val="1000"/>
+              </a:spcBef>
+              <a:spcAft>
+                <a:spcPts val="1000"/>
+              </a:spcAft>
+              <a:buFont typeface="Arial" panose="020B0604020202020204" pitchFamily="34" charset="0"/>
+              <a:buChar char="•"/>
+              <a:defRPr lang="en-US" sz="1200" kern="1200" smtClean="0">
+                <a:solidFill>
+                  <a:schemeClr val="tx1">
+                    <a:lumMod val="75000"/>
+                    <a:lumOff val="25000"/>
+                  </a:schemeClr>
+                </a:solidFill>
+                <a:latin typeface="+mn-lt"/>
+                <a:ea typeface="+mn-ea"/>
+                <a:cs typeface="+mn-cs"/>
+              </a:defRPr>
+            </a:lvl2pPr>
+            <a:lvl3pPr marL="1143000" indent="-228600" algn="l" defTabSz="914400" rtl="0" eaLnBrk="1" latinLnBrk="0" hangingPunct="1">
+              <a:lnSpc>
+                <a:spcPts val="1800"/>
+              </a:lnSpc>
+              <a:spcBef>
+                <a:spcPts val="1000"/>
+              </a:spcBef>
+              <a:spcAft>
+                <a:spcPts val="1000"/>
+              </a:spcAft>
+              <a:buFont typeface="Arial" panose="020B0604020202020204" pitchFamily="34" charset="0"/>
+              <a:buChar char="•"/>
+              <a:defRPr lang="en-US" sz="1200" kern="1200" smtClean="0">
+                <a:solidFill>
+                  <a:schemeClr val="tx1">
+                    <a:lumMod val="75000"/>
+                    <a:lumOff val="25000"/>
+                  </a:schemeClr>
+                </a:solidFill>
+                <a:latin typeface="+mn-lt"/>
+                <a:ea typeface="+mn-ea"/>
+                <a:cs typeface="+mn-cs"/>
+              </a:defRPr>
+            </a:lvl3pPr>
+            <a:lvl4pPr marL="1600200" indent="-228600" algn="l" defTabSz="914400" rtl="0" eaLnBrk="1" latinLnBrk="0" hangingPunct="1">
+              <a:lnSpc>
+                <a:spcPts val="1800"/>
+              </a:lnSpc>
+              <a:spcBef>
+                <a:spcPts val="1000"/>
+              </a:spcBef>
+              <a:spcAft>
+                <a:spcPts val="1000"/>
+              </a:spcAft>
+              <a:buFont typeface="Arial" panose="020B0604020202020204" pitchFamily="34" charset="0"/>
+              <a:buChar char="•"/>
+              <a:defRPr lang="en-US" sz="1200" kern="1200" smtClean="0">
+                <a:solidFill>
+                  <a:schemeClr val="tx1">
+                    <a:lumMod val="75000"/>
+                    <a:lumOff val="25000"/>
+                  </a:schemeClr>
+                </a:solidFill>
+                <a:latin typeface="+mn-lt"/>
+                <a:ea typeface="+mn-ea"/>
+                <a:cs typeface="+mn-cs"/>
+              </a:defRPr>
+            </a:lvl4pPr>
+            <a:lvl5pPr marL="2057400" indent="-228600" algn="l" defTabSz="914400" rtl="0" eaLnBrk="1" latinLnBrk="0" hangingPunct="1">
+              <a:lnSpc>
+                <a:spcPts val="1800"/>
+              </a:lnSpc>
+              <a:spcBef>
+                <a:spcPts val="1000"/>
+              </a:spcBef>
+              <a:spcAft>
+                <a:spcPts val="1000"/>
+              </a:spcAft>
+              <a:buFont typeface="Arial" panose="020B0604020202020204" pitchFamily="34" charset="0"/>
+              <a:buChar char="•"/>
+              <a:defRPr lang="en-US" sz="1200" kern="1200">
+                <a:solidFill>
+                  <a:schemeClr val="tx1">
+                    <a:lumMod val="75000"/>
+                    <a:lumOff val="25000"/>
+                  </a:schemeClr>
+                </a:solidFill>
+                <a:latin typeface="+mn-lt"/>
+                <a:ea typeface="+mn-ea"/>
+                <a:cs typeface="+mn-cs"/>
+              </a:defRPr>
+            </a:lvl5pPr>
+            <a:lvl6pPr marL="2514600" indent="-228600" algn="l" defTabSz="914400" rtl="0" eaLnBrk="1" latinLnBrk="0" hangingPunct="1">
+              <a:lnSpc>
+                <a:spcPct val="90000"/>
+              </a:lnSpc>
+              <a:spcBef>
+                <a:spcPct val="30000"/>
+              </a:spcBef>
+              <a:buFont typeface="Arial" panose="020B0604020202020204" pitchFamily="34" charset="0"/>
+              <a:buChar char="•"/>
+              <a:defRPr sz="1800" kern="1200">
+                <a:solidFill>
+                  <a:schemeClr val="tx1"/>
+                </a:solidFill>
+                <a:latin typeface="+mn-lt"/>
+                <a:ea typeface="+mn-ea"/>
+                <a:cs typeface="+mn-cs"/>
+              </a:defRPr>
+            </a:lvl6pPr>
+            <a:lvl7pPr marL="2971800" indent="-228600" algn="l" defTabSz="914400" rtl="0" eaLnBrk="1" latinLnBrk="0" hangingPunct="1">
+              <a:lnSpc>
+                <a:spcPct val="90000"/>
+              </a:lnSpc>
+              <a:spcBef>
+                <a:spcPct val="30000"/>
+              </a:spcBef>
+              <a:buFont typeface="Arial" panose="020B0604020202020204" pitchFamily="34" charset="0"/>
+              <a:buChar char="•"/>
+              <a:defRPr sz="1800" kern="1200">
+                <a:solidFill>
+                  <a:schemeClr val="tx1"/>
+                </a:solidFill>
+                <a:latin typeface="+mn-lt"/>
+                <a:ea typeface="+mn-ea"/>
+                <a:cs typeface="+mn-cs"/>
+              </a:defRPr>
+            </a:lvl7pPr>
+            <a:lvl8pPr marL="3429000" indent="-228600" algn="l" defTabSz="914400" rtl="0" eaLnBrk="1" latinLnBrk="0" hangingPunct="1">
+              <a:lnSpc>
+                <a:spcPct val="90000"/>
+              </a:lnSpc>
+              <a:spcBef>
+                <a:spcPct val="30000"/>
+              </a:spcBef>
+              <a:buFont typeface="Arial" panose="020B0604020202020204" pitchFamily="34" charset="0"/>
+              <a:buChar char="•"/>
+              <a:defRPr sz="1800" kern="1200">
+                <a:solidFill>
+                  <a:schemeClr val="tx1"/>
+                </a:solidFill>
+                <a:latin typeface="+mn-lt"/>
+                <a:ea typeface="+mn-ea"/>
+                <a:cs typeface="+mn-cs"/>
+              </a:defRPr>
+            </a:lvl8pPr>
+            <a:lvl9pPr marL="3886200" indent="-228600" algn="l" defTabSz="914400" rtl="0" eaLnBrk="1" latinLnBrk="0" hangingPunct="1">
+              <a:lnSpc>
+                <a:spcPct val="90000"/>
+              </a:lnSpc>
+              <a:spcBef>
+                <a:spcPct val="30000"/>
+              </a:spcBef>
+              <a:buFont typeface="Arial" panose="020B0604020202020204" pitchFamily="34" charset="0"/>
+              <a:buChar char="•"/>
+              <a:defRPr sz="1800" kern="1200">
+                <a:solidFill>
+                  <a:schemeClr val="tx1"/>
+                </a:solidFill>
+                <a:latin typeface="+mn-lt"/>
+                <a:ea typeface="+mn-ea"/>
+                <a:cs typeface="+mn-cs"/>
+              </a:defRPr>
+            </a:lvl9pPr>
+          </a:lstStyle>
+          <a:p>
+            <a:pPr marL="0" indent="0">
+              <a:spcAft>
+                <a:spcPts val="2000"/>
+              </a:spcAft>
+              <a:buNone/>
+            </a:pPr>
+            <a:endParaRPr lang="en-US" sz="1800" dirty="0">
+              <a:latin typeface="Segoe UI" panose="020B0502040204020203" pitchFamily="34" charset="0"/>
+              <a:cs typeface="Segoe UI" panose="020B0502040204020203" pitchFamily="34" charset="0"/>
+            </a:endParaRPr>
+          </a:p>
+        </p:txBody>
+      </p:sp>
+      <p:pic>
+        <p:nvPicPr>
+          <p:cNvPr id="16" name="Picture 15" descr="Diagram&#10;&#10;Description automatically generated">
+            <a:extLst>
+              <a:ext uri="{FF2B5EF4-FFF2-40B4-BE49-F238E27FC236}">
+                <a16:creationId xmlns:a16="http://schemas.microsoft.com/office/drawing/2014/main" id="{2488CAC4-EFDC-4C1A-A6FE-448404D0176E}"/>
+              </a:ext>
+            </a:extLst>
+          </p:cNvPr>
+          <p:cNvPicPr>
+            <a:picLocks noChangeAspect="1"/>
+          </p:cNvPicPr>
+          <p:nvPr/>
+        </p:nvPicPr>
+        <p:blipFill>
+          <a:blip r:embed="rId2">
+            <a:extLst>
+              <a:ext uri="{28A0092B-C50C-407E-A947-70E740481C1C}">
+                <a14:useLocalDpi xmlns:a14="http://schemas.microsoft.com/office/drawing/2010/main" val="0"/>
+              </a:ext>
+            </a:extLst>
+          </a:blip>
+          <a:stretch>
+            <a:fillRect/>
+          </a:stretch>
+        </p:blipFill>
+        <p:spPr>
+          <a:xfrm>
+            <a:off x="5651770" y="3336591"/>
+            <a:ext cx="6154369" cy="1724248"/>
+          </a:xfrm>
+          <a:prstGeom prst="rect">
+            <a:avLst/>
+          </a:prstGeom>
+        </p:spPr>
+      </p:pic>
+      <p:sp>
+        <p:nvSpPr>
+          <p:cNvPr id="2" name="TextBox 1">
+            <a:extLst>
+              <a:ext uri="{FF2B5EF4-FFF2-40B4-BE49-F238E27FC236}">
+                <a16:creationId xmlns:a16="http://schemas.microsoft.com/office/drawing/2014/main" id="{03A30641-B566-4F11-A31A-FAB971D03D80}"/>
+              </a:ext>
+            </a:extLst>
+          </p:cNvPr>
+          <p:cNvSpPr txBox="1"/>
+          <p:nvPr/>
+        </p:nvSpPr>
+        <p:spPr>
+          <a:xfrm>
+            <a:off x="371847" y="1233775"/>
+            <a:ext cx="10559845" cy="1538883"/>
+          </a:xfrm>
+          <a:prstGeom prst="rect">
+            <a:avLst/>
+          </a:prstGeom>
+          <a:noFill/>
+        </p:spPr>
+        <p:txBody>
+          <a:bodyPr wrap="square" rtlCol="0">
+            <a:spAutoFit/>
+          </a:bodyPr>
+          <a:lstStyle/>
+          <a:p>
+            <a:pPr marL="457200" lvl="1" indent="0" algn="ctr">
+              <a:buNone/>
+            </a:pPr>
+            <a:r>
+              <a:rPr lang="en-GB" sz="3800" dirty="0">
+                <a:solidFill>
+                  <a:schemeClr val="bg2">
+                    <a:lumMod val="25000"/>
+                  </a:schemeClr>
+                </a:solidFill>
+                <a:latin typeface="Segoe UI Light" panose="020B0502040204020203" pitchFamily="34" charset="0"/>
+                <a:cs typeface="Segoe UI Light" panose="020B0502040204020203" pitchFamily="34" charset="0"/>
+              </a:rPr>
+              <a:t>&lt;my-component&gt;&lt;/my-component&gt;</a:t>
+            </a:r>
+          </a:p>
+          <a:p>
+            <a:pPr marL="457200" lvl="1" indent="0" algn="ctr">
+              <a:buNone/>
+            </a:pPr>
+            <a:r>
+              <a:rPr lang="en-GB" sz="3800" dirty="0">
+                <a:solidFill>
+                  <a:schemeClr val="bg2">
+                    <a:lumMod val="25000"/>
+                  </a:schemeClr>
+                </a:solidFill>
+                <a:latin typeface="Segoe UI Light" panose="020B0502040204020203" pitchFamily="34" charset="0"/>
+                <a:cs typeface="Segoe UI Light" panose="020B0502040204020203" pitchFamily="34" charset="0"/>
+              </a:rPr>
+              <a:t>&lt;script src=“file.js”&gt;&lt;/script&gt;</a:t>
+            </a:r>
+          </a:p>
+          <a:p>
+            <a:endParaRPr lang="en-GB" dirty="0"/>
+          </a:p>
+        </p:txBody>
+      </p:sp>
+      <p:sp>
+        <p:nvSpPr>
+          <p:cNvPr id="5" name="TextBox 4">
+            <a:extLst>
+              <a:ext uri="{FF2B5EF4-FFF2-40B4-BE49-F238E27FC236}">
+                <a16:creationId xmlns:a16="http://schemas.microsoft.com/office/drawing/2014/main" id="{C6B601BD-DA82-4F76-B454-D9B8FF4DC959}"/>
+              </a:ext>
+            </a:extLst>
+          </p:cNvPr>
+          <p:cNvSpPr txBox="1"/>
+          <p:nvPr/>
+        </p:nvSpPr>
+        <p:spPr>
+          <a:xfrm>
+            <a:off x="0" y="2656175"/>
+            <a:ext cx="5338916" cy="2857192"/>
+          </a:xfrm>
+          <a:prstGeom prst="rect">
+            <a:avLst/>
+          </a:prstGeom>
+          <a:noFill/>
+        </p:spPr>
+        <p:txBody>
+          <a:bodyPr wrap="square" rtlCol="0">
+            <a:spAutoFit/>
+          </a:bodyPr>
+          <a:lstStyle/>
+          <a:p>
+            <a:pPr marL="457200" lvl="2">
+              <a:lnSpc>
+                <a:spcPts val="4000"/>
+              </a:lnSpc>
+              <a:spcBef>
+                <a:spcPts val="1000"/>
+              </a:spcBef>
+              <a:spcAft>
+                <a:spcPts val="1200"/>
+              </a:spcAft>
+            </a:pPr>
+            <a:r>
+              <a:rPr lang="en-GB" sz="3800" dirty="0">
+                <a:solidFill>
+                  <a:schemeClr val="bg2">
+                    <a:lumMod val="25000"/>
+                  </a:schemeClr>
+                </a:solidFill>
+                <a:latin typeface="Segoe UI Light" panose="020B0502040204020203" pitchFamily="34" charset="0"/>
+                <a:cs typeface="Segoe UI Light" panose="020B0502040204020203" pitchFamily="34" charset="0"/>
+              </a:rPr>
+              <a:t>Must contain at least one hyphen.</a:t>
+            </a:r>
+          </a:p>
+          <a:p>
+            <a:pPr marL="457200" lvl="2">
+              <a:lnSpc>
+                <a:spcPts val="4000"/>
+              </a:lnSpc>
+              <a:spcBef>
+                <a:spcPts val="1000"/>
+              </a:spcBef>
+              <a:spcAft>
+                <a:spcPts val="1200"/>
+              </a:spcAft>
+            </a:pPr>
+            <a:r>
+              <a:rPr lang="en-GB" sz="3800" dirty="0">
+                <a:solidFill>
+                  <a:schemeClr val="bg2">
+                    <a:lumMod val="25000"/>
+                  </a:schemeClr>
+                </a:solidFill>
+                <a:latin typeface="Segoe UI Light" panose="020B0502040204020203" pitchFamily="34" charset="0"/>
+                <a:cs typeface="Segoe UI Light" panose="020B0502040204020203" pitchFamily="34" charset="0"/>
+              </a:rPr>
+              <a:t>Use just like any HTML tag.</a:t>
+            </a:r>
+          </a:p>
+          <a:p>
+            <a:endParaRPr lang="en-GB" dirty="0"/>
+          </a:p>
+        </p:txBody>
+      </p:sp>
+      <p:sp>
+        <p:nvSpPr>
+          <p:cNvPr id="3" name="TextBox 2">
+            <a:extLst>
+              <a:ext uri="{FF2B5EF4-FFF2-40B4-BE49-F238E27FC236}">
+                <a16:creationId xmlns:a16="http://schemas.microsoft.com/office/drawing/2014/main" id="{86653BFB-3B5E-4797-84D1-29C8487E3508}"/>
+              </a:ext>
+            </a:extLst>
+          </p:cNvPr>
+          <p:cNvSpPr txBox="1"/>
+          <p:nvPr/>
+        </p:nvSpPr>
+        <p:spPr>
+          <a:xfrm>
+            <a:off x="541609" y="5677729"/>
+            <a:ext cx="8772525" cy="954107"/>
+          </a:xfrm>
+          <a:prstGeom prst="rect">
+            <a:avLst/>
+          </a:prstGeom>
+          <a:noFill/>
+        </p:spPr>
+        <p:txBody>
+          <a:bodyPr wrap="square" rtlCol="0">
+            <a:spAutoFit/>
+          </a:bodyPr>
+          <a:lstStyle/>
+          <a:p>
+            <a:r>
+              <a:rPr lang="en-GB" sz="3800" dirty="0">
+                <a:solidFill>
+                  <a:schemeClr val="bg2">
+                    <a:lumMod val="25000"/>
+                  </a:schemeClr>
+                </a:solidFill>
+                <a:latin typeface="Segoe UI Light" panose="020B0502040204020203" pitchFamily="34" charset="0"/>
+                <a:cs typeface="Segoe UI Light" panose="020B0502040204020203" pitchFamily="34" charset="0"/>
+              </a:rPr>
+              <a:t>They extend the HTMLElement class.</a:t>
+            </a:r>
+          </a:p>
+          <a:p>
+            <a:endParaRPr lang="en-GB" dirty="0"/>
+          </a:p>
+        </p:txBody>
+      </p:sp>
+      <p:sp>
+        <p:nvSpPr>
+          <p:cNvPr id="9" name="Rectangle 8">
+            <a:extLst>
+              <a:ext uri="{FF2B5EF4-FFF2-40B4-BE49-F238E27FC236}">
+                <a16:creationId xmlns:a16="http://schemas.microsoft.com/office/drawing/2014/main" id="{DAD2BD85-65B7-43AA-A905-195B8B69DFEB}"/>
+              </a:ext>
+            </a:extLst>
+          </p:cNvPr>
+          <p:cNvSpPr/>
+          <p:nvPr/>
+        </p:nvSpPr>
+        <p:spPr>
+          <a:xfrm>
+            <a:off x="9716004" y="3362127"/>
+            <a:ext cx="1913209" cy="795472"/>
+          </a:xfrm>
+          <a:prstGeom prst="rect">
+            <a:avLst/>
+          </a:prstGeom>
+          <a:noFill/>
+          <a:ln w="76200">
+            <a:solidFill>
+              <a:srgbClr val="DD462F"/>
+            </a:solidFill>
+          </a:ln>
+        </p:spPr>
+        <p:style>
+          <a:lnRef idx="2">
+            <a:schemeClr val="accent1">
+              <a:shade val="50000"/>
+            </a:schemeClr>
+          </a:lnRef>
+          <a:fillRef idx="1">
+            <a:schemeClr val="accent1"/>
+          </a:fillRef>
+          <a:effectRef idx="0">
+            <a:schemeClr val="accent1"/>
+          </a:effectRef>
+          <a:fontRef idx="minor">
+            <a:schemeClr val="lt1"/>
+          </a:fontRef>
+        </p:style>
+        <p:txBody>
+          <a:bodyPr rtlCol="0" anchor="ctr"/>
+          <a:lstStyle/>
+          <a:p>
+            <a:pPr algn="ctr"/>
+            <a:endParaRPr lang="en-GB"/>
+          </a:p>
+        </p:txBody>
+      </p:sp>
+      <p:cxnSp>
+        <p:nvCxnSpPr>
+          <p:cNvPr id="17" name="Straight Arrow Connector 16">
+            <a:extLst>
+              <a:ext uri="{FF2B5EF4-FFF2-40B4-BE49-F238E27FC236}">
+                <a16:creationId xmlns:a16="http://schemas.microsoft.com/office/drawing/2014/main" id="{17E3C885-97FD-4A07-B387-4D7925F92F22}"/>
+              </a:ext>
+            </a:extLst>
+          </p:cNvPr>
+          <p:cNvCxnSpPr>
+            <a:cxnSpLocks/>
+          </p:cNvCxnSpPr>
+          <p:nvPr/>
+        </p:nvCxnSpPr>
+        <p:spPr>
+          <a:xfrm flipH="1">
+            <a:off x="5953125" y="3867150"/>
+            <a:ext cx="4105275" cy="1757074"/>
+          </a:xfrm>
+          <a:prstGeom prst="straightConnector1">
+            <a:avLst/>
+          </a:prstGeom>
+          <a:ln w="50800">
+            <a:solidFill>
+              <a:srgbClr val="FFC000"/>
+            </a:solidFill>
+            <a:tailEnd type="triangle"/>
+          </a:ln>
+        </p:spPr>
+        <p:style>
+          <a:lnRef idx="1">
+            <a:schemeClr val="accent1"/>
+          </a:lnRef>
+          <a:fillRef idx="0">
+            <a:schemeClr val="accent1"/>
+          </a:fillRef>
+          <a:effectRef idx="0">
+            <a:schemeClr val="accent1"/>
+          </a:effectRef>
+          <a:fontRef idx="minor">
+            <a:schemeClr val="tx1"/>
+          </a:fontRef>
+        </p:style>
+      </p:cxnSp>
+    </p:spTree>
+    <p:extLst>
+      <p:ext uri="{BB962C8B-B14F-4D97-AF65-F5344CB8AC3E}">
+        <p14:creationId xmlns:p14="http://schemas.microsoft.com/office/powerpoint/2010/main" val="994824223"/>
+      </p:ext>
+    </p:extLst>
+  </p:cSld>
+  <p:clrMapOvr>
+    <a:masterClrMapping/>
+  </p:clrMapOvr>
+</p:sld>
+</file>
+
+<file path=ppt/slides/slide21.xml><?xml version="1.0" encoding="utf-8"?>
+<p:sld xmlns:a="http://schemas.openxmlformats.org/drawingml/2006/main" xmlns:r="http://schemas.openxmlformats.org/officeDocument/2006/relationships" xmlns:p="http://schemas.openxmlformats.org/presentationml/2006/main">
+  <p:cSld>
+    <p:spTree>
+      <p:nvGrpSpPr>
+        <p:cNvPr id="1" name=""/>
+        <p:cNvGrpSpPr/>
+        <p:nvPr/>
+      </p:nvGrpSpPr>
+      <p:grpSpPr>
+        <a:xfrm>
+          <a:off x="0" y="0"/>
+          <a:ext cx="0" cy="0"/>
+          <a:chOff x="0" y="0"/>
+          <a:chExt cx="0" cy="0"/>
+        </a:xfrm>
+      </p:grpSpPr>
+      <p:sp>
+        <p:nvSpPr>
+          <p:cNvPr id="4" name="Title 3"/>
+          <p:cNvSpPr>
+            <a:spLocks noGrp="1"/>
+          </p:cNvSpPr>
+          <p:nvPr>
+            <p:ph type="title"/>
+          </p:nvPr>
+        </p:nvSpPr>
+        <p:spPr>
+          <a:xfrm>
+            <a:off x="541609" y="426301"/>
+            <a:ext cx="8578726" cy="749992"/>
+          </a:xfrm>
+        </p:spPr>
+        <p:txBody>
+          <a:bodyPr>
+            <a:noAutofit/>
+          </a:bodyPr>
+          <a:lstStyle/>
+          <a:p>
+            <a:r>
+              <a:rPr lang="en-US" sz="4000" dirty="0">
+                <a:latin typeface="Segoe UI Light" panose="020B0502040204020203" pitchFamily="34" charset="0"/>
+                <a:cs typeface="Segoe UI Light" panose="020B0502040204020203" pitchFamily="34" charset="0"/>
+              </a:rPr>
+              <a:t>How to use</a:t>
+            </a:r>
+          </a:p>
+        </p:txBody>
+      </p:sp>
+      <p:sp>
+        <p:nvSpPr>
+          <p:cNvPr id="25" name="Content Placeholder 17"/>
+          <p:cNvSpPr txBox="1">
+            <a:spLocks/>
+          </p:cNvSpPr>
+          <p:nvPr/>
+        </p:nvSpPr>
+        <p:spPr>
+          <a:xfrm>
+            <a:off x="541609" y="1455491"/>
+            <a:ext cx="5110161" cy="471149"/>
+          </a:xfrm>
+          <a:prstGeom prst="rect">
+            <a:avLst/>
+          </a:prstGeom>
+        </p:spPr>
+        <p:txBody>
+          <a:bodyPr vert="horz" lIns="91440" tIns="45720" rIns="91440" bIns="45720" rtlCol="0">
+            <a:normAutofit/>
+          </a:bodyPr>
+          <a:lstStyle>
+            <a:lvl1pPr marL="228600" indent="-228600" algn="l" defTabSz="914400" rtl="0" eaLnBrk="1" latinLnBrk="0" hangingPunct="1">
+              <a:lnSpc>
+                <a:spcPts val="1800"/>
+              </a:lnSpc>
+              <a:spcBef>
+                <a:spcPts val="1000"/>
+              </a:spcBef>
+              <a:spcAft>
+                <a:spcPts val="1000"/>
+              </a:spcAft>
+              <a:buFont typeface="Arial" panose="020B0604020202020204" pitchFamily="34" charset="0"/>
+              <a:buChar char="•"/>
+              <a:defRPr lang="en-US" sz="1200" kern="1200" smtClean="0">
+                <a:solidFill>
+                  <a:schemeClr val="tx1">
+                    <a:lumMod val="75000"/>
+                    <a:lumOff val="25000"/>
+                  </a:schemeClr>
+                </a:solidFill>
+                <a:latin typeface="+mn-lt"/>
+                <a:ea typeface="+mn-ea"/>
+                <a:cs typeface="+mn-cs"/>
+              </a:defRPr>
+            </a:lvl1pPr>
+            <a:lvl2pPr marL="685800" indent="-228600" algn="l" defTabSz="914400" rtl="0" eaLnBrk="1" latinLnBrk="0" hangingPunct="1">
+              <a:lnSpc>
+                <a:spcPts val="1800"/>
+              </a:lnSpc>
+              <a:spcBef>
+                <a:spcPts val="1000"/>
+              </a:spcBef>
+              <a:spcAft>
+                <a:spcPts val="1000"/>
+              </a:spcAft>
+              <a:buFont typeface="Arial" panose="020B0604020202020204" pitchFamily="34" charset="0"/>
+              <a:buChar char="•"/>
+              <a:defRPr lang="en-US" sz="1200" kern="1200" smtClean="0">
+                <a:solidFill>
+                  <a:schemeClr val="tx1">
+                    <a:lumMod val="75000"/>
+                    <a:lumOff val="25000"/>
+                  </a:schemeClr>
+                </a:solidFill>
+                <a:latin typeface="+mn-lt"/>
+                <a:ea typeface="+mn-ea"/>
+                <a:cs typeface="+mn-cs"/>
+              </a:defRPr>
+            </a:lvl2pPr>
+            <a:lvl3pPr marL="1143000" indent="-228600" algn="l" defTabSz="914400" rtl="0" eaLnBrk="1" latinLnBrk="0" hangingPunct="1">
+              <a:lnSpc>
+                <a:spcPts val="1800"/>
+              </a:lnSpc>
+              <a:spcBef>
+                <a:spcPts val="1000"/>
+              </a:spcBef>
+              <a:spcAft>
+                <a:spcPts val="1000"/>
+              </a:spcAft>
+              <a:buFont typeface="Arial" panose="020B0604020202020204" pitchFamily="34" charset="0"/>
+              <a:buChar char="•"/>
+              <a:defRPr lang="en-US" sz="1200" kern="1200" smtClean="0">
+                <a:solidFill>
+                  <a:schemeClr val="tx1">
+                    <a:lumMod val="75000"/>
+                    <a:lumOff val="25000"/>
+                  </a:schemeClr>
+                </a:solidFill>
+                <a:latin typeface="+mn-lt"/>
+                <a:ea typeface="+mn-ea"/>
+                <a:cs typeface="+mn-cs"/>
+              </a:defRPr>
+            </a:lvl3pPr>
+            <a:lvl4pPr marL="1600200" indent="-228600" algn="l" defTabSz="914400" rtl="0" eaLnBrk="1" latinLnBrk="0" hangingPunct="1">
+              <a:lnSpc>
+                <a:spcPts val="1800"/>
+              </a:lnSpc>
+              <a:spcBef>
+                <a:spcPts val="1000"/>
+              </a:spcBef>
+              <a:spcAft>
+                <a:spcPts val="1000"/>
+              </a:spcAft>
+              <a:buFont typeface="Arial" panose="020B0604020202020204" pitchFamily="34" charset="0"/>
+              <a:buChar char="•"/>
+              <a:defRPr lang="en-US" sz="1200" kern="1200" smtClean="0">
+                <a:solidFill>
+                  <a:schemeClr val="tx1">
+                    <a:lumMod val="75000"/>
+                    <a:lumOff val="25000"/>
+                  </a:schemeClr>
+                </a:solidFill>
+                <a:latin typeface="+mn-lt"/>
+                <a:ea typeface="+mn-ea"/>
+                <a:cs typeface="+mn-cs"/>
+              </a:defRPr>
+            </a:lvl4pPr>
+            <a:lvl5pPr marL="2057400" indent="-228600" algn="l" defTabSz="914400" rtl="0" eaLnBrk="1" latinLnBrk="0" hangingPunct="1">
+              <a:lnSpc>
+                <a:spcPts val="1800"/>
+              </a:lnSpc>
+              <a:spcBef>
+                <a:spcPts val="1000"/>
+              </a:spcBef>
+              <a:spcAft>
+                <a:spcPts val="1000"/>
+              </a:spcAft>
+              <a:buFont typeface="Arial" panose="020B0604020202020204" pitchFamily="34" charset="0"/>
+              <a:buChar char="•"/>
+              <a:defRPr lang="en-US" sz="1200" kern="1200">
+                <a:solidFill>
+                  <a:schemeClr val="tx1">
+                    <a:lumMod val="75000"/>
+                    <a:lumOff val="25000"/>
+                  </a:schemeClr>
+                </a:solidFill>
+                <a:latin typeface="+mn-lt"/>
+                <a:ea typeface="+mn-ea"/>
+                <a:cs typeface="+mn-cs"/>
+              </a:defRPr>
+            </a:lvl5pPr>
+            <a:lvl6pPr marL="2514600" indent="-228600" algn="l" defTabSz="914400" rtl="0" eaLnBrk="1" latinLnBrk="0" hangingPunct="1">
+              <a:lnSpc>
+                <a:spcPct val="90000"/>
+              </a:lnSpc>
+              <a:spcBef>
+                <a:spcPct val="30000"/>
+              </a:spcBef>
+              <a:buFont typeface="Arial" panose="020B0604020202020204" pitchFamily="34" charset="0"/>
+              <a:buChar char="•"/>
+              <a:defRPr sz="1800" kern="1200">
+                <a:solidFill>
+                  <a:schemeClr val="tx1"/>
+                </a:solidFill>
+                <a:latin typeface="+mn-lt"/>
+                <a:ea typeface="+mn-ea"/>
+                <a:cs typeface="+mn-cs"/>
+              </a:defRPr>
+            </a:lvl6pPr>
+            <a:lvl7pPr marL="2971800" indent="-228600" algn="l" defTabSz="914400" rtl="0" eaLnBrk="1" latinLnBrk="0" hangingPunct="1">
+              <a:lnSpc>
+                <a:spcPct val="90000"/>
+              </a:lnSpc>
+              <a:spcBef>
+                <a:spcPct val="30000"/>
+              </a:spcBef>
+              <a:buFont typeface="Arial" panose="020B0604020202020204" pitchFamily="34" charset="0"/>
+              <a:buChar char="•"/>
+              <a:defRPr sz="1800" kern="1200">
+                <a:solidFill>
+                  <a:schemeClr val="tx1"/>
+                </a:solidFill>
+                <a:latin typeface="+mn-lt"/>
+                <a:ea typeface="+mn-ea"/>
+                <a:cs typeface="+mn-cs"/>
+              </a:defRPr>
+            </a:lvl7pPr>
+            <a:lvl8pPr marL="3429000" indent="-228600" algn="l" defTabSz="914400" rtl="0" eaLnBrk="1" latinLnBrk="0" hangingPunct="1">
+              <a:lnSpc>
+                <a:spcPct val="90000"/>
+              </a:lnSpc>
+              <a:spcBef>
+                <a:spcPct val="30000"/>
+              </a:spcBef>
+              <a:buFont typeface="Arial" panose="020B0604020202020204" pitchFamily="34" charset="0"/>
+              <a:buChar char="•"/>
+              <a:defRPr sz="1800" kern="1200">
+                <a:solidFill>
+                  <a:schemeClr val="tx1"/>
+                </a:solidFill>
+                <a:latin typeface="+mn-lt"/>
+                <a:ea typeface="+mn-ea"/>
+                <a:cs typeface="+mn-cs"/>
+              </a:defRPr>
+            </a:lvl8pPr>
+            <a:lvl9pPr marL="3886200" indent="-228600" algn="l" defTabSz="914400" rtl="0" eaLnBrk="1" latinLnBrk="0" hangingPunct="1">
+              <a:lnSpc>
+                <a:spcPct val="90000"/>
+              </a:lnSpc>
+              <a:spcBef>
+                <a:spcPct val="30000"/>
+              </a:spcBef>
+              <a:buFont typeface="Arial" panose="020B0604020202020204" pitchFamily="34" charset="0"/>
+              <a:buChar char="•"/>
+              <a:defRPr sz="1800" kern="1200">
+                <a:solidFill>
+                  <a:schemeClr val="tx1"/>
+                </a:solidFill>
+                <a:latin typeface="+mn-lt"/>
+                <a:ea typeface="+mn-ea"/>
+                <a:cs typeface="+mn-cs"/>
+              </a:defRPr>
+            </a:lvl9pPr>
+          </a:lstStyle>
+          <a:p>
+            <a:pPr marL="0" indent="0">
+              <a:spcAft>
+                <a:spcPts val="2000"/>
+              </a:spcAft>
+              <a:buNone/>
+            </a:pPr>
+            <a:endParaRPr lang="en-US" sz="1800" dirty="0">
+              <a:latin typeface="Segoe UI" panose="020B0502040204020203" pitchFamily="34" charset="0"/>
+              <a:cs typeface="Segoe UI" panose="020B0502040204020203" pitchFamily="34" charset="0"/>
+            </a:endParaRPr>
+          </a:p>
+        </p:txBody>
+      </p:sp>
+      <p:pic>
+        <p:nvPicPr>
+          <p:cNvPr id="8" name="Picture 7">
+            <a:extLst>
+              <a:ext uri="{FF2B5EF4-FFF2-40B4-BE49-F238E27FC236}">
+                <a16:creationId xmlns:a16="http://schemas.microsoft.com/office/drawing/2014/main" id="{8B9873E3-7AFA-4917-87BE-3176AC3DADB2}"/>
+              </a:ext>
+            </a:extLst>
+          </p:cNvPr>
+          <p:cNvPicPr>
+            <a:picLocks noChangeAspect="1"/>
+          </p:cNvPicPr>
+          <p:nvPr/>
+        </p:nvPicPr>
+        <p:blipFill>
+          <a:blip r:embed="rId2">
+            <a:extLst>
+              <a:ext uri="{28A0092B-C50C-407E-A947-70E740481C1C}">
+                <a14:useLocalDpi xmlns:a14="http://schemas.microsoft.com/office/drawing/2010/main" val="0"/>
+              </a:ext>
+            </a:extLst>
+          </a:blip>
+          <a:stretch>
+            <a:fillRect/>
+          </a:stretch>
+        </p:blipFill>
+        <p:spPr>
+          <a:xfrm>
+            <a:off x="1103332" y="1455491"/>
+            <a:ext cx="10437440" cy="4394712"/>
+          </a:xfrm>
+          <a:prstGeom prst="rect">
+            <a:avLst/>
+          </a:prstGeom>
+        </p:spPr>
+      </p:pic>
+      <p:sp>
+        <p:nvSpPr>
+          <p:cNvPr id="10" name="TextBox 9">
+            <a:extLst>
+              <a:ext uri="{FF2B5EF4-FFF2-40B4-BE49-F238E27FC236}">
+                <a16:creationId xmlns:a16="http://schemas.microsoft.com/office/drawing/2014/main" id="{17A3A587-7E0D-444B-B31E-7D1B32EB3C23}"/>
+              </a:ext>
+            </a:extLst>
+          </p:cNvPr>
+          <p:cNvSpPr txBox="1"/>
+          <p:nvPr/>
+        </p:nvSpPr>
+        <p:spPr>
+          <a:xfrm>
+            <a:off x="3621448" y="6050437"/>
+            <a:ext cx="5440218" cy="369332"/>
+          </a:xfrm>
+          <a:prstGeom prst="rect">
+            <a:avLst/>
+          </a:prstGeom>
+          <a:noFill/>
+        </p:spPr>
+        <p:txBody>
+          <a:bodyPr wrap="square" rtlCol="0">
+            <a:spAutoFit/>
+          </a:bodyPr>
+          <a:lstStyle/>
+          <a:p>
+            <a:r>
+              <a:rPr lang="en-GB" dirty="0"/>
+              <a:t>https://www.webcomponents.org/introduction</a:t>
+            </a:r>
+          </a:p>
+        </p:txBody>
+      </p:sp>
+      <p:cxnSp>
+        <p:nvCxnSpPr>
+          <p:cNvPr id="11" name="Straight Arrow Connector 10">
+            <a:extLst>
+              <a:ext uri="{FF2B5EF4-FFF2-40B4-BE49-F238E27FC236}">
+                <a16:creationId xmlns:a16="http://schemas.microsoft.com/office/drawing/2014/main" id="{7DBFEAC7-49C1-44E1-9BCA-926B102B37F2}"/>
+              </a:ext>
+            </a:extLst>
+          </p:cNvPr>
+          <p:cNvCxnSpPr>
+            <a:cxnSpLocks/>
+            <a:stCxn id="12" idx="1"/>
+          </p:cNvCxnSpPr>
+          <p:nvPr/>
+        </p:nvCxnSpPr>
+        <p:spPr>
+          <a:xfrm flipH="1" flipV="1">
+            <a:off x="3229596" y="2988635"/>
+            <a:ext cx="1016360" cy="681134"/>
+          </a:xfrm>
+          <a:prstGeom prst="straightConnector1">
+            <a:avLst/>
+          </a:prstGeom>
+          <a:ln w="50800">
+            <a:solidFill>
+              <a:srgbClr val="FFC000"/>
+            </a:solidFill>
+            <a:tailEnd type="triangle"/>
+          </a:ln>
+        </p:spPr>
+        <p:style>
+          <a:lnRef idx="1">
+            <a:schemeClr val="accent1"/>
+          </a:lnRef>
+          <a:fillRef idx="0">
+            <a:schemeClr val="accent1"/>
+          </a:fillRef>
+          <a:effectRef idx="0">
+            <a:schemeClr val="accent1"/>
+          </a:effectRef>
+          <a:fontRef idx="minor">
+            <a:schemeClr val="tx1"/>
+          </a:fontRef>
+        </p:style>
+      </p:cxnSp>
+      <p:sp>
+        <p:nvSpPr>
+          <p:cNvPr id="12" name="TextBox 11">
+            <a:extLst>
+              <a:ext uri="{FF2B5EF4-FFF2-40B4-BE49-F238E27FC236}">
+                <a16:creationId xmlns:a16="http://schemas.microsoft.com/office/drawing/2014/main" id="{B535C1CF-C8DE-4C0A-9A52-E3F8F9E78C2D}"/>
+              </a:ext>
+            </a:extLst>
+          </p:cNvPr>
+          <p:cNvSpPr txBox="1"/>
+          <p:nvPr/>
+        </p:nvSpPr>
+        <p:spPr>
+          <a:xfrm>
+            <a:off x="4245956" y="3485103"/>
+            <a:ext cx="5269519" cy="369332"/>
+          </a:xfrm>
+          <a:prstGeom prst="rect">
+            <a:avLst/>
+          </a:prstGeom>
+          <a:noFill/>
+        </p:spPr>
+        <p:txBody>
+          <a:bodyPr wrap="square" rtlCol="0">
+            <a:spAutoFit/>
+          </a:bodyPr>
+          <a:lstStyle/>
+          <a:p>
+            <a:r>
+              <a:rPr lang="en-GB" dirty="0"/>
+              <a:t>We can create elements as part of HTML5 spec.</a:t>
+            </a:r>
+          </a:p>
+        </p:txBody>
+      </p:sp>
+      <p:sp>
+        <p:nvSpPr>
+          <p:cNvPr id="3" name="Lightning Bolt 2">
+            <a:extLst>
+              <a:ext uri="{FF2B5EF4-FFF2-40B4-BE49-F238E27FC236}">
+                <a16:creationId xmlns:a16="http://schemas.microsoft.com/office/drawing/2014/main" id="{7542D67D-5580-463A-9B94-1A153858B7CF}"/>
+              </a:ext>
+            </a:extLst>
+          </p:cNvPr>
+          <p:cNvSpPr/>
+          <p:nvPr/>
+        </p:nvSpPr>
+        <p:spPr>
+          <a:xfrm>
+            <a:off x="790575" y="4811052"/>
+            <a:ext cx="438150" cy="619125"/>
+          </a:xfrm>
+          <a:prstGeom prst="lightningBolt">
+            <a:avLst/>
+          </a:prstGeom>
+        </p:spPr>
+        <p:style>
+          <a:lnRef idx="2">
+            <a:schemeClr val="accent1">
+              <a:shade val="50000"/>
+            </a:schemeClr>
+          </a:lnRef>
+          <a:fillRef idx="1">
+            <a:schemeClr val="accent1"/>
+          </a:fillRef>
+          <a:effectRef idx="0">
+            <a:schemeClr val="accent1"/>
+          </a:effectRef>
+          <a:fontRef idx="minor">
+            <a:schemeClr val="lt1"/>
+          </a:fontRef>
+        </p:style>
+        <p:txBody>
+          <a:bodyPr rtlCol="0" anchor="ctr"/>
+          <a:lstStyle/>
+          <a:p>
+            <a:pPr algn="ctr"/>
+            <a:endParaRPr lang="en-GB"/>
+          </a:p>
+        </p:txBody>
+      </p:sp>
+    </p:spTree>
+    <p:extLst>
+      <p:ext uri="{BB962C8B-B14F-4D97-AF65-F5344CB8AC3E}">
+        <p14:creationId xmlns:p14="http://schemas.microsoft.com/office/powerpoint/2010/main" val="3482672149"/>
+      </p:ext>
+    </p:extLst>
+  </p:cSld>
+  <p:clrMapOvr>
+    <a:masterClrMapping/>
+  </p:clrMapOvr>
+</p:sld>
+</file>
+
+<file path=ppt/slides/slide22.xml><?xml version="1.0" encoding="utf-8"?>
+<p:sld xmlns:a="http://schemas.openxmlformats.org/drawingml/2006/main" xmlns:r="http://schemas.openxmlformats.org/officeDocument/2006/relationships" xmlns:p="http://schemas.openxmlformats.org/presentationml/2006/main">
+  <p:cSld>
+    <p:spTree>
+      <p:nvGrpSpPr>
+        <p:cNvPr id="1" name=""/>
+        <p:cNvGrpSpPr/>
+        <p:nvPr/>
+      </p:nvGrpSpPr>
+      <p:grpSpPr>
+        <a:xfrm>
+          <a:off x="0" y="0"/>
+          <a:ext cx="0" cy="0"/>
+          <a:chOff x="0" y="0"/>
+          <a:chExt cx="0" cy="0"/>
+        </a:xfrm>
+      </p:grpSpPr>
+      <p:sp>
+        <p:nvSpPr>
+          <p:cNvPr id="4" name="Title 3"/>
+          <p:cNvSpPr>
+            <a:spLocks noGrp="1"/>
+          </p:cNvSpPr>
+          <p:nvPr>
+            <p:ph type="title"/>
+          </p:nvPr>
+        </p:nvSpPr>
+        <p:spPr>
+          <a:xfrm>
+            <a:off x="541609" y="426301"/>
+            <a:ext cx="8578726" cy="749992"/>
+          </a:xfrm>
+        </p:spPr>
+        <p:txBody>
+          <a:bodyPr>
+            <a:noAutofit/>
+          </a:bodyPr>
+          <a:lstStyle/>
+          <a:p>
+            <a:r>
+              <a:rPr lang="en-US" sz="4000" dirty="0">
+                <a:latin typeface="Segoe UI Light" panose="020B0502040204020203" pitchFamily="34" charset="0"/>
+                <a:cs typeface="Segoe UI Light" panose="020B0502040204020203" pitchFamily="34" charset="0"/>
+              </a:rPr>
               <a:t>How to use – Props Down</a:t>
             </a:r>
           </a:p>
@@ -10879,7 +12203,7 @@
 </p:sld>
 </file>
 
-<file path=ppt/slides/slide21.xml><?xml version="1.0" encoding="utf-8"?>
+<file path=ppt/slides/slide23.xml><?xml version="1.0" encoding="utf-8"?>
 <p:sld xmlns:a="http://schemas.openxmlformats.org/drawingml/2006/main" xmlns:r="http://schemas.openxmlformats.org/officeDocument/2006/relationships" xmlns:p="http://schemas.openxmlformats.org/presentationml/2006/main">
   <p:cSld>
     <p:spTree>
@@ -11355,7 +12679,7 @@
 </p:sld>
 </file>
 
-<file path=ppt/slides/slide22.xml><?xml version="1.0" encoding="utf-8"?>
+<file path=ppt/slides/slide24.xml><?xml version="1.0" encoding="utf-8"?>
 <p:sld xmlns:a="http://schemas.openxmlformats.org/drawingml/2006/main" xmlns:r="http://schemas.openxmlformats.org/officeDocument/2006/relationships" xmlns:p="http://schemas.openxmlformats.org/presentationml/2006/main">
   <p:cSld>
     <p:spTree>
@@ -11737,7 +13061,7 @@
 </p:sld>
 </file>
 
-<file path=ppt/slides/slide23.xml><?xml version="1.0" encoding="utf-8"?>
+<file path=ppt/slides/slide25.xml><?xml version="1.0" encoding="utf-8"?>
 <p:sld xmlns:a="http://schemas.openxmlformats.org/drawingml/2006/main" xmlns:r="http://schemas.openxmlformats.org/officeDocument/2006/relationships" xmlns:p="http://schemas.openxmlformats.org/presentationml/2006/main">
   <p:cSld>
     <p:spTree>
@@ -12135,7 +13459,7 @@
 </p:sld>
 </file>
 
-<file path=ppt/slides/slide24.xml><?xml version="1.0" encoding="utf-8"?>
+<file path=ppt/slides/slide26.xml><?xml version="1.0" encoding="utf-8"?>
 <p:sld xmlns:a="http://schemas.openxmlformats.org/drawingml/2006/main" xmlns:r="http://schemas.openxmlformats.org/officeDocument/2006/relationships" xmlns:p="http://schemas.openxmlformats.org/presentationml/2006/main">
   <p:cSld>
     <p:spTree>
@@ -13216,7 +14540,7 @@
 </p:sld>
 </file>
 
-<file path=ppt/slides/slide25.xml><?xml version="1.0" encoding="utf-8"?>
+<file path=ppt/slides/slide27.xml><?xml version="1.0" encoding="utf-8"?>
 <p:sld xmlns:a="http://schemas.openxmlformats.org/drawingml/2006/main" xmlns:r="http://schemas.openxmlformats.org/officeDocument/2006/relationships" xmlns:p="http://schemas.openxmlformats.org/presentationml/2006/main">
   <p:cSld>
     <p:spTree>
@@ -13781,7 +15105,7 @@
 </p:sld>
 </file>
 
-<file path=ppt/slides/slide26.xml><?xml version="1.0" encoding="utf-8"?>
+<file path=ppt/slides/slide28.xml><?xml version="1.0" encoding="utf-8"?>
 <p:sld xmlns:a="http://schemas.openxmlformats.org/drawingml/2006/main" xmlns:r="http://schemas.openxmlformats.org/officeDocument/2006/relationships" xmlns:p="http://schemas.openxmlformats.org/presentationml/2006/main">
   <p:cSld>
     <p:spTree>
@@ -14194,7 +15518,7 @@
 </p:sld>
 </file>
 
-<file path=ppt/slides/slide27.xml><?xml version="1.0" encoding="utf-8"?>
+<file path=ppt/slides/slide29.xml><?xml version="1.0" encoding="utf-8"?>
 <p:sld xmlns:a="http://schemas.openxmlformats.org/drawingml/2006/main" xmlns:r="http://schemas.openxmlformats.org/officeDocument/2006/relationships" xmlns:p="http://schemas.openxmlformats.org/presentationml/2006/main">
   <p:cSld>
     <p:spTree>
@@ -14583,1200 +15907,6 @@
     <p:extLst>
       <p:ext uri="{BB962C8B-B14F-4D97-AF65-F5344CB8AC3E}">
         <p14:creationId xmlns:p14="http://schemas.microsoft.com/office/powerpoint/2010/main" val="3888437272"/>
-      </p:ext>
-    </p:extLst>
-  </p:cSld>
-  <p:clrMapOvr>
-    <a:masterClrMapping/>
-  </p:clrMapOvr>
-</p:sld>
-</file>
-
-<file path=ppt/slides/slide28.xml><?xml version="1.0" encoding="utf-8"?>
-<p:sld xmlns:a="http://schemas.openxmlformats.org/drawingml/2006/main" xmlns:r="http://schemas.openxmlformats.org/officeDocument/2006/relationships" xmlns:p="http://schemas.openxmlformats.org/presentationml/2006/main">
-  <p:cSld>
-    <p:spTree>
-      <p:nvGrpSpPr>
-        <p:cNvPr id="1" name=""/>
-        <p:cNvGrpSpPr/>
-        <p:nvPr/>
-      </p:nvGrpSpPr>
-      <p:grpSpPr>
-        <a:xfrm>
-          <a:off x="0" y="0"/>
-          <a:ext cx="0" cy="0"/>
-          <a:chOff x="0" y="0"/>
-          <a:chExt cx="0" cy="0"/>
-        </a:xfrm>
-      </p:grpSpPr>
-      <p:sp>
-        <p:nvSpPr>
-          <p:cNvPr id="4" name="Title 3"/>
-          <p:cNvSpPr>
-            <a:spLocks noGrp="1"/>
-          </p:cNvSpPr>
-          <p:nvPr>
-            <p:ph type="title"/>
-          </p:nvPr>
-        </p:nvSpPr>
-        <p:spPr>
-          <a:xfrm>
-            <a:off x="541609" y="426301"/>
-            <a:ext cx="8578726" cy="749992"/>
-          </a:xfrm>
-        </p:spPr>
-        <p:txBody>
-          <a:bodyPr>
-            <a:noAutofit/>
-          </a:bodyPr>
-          <a:lstStyle/>
-          <a:p>
-            <a:r>
-              <a:rPr lang="en-US" sz="4000" dirty="0">
-                <a:latin typeface="Segoe UI Light" panose="020B0502040204020203" pitchFamily="34" charset="0"/>
-                <a:cs typeface="Segoe UI Light" panose="020B0502040204020203" pitchFamily="34" charset="0"/>
-              </a:rPr>
-              <a:t>Who uses Web Components?</a:t>
-            </a:r>
-          </a:p>
-        </p:txBody>
-      </p:sp>
-      <p:sp>
-        <p:nvSpPr>
-          <p:cNvPr id="25" name="Content Placeholder 17"/>
-          <p:cNvSpPr txBox="1">
-            <a:spLocks/>
-          </p:cNvSpPr>
-          <p:nvPr/>
-        </p:nvSpPr>
-        <p:spPr>
-          <a:xfrm>
-            <a:off x="541609" y="1455491"/>
-            <a:ext cx="5110161" cy="471149"/>
-          </a:xfrm>
-          <a:prstGeom prst="rect">
-            <a:avLst/>
-          </a:prstGeom>
-        </p:spPr>
-        <p:txBody>
-          <a:bodyPr vert="horz" lIns="91440" tIns="45720" rIns="91440" bIns="45720" rtlCol="0">
-            <a:normAutofit/>
-          </a:bodyPr>
-          <a:lstStyle>
-            <a:lvl1pPr marL="228600" indent="-228600" algn="l" defTabSz="914400" rtl="0" eaLnBrk="1" latinLnBrk="0" hangingPunct="1">
-              <a:lnSpc>
-                <a:spcPts val="1800"/>
-              </a:lnSpc>
-              <a:spcBef>
-                <a:spcPts val="1000"/>
-              </a:spcBef>
-              <a:spcAft>
-                <a:spcPts val="1000"/>
-              </a:spcAft>
-              <a:buFont typeface="Arial" panose="020B0604020202020204" pitchFamily="34" charset="0"/>
-              <a:buChar char="•"/>
-              <a:defRPr lang="en-US" sz="1200" kern="1200" smtClean="0">
-                <a:solidFill>
-                  <a:schemeClr val="tx1">
-                    <a:lumMod val="75000"/>
-                    <a:lumOff val="25000"/>
-                  </a:schemeClr>
-                </a:solidFill>
-                <a:latin typeface="+mn-lt"/>
-                <a:ea typeface="+mn-ea"/>
-                <a:cs typeface="+mn-cs"/>
-              </a:defRPr>
-            </a:lvl1pPr>
-            <a:lvl2pPr marL="685800" indent="-228600" algn="l" defTabSz="914400" rtl="0" eaLnBrk="1" latinLnBrk="0" hangingPunct="1">
-              <a:lnSpc>
-                <a:spcPts val="1800"/>
-              </a:lnSpc>
-              <a:spcBef>
-                <a:spcPts val="1000"/>
-              </a:spcBef>
-              <a:spcAft>
-                <a:spcPts val="1000"/>
-              </a:spcAft>
-              <a:buFont typeface="Arial" panose="020B0604020202020204" pitchFamily="34" charset="0"/>
-              <a:buChar char="•"/>
-              <a:defRPr lang="en-US" sz="1200" kern="1200" smtClean="0">
-                <a:solidFill>
-                  <a:schemeClr val="tx1">
-                    <a:lumMod val="75000"/>
-                    <a:lumOff val="25000"/>
-                  </a:schemeClr>
-                </a:solidFill>
-                <a:latin typeface="+mn-lt"/>
-                <a:ea typeface="+mn-ea"/>
-                <a:cs typeface="+mn-cs"/>
-              </a:defRPr>
-            </a:lvl2pPr>
-            <a:lvl3pPr marL="1143000" indent="-228600" algn="l" defTabSz="914400" rtl="0" eaLnBrk="1" latinLnBrk="0" hangingPunct="1">
-              <a:lnSpc>
-                <a:spcPts val="1800"/>
-              </a:lnSpc>
-              <a:spcBef>
-                <a:spcPts val="1000"/>
-              </a:spcBef>
-              <a:spcAft>
-                <a:spcPts val="1000"/>
-              </a:spcAft>
-              <a:buFont typeface="Arial" panose="020B0604020202020204" pitchFamily="34" charset="0"/>
-              <a:buChar char="•"/>
-              <a:defRPr lang="en-US" sz="1200" kern="1200" smtClean="0">
-                <a:solidFill>
-                  <a:schemeClr val="tx1">
-                    <a:lumMod val="75000"/>
-                    <a:lumOff val="25000"/>
-                  </a:schemeClr>
-                </a:solidFill>
-                <a:latin typeface="+mn-lt"/>
-                <a:ea typeface="+mn-ea"/>
-                <a:cs typeface="+mn-cs"/>
-              </a:defRPr>
-            </a:lvl3pPr>
-            <a:lvl4pPr marL="1600200" indent="-228600" algn="l" defTabSz="914400" rtl="0" eaLnBrk="1" latinLnBrk="0" hangingPunct="1">
-              <a:lnSpc>
-                <a:spcPts val="1800"/>
-              </a:lnSpc>
-              <a:spcBef>
-                <a:spcPts val="1000"/>
-              </a:spcBef>
-              <a:spcAft>
-                <a:spcPts val="1000"/>
-              </a:spcAft>
-              <a:buFont typeface="Arial" panose="020B0604020202020204" pitchFamily="34" charset="0"/>
-              <a:buChar char="•"/>
-              <a:defRPr lang="en-US" sz="1200" kern="1200" smtClean="0">
-                <a:solidFill>
-                  <a:schemeClr val="tx1">
-                    <a:lumMod val="75000"/>
-                    <a:lumOff val="25000"/>
-                  </a:schemeClr>
-                </a:solidFill>
-                <a:latin typeface="+mn-lt"/>
-                <a:ea typeface="+mn-ea"/>
-                <a:cs typeface="+mn-cs"/>
-              </a:defRPr>
-            </a:lvl4pPr>
-            <a:lvl5pPr marL="2057400" indent="-228600" algn="l" defTabSz="914400" rtl="0" eaLnBrk="1" latinLnBrk="0" hangingPunct="1">
-              <a:lnSpc>
-                <a:spcPts val="1800"/>
-              </a:lnSpc>
-              <a:spcBef>
-                <a:spcPts val="1000"/>
-              </a:spcBef>
-              <a:spcAft>
-                <a:spcPts val="1000"/>
-              </a:spcAft>
-              <a:buFont typeface="Arial" panose="020B0604020202020204" pitchFamily="34" charset="0"/>
-              <a:buChar char="•"/>
-              <a:defRPr lang="en-US" sz="1200" kern="1200">
-                <a:solidFill>
-                  <a:schemeClr val="tx1">
-                    <a:lumMod val="75000"/>
-                    <a:lumOff val="25000"/>
-                  </a:schemeClr>
-                </a:solidFill>
-                <a:latin typeface="+mn-lt"/>
-                <a:ea typeface="+mn-ea"/>
-                <a:cs typeface="+mn-cs"/>
-              </a:defRPr>
-            </a:lvl5pPr>
-            <a:lvl6pPr marL="2514600" indent="-228600" algn="l" defTabSz="914400" rtl="0" eaLnBrk="1" latinLnBrk="0" hangingPunct="1">
-              <a:lnSpc>
-                <a:spcPct val="90000"/>
-              </a:lnSpc>
-              <a:spcBef>
-                <a:spcPct val="30000"/>
-              </a:spcBef>
-              <a:buFont typeface="Arial" panose="020B0604020202020204" pitchFamily="34" charset="0"/>
-              <a:buChar char="•"/>
-              <a:defRPr sz="1800" kern="1200">
-                <a:solidFill>
-                  <a:schemeClr val="tx1"/>
-                </a:solidFill>
-                <a:latin typeface="+mn-lt"/>
-                <a:ea typeface="+mn-ea"/>
-                <a:cs typeface="+mn-cs"/>
-              </a:defRPr>
-            </a:lvl6pPr>
-            <a:lvl7pPr marL="2971800" indent="-228600" algn="l" defTabSz="914400" rtl="0" eaLnBrk="1" latinLnBrk="0" hangingPunct="1">
-              <a:lnSpc>
-                <a:spcPct val="90000"/>
-              </a:lnSpc>
-              <a:spcBef>
-                <a:spcPct val="30000"/>
-              </a:spcBef>
-              <a:buFont typeface="Arial" panose="020B0604020202020204" pitchFamily="34" charset="0"/>
-              <a:buChar char="•"/>
-              <a:defRPr sz="1800" kern="1200">
-                <a:solidFill>
-                  <a:schemeClr val="tx1"/>
-                </a:solidFill>
-                <a:latin typeface="+mn-lt"/>
-                <a:ea typeface="+mn-ea"/>
-                <a:cs typeface="+mn-cs"/>
-              </a:defRPr>
-            </a:lvl7pPr>
-            <a:lvl8pPr marL="3429000" indent="-228600" algn="l" defTabSz="914400" rtl="0" eaLnBrk="1" latinLnBrk="0" hangingPunct="1">
-              <a:lnSpc>
-                <a:spcPct val="90000"/>
-              </a:lnSpc>
-              <a:spcBef>
-                <a:spcPct val="30000"/>
-              </a:spcBef>
-              <a:buFont typeface="Arial" panose="020B0604020202020204" pitchFamily="34" charset="0"/>
-              <a:buChar char="•"/>
-              <a:defRPr sz="1800" kern="1200">
-                <a:solidFill>
-                  <a:schemeClr val="tx1"/>
-                </a:solidFill>
-                <a:latin typeface="+mn-lt"/>
-                <a:ea typeface="+mn-ea"/>
-                <a:cs typeface="+mn-cs"/>
-              </a:defRPr>
-            </a:lvl8pPr>
-            <a:lvl9pPr marL="3886200" indent="-228600" algn="l" defTabSz="914400" rtl="0" eaLnBrk="1" latinLnBrk="0" hangingPunct="1">
-              <a:lnSpc>
-                <a:spcPct val="90000"/>
-              </a:lnSpc>
-              <a:spcBef>
-                <a:spcPct val="30000"/>
-              </a:spcBef>
-              <a:buFont typeface="Arial" panose="020B0604020202020204" pitchFamily="34" charset="0"/>
-              <a:buChar char="•"/>
-              <a:defRPr sz="1800" kern="1200">
-                <a:solidFill>
-                  <a:schemeClr val="tx1"/>
-                </a:solidFill>
-                <a:latin typeface="+mn-lt"/>
-                <a:ea typeface="+mn-ea"/>
-                <a:cs typeface="+mn-cs"/>
-              </a:defRPr>
-            </a:lvl9pPr>
-          </a:lstStyle>
-          <a:p>
-            <a:pPr marL="0" indent="0">
-              <a:spcAft>
-                <a:spcPts val="2000"/>
-              </a:spcAft>
-              <a:buNone/>
-            </a:pPr>
-            <a:endParaRPr lang="en-US" sz="1800" dirty="0">
-              <a:latin typeface="Segoe UI" panose="020B0502040204020203" pitchFamily="34" charset="0"/>
-              <a:cs typeface="Segoe UI" panose="020B0502040204020203" pitchFamily="34" charset="0"/>
-            </a:endParaRPr>
-          </a:p>
-        </p:txBody>
-      </p:sp>
-      <p:sp>
-        <p:nvSpPr>
-          <p:cNvPr id="36" name="Content Placeholder 17"/>
-          <p:cNvSpPr txBox="1">
-            <a:spLocks/>
-          </p:cNvSpPr>
-          <p:nvPr/>
-        </p:nvSpPr>
-        <p:spPr>
-          <a:xfrm>
-            <a:off x="473548" y="1498232"/>
-            <a:ext cx="10356444" cy="5496598"/>
-          </a:xfrm>
-          <a:prstGeom prst="rect">
-            <a:avLst/>
-          </a:prstGeom>
-        </p:spPr>
-        <p:txBody>
-          <a:bodyPr vert="horz" lIns="91440" tIns="45720" rIns="91440" bIns="45720" rtlCol="0">
-            <a:noAutofit/>
-          </a:bodyPr>
-          <a:lstStyle>
-            <a:lvl1pPr marL="228600" indent="-228600" algn="l" defTabSz="914400" rtl="0" eaLnBrk="1" latinLnBrk="0" hangingPunct="1">
-              <a:lnSpc>
-                <a:spcPts val="1800"/>
-              </a:lnSpc>
-              <a:spcBef>
-                <a:spcPts val="1000"/>
-              </a:spcBef>
-              <a:spcAft>
-                <a:spcPts val="1000"/>
-              </a:spcAft>
-              <a:buFont typeface="Arial" panose="020B0604020202020204" pitchFamily="34" charset="0"/>
-              <a:buChar char="•"/>
-              <a:defRPr lang="en-US" sz="1200" kern="1200" smtClean="0">
-                <a:solidFill>
-                  <a:schemeClr val="tx1">
-                    <a:lumMod val="75000"/>
-                    <a:lumOff val="25000"/>
-                  </a:schemeClr>
-                </a:solidFill>
-                <a:latin typeface="+mn-lt"/>
-                <a:ea typeface="+mn-ea"/>
-                <a:cs typeface="+mn-cs"/>
-              </a:defRPr>
-            </a:lvl1pPr>
-            <a:lvl2pPr marL="685800" indent="-228600" algn="l" defTabSz="914400" rtl="0" eaLnBrk="1" latinLnBrk="0" hangingPunct="1">
-              <a:lnSpc>
-                <a:spcPts val="1800"/>
-              </a:lnSpc>
-              <a:spcBef>
-                <a:spcPts val="1000"/>
-              </a:spcBef>
-              <a:spcAft>
-                <a:spcPts val="1000"/>
-              </a:spcAft>
-              <a:buFont typeface="Arial" panose="020B0604020202020204" pitchFamily="34" charset="0"/>
-              <a:buChar char="•"/>
-              <a:defRPr lang="en-US" sz="1200" kern="1200" smtClean="0">
-                <a:solidFill>
-                  <a:schemeClr val="tx1">
-                    <a:lumMod val="75000"/>
-                    <a:lumOff val="25000"/>
-                  </a:schemeClr>
-                </a:solidFill>
-                <a:latin typeface="+mn-lt"/>
-                <a:ea typeface="+mn-ea"/>
-                <a:cs typeface="+mn-cs"/>
-              </a:defRPr>
-            </a:lvl2pPr>
-            <a:lvl3pPr marL="1143000" indent="-228600" algn="l" defTabSz="914400" rtl="0" eaLnBrk="1" latinLnBrk="0" hangingPunct="1">
-              <a:lnSpc>
-                <a:spcPts val="1800"/>
-              </a:lnSpc>
-              <a:spcBef>
-                <a:spcPts val="1000"/>
-              </a:spcBef>
-              <a:spcAft>
-                <a:spcPts val="1000"/>
-              </a:spcAft>
-              <a:buFont typeface="Arial" panose="020B0604020202020204" pitchFamily="34" charset="0"/>
-              <a:buChar char="•"/>
-              <a:defRPr lang="en-US" sz="1200" kern="1200" smtClean="0">
-                <a:solidFill>
-                  <a:schemeClr val="tx1">
-                    <a:lumMod val="75000"/>
-                    <a:lumOff val="25000"/>
-                  </a:schemeClr>
-                </a:solidFill>
-                <a:latin typeface="+mn-lt"/>
-                <a:ea typeface="+mn-ea"/>
-                <a:cs typeface="+mn-cs"/>
-              </a:defRPr>
-            </a:lvl3pPr>
-            <a:lvl4pPr marL="1600200" indent="-228600" algn="l" defTabSz="914400" rtl="0" eaLnBrk="1" latinLnBrk="0" hangingPunct="1">
-              <a:lnSpc>
-                <a:spcPts val="1800"/>
-              </a:lnSpc>
-              <a:spcBef>
-                <a:spcPts val="1000"/>
-              </a:spcBef>
-              <a:spcAft>
-                <a:spcPts val="1000"/>
-              </a:spcAft>
-              <a:buFont typeface="Arial" panose="020B0604020202020204" pitchFamily="34" charset="0"/>
-              <a:buChar char="•"/>
-              <a:defRPr lang="en-US" sz="1200" kern="1200" smtClean="0">
-                <a:solidFill>
-                  <a:schemeClr val="tx1">
-                    <a:lumMod val="75000"/>
-                    <a:lumOff val="25000"/>
-                  </a:schemeClr>
-                </a:solidFill>
-                <a:latin typeface="+mn-lt"/>
-                <a:ea typeface="+mn-ea"/>
-                <a:cs typeface="+mn-cs"/>
-              </a:defRPr>
-            </a:lvl4pPr>
-            <a:lvl5pPr marL="2057400" indent="-228600" algn="l" defTabSz="914400" rtl="0" eaLnBrk="1" latinLnBrk="0" hangingPunct="1">
-              <a:lnSpc>
-                <a:spcPts val="1800"/>
-              </a:lnSpc>
-              <a:spcBef>
-                <a:spcPts val="1000"/>
-              </a:spcBef>
-              <a:spcAft>
-                <a:spcPts val="1000"/>
-              </a:spcAft>
-              <a:buFont typeface="Arial" panose="020B0604020202020204" pitchFamily="34" charset="0"/>
-              <a:buChar char="•"/>
-              <a:defRPr lang="en-US" sz="1200" kern="1200">
-                <a:solidFill>
-                  <a:schemeClr val="tx1">
-                    <a:lumMod val="75000"/>
-                    <a:lumOff val="25000"/>
-                  </a:schemeClr>
-                </a:solidFill>
-                <a:latin typeface="+mn-lt"/>
-                <a:ea typeface="+mn-ea"/>
-                <a:cs typeface="+mn-cs"/>
-              </a:defRPr>
-            </a:lvl5pPr>
-            <a:lvl6pPr marL="2514600" indent="-228600" algn="l" defTabSz="914400" rtl="0" eaLnBrk="1" latinLnBrk="0" hangingPunct="1">
-              <a:lnSpc>
-                <a:spcPct val="90000"/>
-              </a:lnSpc>
-              <a:spcBef>
-                <a:spcPct val="30000"/>
-              </a:spcBef>
-              <a:buFont typeface="Arial" panose="020B0604020202020204" pitchFamily="34" charset="0"/>
-              <a:buChar char="•"/>
-              <a:defRPr sz="1800" kern="1200">
-                <a:solidFill>
-                  <a:schemeClr val="tx1"/>
-                </a:solidFill>
-                <a:latin typeface="+mn-lt"/>
-                <a:ea typeface="+mn-ea"/>
-                <a:cs typeface="+mn-cs"/>
-              </a:defRPr>
-            </a:lvl6pPr>
-            <a:lvl7pPr marL="2971800" indent="-228600" algn="l" defTabSz="914400" rtl="0" eaLnBrk="1" latinLnBrk="0" hangingPunct="1">
-              <a:lnSpc>
-                <a:spcPct val="90000"/>
-              </a:lnSpc>
-              <a:spcBef>
-                <a:spcPct val="30000"/>
-              </a:spcBef>
-              <a:buFont typeface="Arial" panose="020B0604020202020204" pitchFamily="34" charset="0"/>
-              <a:buChar char="•"/>
-              <a:defRPr sz="1800" kern="1200">
-                <a:solidFill>
-                  <a:schemeClr val="tx1"/>
-                </a:solidFill>
-                <a:latin typeface="+mn-lt"/>
-                <a:ea typeface="+mn-ea"/>
-                <a:cs typeface="+mn-cs"/>
-              </a:defRPr>
-            </a:lvl7pPr>
-            <a:lvl8pPr marL="3429000" indent="-228600" algn="l" defTabSz="914400" rtl="0" eaLnBrk="1" latinLnBrk="0" hangingPunct="1">
-              <a:lnSpc>
-                <a:spcPct val="90000"/>
-              </a:lnSpc>
-              <a:spcBef>
-                <a:spcPct val="30000"/>
-              </a:spcBef>
-              <a:buFont typeface="Arial" panose="020B0604020202020204" pitchFamily="34" charset="0"/>
-              <a:buChar char="•"/>
-              <a:defRPr sz="1800" kern="1200">
-                <a:solidFill>
-                  <a:schemeClr val="tx1"/>
-                </a:solidFill>
-                <a:latin typeface="+mn-lt"/>
-                <a:ea typeface="+mn-ea"/>
-                <a:cs typeface="+mn-cs"/>
-              </a:defRPr>
-            </a:lvl8pPr>
-            <a:lvl9pPr marL="3886200" indent="-228600" algn="l" defTabSz="914400" rtl="0" eaLnBrk="1" latinLnBrk="0" hangingPunct="1">
-              <a:lnSpc>
-                <a:spcPct val="90000"/>
-              </a:lnSpc>
-              <a:spcBef>
-                <a:spcPct val="30000"/>
-              </a:spcBef>
-              <a:buFont typeface="Arial" panose="020B0604020202020204" pitchFamily="34" charset="0"/>
-              <a:buChar char="•"/>
-              <a:defRPr sz="1800" kern="1200">
-                <a:solidFill>
-                  <a:schemeClr val="tx1"/>
-                </a:solidFill>
-                <a:latin typeface="+mn-lt"/>
-                <a:ea typeface="+mn-ea"/>
-                <a:cs typeface="+mn-cs"/>
-              </a:defRPr>
-            </a:lvl9pPr>
-          </a:lstStyle>
-          <a:p>
-            <a:pPr lvl="1">
-              <a:lnSpc>
-                <a:spcPts val="4000"/>
-              </a:lnSpc>
-            </a:pPr>
-            <a:r>
-              <a:rPr lang="en-GB" sz="3800" dirty="0">
-                <a:solidFill>
-                  <a:schemeClr val="bg2">
-                    <a:lumMod val="25000"/>
-                  </a:schemeClr>
-                </a:solidFill>
-                <a:latin typeface="Segoe UI Light" panose="020B0502040204020203" pitchFamily="34" charset="0"/>
-                <a:cs typeface="Segoe UI Light" panose="020B0502040204020203" pitchFamily="34" charset="0"/>
-              </a:rPr>
-              <a:t>Google 20,000+.</a:t>
-            </a:r>
-          </a:p>
-          <a:p>
-            <a:pPr lvl="1">
-              <a:lnSpc>
-                <a:spcPts val="4000"/>
-              </a:lnSpc>
-            </a:pPr>
-            <a:r>
-              <a:rPr lang="en-GB" sz="3800" dirty="0">
-                <a:solidFill>
-                  <a:schemeClr val="bg2">
-                    <a:lumMod val="25000"/>
-                  </a:schemeClr>
-                </a:solidFill>
-                <a:latin typeface="Segoe UI Light" panose="020B0502040204020203" pitchFamily="34" charset="0"/>
-                <a:cs typeface="Segoe UI Light" panose="020B0502040204020203" pitchFamily="34" charset="0"/>
-              </a:rPr>
-              <a:t>Google Accelerated Mobile Pages.</a:t>
-            </a:r>
-          </a:p>
-          <a:p>
-            <a:pPr lvl="1">
-              <a:lnSpc>
-                <a:spcPts val="4000"/>
-              </a:lnSpc>
-            </a:pPr>
-            <a:r>
-              <a:rPr lang="en-GB" sz="3800" dirty="0">
-                <a:solidFill>
-                  <a:schemeClr val="bg2">
-                    <a:lumMod val="25000"/>
-                  </a:schemeClr>
-                </a:solidFill>
-                <a:latin typeface="Segoe UI Light" panose="020B0502040204020203" pitchFamily="34" charset="0"/>
-                <a:cs typeface="Segoe UI Light" panose="020B0502040204020203" pitchFamily="34" charset="0"/>
-              </a:rPr>
-              <a:t>Ionic and Ionic/ReactJS/Angular (Ionic Apps with Capacitor can run on IOS, Android, Web and Electron). ‘Write once, run anywhere…’</a:t>
-            </a:r>
-          </a:p>
-          <a:p>
-            <a:pPr lvl="1">
-              <a:lnSpc>
-                <a:spcPts val="4000"/>
-              </a:lnSpc>
-            </a:pPr>
-            <a:r>
-              <a:rPr lang="en-GB" sz="3800" dirty="0">
-                <a:solidFill>
-                  <a:schemeClr val="bg2">
-                    <a:lumMod val="25000"/>
-                  </a:schemeClr>
-                </a:solidFill>
-                <a:latin typeface="Segoe UI Light" panose="020B0502040204020203" pitchFamily="34" charset="0"/>
-                <a:cs typeface="Segoe UI Light" panose="020B0502040204020203" pitchFamily="34" charset="0"/>
-              </a:rPr>
-              <a:t>Salesforce – Lightning Web Components</a:t>
-            </a:r>
-          </a:p>
-          <a:p>
-            <a:pPr lvl="1">
-              <a:lnSpc>
-                <a:spcPts val="4000"/>
-              </a:lnSpc>
-            </a:pPr>
-            <a:endParaRPr lang="en-GB" sz="3800" dirty="0">
-              <a:solidFill>
-                <a:schemeClr val="bg2">
-                  <a:lumMod val="25000"/>
-                </a:schemeClr>
-              </a:solidFill>
-              <a:latin typeface="Segoe UI Light" panose="020B0502040204020203" pitchFamily="34" charset="0"/>
-              <a:cs typeface="Segoe UI Light" panose="020B0502040204020203" pitchFamily="34" charset="0"/>
-            </a:endParaRPr>
-          </a:p>
-          <a:p>
-            <a:pPr marL="0" lvl="0" indent="0">
-              <a:spcBef>
-                <a:spcPct val="0"/>
-              </a:spcBef>
-              <a:spcAft>
-                <a:spcPts val="2000"/>
-              </a:spcAft>
-              <a:buNone/>
-              <a:defRPr/>
-            </a:pPr>
-            <a:endParaRPr lang="en-US" sz="3800" dirty="0">
-              <a:solidFill>
-                <a:schemeClr val="bg2">
-                  <a:lumMod val="25000"/>
-                </a:schemeClr>
-              </a:solidFill>
-              <a:latin typeface="Segoe UI Light" panose="020B0502040204020203" pitchFamily="34" charset="0"/>
-              <a:cs typeface="Segoe UI Light" panose="020B0502040204020203" pitchFamily="34" charset="0"/>
-            </a:endParaRPr>
-          </a:p>
-        </p:txBody>
-      </p:sp>
-      <p:pic>
-        <p:nvPicPr>
-          <p:cNvPr id="5" name="Picture 4">
-            <a:extLst>
-              <a:ext uri="{FF2B5EF4-FFF2-40B4-BE49-F238E27FC236}">
-                <a16:creationId xmlns:a16="http://schemas.microsoft.com/office/drawing/2014/main" id="{6A8A1AE0-4E26-4B4F-975F-BE5424BF008B}"/>
-              </a:ext>
-            </a:extLst>
-          </p:cNvPr>
-          <p:cNvPicPr>
-            <a:picLocks noChangeAspect="1"/>
-          </p:cNvPicPr>
-          <p:nvPr/>
-        </p:nvPicPr>
-        <p:blipFill>
-          <a:blip r:embed="rId2">
-            <a:extLst>
-              <a:ext uri="{28A0092B-C50C-407E-A947-70E740481C1C}">
-                <a14:useLocalDpi xmlns:a14="http://schemas.microsoft.com/office/drawing/2010/main" val="0"/>
-              </a:ext>
-            </a:extLst>
-          </a:blip>
-          <a:stretch>
-            <a:fillRect/>
-          </a:stretch>
-        </p:blipFill>
-        <p:spPr>
-          <a:xfrm>
-            <a:off x="805599" y="5354535"/>
-            <a:ext cx="10580802" cy="1004384"/>
-          </a:xfrm>
-          <a:prstGeom prst="rect">
-            <a:avLst/>
-          </a:prstGeom>
-        </p:spPr>
-      </p:pic>
-      <p:cxnSp>
-        <p:nvCxnSpPr>
-          <p:cNvPr id="6" name="Straight Connector 5">
-            <a:extLst>
-              <a:ext uri="{FF2B5EF4-FFF2-40B4-BE49-F238E27FC236}">
-                <a16:creationId xmlns:a16="http://schemas.microsoft.com/office/drawing/2014/main" id="{36E01457-F84E-4B93-81AE-75E1DD466841}"/>
-              </a:ext>
-            </a:extLst>
-          </p:cNvPr>
-          <p:cNvCxnSpPr>
-            <a:cxnSpLocks/>
-          </p:cNvCxnSpPr>
-          <p:nvPr/>
-        </p:nvCxnSpPr>
-        <p:spPr>
-          <a:xfrm>
-            <a:off x="6866445" y="6208482"/>
-            <a:ext cx="4392890" cy="0"/>
-          </a:xfrm>
-          <a:prstGeom prst="line">
-            <a:avLst/>
-          </a:prstGeom>
-          <a:ln w="44450">
-            <a:solidFill>
-              <a:srgbClr val="FF0000"/>
-            </a:solidFill>
-          </a:ln>
-        </p:spPr>
-        <p:style>
-          <a:lnRef idx="1">
-            <a:schemeClr val="accent1"/>
-          </a:lnRef>
-          <a:fillRef idx="0">
-            <a:schemeClr val="accent1"/>
-          </a:fillRef>
-          <a:effectRef idx="0">
-            <a:schemeClr val="accent1"/>
-          </a:effectRef>
-          <a:fontRef idx="minor">
-            <a:schemeClr val="tx1"/>
-          </a:fontRef>
-        </p:style>
-      </p:cxnSp>
-      <p:sp>
-        <p:nvSpPr>
-          <p:cNvPr id="8" name="TextBox 7">
-            <a:extLst>
-              <a:ext uri="{FF2B5EF4-FFF2-40B4-BE49-F238E27FC236}">
-                <a16:creationId xmlns:a16="http://schemas.microsoft.com/office/drawing/2014/main" id="{FC451C01-6D96-43BA-B5BA-EC9A130E2DD5}"/>
-              </a:ext>
-            </a:extLst>
-          </p:cNvPr>
-          <p:cNvSpPr txBox="1"/>
-          <p:nvPr/>
-        </p:nvSpPr>
-        <p:spPr>
-          <a:xfrm>
-            <a:off x="1061884" y="6230599"/>
-            <a:ext cx="10068232" cy="892552"/>
-          </a:xfrm>
-          <a:prstGeom prst="rect">
-            <a:avLst/>
-          </a:prstGeom>
-          <a:noFill/>
-        </p:spPr>
-        <p:txBody>
-          <a:bodyPr wrap="square">
-            <a:spAutoFit/>
-          </a:bodyPr>
-          <a:lstStyle/>
-          <a:p>
-            <a:pPr marL="457200" lvl="1" indent="0">
-              <a:buNone/>
-            </a:pPr>
-            <a:r>
-              <a:rPr lang="en-GB" sz="1600" dirty="0">
-                <a:latin typeface="Segoe UI" panose="020B0502040204020203" pitchFamily="34" charset="0"/>
-                <a:cs typeface="Segoe UI" panose="020B0502040204020203" pitchFamily="34" charset="0"/>
-              </a:rPr>
-              <a:t>Google video about Web Components and Salesforce: https://www.youtube.com/watch?v=YBwgkr_Sbx0</a:t>
-            </a:r>
-            <a:endParaRPr lang="en-GB" sz="1800" dirty="0">
-              <a:latin typeface="Segoe UI" panose="020B0502040204020203" pitchFamily="34" charset="0"/>
-              <a:cs typeface="Segoe UI" panose="020B0502040204020203" pitchFamily="34" charset="0"/>
-            </a:endParaRPr>
-          </a:p>
-          <a:p>
-            <a:pPr marL="0" indent="0">
-              <a:buNone/>
-            </a:pPr>
-            <a:endParaRPr lang="en-GB" sz="1800" dirty="0">
-              <a:latin typeface="Segoe UI" panose="020B0502040204020203" pitchFamily="34" charset="0"/>
-              <a:cs typeface="Segoe UI" panose="020B0502040204020203" pitchFamily="34" charset="0"/>
-            </a:endParaRPr>
-          </a:p>
-          <a:p>
-            <a:pPr marL="0" indent="0">
-              <a:buNone/>
-            </a:pPr>
-            <a:endParaRPr lang="en-GB" sz="1800" dirty="0">
-              <a:latin typeface="Segoe UI" panose="020B0502040204020203" pitchFamily="34" charset="0"/>
-              <a:cs typeface="Segoe UI" panose="020B0502040204020203" pitchFamily="34" charset="0"/>
-            </a:endParaRPr>
-          </a:p>
-        </p:txBody>
-      </p:sp>
-      <p:sp>
-        <p:nvSpPr>
-          <p:cNvPr id="2" name="Speech Bubble: Rectangle 1">
-            <a:extLst>
-              <a:ext uri="{FF2B5EF4-FFF2-40B4-BE49-F238E27FC236}">
-                <a16:creationId xmlns:a16="http://schemas.microsoft.com/office/drawing/2014/main" id="{19004DA7-26A9-4B5A-8A65-77416C45A777}"/>
-              </a:ext>
-            </a:extLst>
-          </p:cNvPr>
-          <p:cNvSpPr/>
-          <p:nvPr/>
-        </p:nvSpPr>
-        <p:spPr>
-          <a:xfrm>
-            <a:off x="2640203" y="4581586"/>
-            <a:ext cx="2805090" cy="299122"/>
-          </a:xfrm>
-          <a:prstGeom prst="wedgeRectCallout">
-            <a:avLst/>
-          </a:prstGeom>
-        </p:spPr>
-        <p:style>
-          <a:lnRef idx="2">
-            <a:schemeClr val="accent1">
-              <a:shade val="50000"/>
-            </a:schemeClr>
-          </a:lnRef>
-          <a:fillRef idx="1">
-            <a:schemeClr val="accent1"/>
-          </a:fillRef>
-          <a:effectRef idx="0">
-            <a:schemeClr val="accent1"/>
-          </a:effectRef>
-          <a:fontRef idx="minor">
-            <a:schemeClr val="lt1"/>
-          </a:fontRef>
-        </p:style>
-        <p:txBody>
-          <a:bodyPr rtlCol="0" anchor="ctr"/>
-          <a:lstStyle/>
-          <a:p>
-            <a:pPr algn="ctr"/>
-            <a:r>
-              <a:rPr lang="en-GB" sz="1400" b="1" dirty="0"/>
-              <a:t>Salesforce has purchased Slack</a:t>
-            </a:r>
-          </a:p>
-        </p:txBody>
-      </p:sp>
-    </p:spTree>
-    <p:extLst>
-      <p:ext uri="{BB962C8B-B14F-4D97-AF65-F5344CB8AC3E}">
-        <p14:creationId xmlns:p14="http://schemas.microsoft.com/office/powerpoint/2010/main" val="2389234216"/>
-      </p:ext>
-    </p:extLst>
-  </p:cSld>
-  <p:clrMapOvr>
-    <a:masterClrMapping/>
-  </p:clrMapOvr>
-</p:sld>
-</file>
-
-<file path=ppt/slides/slide29.xml><?xml version="1.0" encoding="utf-8"?>
-<p:sld xmlns:a="http://schemas.openxmlformats.org/drawingml/2006/main" xmlns:r="http://schemas.openxmlformats.org/officeDocument/2006/relationships" xmlns:p="http://schemas.openxmlformats.org/presentationml/2006/main">
-  <p:cSld>
-    <p:spTree>
-      <p:nvGrpSpPr>
-        <p:cNvPr id="1" name=""/>
-        <p:cNvGrpSpPr/>
-        <p:nvPr/>
-      </p:nvGrpSpPr>
-      <p:grpSpPr>
-        <a:xfrm>
-          <a:off x="0" y="0"/>
-          <a:ext cx="0" cy="0"/>
-          <a:chOff x="0" y="0"/>
-          <a:chExt cx="0" cy="0"/>
-        </a:xfrm>
-      </p:grpSpPr>
-      <p:sp>
-        <p:nvSpPr>
-          <p:cNvPr id="4" name="Title 3"/>
-          <p:cNvSpPr>
-            <a:spLocks noGrp="1"/>
-          </p:cNvSpPr>
-          <p:nvPr>
-            <p:ph type="title"/>
-          </p:nvPr>
-        </p:nvSpPr>
-        <p:spPr>
-          <a:xfrm>
-            <a:off x="541609" y="426301"/>
-            <a:ext cx="8578726" cy="749992"/>
-          </a:xfrm>
-        </p:spPr>
-        <p:txBody>
-          <a:bodyPr>
-            <a:noAutofit/>
-          </a:bodyPr>
-          <a:lstStyle/>
-          <a:p>
-            <a:r>
-              <a:rPr lang="en-US" sz="4000" dirty="0">
-                <a:latin typeface="Segoe UI Light" panose="020B0502040204020203" pitchFamily="34" charset="0"/>
-                <a:cs typeface="Segoe UI Light" panose="020B0502040204020203" pitchFamily="34" charset="0"/>
-              </a:rPr>
-              <a:t>Types of Web Components</a:t>
-            </a:r>
-          </a:p>
-        </p:txBody>
-      </p:sp>
-      <p:sp>
-        <p:nvSpPr>
-          <p:cNvPr id="25" name="Content Placeholder 17"/>
-          <p:cNvSpPr txBox="1">
-            <a:spLocks/>
-          </p:cNvSpPr>
-          <p:nvPr/>
-        </p:nvSpPr>
-        <p:spPr>
-          <a:xfrm>
-            <a:off x="678427" y="1330374"/>
-            <a:ext cx="5110161" cy="471149"/>
-          </a:xfrm>
-          <a:prstGeom prst="rect">
-            <a:avLst/>
-          </a:prstGeom>
-        </p:spPr>
-        <p:txBody>
-          <a:bodyPr vert="horz" lIns="91440" tIns="45720" rIns="91440" bIns="45720" rtlCol="0">
-            <a:normAutofit/>
-          </a:bodyPr>
-          <a:lstStyle>
-            <a:lvl1pPr marL="228600" indent="-228600" algn="l" defTabSz="914400" rtl="0" eaLnBrk="1" latinLnBrk="0" hangingPunct="1">
-              <a:lnSpc>
-                <a:spcPts val="1800"/>
-              </a:lnSpc>
-              <a:spcBef>
-                <a:spcPts val="1000"/>
-              </a:spcBef>
-              <a:spcAft>
-                <a:spcPts val="1000"/>
-              </a:spcAft>
-              <a:buFont typeface="Arial" panose="020B0604020202020204" pitchFamily="34" charset="0"/>
-              <a:buChar char="•"/>
-              <a:defRPr lang="en-US" sz="1200" kern="1200" smtClean="0">
-                <a:solidFill>
-                  <a:schemeClr val="tx1">
-                    <a:lumMod val="75000"/>
-                    <a:lumOff val="25000"/>
-                  </a:schemeClr>
-                </a:solidFill>
-                <a:latin typeface="+mn-lt"/>
-                <a:ea typeface="+mn-ea"/>
-                <a:cs typeface="+mn-cs"/>
-              </a:defRPr>
-            </a:lvl1pPr>
-            <a:lvl2pPr marL="685800" indent="-228600" algn="l" defTabSz="914400" rtl="0" eaLnBrk="1" latinLnBrk="0" hangingPunct="1">
-              <a:lnSpc>
-                <a:spcPts val="1800"/>
-              </a:lnSpc>
-              <a:spcBef>
-                <a:spcPts val="1000"/>
-              </a:spcBef>
-              <a:spcAft>
-                <a:spcPts val="1000"/>
-              </a:spcAft>
-              <a:buFont typeface="Arial" panose="020B0604020202020204" pitchFamily="34" charset="0"/>
-              <a:buChar char="•"/>
-              <a:defRPr lang="en-US" sz="1200" kern="1200" smtClean="0">
-                <a:solidFill>
-                  <a:schemeClr val="tx1">
-                    <a:lumMod val="75000"/>
-                    <a:lumOff val="25000"/>
-                  </a:schemeClr>
-                </a:solidFill>
-                <a:latin typeface="+mn-lt"/>
-                <a:ea typeface="+mn-ea"/>
-                <a:cs typeface="+mn-cs"/>
-              </a:defRPr>
-            </a:lvl2pPr>
-            <a:lvl3pPr marL="1143000" indent="-228600" algn="l" defTabSz="914400" rtl="0" eaLnBrk="1" latinLnBrk="0" hangingPunct="1">
-              <a:lnSpc>
-                <a:spcPts val="1800"/>
-              </a:lnSpc>
-              <a:spcBef>
-                <a:spcPts val="1000"/>
-              </a:spcBef>
-              <a:spcAft>
-                <a:spcPts val="1000"/>
-              </a:spcAft>
-              <a:buFont typeface="Arial" panose="020B0604020202020204" pitchFamily="34" charset="0"/>
-              <a:buChar char="•"/>
-              <a:defRPr lang="en-US" sz="1200" kern="1200" smtClean="0">
-                <a:solidFill>
-                  <a:schemeClr val="tx1">
-                    <a:lumMod val="75000"/>
-                    <a:lumOff val="25000"/>
-                  </a:schemeClr>
-                </a:solidFill>
-                <a:latin typeface="+mn-lt"/>
-                <a:ea typeface="+mn-ea"/>
-                <a:cs typeface="+mn-cs"/>
-              </a:defRPr>
-            </a:lvl3pPr>
-            <a:lvl4pPr marL="1600200" indent="-228600" algn="l" defTabSz="914400" rtl="0" eaLnBrk="1" latinLnBrk="0" hangingPunct="1">
-              <a:lnSpc>
-                <a:spcPts val="1800"/>
-              </a:lnSpc>
-              <a:spcBef>
-                <a:spcPts val="1000"/>
-              </a:spcBef>
-              <a:spcAft>
-                <a:spcPts val="1000"/>
-              </a:spcAft>
-              <a:buFont typeface="Arial" panose="020B0604020202020204" pitchFamily="34" charset="0"/>
-              <a:buChar char="•"/>
-              <a:defRPr lang="en-US" sz="1200" kern="1200" smtClean="0">
-                <a:solidFill>
-                  <a:schemeClr val="tx1">
-                    <a:lumMod val="75000"/>
-                    <a:lumOff val="25000"/>
-                  </a:schemeClr>
-                </a:solidFill>
-                <a:latin typeface="+mn-lt"/>
-                <a:ea typeface="+mn-ea"/>
-                <a:cs typeface="+mn-cs"/>
-              </a:defRPr>
-            </a:lvl4pPr>
-            <a:lvl5pPr marL="2057400" indent="-228600" algn="l" defTabSz="914400" rtl="0" eaLnBrk="1" latinLnBrk="0" hangingPunct="1">
-              <a:lnSpc>
-                <a:spcPts val="1800"/>
-              </a:lnSpc>
-              <a:spcBef>
-                <a:spcPts val="1000"/>
-              </a:spcBef>
-              <a:spcAft>
-                <a:spcPts val="1000"/>
-              </a:spcAft>
-              <a:buFont typeface="Arial" panose="020B0604020202020204" pitchFamily="34" charset="0"/>
-              <a:buChar char="•"/>
-              <a:defRPr lang="en-US" sz="1200" kern="1200">
-                <a:solidFill>
-                  <a:schemeClr val="tx1">
-                    <a:lumMod val="75000"/>
-                    <a:lumOff val="25000"/>
-                  </a:schemeClr>
-                </a:solidFill>
-                <a:latin typeface="+mn-lt"/>
-                <a:ea typeface="+mn-ea"/>
-                <a:cs typeface="+mn-cs"/>
-              </a:defRPr>
-            </a:lvl5pPr>
-            <a:lvl6pPr marL="2514600" indent="-228600" algn="l" defTabSz="914400" rtl="0" eaLnBrk="1" latinLnBrk="0" hangingPunct="1">
-              <a:lnSpc>
-                <a:spcPct val="90000"/>
-              </a:lnSpc>
-              <a:spcBef>
-                <a:spcPct val="30000"/>
-              </a:spcBef>
-              <a:buFont typeface="Arial" panose="020B0604020202020204" pitchFamily="34" charset="0"/>
-              <a:buChar char="•"/>
-              <a:defRPr sz="1800" kern="1200">
-                <a:solidFill>
-                  <a:schemeClr val="tx1"/>
-                </a:solidFill>
-                <a:latin typeface="+mn-lt"/>
-                <a:ea typeface="+mn-ea"/>
-                <a:cs typeface="+mn-cs"/>
-              </a:defRPr>
-            </a:lvl6pPr>
-            <a:lvl7pPr marL="2971800" indent="-228600" algn="l" defTabSz="914400" rtl="0" eaLnBrk="1" latinLnBrk="0" hangingPunct="1">
-              <a:lnSpc>
-                <a:spcPct val="90000"/>
-              </a:lnSpc>
-              <a:spcBef>
-                <a:spcPct val="30000"/>
-              </a:spcBef>
-              <a:buFont typeface="Arial" panose="020B0604020202020204" pitchFamily="34" charset="0"/>
-              <a:buChar char="•"/>
-              <a:defRPr sz="1800" kern="1200">
-                <a:solidFill>
-                  <a:schemeClr val="tx1"/>
-                </a:solidFill>
-                <a:latin typeface="+mn-lt"/>
-                <a:ea typeface="+mn-ea"/>
-                <a:cs typeface="+mn-cs"/>
-              </a:defRPr>
-            </a:lvl7pPr>
-            <a:lvl8pPr marL="3429000" indent="-228600" algn="l" defTabSz="914400" rtl="0" eaLnBrk="1" latinLnBrk="0" hangingPunct="1">
-              <a:lnSpc>
-                <a:spcPct val="90000"/>
-              </a:lnSpc>
-              <a:spcBef>
-                <a:spcPct val="30000"/>
-              </a:spcBef>
-              <a:buFont typeface="Arial" panose="020B0604020202020204" pitchFamily="34" charset="0"/>
-              <a:buChar char="•"/>
-              <a:defRPr sz="1800" kern="1200">
-                <a:solidFill>
-                  <a:schemeClr val="tx1"/>
-                </a:solidFill>
-                <a:latin typeface="+mn-lt"/>
-                <a:ea typeface="+mn-ea"/>
-                <a:cs typeface="+mn-cs"/>
-              </a:defRPr>
-            </a:lvl8pPr>
-            <a:lvl9pPr marL="3886200" indent="-228600" algn="l" defTabSz="914400" rtl="0" eaLnBrk="1" latinLnBrk="0" hangingPunct="1">
-              <a:lnSpc>
-                <a:spcPct val="90000"/>
-              </a:lnSpc>
-              <a:spcBef>
-                <a:spcPct val="30000"/>
-              </a:spcBef>
-              <a:buFont typeface="Arial" panose="020B0604020202020204" pitchFamily="34" charset="0"/>
-              <a:buChar char="•"/>
-              <a:defRPr sz="1800" kern="1200">
-                <a:solidFill>
-                  <a:schemeClr val="tx1"/>
-                </a:solidFill>
-                <a:latin typeface="+mn-lt"/>
-                <a:ea typeface="+mn-ea"/>
-                <a:cs typeface="+mn-cs"/>
-              </a:defRPr>
-            </a:lvl9pPr>
-          </a:lstStyle>
-          <a:p>
-            <a:pPr marL="0" indent="0">
-              <a:spcAft>
-                <a:spcPts val="2000"/>
-              </a:spcAft>
-              <a:buNone/>
-            </a:pPr>
-            <a:endParaRPr lang="en-US" sz="1800" dirty="0">
-              <a:latin typeface="Segoe UI" panose="020B0502040204020203" pitchFamily="34" charset="0"/>
-              <a:cs typeface="Segoe UI" panose="020B0502040204020203" pitchFamily="34" charset="0"/>
-            </a:endParaRPr>
-          </a:p>
-        </p:txBody>
-      </p:sp>
-      <p:sp>
-        <p:nvSpPr>
-          <p:cNvPr id="8" name="TextBox 7">
-            <a:extLst>
-              <a:ext uri="{FF2B5EF4-FFF2-40B4-BE49-F238E27FC236}">
-                <a16:creationId xmlns:a16="http://schemas.microsoft.com/office/drawing/2014/main" id="{D4329088-EA16-420B-B145-A30265C6D3B4}"/>
-              </a:ext>
-            </a:extLst>
-          </p:cNvPr>
-          <p:cNvSpPr txBox="1"/>
-          <p:nvPr/>
-        </p:nvSpPr>
-        <p:spPr>
-          <a:xfrm>
-            <a:off x="541609" y="1691065"/>
-            <a:ext cx="10971964" cy="4185761"/>
-          </a:xfrm>
-          <a:prstGeom prst="rect">
-            <a:avLst/>
-          </a:prstGeom>
-          <a:noFill/>
-        </p:spPr>
-        <p:txBody>
-          <a:bodyPr wrap="square">
-            <a:spAutoFit/>
-          </a:bodyPr>
-          <a:lstStyle/>
-          <a:p>
-            <a:pPr marL="457200" lvl="1" indent="0">
-              <a:buNone/>
-            </a:pPr>
-            <a:r>
-              <a:rPr lang="en-GB" sz="3800" dirty="0">
-                <a:solidFill>
-                  <a:schemeClr val="bg2">
-                    <a:lumMod val="25000"/>
-                  </a:schemeClr>
-                </a:solidFill>
-                <a:latin typeface="Segoe UI Light" panose="020B0502040204020203" pitchFamily="34" charset="0"/>
-                <a:cs typeface="Segoe UI Light" panose="020B0502040204020203" pitchFamily="34" charset="0"/>
-              </a:rPr>
-              <a:t>These are only limited by our use of JS as they are regular JS components.</a:t>
-            </a:r>
-          </a:p>
-          <a:p>
-            <a:pPr marL="457200" lvl="1" indent="0">
-              <a:buNone/>
-            </a:pPr>
-            <a:endParaRPr lang="en-GB" sz="3800" dirty="0">
-              <a:solidFill>
-                <a:schemeClr val="bg2">
-                  <a:lumMod val="25000"/>
-                </a:schemeClr>
-              </a:solidFill>
-              <a:latin typeface="Segoe UI Light" panose="020B0502040204020203" pitchFamily="34" charset="0"/>
-              <a:cs typeface="Segoe UI Light" panose="020B0502040204020203" pitchFamily="34" charset="0"/>
-            </a:endParaRPr>
-          </a:p>
-          <a:p>
-            <a:pPr marL="457200" lvl="1" indent="0">
-              <a:buNone/>
-            </a:pPr>
-            <a:r>
-              <a:rPr lang="en-GB" sz="3800" dirty="0">
-                <a:solidFill>
-                  <a:schemeClr val="bg2">
-                    <a:lumMod val="25000"/>
-                  </a:schemeClr>
-                </a:solidFill>
-                <a:latin typeface="Segoe UI Light" panose="020B0502040204020203" pitchFamily="34" charset="0"/>
-                <a:cs typeface="Segoe UI Light" panose="020B0502040204020203" pitchFamily="34" charset="0"/>
-              </a:rPr>
-              <a:t>We will look at couple of UI components and many more highly functional components that have built in functionality…</a:t>
-            </a:r>
-          </a:p>
-          <a:p>
-            <a:pPr marL="457200" lvl="1" indent="0">
-              <a:buNone/>
-            </a:pPr>
-            <a:endParaRPr lang="en-GB" sz="3800" dirty="0">
-              <a:solidFill>
-                <a:schemeClr val="bg2">
-                  <a:lumMod val="25000"/>
-                </a:schemeClr>
-              </a:solidFill>
-              <a:latin typeface="Segoe UI Light" panose="020B0502040204020203" pitchFamily="34" charset="0"/>
-              <a:cs typeface="Segoe UI Light" panose="020B0502040204020203" pitchFamily="34" charset="0"/>
-            </a:endParaRPr>
-          </a:p>
-        </p:txBody>
-      </p:sp>
-    </p:spTree>
-    <p:extLst>
-      <p:ext uri="{BB962C8B-B14F-4D97-AF65-F5344CB8AC3E}">
-        <p14:creationId xmlns:p14="http://schemas.microsoft.com/office/powerpoint/2010/main" val="2010978496"/>
       </p:ext>
     </p:extLst>
   </p:cSld>
@@ -17081,7 +17211,7 @@
                 <a:latin typeface="Segoe UI Light" panose="020B0502040204020203" pitchFamily="34" charset="0"/>
                 <a:cs typeface="Segoe UI Light" panose="020B0502040204020203" pitchFamily="34" charset="0"/>
               </a:rPr>
-              <a:t>Types of Web Components</a:t>
+              <a:t>Who uses Web Components?</a:t>
             </a:r>
           </a:p>
         </p:txBody>
@@ -17317,10 +17447,419 @@
       </p:sp>
       <p:sp>
         <p:nvSpPr>
+          <p:cNvPr id="36" name="Content Placeholder 17"/>
+          <p:cNvSpPr txBox="1">
+            <a:spLocks/>
+          </p:cNvSpPr>
+          <p:nvPr/>
+        </p:nvSpPr>
+        <p:spPr>
+          <a:xfrm>
+            <a:off x="473548" y="1498232"/>
+            <a:ext cx="10356444" cy="5496598"/>
+          </a:xfrm>
+          <a:prstGeom prst="rect">
+            <a:avLst/>
+          </a:prstGeom>
+        </p:spPr>
+        <p:txBody>
+          <a:bodyPr vert="horz" lIns="91440" tIns="45720" rIns="91440" bIns="45720" rtlCol="0">
+            <a:noAutofit/>
+          </a:bodyPr>
+          <a:lstStyle>
+            <a:lvl1pPr marL="228600" indent="-228600" algn="l" defTabSz="914400" rtl="0" eaLnBrk="1" latinLnBrk="0" hangingPunct="1">
+              <a:lnSpc>
+                <a:spcPts val="1800"/>
+              </a:lnSpc>
+              <a:spcBef>
+                <a:spcPts val="1000"/>
+              </a:spcBef>
+              <a:spcAft>
+                <a:spcPts val="1000"/>
+              </a:spcAft>
+              <a:buFont typeface="Arial" panose="020B0604020202020204" pitchFamily="34" charset="0"/>
+              <a:buChar char="•"/>
+              <a:defRPr lang="en-US" sz="1200" kern="1200" smtClean="0">
+                <a:solidFill>
+                  <a:schemeClr val="tx1">
+                    <a:lumMod val="75000"/>
+                    <a:lumOff val="25000"/>
+                  </a:schemeClr>
+                </a:solidFill>
+                <a:latin typeface="+mn-lt"/>
+                <a:ea typeface="+mn-ea"/>
+                <a:cs typeface="+mn-cs"/>
+              </a:defRPr>
+            </a:lvl1pPr>
+            <a:lvl2pPr marL="685800" indent="-228600" algn="l" defTabSz="914400" rtl="0" eaLnBrk="1" latinLnBrk="0" hangingPunct="1">
+              <a:lnSpc>
+                <a:spcPts val="1800"/>
+              </a:lnSpc>
+              <a:spcBef>
+                <a:spcPts val="1000"/>
+              </a:spcBef>
+              <a:spcAft>
+                <a:spcPts val="1000"/>
+              </a:spcAft>
+              <a:buFont typeface="Arial" panose="020B0604020202020204" pitchFamily="34" charset="0"/>
+              <a:buChar char="•"/>
+              <a:defRPr lang="en-US" sz="1200" kern="1200" smtClean="0">
+                <a:solidFill>
+                  <a:schemeClr val="tx1">
+                    <a:lumMod val="75000"/>
+                    <a:lumOff val="25000"/>
+                  </a:schemeClr>
+                </a:solidFill>
+                <a:latin typeface="+mn-lt"/>
+                <a:ea typeface="+mn-ea"/>
+                <a:cs typeface="+mn-cs"/>
+              </a:defRPr>
+            </a:lvl2pPr>
+            <a:lvl3pPr marL="1143000" indent="-228600" algn="l" defTabSz="914400" rtl="0" eaLnBrk="1" latinLnBrk="0" hangingPunct="1">
+              <a:lnSpc>
+                <a:spcPts val="1800"/>
+              </a:lnSpc>
+              <a:spcBef>
+                <a:spcPts val="1000"/>
+              </a:spcBef>
+              <a:spcAft>
+                <a:spcPts val="1000"/>
+              </a:spcAft>
+              <a:buFont typeface="Arial" panose="020B0604020202020204" pitchFamily="34" charset="0"/>
+              <a:buChar char="•"/>
+              <a:defRPr lang="en-US" sz="1200" kern="1200" smtClean="0">
+                <a:solidFill>
+                  <a:schemeClr val="tx1">
+                    <a:lumMod val="75000"/>
+                    <a:lumOff val="25000"/>
+                  </a:schemeClr>
+                </a:solidFill>
+                <a:latin typeface="+mn-lt"/>
+                <a:ea typeface="+mn-ea"/>
+                <a:cs typeface="+mn-cs"/>
+              </a:defRPr>
+            </a:lvl3pPr>
+            <a:lvl4pPr marL="1600200" indent="-228600" algn="l" defTabSz="914400" rtl="0" eaLnBrk="1" latinLnBrk="0" hangingPunct="1">
+              <a:lnSpc>
+                <a:spcPts val="1800"/>
+              </a:lnSpc>
+              <a:spcBef>
+                <a:spcPts val="1000"/>
+              </a:spcBef>
+              <a:spcAft>
+                <a:spcPts val="1000"/>
+              </a:spcAft>
+              <a:buFont typeface="Arial" panose="020B0604020202020204" pitchFamily="34" charset="0"/>
+              <a:buChar char="•"/>
+              <a:defRPr lang="en-US" sz="1200" kern="1200" smtClean="0">
+                <a:solidFill>
+                  <a:schemeClr val="tx1">
+                    <a:lumMod val="75000"/>
+                    <a:lumOff val="25000"/>
+                  </a:schemeClr>
+                </a:solidFill>
+                <a:latin typeface="+mn-lt"/>
+                <a:ea typeface="+mn-ea"/>
+                <a:cs typeface="+mn-cs"/>
+              </a:defRPr>
+            </a:lvl4pPr>
+            <a:lvl5pPr marL="2057400" indent="-228600" algn="l" defTabSz="914400" rtl="0" eaLnBrk="1" latinLnBrk="0" hangingPunct="1">
+              <a:lnSpc>
+                <a:spcPts val="1800"/>
+              </a:lnSpc>
+              <a:spcBef>
+                <a:spcPts val="1000"/>
+              </a:spcBef>
+              <a:spcAft>
+                <a:spcPts val="1000"/>
+              </a:spcAft>
+              <a:buFont typeface="Arial" panose="020B0604020202020204" pitchFamily="34" charset="0"/>
+              <a:buChar char="•"/>
+              <a:defRPr lang="en-US" sz="1200" kern="1200">
+                <a:solidFill>
+                  <a:schemeClr val="tx1">
+                    <a:lumMod val="75000"/>
+                    <a:lumOff val="25000"/>
+                  </a:schemeClr>
+                </a:solidFill>
+                <a:latin typeface="+mn-lt"/>
+                <a:ea typeface="+mn-ea"/>
+                <a:cs typeface="+mn-cs"/>
+              </a:defRPr>
+            </a:lvl5pPr>
+            <a:lvl6pPr marL="2514600" indent="-228600" algn="l" defTabSz="914400" rtl="0" eaLnBrk="1" latinLnBrk="0" hangingPunct="1">
+              <a:lnSpc>
+                <a:spcPct val="90000"/>
+              </a:lnSpc>
+              <a:spcBef>
+                <a:spcPct val="30000"/>
+              </a:spcBef>
+              <a:buFont typeface="Arial" panose="020B0604020202020204" pitchFamily="34" charset="0"/>
+              <a:buChar char="•"/>
+              <a:defRPr sz="1800" kern="1200">
+                <a:solidFill>
+                  <a:schemeClr val="tx1"/>
+                </a:solidFill>
+                <a:latin typeface="+mn-lt"/>
+                <a:ea typeface="+mn-ea"/>
+                <a:cs typeface="+mn-cs"/>
+              </a:defRPr>
+            </a:lvl6pPr>
+            <a:lvl7pPr marL="2971800" indent="-228600" algn="l" defTabSz="914400" rtl="0" eaLnBrk="1" latinLnBrk="0" hangingPunct="1">
+              <a:lnSpc>
+                <a:spcPct val="90000"/>
+              </a:lnSpc>
+              <a:spcBef>
+                <a:spcPct val="30000"/>
+              </a:spcBef>
+              <a:buFont typeface="Arial" panose="020B0604020202020204" pitchFamily="34" charset="0"/>
+              <a:buChar char="•"/>
+              <a:defRPr sz="1800" kern="1200">
+                <a:solidFill>
+                  <a:schemeClr val="tx1"/>
+                </a:solidFill>
+                <a:latin typeface="+mn-lt"/>
+                <a:ea typeface="+mn-ea"/>
+                <a:cs typeface="+mn-cs"/>
+              </a:defRPr>
+            </a:lvl7pPr>
+            <a:lvl8pPr marL="3429000" indent="-228600" algn="l" defTabSz="914400" rtl="0" eaLnBrk="1" latinLnBrk="0" hangingPunct="1">
+              <a:lnSpc>
+                <a:spcPct val="90000"/>
+              </a:lnSpc>
+              <a:spcBef>
+                <a:spcPct val="30000"/>
+              </a:spcBef>
+              <a:buFont typeface="Arial" panose="020B0604020202020204" pitchFamily="34" charset="0"/>
+              <a:buChar char="•"/>
+              <a:defRPr sz="1800" kern="1200">
+                <a:solidFill>
+                  <a:schemeClr val="tx1"/>
+                </a:solidFill>
+                <a:latin typeface="+mn-lt"/>
+                <a:ea typeface="+mn-ea"/>
+                <a:cs typeface="+mn-cs"/>
+              </a:defRPr>
+            </a:lvl8pPr>
+            <a:lvl9pPr marL="3886200" indent="-228600" algn="l" defTabSz="914400" rtl="0" eaLnBrk="1" latinLnBrk="0" hangingPunct="1">
+              <a:lnSpc>
+                <a:spcPct val="90000"/>
+              </a:lnSpc>
+              <a:spcBef>
+                <a:spcPct val="30000"/>
+              </a:spcBef>
+              <a:buFont typeface="Arial" panose="020B0604020202020204" pitchFamily="34" charset="0"/>
+              <a:buChar char="•"/>
+              <a:defRPr sz="1800" kern="1200">
+                <a:solidFill>
+                  <a:schemeClr val="tx1"/>
+                </a:solidFill>
+                <a:latin typeface="+mn-lt"/>
+                <a:ea typeface="+mn-ea"/>
+                <a:cs typeface="+mn-cs"/>
+              </a:defRPr>
+            </a:lvl9pPr>
+          </a:lstStyle>
+          <a:p>
+            <a:pPr lvl="1">
+              <a:lnSpc>
+                <a:spcPts val="4000"/>
+              </a:lnSpc>
+            </a:pPr>
+            <a:r>
+              <a:rPr lang="en-GB" sz="3800" dirty="0">
+                <a:solidFill>
+                  <a:schemeClr val="bg2">
+                    <a:lumMod val="25000"/>
+                  </a:schemeClr>
+                </a:solidFill>
+                <a:latin typeface="Segoe UI Light" panose="020B0502040204020203" pitchFamily="34" charset="0"/>
+                <a:cs typeface="Segoe UI Light" panose="020B0502040204020203" pitchFamily="34" charset="0"/>
+              </a:rPr>
+              <a:t>Google 20,000+.</a:t>
+            </a:r>
+          </a:p>
+          <a:p>
+            <a:pPr lvl="1">
+              <a:lnSpc>
+                <a:spcPts val="4000"/>
+              </a:lnSpc>
+            </a:pPr>
+            <a:r>
+              <a:rPr lang="en-GB" sz="3800" dirty="0">
+                <a:solidFill>
+                  <a:schemeClr val="bg2">
+                    <a:lumMod val="25000"/>
+                  </a:schemeClr>
+                </a:solidFill>
+                <a:latin typeface="Segoe UI Light" panose="020B0502040204020203" pitchFamily="34" charset="0"/>
+                <a:cs typeface="Segoe UI Light" panose="020B0502040204020203" pitchFamily="34" charset="0"/>
+              </a:rPr>
+              <a:t>Google Accelerated Mobile Pages.</a:t>
+            </a:r>
+          </a:p>
+          <a:p>
+            <a:pPr lvl="1">
+              <a:lnSpc>
+                <a:spcPts val="4000"/>
+              </a:lnSpc>
+            </a:pPr>
+            <a:r>
+              <a:rPr lang="en-GB" sz="3800" dirty="0">
+                <a:solidFill>
+                  <a:schemeClr val="bg2">
+                    <a:lumMod val="25000"/>
+                  </a:schemeClr>
+                </a:solidFill>
+                <a:latin typeface="Segoe UI Light" panose="020B0502040204020203" pitchFamily="34" charset="0"/>
+                <a:cs typeface="Segoe UI Light" panose="020B0502040204020203" pitchFamily="34" charset="0"/>
+              </a:rPr>
+              <a:t>Ionic and Ionic/ReactJS/Angular (Ionic Apps with Capacitor can run on IOS, Android, Web and Electron). ‘Write once, run anywhere…’</a:t>
+            </a:r>
+          </a:p>
+          <a:p>
+            <a:pPr lvl="1">
+              <a:lnSpc>
+                <a:spcPts val="4000"/>
+              </a:lnSpc>
+            </a:pPr>
+            <a:r>
+              <a:rPr lang="en-GB" sz="3800" dirty="0">
+                <a:solidFill>
+                  <a:schemeClr val="bg2">
+                    <a:lumMod val="25000"/>
+                  </a:schemeClr>
+                </a:solidFill>
+                <a:latin typeface="Segoe UI Light" panose="020B0502040204020203" pitchFamily="34" charset="0"/>
+                <a:cs typeface="Segoe UI Light" panose="020B0502040204020203" pitchFamily="34" charset="0"/>
+              </a:rPr>
+              <a:t>Salesforce – Lightning Web Components</a:t>
+            </a:r>
+          </a:p>
+          <a:p>
+            <a:pPr lvl="1">
+              <a:lnSpc>
+                <a:spcPts val="4000"/>
+              </a:lnSpc>
+            </a:pPr>
+            <a:endParaRPr lang="en-GB" sz="3800" dirty="0">
+              <a:solidFill>
+                <a:schemeClr val="bg2">
+                  <a:lumMod val="25000"/>
+                </a:schemeClr>
+              </a:solidFill>
+              <a:latin typeface="Segoe UI Light" panose="020B0502040204020203" pitchFamily="34" charset="0"/>
+              <a:cs typeface="Segoe UI Light" panose="020B0502040204020203" pitchFamily="34" charset="0"/>
+            </a:endParaRPr>
+          </a:p>
+          <a:p>
+            <a:pPr marL="0" lvl="0" indent="0">
+              <a:spcBef>
+                <a:spcPct val="0"/>
+              </a:spcBef>
+              <a:spcAft>
+                <a:spcPts val="2000"/>
+              </a:spcAft>
+              <a:buNone/>
+              <a:defRPr/>
+            </a:pPr>
+            <a:endParaRPr lang="en-US" sz="3800" dirty="0">
+              <a:solidFill>
+                <a:schemeClr val="bg2">
+                  <a:lumMod val="25000"/>
+                </a:schemeClr>
+              </a:solidFill>
+              <a:latin typeface="Segoe UI Light" panose="020B0502040204020203" pitchFamily="34" charset="0"/>
+              <a:cs typeface="Segoe UI Light" panose="020B0502040204020203" pitchFamily="34" charset="0"/>
+            </a:endParaRPr>
+          </a:p>
+        </p:txBody>
+      </p:sp>
+      <p:pic>
+        <p:nvPicPr>
+          <p:cNvPr id="5" name="Picture 4">
+            <a:extLst>
+              <a:ext uri="{FF2B5EF4-FFF2-40B4-BE49-F238E27FC236}">
+                <a16:creationId xmlns:a16="http://schemas.microsoft.com/office/drawing/2014/main" id="{6A8A1AE0-4E26-4B4F-975F-BE5424BF008B}"/>
+              </a:ext>
+            </a:extLst>
+          </p:cNvPr>
+          <p:cNvPicPr>
+            <a:picLocks noChangeAspect="1"/>
+          </p:cNvPicPr>
+          <p:nvPr/>
+        </p:nvPicPr>
+        <p:blipFill>
+          <a:blip r:embed="rId2">
+            <a:extLst>
+              <a:ext uri="{28A0092B-C50C-407E-A947-70E740481C1C}">
+                <a14:useLocalDpi xmlns:a14="http://schemas.microsoft.com/office/drawing/2010/main" val="0"/>
+              </a:ext>
+            </a:extLst>
+          </a:blip>
+          <a:stretch>
+            <a:fillRect/>
+          </a:stretch>
+        </p:blipFill>
+        <p:spPr>
+          <a:xfrm>
+            <a:off x="805599" y="5354535"/>
+            <a:ext cx="10580802" cy="1004384"/>
+          </a:xfrm>
+          <a:prstGeom prst="rect">
+            <a:avLst/>
+          </a:prstGeom>
+        </p:spPr>
+      </p:pic>
+      <p:cxnSp>
+        <p:nvCxnSpPr>
+          <p:cNvPr id="6" name="Straight Connector 5">
+            <a:extLst>
+              <a:ext uri="{FF2B5EF4-FFF2-40B4-BE49-F238E27FC236}">
+                <a16:creationId xmlns:a16="http://schemas.microsoft.com/office/drawing/2014/main" id="{36E01457-F84E-4B93-81AE-75E1DD466841}"/>
+              </a:ext>
+            </a:extLst>
+          </p:cNvPr>
+          <p:cNvCxnSpPr>
+            <a:cxnSpLocks/>
+          </p:cNvCxnSpPr>
+          <p:nvPr/>
+        </p:nvCxnSpPr>
+        <p:spPr>
+          <a:xfrm>
+            <a:off x="6866445" y="6208482"/>
+            <a:ext cx="4392890" cy="0"/>
+          </a:xfrm>
+          <a:prstGeom prst="line">
+            <a:avLst/>
+          </a:prstGeom>
+          <a:ln w="44450">
+            <a:solidFill>
+              <a:srgbClr val="FF0000"/>
+            </a:solidFill>
+          </a:ln>
+        </p:spPr>
+        <p:style>
+          <a:lnRef idx="1">
+            <a:schemeClr val="accent1"/>
+          </a:lnRef>
+          <a:fillRef idx="0">
+            <a:schemeClr val="accent1"/>
+          </a:fillRef>
+          <a:effectRef idx="0">
+            <a:schemeClr val="accent1"/>
+          </a:effectRef>
+          <a:fontRef idx="minor">
+            <a:schemeClr val="tx1"/>
+          </a:fontRef>
+        </p:style>
+      </p:cxnSp>
+      <p:sp>
+        <p:nvSpPr>
           <p:cNvPr id="8" name="TextBox 7">
             <a:extLst>
               <a:ext uri="{FF2B5EF4-FFF2-40B4-BE49-F238E27FC236}">
-                <a16:creationId xmlns:a16="http://schemas.microsoft.com/office/drawing/2014/main" id="{D4329088-EA16-420B-B145-A30265C6D3B4}"/>
+                <a16:creationId xmlns:a16="http://schemas.microsoft.com/office/drawing/2014/main" id="{FC451C01-6D96-43BA-B5BA-EC9A130E2DD5}"/>
               </a:ext>
             </a:extLst>
           </p:cNvPr>
@@ -17329,8 +17868,8 @@
         </p:nvSpPr>
         <p:spPr>
           <a:xfrm>
-            <a:off x="541609" y="1012639"/>
-            <a:ext cx="10971964" cy="6524863"/>
+            <a:off x="1061884" y="6230599"/>
+            <a:ext cx="10068232" cy="892552"/>
           </a:xfrm>
           <a:prstGeom prst="rect">
             <a:avLst/>
@@ -17346,140 +17885,91 @@
             <a:pPr marL="457200" lvl="1" indent="0">
               <a:buNone/>
             </a:pPr>
-            <a:endParaRPr lang="en-GB" sz="3800" dirty="0">
-              <a:solidFill>
-                <a:schemeClr val="bg2">
-                  <a:lumMod val="25000"/>
-                </a:schemeClr>
-              </a:solidFill>
-              <a:latin typeface="Segoe UI Light" panose="020B0502040204020203" pitchFamily="34" charset="0"/>
-              <a:cs typeface="Segoe UI Light" panose="020B0502040204020203" pitchFamily="34" charset="0"/>
+            <a:r>
+              <a:rPr lang="en-GB" sz="1600" dirty="0">
+                <a:latin typeface="Segoe UI" panose="020B0502040204020203" pitchFamily="34" charset="0"/>
+                <a:cs typeface="Segoe UI" panose="020B0502040204020203" pitchFamily="34" charset="0"/>
+              </a:rPr>
+              <a:t>Google video about Web Components and Salesforce: https://www.youtube.com/watch?v=YBwgkr_Sbx0</a:t>
+            </a:r>
+            <a:endParaRPr lang="en-GB" sz="1800" dirty="0">
+              <a:latin typeface="Segoe UI" panose="020B0502040204020203" pitchFamily="34" charset="0"/>
+              <a:cs typeface="Segoe UI" panose="020B0502040204020203" pitchFamily="34" charset="0"/>
             </a:endParaRPr>
           </a:p>
           <a:p>
-            <a:pPr marL="1028700" lvl="1" indent="-571500">
-              <a:buFont typeface="Arial" panose="020B0604020202020204" pitchFamily="34" charset="0"/>
-              <a:buChar char="•"/>
-            </a:pPr>
-            <a:r>
-              <a:rPr lang="en-GB" sz="3800" dirty="0">
-                <a:solidFill>
-                  <a:schemeClr val="bg2">
-                    <a:lumMod val="25000"/>
-                  </a:schemeClr>
-                </a:solidFill>
-                <a:latin typeface="Segoe UI Light" panose="020B0502040204020203" pitchFamily="34" charset="0"/>
-                <a:cs typeface="Segoe UI Light" panose="020B0502040204020203" pitchFamily="34" charset="0"/>
-              </a:rPr>
-              <a:t>Fetch requests.</a:t>
-            </a:r>
-          </a:p>
-          <a:p>
-            <a:pPr marL="1028700" lvl="1" indent="-571500">
-              <a:buFont typeface="Arial" panose="020B0604020202020204" pitchFamily="34" charset="0"/>
-              <a:buChar char="•"/>
-            </a:pPr>
-            <a:r>
-              <a:rPr lang="en-GB" sz="3800" dirty="0">
-                <a:solidFill>
-                  <a:schemeClr val="bg2">
-                    <a:lumMod val="25000"/>
-                  </a:schemeClr>
-                </a:solidFill>
-                <a:latin typeface="Segoe UI Light" panose="020B0502040204020203" pitchFamily="34" charset="0"/>
-                <a:cs typeface="Segoe UI Light" panose="020B0502040204020203" pitchFamily="34" charset="0"/>
-              </a:rPr>
-              <a:t>Lazy loading and dynamic loading (scripts/components).</a:t>
-            </a:r>
-          </a:p>
-          <a:p>
-            <a:pPr marL="1028700" lvl="1" indent="-571500">
-              <a:buFont typeface="Arial" panose="020B0604020202020204" pitchFamily="34" charset="0"/>
-              <a:buChar char="•"/>
-            </a:pPr>
-            <a:r>
-              <a:rPr lang="en-GB" sz="3800" dirty="0">
-                <a:solidFill>
-                  <a:schemeClr val="bg2">
-                    <a:lumMod val="25000"/>
-                  </a:schemeClr>
-                </a:solidFill>
-                <a:latin typeface="Segoe UI Light" panose="020B0502040204020203" pitchFamily="34" charset="0"/>
-                <a:cs typeface="Segoe UI Light" panose="020B0502040204020203" pitchFamily="34" charset="0"/>
-              </a:rPr>
-              <a:t>Storing JSON in IndexedDB and rendering it via templates.</a:t>
-            </a:r>
-          </a:p>
-          <a:p>
-            <a:pPr marL="1028700" lvl="1" indent="-571500">
-              <a:buFont typeface="Arial" panose="020B0604020202020204" pitchFamily="34" charset="0"/>
-              <a:buChar char="•"/>
-            </a:pPr>
-            <a:r>
-              <a:rPr lang="en-GB" sz="3800" dirty="0">
-                <a:solidFill>
-                  <a:schemeClr val="bg2">
-                    <a:lumMod val="25000"/>
-                  </a:schemeClr>
-                </a:solidFill>
-                <a:latin typeface="Segoe UI Light" panose="020B0502040204020203" pitchFamily="34" charset="0"/>
-                <a:cs typeface="Segoe UI Light" panose="020B0502040204020203" pitchFamily="34" charset="0"/>
-              </a:rPr>
-              <a:t>Authentication and storage of JSON Web Tokens.</a:t>
-            </a:r>
-          </a:p>
-          <a:p>
-            <a:pPr marL="1028700" lvl="1" indent="-571500">
-              <a:buFont typeface="Arial" panose="020B0604020202020204" pitchFamily="34" charset="0"/>
-              <a:buChar char="•"/>
-            </a:pPr>
-            <a:r>
-              <a:rPr lang="en-GB" sz="3800" dirty="0">
-                <a:solidFill>
-                  <a:schemeClr val="bg2">
-                    <a:lumMod val="25000"/>
-                  </a:schemeClr>
-                </a:solidFill>
-                <a:latin typeface="Segoe UI Light" panose="020B0502040204020203" pitchFamily="34" charset="0"/>
-                <a:cs typeface="Segoe UI Light" panose="020B0502040204020203" pitchFamily="34" charset="0"/>
-              </a:rPr>
-              <a:t>Added offline capability and ‘instant’ pages.</a:t>
-            </a:r>
-          </a:p>
-          <a:p>
-            <a:pPr marL="457200" lvl="1" indent="0">
+            <a:pPr marL="0" indent="0">
               <a:buNone/>
             </a:pPr>
-            <a:endParaRPr lang="en-GB" sz="3800" dirty="0">
-              <a:solidFill>
-                <a:schemeClr val="bg2">
-                  <a:lumMod val="25000"/>
-                </a:schemeClr>
-              </a:solidFill>
-              <a:latin typeface="Segoe UI Light" panose="020B0502040204020203" pitchFamily="34" charset="0"/>
-              <a:cs typeface="Segoe UI Light" panose="020B0502040204020203" pitchFamily="34" charset="0"/>
+            <a:endParaRPr lang="en-GB" sz="1800" dirty="0">
+              <a:latin typeface="Segoe UI" panose="020B0502040204020203" pitchFamily="34" charset="0"/>
+              <a:cs typeface="Segoe UI" panose="020B0502040204020203" pitchFamily="34" charset="0"/>
             </a:endParaRPr>
           </a:p>
           <a:p>
-            <a:pPr marL="457200" lvl="1" indent="0">
+            <a:pPr marL="0" indent="0">
               <a:buNone/>
             </a:pPr>
-            <a:endParaRPr lang="en-GB" sz="3800" dirty="0">
-              <a:solidFill>
-                <a:schemeClr val="bg2">
-                  <a:lumMod val="25000"/>
-                </a:schemeClr>
-              </a:solidFill>
-              <a:latin typeface="Segoe UI Light" panose="020B0502040204020203" pitchFamily="34" charset="0"/>
-              <a:cs typeface="Segoe UI Light" panose="020B0502040204020203" pitchFamily="34" charset="0"/>
+            <a:endParaRPr lang="en-GB" sz="1800" dirty="0">
+              <a:latin typeface="Segoe UI" panose="020B0502040204020203" pitchFamily="34" charset="0"/>
+              <a:cs typeface="Segoe UI" panose="020B0502040204020203" pitchFamily="34" charset="0"/>
             </a:endParaRPr>
+          </a:p>
+        </p:txBody>
+      </p:sp>
+      <p:sp>
+        <p:nvSpPr>
+          <p:cNvPr id="2" name="Speech Bubble: Rectangle 1">
+            <a:extLst>
+              <a:ext uri="{FF2B5EF4-FFF2-40B4-BE49-F238E27FC236}">
+                <a16:creationId xmlns:a16="http://schemas.microsoft.com/office/drawing/2014/main" id="{19004DA7-26A9-4B5A-8A65-77416C45A777}"/>
+              </a:ext>
+            </a:extLst>
+          </p:cNvPr>
+          <p:cNvSpPr/>
+          <p:nvPr/>
+        </p:nvSpPr>
+        <p:spPr>
+          <a:xfrm>
+            <a:off x="2640203" y="4581586"/>
+            <a:ext cx="2805090" cy="299122"/>
+          </a:xfrm>
+          <a:prstGeom prst="wedgeRectCallout">
+            <a:avLst/>
+          </a:prstGeom>
+        </p:spPr>
+        <p:style>
+          <a:lnRef idx="2">
+            <a:schemeClr val="accent1">
+              <a:shade val="50000"/>
+            </a:schemeClr>
+          </a:lnRef>
+          <a:fillRef idx="1">
+            <a:schemeClr val="accent1"/>
+          </a:fillRef>
+          <a:effectRef idx="0">
+            <a:schemeClr val="accent1"/>
+          </a:effectRef>
+          <a:fontRef idx="minor">
+            <a:schemeClr val="lt1"/>
+          </a:fontRef>
+        </p:style>
+        <p:txBody>
+          <a:bodyPr rtlCol="0" anchor="ctr"/>
+          <a:lstStyle/>
+          <a:p>
+            <a:pPr algn="ctr"/>
+            <a:r>
+              <a:rPr lang="en-GB" sz="1400" b="1" dirty="0"/>
+              <a:t>Salesforce has purchased Slack</a:t>
+            </a:r>
           </a:p>
         </p:txBody>
       </p:sp>
     </p:spTree>
     <p:extLst>
       <p:ext uri="{BB962C8B-B14F-4D97-AF65-F5344CB8AC3E}">
-        <p14:creationId xmlns:p14="http://schemas.microsoft.com/office/powerpoint/2010/main" val="1862207496"/>
+        <p14:creationId xmlns:p14="http://schemas.microsoft.com/office/powerpoint/2010/main" val="2389234216"/>
       </p:ext>
     </p:extLst>
   </p:cSld>
@@ -17533,7 +18023,7 @@
                 <a:latin typeface="Segoe UI Light" panose="020B0502040204020203" pitchFamily="34" charset="0"/>
                 <a:cs typeface="Segoe UI Light" panose="020B0502040204020203" pitchFamily="34" charset="0"/>
               </a:rPr>
-              <a:t>Useful references</a:t>
+              <a:t>Types of Web Components</a:t>
             </a:r>
           </a:p>
         </p:txBody>
@@ -17548,7 +18038,7 @@
         </p:nvSpPr>
         <p:spPr>
           <a:xfrm>
-            <a:off x="541609" y="1455491"/>
+            <a:off x="678427" y="1330374"/>
             <a:ext cx="5110161" cy="471149"/>
           </a:xfrm>
           <a:prstGeom prst="rect">
@@ -17769,263 +18259,33 @@
       </p:sp>
       <p:sp>
         <p:nvSpPr>
-          <p:cNvPr id="36" name="Content Placeholder 17"/>
-          <p:cNvSpPr txBox="1">
-            <a:spLocks/>
-          </p:cNvSpPr>
+          <p:cNvPr id="8" name="TextBox 7">
+            <a:extLst>
+              <a:ext uri="{FF2B5EF4-FFF2-40B4-BE49-F238E27FC236}">
+                <a16:creationId xmlns:a16="http://schemas.microsoft.com/office/drawing/2014/main" id="{D4329088-EA16-420B-B145-A30265C6D3B4}"/>
+              </a:ext>
+            </a:extLst>
+          </p:cNvPr>
+          <p:cNvSpPr txBox="1"/>
           <p:nvPr/>
         </p:nvSpPr>
         <p:spPr>
           <a:xfrm>
-            <a:off x="667892" y="1550741"/>
-            <a:ext cx="10356444" cy="5147658"/>
+            <a:off x="541609" y="1691065"/>
+            <a:ext cx="10971964" cy="4185761"/>
           </a:xfrm>
           <a:prstGeom prst="rect">
             <a:avLst/>
           </a:prstGeom>
+          <a:noFill/>
         </p:spPr>
         <p:txBody>
-          <a:bodyPr vert="horz" lIns="91440" tIns="45720" rIns="91440" bIns="45720" rtlCol="0">
-            <a:noAutofit/>
+          <a:bodyPr wrap="square">
+            <a:spAutoFit/>
           </a:bodyPr>
-          <a:lstStyle>
-            <a:lvl1pPr marL="228600" indent="-228600" algn="l" defTabSz="914400" rtl="0" eaLnBrk="1" latinLnBrk="0" hangingPunct="1">
-              <a:lnSpc>
-                <a:spcPts val="1800"/>
-              </a:lnSpc>
-              <a:spcBef>
-                <a:spcPts val="1000"/>
-              </a:spcBef>
-              <a:spcAft>
-                <a:spcPts val="1000"/>
-              </a:spcAft>
-              <a:buFont typeface="Arial" panose="020B0604020202020204" pitchFamily="34" charset="0"/>
-              <a:buChar char="•"/>
-              <a:defRPr lang="en-US" sz="1200" kern="1200" smtClean="0">
-                <a:solidFill>
-                  <a:schemeClr val="tx1">
-                    <a:lumMod val="75000"/>
-                    <a:lumOff val="25000"/>
-                  </a:schemeClr>
-                </a:solidFill>
-                <a:latin typeface="+mn-lt"/>
-                <a:ea typeface="+mn-ea"/>
-                <a:cs typeface="+mn-cs"/>
-              </a:defRPr>
-            </a:lvl1pPr>
-            <a:lvl2pPr marL="685800" indent="-228600" algn="l" defTabSz="914400" rtl="0" eaLnBrk="1" latinLnBrk="0" hangingPunct="1">
-              <a:lnSpc>
-                <a:spcPts val="1800"/>
-              </a:lnSpc>
-              <a:spcBef>
-                <a:spcPts val="1000"/>
-              </a:spcBef>
-              <a:spcAft>
-                <a:spcPts val="1000"/>
-              </a:spcAft>
-              <a:buFont typeface="Arial" panose="020B0604020202020204" pitchFamily="34" charset="0"/>
-              <a:buChar char="•"/>
-              <a:defRPr lang="en-US" sz="1200" kern="1200" smtClean="0">
-                <a:solidFill>
-                  <a:schemeClr val="tx1">
-                    <a:lumMod val="75000"/>
-                    <a:lumOff val="25000"/>
-                  </a:schemeClr>
-                </a:solidFill>
-                <a:latin typeface="+mn-lt"/>
-                <a:ea typeface="+mn-ea"/>
-                <a:cs typeface="+mn-cs"/>
-              </a:defRPr>
-            </a:lvl2pPr>
-            <a:lvl3pPr marL="1143000" indent="-228600" algn="l" defTabSz="914400" rtl="0" eaLnBrk="1" latinLnBrk="0" hangingPunct="1">
-              <a:lnSpc>
-                <a:spcPts val="1800"/>
-              </a:lnSpc>
-              <a:spcBef>
-                <a:spcPts val="1000"/>
-              </a:spcBef>
-              <a:spcAft>
-                <a:spcPts val="1000"/>
-              </a:spcAft>
-              <a:buFont typeface="Arial" panose="020B0604020202020204" pitchFamily="34" charset="0"/>
-              <a:buChar char="•"/>
-              <a:defRPr lang="en-US" sz="1200" kern="1200" smtClean="0">
-                <a:solidFill>
-                  <a:schemeClr val="tx1">
-                    <a:lumMod val="75000"/>
-                    <a:lumOff val="25000"/>
-                  </a:schemeClr>
-                </a:solidFill>
-                <a:latin typeface="+mn-lt"/>
-                <a:ea typeface="+mn-ea"/>
-                <a:cs typeface="+mn-cs"/>
-              </a:defRPr>
-            </a:lvl3pPr>
-            <a:lvl4pPr marL="1600200" indent="-228600" algn="l" defTabSz="914400" rtl="0" eaLnBrk="1" latinLnBrk="0" hangingPunct="1">
-              <a:lnSpc>
-                <a:spcPts val="1800"/>
-              </a:lnSpc>
-              <a:spcBef>
-                <a:spcPts val="1000"/>
-              </a:spcBef>
-              <a:spcAft>
-                <a:spcPts val="1000"/>
-              </a:spcAft>
-              <a:buFont typeface="Arial" panose="020B0604020202020204" pitchFamily="34" charset="0"/>
-              <a:buChar char="•"/>
-              <a:defRPr lang="en-US" sz="1200" kern="1200" smtClean="0">
-                <a:solidFill>
-                  <a:schemeClr val="tx1">
-                    <a:lumMod val="75000"/>
-                    <a:lumOff val="25000"/>
-                  </a:schemeClr>
-                </a:solidFill>
-                <a:latin typeface="+mn-lt"/>
-                <a:ea typeface="+mn-ea"/>
-                <a:cs typeface="+mn-cs"/>
-              </a:defRPr>
-            </a:lvl4pPr>
-            <a:lvl5pPr marL="2057400" indent="-228600" algn="l" defTabSz="914400" rtl="0" eaLnBrk="1" latinLnBrk="0" hangingPunct="1">
-              <a:lnSpc>
-                <a:spcPts val="1800"/>
-              </a:lnSpc>
-              <a:spcBef>
-                <a:spcPts val="1000"/>
-              </a:spcBef>
-              <a:spcAft>
-                <a:spcPts val="1000"/>
-              </a:spcAft>
-              <a:buFont typeface="Arial" panose="020B0604020202020204" pitchFamily="34" charset="0"/>
-              <a:buChar char="•"/>
-              <a:defRPr lang="en-US" sz="1200" kern="1200">
-                <a:solidFill>
-                  <a:schemeClr val="tx1">
-                    <a:lumMod val="75000"/>
-                    <a:lumOff val="25000"/>
-                  </a:schemeClr>
-                </a:solidFill>
-                <a:latin typeface="+mn-lt"/>
-                <a:ea typeface="+mn-ea"/>
-                <a:cs typeface="+mn-cs"/>
-              </a:defRPr>
-            </a:lvl5pPr>
-            <a:lvl6pPr marL="2514600" indent="-228600" algn="l" defTabSz="914400" rtl="0" eaLnBrk="1" latinLnBrk="0" hangingPunct="1">
-              <a:lnSpc>
-                <a:spcPct val="90000"/>
-              </a:lnSpc>
-              <a:spcBef>
-                <a:spcPct val="30000"/>
-              </a:spcBef>
-              <a:buFont typeface="Arial" panose="020B0604020202020204" pitchFamily="34" charset="0"/>
-              <a:buChar char="•"/>
-              <a:defRPr sz="1800" kern="1200">
-                <a:solidFill>
-                  <a:schemeClr val="tx1"/>
-                </a:solidFill>
-                <a:latin typeface="+mn-lt"/>
-                <a:ea typeface="+mn-ea"/>
-                <a:cs typeface="+mn-cs"/>
-              </a:defRPr>
-            </a:lvl6pPr>
-            <a:lvl7pPr marL="2971800" indent="-228600" algn="l" defTabSz="914400" rtl="0" eaLnBrk="1" latinLnBrk="0" hangingPunct="1">
-              <a:lnSpc>
-                <a:spcPct val="90000"/>
-              </a:lnSpc>
-              <a:spcBef>
-                <a:spcPct val="30000"/>
-              </a:spcBef>
-              <a:buFont typeface="Arial" panose="020B0604020202020204" pitchFamily="34" charset="0"/>
-              <a:buChar char="•"/>
-              <a:defRPr sz="1800" kern="1200">
-                <a:solidFill>
-                  <a:schemeClr val="tx1"/>
-                </a:solidFill>
-                <a:latin typeface="+mn-lt"/>
-                <a:ea typeface="+mn-ea"/>
-                <a:cs typeface="+mn-cs"/>
-              </a:defRPr>
-            </a:lvl7pPr>
-            <a:lvl8pPr marL="3429000" indent="-228600" algn="l" defTabSz="914400" rtl="0" eaLnBrk="1" latinLnBrk="0" hangingPunct="1">
-              <a:lnSpc>
-                <a:spcPct val="90000"/>
-              </a:lnSpc>
-              <a:spcBef>
-                <a:spcPct val="30000"/>
-              </a:spcBef>
-              <a:buFont typeface="Arial" panose="020B0604020202020204" pitchFamily="34" charset="0"/>
-              <a:buChar char="•"/>
-              <a:defRPr sz="1800" kern="1200">
-                <a:solidFill>
-                  <a:schemeClr val="tx1"/>
-                </a:solidFill>
-                <a:latin typeface="+mn-lt"/>
-                <a:ea typeface="+mn-ea"/>
-                <a:cs typeface="+mn-cs"/>
-              </a:defRPr>
-            </a:lvl8pPr>
-            <a:lvl9pPr marL="3886200" indent="-228600" algn="l" defTabSz="914400" rtl="0" eaLnBrk="1" latinLnBrk="0" hangingPunct="1">
-              <a:lnSpc>
-                <a:spcPct val="90000"/>
-              </a:lnSpc>
-              <a:spcBef>
-                <a:spcPct val="30000"/>
-              </a:spcBef>
-              <a:buFont typeface="Arial" panose="020B0604020202020204" pitchFamily="34" charset="0"/>
-              <a:buChar char="•"/>
-              <a:defRPr sz="1800" kern="1200">
-                <a:solidFill>
-                  <a:schemeClr val="tx1"/>
-                </a:solidFill>
-                <a:latin typeface="+mn-lt"/>
-                <a:ea typeface="+mn-ea"/>
-                <a:cs typeface="+mn-cs"/>
-              </a:defRPr>
-            </a:lvl9pPr>
-          </a:lstStyle>
+          <a:lstStyle/>
           <a:p>
             <a:pPr marL="457200" lvl="1" indent="0">
-              <a:lnSpc>
-                <a:spcPts val="3000"/>
-              </a:lnSpc>
-              <a:buNone/>
-            </a:pPr>
-            <a:r>
-              <a:rPr lang="en-GB" sz="3800" b="1" dirty="0">
-                <a:solidFill>
-                  <a:schemeClr val="bg2">
-                    <a:lumMod val="25000"/>
-                  </a:schemeClr>
-                </a:solidFill>
-                <a:latin typeface="Segoe UI Light" panose="020B0502040204020203" pitchFamily="34" charset="0"/>
-                <a:cs typeface="Segoe UI Light" panose="020B0502040204020203" pitchFamily="34" charset="0"/>
-                <a:hlinkClick r:id="rId2">
-                  <a:extLst>
-                    <a:ext uri="{A12FA001-AC4F-418D-AE19-62706E023703}">
-                      <ahyp:hlinkClr xmlns:ahyp="http://schemas.microsoft.com/office/drawing/2018/hyperlinkcolor" val="tx"/>
-                    </a:ext>
-                  </a:extLst>
-                </a:hlinkClick>
-              </a:rPr>
-              <a:t>https://www.webcomponents.org/</a:t>
-            </a:r>
-            <a:r>
-              <a:rPr lang="en-GB" sz="3800" b="1" dirty="0">
-                <a:solidFill>
-                  <a:schemeClr val="bg2">
-                    <a:lumMod val="25000"/>
-                  </a:schemeClr>
-                </a:solidFill>
-                <a:latin typeface="Segoe UI Light" panose="020B0502040204020203" pitchFamily="34" charset="0"/>
-                <a:cs typeface="Segoe UI Light" panose="020B0502040204020203" pitchFamily="34" charset="0"/>
-              </a:rPr>
-              <a:t> </a:t>
-            </a:r>
-          </a:p>
-          <a:p>
-            <a:pPr marL="457200" lvl="1" indent="0">
-              <a:lnSpc>
-                <a:spcPts val="3000"/>
-              </a:lnSpc>
               <a:buNone/>
             </a:pPr>
             <a:r>
@@ -18038,153 +18298,12 @@
                 <a:latin typeface="Segoe UI Light" panose="020B0502040204020203" pitchFamily="34" charset="0"/>
                 <a:cs typeface="Segoe UI Light" panose="020B0502040204020203" pitchFamily="34" charset="0"/>
               </a:rPr>
-              <a:t>- main reference site</a:t>
+              <a:t>These are only limited by our use of JS as they are regular JS components.</a:t>
             </a:r>
           </a:p>
           <a:p>
             <a:pPr marL="457200" lvl="1" indent="0">
-              <a:lnSpc>
-                <a:spcPts val="3000"/>
-              </a:lnSpc>
               <a:buNone/>
-            </a:pPr>
-            <a:r>
-              <a:rPr lang="en-GB" sz="3800" b="1" dirty="0">
-                <a:solidFill>
-                  <a:schemeClr val="bg2">
-                    <a:lumMod val="25000"/>
-                  </a:schemeClr>
-                </a:solidFill>
-                <a:latin typeface="Segoe UI Light" panose="020B0502040204020203" pitchFamily="34" charset="0"/>
-                <a:cs typeface="Segoe UI Light" panose="020B0502040204020203" pitchFamily="34" charset="0"/>
-                <a:hlinkClick r:id="rId3">
-                  <a:extLst>
-                    <a:ext uri="{A12FA001-AC4F-418D-AE19-62706E023703}">
-                      <ahyp:hlinkClr xmlns:ahyp="http://schemas.microsoft.com/office/drawing/2018/hyperlinkcolor" val="tx"/>
-                    </a:ext>
-                  </a:extLst>
-                </a:hlinkClick>
-              </a:rPr>
-              <a:t>https://custom-elements-everywhere.com/</a:t>
-            </a:r>
-            <a:r>
-              <a:rPr lang="en-GB" sz="3800" b="1" dirty="0">
-                <a:solidFill>
-                  <a:schemeClr val="bg2">
-                    <a:lumMod val="25000"/>
-                  </a:schemeClr>
-                </a:solidFill>
-                <a:latin typeface="Segoe UI Light" panose="020B0502040204020203" pitchFamily="34" charset="0"/>
-                <a:cs typeface="Segoe UI Light" panose="020B0502040204020203" pitchFamily="34" charset="0"/>
-              </a:rPr>
-              <a:t> </a:t>
-            </a:r>
-          </a:p>
-          <a:p>
-            <a:pPr marL="457200" lvl="1" indent="0">
-              <a:lnSpc>
-                <a:spcPts val="3500"/>
-              </a:lnSpc>
-              <a:buNone/>
-            </a:pPr>
-            <a:r>
-              <a:rPr lang="en-GB" sz="3800" dirty="0">
-                <a:solidFill>
-                  <a:schemeClr val="bg2">
-                    <a:lumMod val="25000"/>
-                  </a:schemeClr>
-                </a:solidFill>
-                <a:latin typeface="Segoe UI Light" panose="020B0502040204020203" pitchFamily="34" charset="0"/>
-                <a:cs typeface="Segoe UI Light" panose="020B0502040204020203" pitchFamily="34" charset="0"/>
-              </a:rPr>
-              <a:t>(Making sure frameworks and custom elements can be BFFs )</a:t>
-            </a:r>
-          </a:p>
-          <a:p>
-            <a:pPr marL="457200" lvl="1" indent="0">
-              <a:lnSpc>
-                <a:spcPts val="3000"/>
-              </a:lnSpc>
-              <a:buNone/>
-            </a:pPr>
-            <a:r>
-              <a:rPr lang="en-GB" sz="3800" b="1" dirty="0">
-                <a:solidFill>
-                  <a:schemeClr val="bg2">
-                    <a:lumMod val="25000"/>
-                  </a:schemeClr>
-                </a:solidFill>
-                <a:latin typeface="Segoe UI Light" panose="020B0502040204020203" pitchFamily="34" charset="0"/>
-                <a:cs typeface="Segoe UI Light" panose="020B0502040204020203" pitchFamily="34" charset="0"/>
-                <a:hlinkClick r:id="rId4">
-                  <a:extLst>
-                    <a:ext uri="{A12FA001-AC4F-418D-AE19-62706E023703}">
-                      <ahyp:hlinkClr xmlns:ahyp="http://schemas.microsoft.com/office/drawing/2018/hyperlinkcolor" val="tx"/>
-                    </a:ext>
-                  </a:extLst>
-                </a:hlinkClick>
-              </a:rPr>
-              <a:t>https://webcomponents.dev/</a:t>
-            </a:r>
-            <a:r>
-              <a:rPr lang="en-GB" sz="3800" b="1" dirty="0">
-                <a:solidFill>
-                  <a:schemeClr val="bg2">
-                    <a:lumMod val="25000"/>
-                  </a:schemeClr>
-                </a:solidFill>
-                <a:latin typeface="Segoe UI Light" panose="020B0502040204020203" pitchFamily="34" charset="0"/>
-                <a:cs typeface="Segoe UI Light" panose="020B0502040204020203" pitchFamily="34" charset="0"/>
-              </a:rPr>
-              <a:t> </a:t>
-            </a:r>
-          </a:p>
-          <a:p>
-            <a:pPr lvl="1">
-              <a:lnSpc>
-                <a:spcPts val="3000"/>
-              </a:lnSpc>
-              <a:buFontTx/>
-              <a:buChar char="-"/>
-            </a:pPr>
-            <a:r>
-              <a:rPr lang="en-GB" sz="3800" dirty="0">
-                <a:solidFill>
-                  <a:schemeClr val="bg2">
-                    <a:lumMod val="25000"/>
-                  </a:schemeClr>
-                </a:solidFill>
-                <a:latin typeface="Segoe UI Light" panose="020B0502040204020203" pitchFamily="34" charset="0"/>
-                <a:cs typeface="Segoe UI Light" panose="020B0502040204020203" pitchFamily="34" charset="0"/>
-              </a:rPr>
-              <a:t>over 40 libraries and compilers </a:t>
-            </a:r>
-          </a:p>
-          <a:p>
-            <a:pPr marL="457200" lvl="1" indent="0">
-              <a:lnSpc>
-                <a:spcPts val="3000"/>
-              </a:lnSpc>
-              <a:buNone/>
-            </a:pPr>
-            <a:r>
-              <a:rPr lang="en-GB" sz="3800" i="1" dirty="0">
-                <a:solidFill>
-                  <a:schemeClr val="bg2">
-                    <a:lumMod val="25000"/>
-                  </a:schemeClr>
-                </a:solidFill>
-                <a:latin typeface="Segoe UI Light" panose="020B0502040204020203" pitchFamily="34" charset="0"/>
-                <a:cs typeface="Segoe UI Light" panose="020B0502040204020203" pitchFamily="34" charset="0"/>
-              </a:rPr>
-              <a:t>let’s see these libraries and compilers…</a:t>
-            </a:r>
-          </a:p>
-          <a:p>
-            <a:pPr lvl="1">
-              <a:lnSpc>
-                <a:spcPts val="4000"/>
-              </a:lnSpc>
             </a:pPr>
             <a:endParaRPr lang="en-GB" sz="3800" dirty="0">
               <a:solidFill>
@@ -18197,17 +18316,27 @@
             </a:endParaRPr>
           </a:p>
           <a:p>
-            <a:pPr marL="0" lvl="0" indent="0">
-              <a:spcBef>
-                <a:spcPct val="0"/>
-              </a:spcBef>
-              <a:spcAft>
-                <a:spcPts val="2000"/>
-              </a:spcAft>
+            <a:pPr marL="457200" lvl="1" indent="0">
               <a:buNone/>
-              <a:defRPr/>
             </a:pPr>
-            <a:endParaRPr lang="en-US" sz="3800" dirty="0">
+            <a:r>
+              <a:rPr lang="en-GB" sz="3800" dirty="0">
+                <a:solidFill>
+                  <a:schemeClr val="bg2">
+                    <a:lumMod val="25000"/>
+                  </a:schemeClr>
+                </a:solidFill>
+                <a:latin typeface="Segoe UI Light" panose="020B0502040204020203" pitchFamily="34" charset="0"/>
+                <a:cs typeface="Segoe UI Light" panose="020B0502040204020203" pitchFamily="34" charset="0"/>
+              </a:rPr>
+              <a:t>We will look at couple of UI components and many more highly functional components that have built in functionality…</a:t>
+            </a:r>
+          </a:p>
+          <a:p>
+            <a:pPr marL="457200" lvl="1" indent="0">
+              <a:buNone/>
+            </a:pPr>
+            <a:endParaRPr lang="en-GB" sz="3800" dirty="0">
               <a:solidFill>
                 <a:schemeClr val="bg2">
                   <a:lumMod val="25000"/>
@@ -18222,7 +18351,7 @@
     </p:spTree>
     <p:extLst>
       <p:ext uri="{BB962C8B-B14F-4D97-AF65-F5344CB8AC3E}">
-        <p14:creationId xmlns:p14="http://schemas.microsoft.com/office/powerpoint/2010/main" val="2661540520"/>
+        <p14:creationId xmlns:p14="http://schemas.microsoft.com/office/powerpoint/2010/main" val="2010978496"/>
       </p:ext>
     </p:extLst>
   </p:cSld>
@@ -18276,7 +18405,7 @@
                 <a:latin typeface="Segoe UI Light" panose="020B0502040204020203" pitchFamily="34" charset="0"/>
                 <a:cs typeface="Segoe UI Light" panose="020B0502040204020203" pitchFamily="34" charset="0"/>
               </a:rPr>
-              <a:t>Demo time</a:t>
+              <a:t>Types of Web Components</a:t>
             </a:r>
           </a:p>
         </p:txBody>
@@ -18524,8 +18653,8 @@
         </p:nvSpPr>
         <p:spPr>
           <a:xfrm>
-            <a:off x="678427" y="995260"/>
-            <a:ext cx="10971964" cy="4653710"/>
+            <a:off x="541609" y="1012639"/>
+            <a:ext cx="10971964" cy="6524863"/>
           </a:xfrm>
           <a:prstGeom prst="rect">
             <a:avLst/>
@@ -18552,14 +18681,12 @@
             </a:endParaRPr>
           </a:p>
           <a:p>
-            <a:pPr marL="457200" lvl="1" indent="0">
-              <a:lnSpc>
-                <a:spcPts val="4500"/>
-              </a:lnSpc>
-              <a:buNone/>
+            <a:pPr marL="1028700" lvl="1" indent="-571500">
+              <a:buFont typeface="Arial" panose="020B0604020202020204" pitchFamily="34" charset="0"/>
+              <a:buChar char="•"/>
             </a:pPr>
             <a:r>
-              <a:rPr lang="en-GB" sz="2800" dirty="0">
+              <a:rPr lang="en-GB" sz="3800" dirty="0">
                 <a:solidFill>
                   <a:schemeClr val="bg2">
                     <a:lumMod val="25000"/>
@@ -18568,18 +18695,16 @@
                 <a:latin typeface="Segoe UI Light" panose="020B0502040204020203" pitchFamily="34" charset="0"/>
                 <a:cs typeface="Segoe UI Light" panose="020B0502040204020203" pitchFamily="34" charset="0"/>
               </a:rPr>
-              <a:t>Walkthrough of Web Components:</a:t>
+              <a:t>Fetch requests.</a:t>
             </a:r>
           </a:p>
           <a:p>
-            <a:pPr marL="457200" lvl="1" indent="0">
-              <a:lnSpc>
-                <a:spcPts val="4500"/>
-              </a:lnSpc>
-              <a:buNone/>
+            <a:pPr marL="1028700" lvl="1" indent="-571500">
+              <a:buFont typeface="Arial" panose="020B0604020202020204" pitchFamily="34" charset="0"/>
+              <a:buChar char="•"/>
             </a:pPr>
             <a:r>
-              <a:rPr lang="en-GB" sz="2800" b="1" dirty="0">
+              <a:rPr lang="en-GB" sz="3800" dirty="0">
                 <a:solidFill>
                   <a:schemeClr val="bg2">
                     <a:lumMod val="25000"/>
@@ -18588,135 +18713,86 @@
                 <a:latin typeface="Segoe UI Light" panose="020B0502040204020203" pitchFamily="34" charset="0"/>
                 <a:cs typeface="Segoe UI Light" panose="020B0502040204020203" pitchFamily="34" charset="0"/>
               </a:rPr>
-              <a:t>Business case (1) site:</a:t>
+              <a:t>Lazy loading and dynamic loading (scripts/components).</a:t>
             </a:r>
           </a:p>
           <a:p>
-            <a:pPr lvl="1">
-              <a:lnSpc>
-                <a:spcPts val="4500"/>
-              </a:lnSpc>
+            <a:pPr marL="1028700" lvl="1" indent="-571500">
+              <a:buFont typeface="Arial" panose="020B0604020202020204" pitchFamily="34" charset="0"/>
+              <a:buChar char="•"/>
             </a:pPr>
             <a:r>
-              <a:rPr lang="en-GB" sz="2800" dirty="0">
-                <a:solidFill>
-                  <a:srgbClr val="0070C0"/>
+              <a:rPr lang="en-GB" sz="3800" dirty="0">
+                <a:solidFill>
+                  <a:schemeClr val="bg2">
+                    <a:lumMod val="25000"/>
+                  </a:schemeClr>
                 </a:solidFill>
                 <a:latin typeface="Segoe UI Light" panose="020B0502040204020203" pitchFamily="34" charset="0"/>
                 <a:cs typeface="Segoe UI Light" panose="020B0502040204020203" pitchFamily="34" charset="0"/>
-                <a:hlinkClick r:id="rId2">
-                  <a:extLst>
-                    <a:ext uri="{A12FA001-AC4F-418D-AE19-62706E023703}">
-                      <ahyp:hlinkClr xmlns:ahyp="http://schemas.microsoft.com/office/drawing/2018/hyperlinkcolor" val="tx"/>
-                    </a:ext>
-                  </a:extLst>
-                </a:hlinkClick>
               </a:rPr>
-              <a:t>https://wpjs.co.uk/demo1</a:t>
+              <a:t>Storing JSON in IndexedDB and rendering it via templates.</a:t>
             </a:r>
-            <a:endParaRPr lang="en-GB" sz="2800" dirty="0">
+          </a:p>
+          <a:p>
+            <a:pPr marL="1028700" lvl="1" indent="-571500">
+              <a:buFont typeface="Arial" panose="020B0604020202020204" pitchFamily="34" charset="0"/>
+              <a:buChar char="•"/>
+            </a:pPr>
+            <a:r>
+              <a:rPr lang="en-GB" sz="3800" dirty="0">
+                <a:solidFill>
+                  <a:schemeClr val="bg2">
+                    <a:lumMod val="25000"/>
+                  </a:schemeClr>
+                </a:solidFill>
+                <a:latin typeface="Segoe UI Light" panose="020B0502040204020203" pitchFamily="34" charset="0"/>
+                <a:cs typeface="Segoe UI Light" panose="020B0502040204020203" pitchFamily="34" charset="0"/>
+              </a:rPr>
+              <a:t>Authentication and storage of JSON Web Tokens.</a:t>
+            </a:r>
+          </a:p>
+          <a:p>
+            <a:pPr marL="1028700" lvl="1" indent="-571500">
+              <a:buFont typeface="Arial" panose="020B0604020202020204" pitchFamily="34" charset="0"/>
+              <a:buChar char="•"/>
+            </a:pPr>
+            <a:r>
+              <a:rPr lang="en-GB" sz="3800" dirty="0">
+                <a:solidFill>
+                  <a:schemeClr val="bg2">
+                    <a:lumMod val="25000"/>
+                  </a:schemeClr>
+                </a:solidFill>
+                <a:latin typeface="Segoe UI Light" panose="020B0502040204020203" pitchFamily="34" charset="0"/>
+                <a:cs typeface="Segoe UI Light" panose="020B0502040204020203" pitchFamily="34" charset="0"/>
+              </a:rPr>
+              <a:t>Added offline capability and ‘instant’ pages.</a:t>
+            </a:r>
+          </a:p>
+          <a:p>
+            <a:pPr marL="457200" lvl="1" indent="0">
+              <a:buNone/>
+            </a:pPr>
+            <a:endParaRPr lang="en-GB" sz="3800" dirty="0">
               <a:solidFill>
-                <a:srgbClr val="0070C0"/>
+                <a:schemeClr val="bg2">
+                  <a:lumMod val="25000"/>
+                </a:schemeClr>
               </a:solidFill>
               <a:latin typeface="Segoe UI Light" panose="020B0502040204020203" pitchFamily="34" charset="0"/>
               <a:cs typeface="Segoe UI Light" panose="020B0502040204020203" pitchFamily="34" charset="0"/>
             </a:endParaRPr>
           </a:p>
           <a:p>
-            <a:pPr lvl="1">
-              <a:lnSpc>
-                <a:spcPts val="4500"/>
-              </a:lnSpc>
+            <a:pPr marL="457200" lvl="1" indent="0">
+              <a:buNone/>
             </a:pPr>
-            <a:r>
-              <a:rPr lang="en-GB" sz="2800" i="1" dirty="0">
-                <a:solidFill>
-                  <a:schemeClr val="bg2">
-                    <a:lumMod val="25000"/>
-                  </a:schemeClr>
-                </a:solidFill>
-                <a:latin typeface="Segoe UI Light" panose="020B0502040204020203" pitchFamily="34" charset="0"/>
-                <a:cs typeface="Segoe UI Light" panose="020B0502040204020203" pitchFamily="34" charset="0"/>
-              </a:rPr>
-              <a:t>Also in repo as 06/20-ndc/site</a:t>
-            </a:r>
-          </a:p>
-          <a:p>
-            <a:pPr lvl="1">
-              <a:lnSpc>
-                <a:spcPts val="4500"/>
-              </a:lnSpc>
-            </a:pPr>
-            <a:r>
-              <a:rPr lang="en-GB" sz="2800" dirty="0">
-                <a:solidFill>
-                  <a:srgbClr val="0070C0"/>
-                </a:solidFill>
-                <a:latin typeface="Segoe UI Light" panose="020B0502040204020203" pitchFamily="34" charset="0"/>
-                <a:cs typeface="Segoe UI Light" panose="020B0502040204020203" pitchFamily="34" charset="0"/>
-                <a:hlinkClick r:id="rId3">
-                  <a:extLst>
-                    <a:ext uri="{A12FA001-AC4F-418D-AE19-62706E023703}">
-                      <ahyp:hlinkClr xmlns:ahyp="http://schemas.microsoft.com/office/drawing/2018/hyperlinkcolor" val="tx"/>
-                    </a:ext>
-                  </a:extLst>
-                </a:hlinkClick>
-              </a:rPr>
-              <a:t>https://github.com/iwswordpress/ndc-london-web-components</a:t>
-            </a:r>
-            <a:endParaRPr lang="en-GB" sz="1600" i="1" dirty="0">
-              <a:solidFill>
-                <a:srgbClr val="0070C0"/>
-              </a:solidFill>
-              <a:latin typeface="Segoe UI Light" panose="020B0502040204020203" pitchFamily="34" charset="0"/>
-              <a:cs typeface="Segoe UI Light" panose="020B0502040204020203" pitchFamily="34" charset="0"/>
-            </a:endParaRPr>
-          </a:p>
-          <a:p>
-            <a:pPr lvl="1">
-              <a:lnSpc>
-                <a:spcPts val="4500"/>
-              </a:lnSpc>
-            </a:pPr>
-            <a:r>
-              <a:rPr lang="en-GB" sz="2800" b="1" dirty="0">
-                <a:solidFill>
-                  <a:schemeClr val="bg2">
-                    <a:lumMod val="25000"/>
-                  </a:schemeClr>
-                </a:solidFill>
-                <a:latin typeface="Segoe UI Light" panose="020B0502040204020203" pitchFamily="34" charset="0"/>
-                <a:cs typeface="Segoe UI Light" panose="020B0502040204020203" pitchFamily="34" charset="0"/>
-              </a:rPr>
-              <a:t>Business case (2) site:</a:t>
-            </a:r>
-          </a:p>
-          <a:p>
-            <a:pPr lvl="1">
-              <a:lnSpc>
-                <a:spcPts val="4500"/>
-              </a:lnSpc>
-            </a:pPr>
-            <a:r>
-              <a:rPr lang="en-GB" sz="2800" dirty="0">
-                <a:solidFill>
-                  <a:srgbClr val="0070C0"/>
-                </a:solidFill>
-                <a:latin typeface="Segoe UI Light" panose="020B0502040204020203" pitchFamily="34" charset="0"/>
-                <a:cs typeface="Segoe UI Light" panose="020B0502040204020203" pitchFamily="34" charset="0"/>
-                <a:hlinkClick r:id="rId2">
-                  <a:extLst>
-                    <a:ext uri="{A12FA001-AC4F-418D-AE19-62706E023703}">
-                      <ahyp:hlinkClr xmlns:ahyp="http://schemas.microsoft.com/office/drawing/2018/hyperlinkcolor" val="tx"/>
-                    </a:ext>
-                  </a:extLst>
-                </a:hlinkClick>
-              </a:rPr>
-              <a:t>https://wpjs.co.uk/demo1</a:t>
-            </a:r>
             <a:endParaRPr lang="en-GB" sz="3800" dirty="0">
               <a:solidFill>
-                <a:srgbClr val="0070C0"/>
+                <a:schemeClr val="bg2">
+                  <a:lumMod val="25000"/>
+                </a:schemeClr>
               </a:solidFill>
               <a:latin typeface="Segoe UI Light" panose="020B0502040204020203" pitchFamily="34" charset="0"/>
               <a:cs typeface="Segoe UI Light" panose="020B0502040204020203" pitchFamily="34" charset="0"/>
@@ -18727,7 +18803,7 @@
     </p:spTree>
     <p:extLst>
       <p:ext uri="{BB962C8B-B14F-4D97-AF65-F5344CB8AC3E}">
-        <p14:creationId xmlns:p14="http://schemas.microsoft.com/office/powerpoint/2010/main" val="2710248439"/>
+        <p14:creationId xmlns:p14="http://schemas.microsoft.com/office/powerpoint/2010/main" val="1862207496"/>
       </p:ext>
     </p:extLst>
   </p:cSld>
@@ -18766,8 +18842,8 @@
         </p:nvSpPr>
         <p:spPr>
           <a:xfrm>
-            <a:off x="541608" y="426301"/>
-            <a:ext cx="10293539" cy="749992"/>
+            <a:off x="541609" y="426301"/>
+            <a:ext cx="8578726" cy="749992"/>
           </a:xfrm>
         </p:spPr>
         <p:txBody>
@@ -18781,7 +18857,7 @@
                 <a:latin typeface="Segoe UI Light" panose="020B0502040204020203" pitchFamily="34" charset="0"/>
                 <a:cs typeface="Segoe UI Light" panose="020B0502040204020203" pitchFamily="34" charset="0"/>
               </a:rPr>
-              <a:t>Converting Frameworks to Web Components</a:t>
+              <a:t>Useful references</a:t>
             </a:r>
           </a:p>
         </p:txBody>
@@ -19017,53 +19093,247 @@
       </p:sp>
       <p:sp>
         <p:nvSpPr>
-          <p:cNvPr id="8" name="TextBox 7">
-            <a:extLst>
-              <a:ext uri="{FF2B5EF4-FFF2-40B4-BE49-F238E27FC236}">
-                <a16:creationId xmlns:a16="http://schemas.microsoft.com/office/drawing/2014/main" id="{D4329088-EA16-420B-B145-A30265C6D3B4}"/>
-              </a:ext>
-            </a:extLst>
-          </p:cNvPr>
-          <p:cNvSpPr txBox="1"/>
+          <p:cNvPr id="36" name="Content Placeholder 17"/>
+          <p:cNvSpPr txBox="1">
+            <a:spLocks/>
+          </p:cNvSpPr>
           <p:nvPr/>
         </p:nvSpPr>
         <p:spPr>
           <a:xfrm>
-            <a:off x="541608" y="1691065"/>
-            <a:ext cx="10971964" cy="5370701"/>
+            <a:off x="667892" y="1550741"/>
+            <a:ext cx="10356444" cy="5147658"/>
           </a:xfrm>
           <a:prstGeom prst="rect">
             <a:avLst/>
           </a:prstGeom>
-          <a:noFill/>
         </p:spPr>
         <p:txBody>
-          <a:bodyPr wrap="square">
-            <a:spAutoFit/>
+          <a:bodyPr vert="horz" lIns="91440" tIns="45720" rIns="91440" bIns="45720" rtlCol="0">
+            <a:noAutofit/>
           </a:bodyPr>
-          <a:lstStyle/>
-          <a:p>
-            <a:pPr marL="914400" lvl="1" indent="-457200">
-              <a:buFont typeface="Arial" panose="020B0604020202020204" pitchFamily="34" charset="0"/>
-              <a:buChar char="•"/>
-            </a:pPr>
-            <a:endParaRPr lang="en-GB" sz="1100" dirty="0">
-              <a:solidFill>
-                <a:schemeClr val="bg2">
-                  <a:lumMod val="25000"/>
-                </a:schemeClr>
-              </a:solidFill>
-              <a:latin typeface="Segoe UI Light" panose="020B0502040204020203" pitchFamily="34" charset="0"/>
-              <a:cs typeface="Segoe UI Light" panose="020B0502040204020203" pitchFamily="34" charset="0"/>
-            </a:endParaRPr>
-          </a:p>
-          <a:p>
-            <a:pPr marL="914400" lvl="1" indent="-457200">
-              <a:buFont typeface="Arial" panose="020B0604020202020204" pitchFamily="34" charset="0"/>
-              <a:buChar char="•"/>
+          <a:lstStyle>
+            <a:lvl1pPr marL="228600" indent="-228600" algn="l" defTabSz="914400" rtl="0" eaLnBrk="1" latinLnBrk="0" hangingPunct="1">
+              <a:lnSpc>
+                <a:spcPts val="1800"/>
+              </a:lnSpc>
+              <a:spcBef>
+                <a:spcPts val="1000"/>
+              </a:spcBef>
+              <a:spcAft>
+                <a:spcPts val="1000"/>
+              </a:spcAft>
+              <a:buFont typeface="Arial" panose="020B0604020202020204" pitchFamily="34" charset="0"/>
+              <a:buChar char="•"/>
+              <a:defRPr lang="en-US" sz="1200" kern="1200" smtClean="0">
+                <a:solidFill>
+                  <a:schemeClr val="tx1">
+                    <a:lumMod val="75000"/>
+                    <a:lumOff val="25000"/>
+                  </a:schemeClr>
+                </a:solidFill>
+                <a:latin typeface="+mn-lt"/>
+                <a:ea typeface="+mn-ea"/>
+                <a:cs typeface="+mn-cs"/>
+              </a:defRPr>
+            </a:lvl1pPr>
+            <a:lvl2pPr marL="685800" indent="-228600" algn="l" defTabSz="914400" rtl="0" eaLnBrk="1" latinLnBrk="0" hangingPunct="1">
+              <a:lnSpc>
+                <a:spcPts val="1800"/>
+              </a:lnSpc>
+              <a:spcBef>
+                <a:spcPts val="1000"/>
+              </a:spcBef>
+              <a:spcAft>
+                <a:spcPts val="1000"/>
+              </a:spcAft>
+              <a:buFont typeface="Arial" panose="020B0604020202020204" pitchFamily="34" charset="0"/>
+              <a:buChar char="•"/>
+              <a:defRPr lang="en-US" sz="1200" kern="1200" smtClean="0">
+                <a:solidFill>
+                  <a:schemeClr val="tx1">
+                    <a:lumMod val="75000"/>
+                    <a:lumOff val="25000"/>
+                  </a:schemeClr>
+                </a:solidFill>
+                <a:latin typeface="+mn-lt"/>
+                <a:ea typeface="+mn-ea"/>
+                <a:cs typeface="+mn-cs"/>
+              </a:defRPr>
+            </a:lvl2pPr>
+            <a:lvl3pPr marL="1143000" indent="-228600" algn="l" defTabSz="914400" rtl="0" eaLnBrk="1" latinLnBrk="0" hangingPunct="1">
+              <a:lnSpc>
+                <a:spcPts val="1800"/>
+              </a:lnSpc>
+              <a:spcBef>
+                <a:spcPts val="1000"/>
+              </a:spcBef>
+              <a:spcAft>
+                <a:spcPts val="1000"/>
+              </a:spcAft>
+              <a:buFont typeface="Arial" panose="020B0604020202020204" pitchFamily="34" charset="0"/>
+              <a:buChar char="•"/>
+              <a:defRPr lang="en-US" sz="1200" kern="1200" smtClean="0">
+                <a:solidFill>
+                  <a:schemeClr val="tx1">
+                    <a:lumMod val="75000"/>
+                    <a:lumOff val="25000"/>
+                  </a:schemeClr>
+                </a:solidFill>
+                <a:latin typeface="+mn-lt"/>
+                <a:ea typeface="+mn-ea"/>
+                <a:cs typeface="+mn-cs"/>
+              </a:defRPr>
+            </a:lvl3pPr>
+            <a:lvl4pPr marL="1600200" indent="-228600" algn="l" defTabSz="914400" rtl="0" eaLnBrk="1" latinLnBrk="0" hangingPunct="1">
+              <a:lnSpc>
+                <a:spcPts val="1800"/>
+              </a:lnSpc>
+              <a:spcBef>
+                <a:spcPts val="1000"/>
+              </a:spcBef>
+              <a:spcAft>
+                <a:spcPts val="1000"/>
+              </a:spcAft>
+              <a:buFont typeface="Arial" panose="020B0604020202020204" pitchFamily="34" charset="0"/>
+              <a:buChar char="•"/>
+              <a:defRPr lang="en-US" sz="1200" kern="1200" smtClean="0">
+                <a:solidFill>
+                  <a:schemeClr val="tx1">
+                    <a:lumMod val="75000"/>
+                    <a:lumOff val="25000"/>
+                  </a:schemeClr>
+                </a:solidFill>
+                <a:latin typeface="+mn-lt"/>
+                <a:ea typeface="+mn-ea"/>
+                <a:cs typeface="+mn-cs"/>
+              </a:defRPr>
+            </a:lvl4pPr>
+            <a:lvl5pPr marL="2057400" indent="-228600" algn="l" defTabSz="914400" rtl="0" eaLnBrk="1" latinLnBrk="0" hangingPunct="1">
+              <a:lnSpc>
+                <a:spcPts val="1800"/>
+              </a:lnSpc>
+              <a:spcBef>
+                <a:spcPts val="1000"/>
+              </a:spcBef>
+              <a:spcAft>
+                <a:spcPts val="1000"/>
+              </a:spcAft>
+              <a:buFont typeface="Arial" panose="020B0604020202020204" pitchFamily="34" charset="0"/>
+              <a:buChar char="•"/>
+              <a:defRPr lang="en-US" sz="1200" kern="1200">
+                <a:solidFill>
+                  <a:schemeClr val="tx1">
+                    <a:lumMod val="75000"/>
+                    <a:lumOff val="25000"/>
+                  </a:schemeClr>
+                </a:solidFill>
+                <a:latin typeface="+mn-lt"/>
+                <a:ea typeface="+mn-ea"/>
+                <a:cs typeface="+mn-cs"/>
+              </a:defRPr>
+            </a:lvl5pPr>
+            <a:lvl6pPr marL="2514600" indent="-228600" algn="l" defTabSz="914400" rtl="0" eaLnBrk="1" latinLnBrk="0" hangingPunct="1">
+              <a:lnSpc>
+                <a:spcPct val="90000"/>
+              </a:lnSpc>
+              <a:spcBef>
+                <a:spcPct val="30000"/>
+              </a:spcBef>
+              <a:buFont typeface="Arial" panose="020B0604020202020204" pitchFamily="34" charset="0"/>
+              <a:buChar char="•"/>
+              <a:defRPr sz="1800" kern="1200">
+                <a:solidFill>
+                  <a:schemeClr val="tx1"/>
+                </a:solidFill>
+                <a:latin typeface="+mn-lt"/>
+                <a:ea typeface="+mn-ea"/>
+                <a:cs typeface="+mn-cs"/>
+              </a:defRPr>
+            </a:lvl6pPr>
+            <a:lvl7pPr marL="2971800" indent="-228600" algn="l" defTabSz="914400" rtl="0" eaLnBrk="1" latinLnBrk="0" hangingPunct="1">
+              <a:lnSpc>
+                <a:spcPct val="90000"/>
+              </a:lnSpc>
+              <a:spcBef>
+                <a:spcPct val="30000"/>
+              </a:spcBef>
+              <a:buFont typeface="Arial" panose="020B0604020202020204" pitchFamily="34" charset="0"/>
+              <a:buChar char="•"/>
+              <a:defRPr sz="1800" kern="1200">
+                <a:solidFill>
+                  <a:schemeClr val="tx1"/>
+                </a:solidFill>
+                <a:latin typeface="+mn-lt"/>
+                <a:ea typeface="+mn-ea"/>
+                <a:cs typeface="+mn-cs"/>
+              </a:defRPr>
+            </a:lvl7pPr>
+            <a:lvl8pPr marL="3429000" indent="-228600" algn="l" defTabSz="914400" rtl="0" eaLnBrk="1" latinLnBrk="0" hangingPunct="1">
+              <a:lnSpc>
+                <a:spcPct val="90000"/>
+              </a:lnSpc>
+              <a:spcBef>
+                <a:spcPct val="30000"/>
+              </a:spcBef>
+              <a:buFont typeface="Arial" panose="020B0604020202020204" pitchFamily="34" charset="0"/>
+              <a:buChar char="•"/>
+              <a:defRPr sz="1800" kern="1200">
+                <a:solidFill>
+                  <a:schemeClr val="tx1"/>
+                </a:solidFill>
+                <a:latin typeface="+mn-lt"/>
+                <a:ea typeface="+mn-ea"/>
+                <a:cs typeface="+mn-cs"/>
+              </a:defRPr>
+            </a:lvl8pPr>
+            <a:lvl9pPr marL="3886200" indent="-228600" algn="l" defTabSz="914400" rtl="0" eaLnBrk="1" latinLnBrk="0" hangingPunct="1">
+              <a:lnSpc>
+                <a:spcPct val="90000"/>
+              </a:lnSpc>
+              <a:spcBef>
+                <a:spcPct val="30000"/>
+              </a:spcBef>
+              <a:buFont typeface="Arial" panose="020B0604020202020204" pitchFamily="34" charset="0"/>
+              <a:buChar char="•"/>
+              <a:defRPr sz="1800" kern="1200">
+                <a:solidFill>
+                  <a:schemeClr val="tx1"/>
+                </a:solidFill>
+                <a:latin typeface="+mn-lt"/>
+                <a:ea typeface="+mn-ea"/>
+                <a:cs typeface="+mn-cs"/>
+              </a:defRPr>
+            </a:lvl9pPr>
+          </a:lstStyle>
+          <a:p>
+            <a:pPr marL="457200" lvl="1" indent="0">
+              <a:lnSpc>
+                <a:spcPts val="3000"/>
+              </a:lnSpc>
+              <a:buNone/>
             </a:pPr>
             <a:r>
-              <a:rPr lang="en-GB" sz="3200" dirty="0">
+              <a:rPr lang="en-GB" sz="3800" b="1" dirty="0">
+                <a:solidFill>
+                  <a:schemeClr val="bg2">
+                    <a:lumMod val="25000"/>
+                  </a:schemeClr>
+                </a:solidFill>
+                <a:latin typeface="Segoe UI Light" panose="020B0502040204020203" pitchFamily="34" charset="0"/>
+                <a:cs typeface="Segoe UI Light" panose="020B0502040204020203" pitchFamily="34" charset="0"/>
+                <a:hlinkClick r:id="rId2">
+                  <a:extLst>
+                    <a:ext uri="{A12FA001-AC4F-418D-AE19-62706E023703}">
+                      <ahyp:hlinkClr xmlns:ahyp="http://schemas.microsoft.com/office/drawing/2018/hyperlinkcolor" val="tx"/>
+                    </a:ext>
+                  </a:extLst>
+                </a:hlinkClick>
+              </a:rPr>
+              <a:t>https://www.webcomponents.org/</a:t>
+            </a:r>
+            <a:r>
+              <a:rPr lang="en-GB" sz="3800" b="1" dirty="0">
                 <a:solidFill>
                   <a:schemeClr val="bg2">
                     <a:lumMod val="25000"/>
@@ -19072,16 +19342,18 @@
                 <a:latin typeface="Segoe UI Light" panose="020B0502040204020203" pitchFamily="34" charset="0"/>
                 <a:cs typeface="Segoe UI Light" panose="020B0502040204020203" pitchFamily="34" charset="0"/>
               </a:rPr>
-              <a:t>Angular: https://angular.io/guide/elements</a:t>
+              <a:t> </a:t>
             </a:r>
           </a:p>
           <a:p>
-            <a:pPr marL="914400" lvl="1" indent="-457200">
-              <a:buFont typeface="Arial" panose="020B0604020202020204" pitchFamily="34" charset="0"/>
-              <a:buChar char="•"/>
+            <a:pPr marL="457200" lvl="1" indent="0">
+              <a:lnSpc>
+                <a:spcPts val="3000"/>
+              </a:lnSpc>
+              <a:buNone/>
             </a:pPr>
             <a:r>
-              <a:rPr lang="en-GB" sz="3200" dirty="0">
+              <a:rPr lang="en-GB" sz="3800" dirty="0">
                 <a:solidFill>
                   <a:schemeClr val="bg2">
                     <a:lumMod val="25000"/>
@@ -19090,16 +19362,37 @@
                 <a:latin typeface="Segoe UI Light" panose="020B0502040204020203" pitchFamily="34" charset="0"/>
                 <a:cs typeface="Segoe UI Light" panose="020B0502040204020203" pitchFamily="34" charset="0"/>
               </a:rPr>
-              <a:t>Vue: https://www.npmjs.com/package/vue-custom-element</a:t>
+              <a:t>- main reference site</a:t>
             </a:r>
           </a:p>
           <a:p>
-            <a:pPr marL="914400" lvl="1" indent="-457200">
-              <a:buFont typeface="Arial" panose="020B0604020202020204" pitchFamily="34" charset="0"/>
-              <a:buChar char="•"/>
+            <a:pPr marL="457200" lvl="1" indent="0">
+              <a:lnSpc>
+                <a:spcPts val="3000"/>
+              </a:lnSpc>
+              <a:buNone/>
             </a:pPr>
             <a:r>
-              <a:rPr lang="en-GB" sz="3200" dirty="0">
+              <a:rPr lang="en-GB" sz="3800" b="1" dirty="0">
+                <a:solidFill>
+                  <a:schemeClr val="bg2">
+                    <a:lumMod val="25000"/>
+                  </a:schemeClr>
+                </a:solidFill>
+                <a:latin typeface="Segoe UI Light" panose="020B0502040204020203" pitchFamily="34" charset="0"/>
+                <a:cs typeface="Segoe UI Light" panose="020B0502040204020203" pitchFamily="34" charset="0"/>
+                <a:hlinkClick r:id="rId3">
+                  <a:extLst>
+                    <a:ext uri="{A12FA001-AC4F-418D-AE19-62706E023703}">
+                      <ahyp:hlinkClr xmlns:ahyp="http://schemas.microsoft.com/office/drawing/2018/hyperlinkcolor" val="tx"/>
+                    </a:ext>
+                  </a:extLst>
+                </a:hlinkClick>
+              </a:rPr>
+              <a:t>https://custom-elements-everywhere.com/</a:t>
+            </a:r>
+            <a:r>
+              <a:rPr lang="en-GB" sz="3800" b="1" dirty="0">
                 <a:solidFill>
                   <a:schemeClr val="bg2">
                     <a:lumMod val="25000"/>
@@ -19108,16 +19401,18 @@
                 <a:latin typeface="Segoe UI Light" panose="020B0502040204020203" pitchFamily="34" charset="0"/>
                 <a:cs typeface="Segoe UI Light" panose="020B0502040204020203" pitchFamily="34" charset="0"/>
               </a:rPr>
-              <a:t>Vue: https://github.com/karol-f/vue-custom-element#demo</a:t>
+              <a:t> </a:t>
             </a:r>
           </a:p>
           <a:p>
-            <a:pPr marL="914400" lvl="1" indent="-457200">
-              <a:buFont typeface="Arial" panose="020B0604020202020204" pitchFamily="34" charset="0"/>
-              <a:buChar char="•"/>
+            <a:pPr marL="457200" lvl="1" indent="0">
+              <a:lnSpc>
+                <a:spcPts val="3500"/>
+              </a:lnSpc>
+              <a:buNone/>
             </a:pPr>
             <a:r>
-              <a:rPr lang="en-GB" sz="3200" dirty="0">
+              <a:rPr lang="en-GB" sz="3800" dirty="0">
                 <a:solidFill>
                   <a:schemeClr val="bg2">
                     <a:lumMod val="25000"/>
@@ -19126,16 +19421,37 @@
                 <a:latin typeface="Segoe UI Light" panose="020B0502040204020203" pitchFamily="34" charset="0"/>
                 <a:cs typeface="Segoe UI Light" panose="020B0502040204020203" pitchFamily="34" charset="0"/>
               </a:rPr>
-              <a:t>React: https://github.com/LukasBombach/react-web-component</a:t>
+              <a:t>(Making sure frameworks and custom elements can be BFFs )</a:t>
             </a:r>
           </a:p>
           <a:p>
-            <a:pPr marL="914400" lvl="1" indent="-457200">
-              <a:buFont typeface="Arial" panose="020B0604020202020204" pitchFamily="34" charset="0"/>
-              <a:buChar char="•"/>
+            <a:pPr marL="457200" lvl="1" indent="0">
+              <a:lnSpc>
+                <a:spcPts val="3000"/>
+              </a:lnSpc>
+              <a:buNone/>
             </a:pPr>
             <a:r>
-              <a:rPr lang="en-GB" sz="3200" i="1" dirty="0">
+              <a:rPr lang="en-GB" sz="3800" b="1" dirty="0">
+                <a:solidFill>
+                  <a:schemeClr val="bg2">
+                    <a:lumMod val="25000"/>
+                  </a:schemeClr>
+                </a:solidFill>
+                <a:latin typeface="Segoe UI Light" panose="020B0502040204020203" pitchFamily="34" charset="0"/>
+                <a:cs typeface="Segoe UI Light" panose="020B0502040204020203" pitchFamily="34" charset="0"/>
+                <a:hlinkClick r:id="rId4">
+                  <a:extLst>
+                    <a:ext uri="{A12FA001-AC4F-418D-AE19-62706E023703}">
+                      <ahyp:hlinkClr xmlns:ahyp="http://schemas.microsoft.com/office/drawing/2018/hyperlinkcolor" val="tx"/>
+                    </a:ext>
+                  </a:extLst>
+                </a:hlinkClick>
+              </a:rPr>
+              <a:t>https://webcomponents.dev/</a:t>
+            </a:r>
+            <a:r>
+              <a:rPr lang="en-GB" sz="3800" b="1" dirty="0">
                 <a:solidFill>
                   <a:schemeClr val="bg2">
                     <a:lumMod val="25000"/>
@@ -19144,12 +19460,55 @@
                 <a:latin typeface="Segoe UI Light" panose="020B0502040204020203" pitchFamily="34" charset="0"/>
                 <a:cs typeface="Segoe UI Light" panose="020B0502040204020203" pitchFamily="34" charset="0"/>
               </a:rPr>
-              <a:t>Many others: https://webcomponents.dev/</a:t>
+              <a:t> </a:t>
             </a:r>
           </a:p>
           <a:p>
+            <a:pPr lvl="1">
+              <a:lnSpc>
+                <a:spcPts val="3000"/>
+              </a:lnSpc>
+              <a:buFontTx/>
+              <a:buChar char="-"/>
+            </a:pPr>
+            <a:r>
+              <a:rPr lang="en-GB" sz="3800" dirty="0">
+                <a:solidFill>
+                  <a:schemeClr val="bg2">
+                    <a:lumMod val="25000"/>
+                  </a:schemeClr>
+                </a:solidFill>
+                <a:latin typeface="Segoe UI Light" panose="020B0502040204020203" pitchFamily="34" charset="0"/>
+                <a:cs typeface="Segoe UI Light" panose="020B0502040204020203" pitchFamily="34" charset="0"/>
+              </a:rPr>
+              <a:t>over 40 libraries and compilers </a:t>
+            </a:r>
+          </a:p>
+          <a:p>
             <a:pPr marL="457200" lvl="1" indent="0">
+              <a:lnSpc>
+                <a:spcPts val="3000"/>
+              </a:lnSpc>
               <a:buNone/>
+            </a:pPr>
+            <a:r>
+              <a:rPr lang="en-GB" sz="3800" i="1" dirty="0">
+                <a:solidFill>
+                  <a:schemeClr val="bg2">
+                    <a:lumMod val="25000"/>
+                  </a:schemeClr>
+                </a:solidFill>
+                <a:latin typeface="Segoe UI Light" panose="020B0502040204020203" pitchFamily="34" charset="0"/>
+                <a:cs typeface="Segoe UI Light" panose="020B0502040204020203" pitchFamily="34" charset="0"/>
+              </a:rPr>
+              <a:t>let’s see these libraries and compilers…</a:t>
+            </a:r>
+          </a:p>
+          <a:p>
+            <a:pPr lvl="1">
+              <a:lnSpc>
+                <a:spcPts val="4000"/>
+              </a:lnSpc>
             </a:pPr>
             <a:endParaRPr lang="en-GB" sz="3800" dirty="0">
               <a:solidFill>
@@ -19162,10 +19521,17 @@
             </a:endParaRPr>
           </a:p>
           <a:p>
-            <a:pPr marL="457200" lvl="1" indent="0">
+            <a:pPr marL="0" lvl="0" indent="0">
+              <a:spcBef>
+                <a:spcPct val="0"/>
+              </a:spcBef>
+              <a:spcAft>
+                <a:spcPts val="2000"/>
+              </a:spcAft>
               <a:buNone/>
+              <a:defRPr/>
             </a:pPr>
-            <a:endParaRPr lang="en-GB" sz="3800" dirty="0">
+            <a:endParaRPr lang="en-US" sz="3800" dirty="0">
               <a:solidFill>
                 <a:schemeClr val="bg2">
                   <a:lumMod val="25000"/>
@@ -19180,7 +19546,7 @@
     </p:spTree>
     <p:extLst>
       <p:ext uri="{BB962C8B-B14F-4D97-AF65-F5344CB8AC3E}">
-        <p14:creationId xmlns:p14="http://schemas.microsoft.com/office/powerpoint/2010/main" val="2544231288"/>
+        <p14:creationId xmlns:p14="http://schemas.microsoft.com/office/powerpoint/2010/main" val="2661540520"/>
       </p:ext>
     </p:extLst>
   </p:cSld>
@@ -19219,6 +19585,964 @@
         </p:nvSpPr>
         <p:spPr>
           <a:xfrm>
+            <a:off x="541609" y="426301"/>
+            <a:ext cx="8578726" cy="749992"/>
+          </a:xfrm>
+        </p:spPr>
+        <p:txBody>
+          <a:bodyPr>
+            <a:noAutofit/>
+          </a:bodyPr>
+          <a:lstStyle/>
+          <a:p>
+            <a:r>
+              <a:rPr lang="en-US" sz="4000" dirty="0">
+                <a:latin typeface="Segoe UI Light" panose="020B0502040204020203" pitchFamily="34" charset="0"/>
+                <a:cs typeface="Segoe UI Light" panose="020B0502040204020203" pitchFamily="34" charset="0"/>
+              </a:rPr>
+              <a:t>Demo time</a:t>
+            </a:r>
+          </a:p>
+        </p:txBody>
+      </p:sp>
+      <p:sp>
+        <p:nvSpPr>
+          <p:cNvPr id="25" name="Content Placeholder 17"/>
+          <p:cNvSpPr txBox="1">
+            <a:spLocks/>
+          </p:cNvSpPr>
+          <p:nvPr/>
+        </p:nvSpPr>
+        <p:spPr>
+          <a:xfrm>
+            <a:off x="541609" y="1455491"/>
+            <a:ext cx="5110161" cy="471149"/>
+          </a:xfrm>
+          <a:prstGeom prst="rect">
+            <a:avLst/>
+          </a:prstGeom>
+        </p:spPr>
+        <p:txBody>
+          <a:bodyPr vert="horz" lIns="91440" tIns="45720" rIns="91440" bIns="45720" rtlCol="0">
+            <a:normAutofit/>
+          </a:bodyPr>
+          <a:lstStyle>
+            <a:lvl1pPr marL="228600" indent="-228600" algn="l" defTabSz="914400" rtl="0" eaLnBrk="1" latinLnBrk="0" hangingPunct="1">
+              <a:lnSpc>
+                <a:spcPts val="1800"/>
+              </a:lnSpc>
+              <a:spcBef>
+                <a:spcPts val="1000"/>
+              </a:spcBef>
+              <a:spcAft>
+                <a:spcPts val="1000"/>
+              </a:spcAft>
+              <a:buFont typeface="Arial" panose="020B0604020202020204" pitchFamily="34" charset="0"/>
+              <a:buChar char="•"/>
+              <a:defRPr lang="en-US" sz="1200" kern="1200" smtClean="0">
+                <a:solidFill>
+                  <a:schemeClr val="tx1">
+                    <a:lumMod val="75000"/>
+                    <a:lumOff val="25000"/>
+                  </a:schemeClr>
+                </a:solidFill>
+                <a:latin typeface="+mn-lt"/>
+                <a:ea typeface="+mn-ea"/>
+                <a:cs typeface="+mn-cs"/>
+              </a:defRPr>
+            </a:lvl1pPr>
+            <a:lvl2pPr marL="685800" indent="-228600" algn="l" defTabSz="914400" rtl="0" eaLnBrk="1" latinLnBrk="0" hangingPunct="1">
+              <a:lnSpc>
+                <a:spcPts val="1800"/>
+              </a:lnSpc>
+              <a:spcBef>
+                <a:spcPts val="1000"/>
+              </a:spcBef>
+              <a:spcAft>
+                <a:spcPts val="1000"/>
+              </a:spcAft>
+              <a:buFont typeface="Arial" panose="020B0604020202020204" pitchFamily="34" charset="0"/>
+              <a:buChar char="•"/>
+              <a:defRPr lang="en-US" sz="1200" kern="1200" smtClean="0">
+                <a:solidFill>
+                  <a:schemeClr val="tx1">
+                    <a:lumMod val="75000"/>
+                    <a:lumOff val="25000"/>
+                  </a:schemeClr>
+                </a:solidFill>
+                <a:latin typeface="+mn-lt"/>
+                <a:ea typeface="+mn-ea"/>
+                <a:cs typeface="+mn-cs"/>
+              </a:defRPr>
+            </a:lvl2pPr>
+            <a:lvl3pPr marL="1143000" indent="-228600" algn="l" defTabSz="914400" rtl="0" eaLnBrk="1" latinLnBrk="0" hangingPunct="1">
+              <a:lnSpc>
+                <a:spcPts val="1800"/>
+              </a:lnSpc>
+              <a:spcBef>
+                <a:spcPts val="1000"/>
+              </a:spcBef>
+              <a:spcAft>
+                <a:spcPts val="1000"/>
+              </a:spcAft>
+              <a:buFont typeface="Arial" panose="020B0604020202020204" pitchFamily="34" charset="0"/>
+              <a:buChar char="•"/>
+              <a:defRPr lang="en-US" sz="1200" kern="1200" smtClean="0">
+                <a:solidFill>
+                  <a:schemeClr val="tx1">
+                    <a:lumMod val="75000"/>
+                    <a:lumOff val="25000"/>
+                  </a:schemeClr>
+                </a:solidFill>
+                <a:latin typeface="+mn-lt"/>
+                <a:ea typeface="+mn-ea"/>
+                <a:cs typeface="+mn-cs"/>
+              </a:defRPr>
+            </a:lvl3pPr>
+            <a:lvl4pPr marL="1600200" indent="-228600" algn="l" defTabSz="914400" rtl="0" eaLnBrk="1" latinLnBrk="0" hangingPunct="1">
+              <a:lnSpc>
+                <a:spcPts val="1800"/>
+              </a:lnSpc>
+              <a:spcBef>
+                <a:spcPts val="1000"/>
+              </a:spcBef>
+              <a:spcAft>
+                <a:spcPts val="1000"/>
+              </a:spcAft>
+              <a:buFont typeface="Arial" panose="020B0604020202020204" pitchFamily="34" charset="0"/>
+              <a:buChar char="•"/>
+              <a:defRPr lang="en-US" sz="1200" kern="1200" smtClean="0">
+                <a:solidFill>
+                  <a:schemeClr val="tx1">
+                    <a:lumMod val="75000"/>
+                    <a:lumOff val="25000"/>
+                  </a:schemeClr>
+                </a:solidFill>
+                <a:latin typeface="+mn-lt"/>
+                <a:ea typeface="+mn-ea"/>
+                <a:cs typeface="+mn-cs"/>
+              </a:defRPr>
+            </a:lvl4pPr>
+            <a:lvl5pPr marL="2057400" indent="-228600" algn="l" defTabSz="914400" rtl="0" eaLnBrk="1" latinLnBrk="0" hangingPunct="1">
+              <a:lnSpc>
+                <a:spcPts val="1800"/>
+              </a:lnSpc>
+              <a:spcBef>
+                <a:spcPts val="1000"/>
+              </a:spcBef>
+              <a:spcAft>
+                <a:spcPts val="1000"/>
+              </a:spcAft>
+              <a:buFont typeface="Arial" panose="020B0604020202020204" pitchFamily="34" charset="0"/>
+              <a:buChar char="•"/>
+              <a:defRPr lang="en-US" sz="1200" kern="1200">
+                <a:solidFill>
+                  <a:schemeClr val="tx1">
+                    <a:lumMod val="75000"/>
+                    <a:lumOff val="25000"/>
+                  </a:schemeClr>
+                </a:solidFill>
+                <a:latin typeface="+mn-lt"/>
+                <a:ea typeface="+mn-ea"/>
+                <a:cs typeface="+mn-cs"/>
+              </a:defRPr>
+            </a:lvl5pPr>
+            <a:lvl6pPr marL="2514600" indent="-228600" algn="l" defTabSz="914400" rtl="0" eaLnBrk="1" latinLnBrk="0" hangingPunct="1">
+              <a:lnSpc>
+                <a:spcPct val="90000"/>
+              </a:lnSpc>
+              <a:spcBef>
+                <a:spcPct val="30000"/>
+              </a:spcBef>
+              <a:buFont typeface="Arial" panose="020B0604020202020204" pitchFamily="34" charset="0"/>
+              <a:buChar char="•"/>
+              <a:defRPr sz="1800" kern="1200">
+                <a:solidFill>
+                  <a:schemeClr val="tx1"/>
+                </a:solidFill>
+                <a:latin typeface="+mn-lt"/>
+                <a:ea typeface="+mn-ea"/>
+                <a:cs typeface="+mn-cs"/>
+              </a:defRPr>
+            </a:lvl6pPr>
+            <a:lvl7pPr marL="2971800" indent="-228600" algn="l" defTabSz="914400" rtl="0" eaLnBrk="1" latinLnBrk="0" hangingPunct="1">
+              <a:lnSpc>
+                <a:spcPct val="90000"/>
+              </a:lnSpc>
+              <a:spcBef>
+                <a:spcPct val="30000"/>
+              </a:spcBef>
+              <a:buFont typeface="Arial" panose="020B0604020202020204" pitchFamily="34" charset="0"/>
+              <a:buChar char="•"/>
+              <a:defRPr sz="1800" kern="1200">
+                <a:solidFill>
+                  <a:schemeClr val="tx1"/>
+                </a:solidFill>
+                <a:latin typeface="+mn-lt"/>
+                <a:ea typeface="+mn-ea"/>
+                <a:cs typeface="+mn-cs"/>
+              </a:defRPr>
+            </a:lvl7pPr>
+            <a:lvl8pPr marL="3429000" indent="-228600" algn="l" defTabSz="914400" rtl="0" eaLnBrk="1" latinLnBrk="0" hangingPunct="1">
+              <a:lnSpc>
+                <a:spcPct val="90000"/>
+              </a:lnSpc>
+              <a:spcBef>
+                <a:spcPct val="30000"/>
+              </a:spcBef>
+              <a:buFont typeface="Arial" panose="020B0604020202020204" pitchFamily="34" charset="0"/>
+              <a:buChar char="•"/>
+              <a:defRPr sz="1800" kern="1200">
+                <a:solidFill>
+                  <a:schemeClr val="tx1"/>
+                </a:solidFill>
+                <a:latin typeface="+mn-lt"/>
+                <a:ea typeface="+mn-ea"/>
+                <a:cs typeface="+mn-cs"/>
+              </a:defRPr>
+            </a:lvl8pPr>
+            <a:lvl9pPr marL="3886200" indent="-228600" algn="l" defTabSz="914400" rtl="0" eaLnBrk="1" latinLnBrk="0" hangingPunct="1">
+              <a:lnSpc>
+                <a:spcPct val="90000"/>
+              </a:lnSpc>
+              <a:spcBef>
+                <a:spcPct val="30000"/>
+              </a:spcBef>
+              <a:buFont typeface="Arial" panose="020B0604020202020204" pitchFamily="34" charset="0"/>
+              <a:buChar char="•"/>
+              <a:defRPr sz="1800" kern="1200">
+                <a:solidFill>
+                  <a:schemeClr val="tx1"/>
+                </a:solidFill>
+                <a:latin typeface="+mn-lt"/>
+                <a:ea typeface="+mn-ea"/>
+                <a:cs typeface="+mn-cs"/>
+              </a:defRPr>
+            </a:lvl9pPr>
+          </a:lstStyle>
+          <a:p>
+            <a:pPr marL="0" indent="0">
+              <a:spcAft>
+                <a:spcPts val="2000"/>
+              </a:spcAft>
+              <a:buNone/>
+            </a:pPr>
+            <a:endParaRPr lang="en-US" sz="1800" dirty="0">
+              <a:latin typeface="Segoe UI" panose="020B0502040204020203" pitchFamily="34" charset="0"/>
+              <a:cs typeface="Segoe UI" panose="020B0502040204020203" pitchFamily="34" charset="0"/>
+            </a:endParaRPr>
+          </a:p>
+        </p:txBody>
+      </p:sp>
+      <p:sp>
+        <p:nvSpPr>
+          <p:cNvPr id="8" name="TextBox 7">
+            <a:extLst>
+              <a:ext uri="{FF2B5EF4-FFF2-40B4-BE49-F238E27FC236}">
+                <a16:creationId xmlns:a16="http://schemas.microsoft.com/office/drawing/2014/main" id="{D4329088-EA16-420B-B145-A30265C6D3B4}"/>
+              </a:ext>
+            </a:extLst>
+          </p:cNvPr>
+          <p:cNvSpPr txBox="1"/>
+          <p:nvPr/>
+        </p:nvSpPr>
+        <p:spPr>
+          <a:xfrm>
+            <a:off x="678427" y="995260"/>
+            <a:ext cx="10971964" cy="4653710"/>
+          </a:xfrm>
+          <a:prstGeom prst="rect">
+            <a:avLst/>
+          </a:prstGeom>
+          <a:noFill/>
+        </p:spPr>
+        <p:txBody>
+          <a:bodyPr wrap="square">
+            <a:spAutoFit/>
+          </a:bodyPr>
+          <a:lstStyle/>
+          <a:p>
+            <a:pPr marL="457200" lvl="1" indent="0">
+              <a:buNone/>
+            </a:pPr>
+            <a:endParaRPr lang="en-GB" sz="3800" dirty="0">
+              <a:solidFill>
+                <a:schemeClr val="bg2">
+                  <a:lumMod val="25000"/>
+                </a:schemeClr>
+              </a:solidFill>
+              <a:latin typeface="Segoe UI Light" panose="020B0502040204020203" pitchFamily="34" charset="0"/>
+              <a:cs typeface="Segoe UI Light" panose="020B0502040204020203" pitchFamily="34" charset="0"/>
+            </a:endParaRPr>
+          </a:p>
+          <a:p>
+            <a:pPr marL="457200" lvl="1" indent="0">
+              <a:lnSpc>
+                <a:spcPts val="4500"/>
+              </a:lnSpc>
+              <a:buNone/>
+            </a:pPr>
+            <a:r>
+              <a:rPr lang="en-GB" sz="2800" dirty="0">
+                <a:solidFill>
+                  <a:schemeClr val="bg2">
+                    <a:lumMod val="25000"/>
+                  </a:schemeClr>
+                </a:solidFill>
+                <a:latin typeface="Segoe UI Light" panose="020B0502040204020203" pitchFamily="34" charset="0"/>
+                <a:cs typeface="Segoe UI Light" panose="020B0502040204020203" pitchFamily="34" charset="0"/>
+              </a:rPr>
+              <a:t>Walkthrough of Web Components:</a:t>
+            </a:r>
+          </a:p>
+          <a:p>
+            <a:pPr marL="457200" lvl="1" indent="0">
+              <a:lnSpc>
+                <a:spcPts val="4500"/>
+              </a:lnSpc>
+              <a:buNone/>
+            </a:pPr>
+            <a:r>
+              <a:rPr lang="en-GB" sz="2800" b="1" dirty="0">
+                <a:solidFill>
+                  <a:schemeClr val="bg2">
+                    <a:lumMod val="25000"/>
+                  </a:schemeClr>
+                </a:solidFill>
+                <a:latin typeface="Segoe UI Light" panose="020B0502040204020203" pitchFamily="34" charset="0"/>
+                <a:cs typeface="Segoe UI Light" panose="020B0502040204020203" pitchFamily="34" charset="0"/>
+              </a:rPr>
+              <a:t>Business case (1) site:</a:t>
+            </a:r>
+          </a:p>
+          <a:p>
+            <a:pPr lvl="1">
+              <a:lnSpc>
+                <a:spcPts val="4500"/>
+              </a:lnSpc>
+            </a:pPr>
+            <a:r>
+              <a:rPr lang="en-GB" sz="2800" dirty="0">
+                <a:solidFill>
+                  <a:srgbClr val="0070C0"/>
+                </a:solidFill>
+                <a:latin typeface="Segoe UI Light" panose="020B0502040204020203" pitchFamily="34" charset="0"/>
+                <a:cs typeface="Segoe UI Light" panose="020B0502040204020203" pitchFamily="34" charset="0"/>
+                <a:hlinkClick r:id="rId2">
+                  <a:extLst>
+                    <a:ext uri="{A12FA001-AC4F-418D-AE19-62706E023703}">
+                      <ahyp:hlinkClr xmlns:ahyp="http://schemas.microsoft.com/office/drawing/2018/hyperlinkcolor" val="tx"/>
+                    </a:ext>
+                  </a:extLst>
+                </a:hlinkClick>
+              </a:rPr>
+              <a:t>https://wpjs.co.uk/demo1</a:t>
+            </a:r>
+            <a:endParaRPr lang="en-GB" sz="2800" dirty="0">
+              <a:solidFill>
+                <a:srgbClr val="0070C0"/>
+              </a:solidFill>
+              <a:latin typeface="Segoe UI Light" panose="020B0502040204020203" pitchFamily="34" charset="0"/>
+              <a:cs typeface="Segoe UI Light" panose="020B0502040204020203" pitchFamily="34" charset="0"/>
+            </a:endParaRPr>
+          </a:p>
+          <a:p>
+            <a:pPr lvl="1">
+              <a:lnSpc>
+                <a:spcPts val="4500"/>
+              </a:lnSpc>
+            </a:pPr>
+            <a:r>
+              <a:rPr lang="en-GB" sz="2800" i="1" dirty="0">
+                <a:solidFill>
+                  <a:schemeClr val="bg2">
+                    <a:lumMod val="25000"/>
+                  </a:schemeClr>
+                </a:solidFill>
+                <a:latin typeface="Segoe UI Light" panose="020B0502040204020203" pitchFamily="34" charset="0"/>
+                <a:cs typeface="Segoe UI Light" panose="020B0502040204020203" pitchFamily="34" charset="0"/>
+              </a:rPr>
+              <a:t>Also in repo as 06/20-ndc/site</a:t>
+            </a:r>
+          </a:p>
+          <a:p>
+            <a:pPr lvl="1">
+              <a:lnSpc>
+                <a:spcPts val="4500"/>
+              </a:lnSpc>
+            </a:pPr>
+            <a:r>
+              <a:rPr lang="en-GB" sz="2800" dirty="0">
+                <a:solidFill>
+                  <a:srgbClr val="0070C0"/>
+                </a:solidFill>
+                <a:latin typeface="Segoe UI Light" panose="020B0502040204020203" pitchFamily="34" charset="0"/>
+                <a:cs typeface="Segoe UI Light" panose="020B0502040204020203" pitchFamily="34" charset="0"/>
+                <a:hlinkClick r:id="rId3">
+                  <a:extLst>
+                    <a:ext uri="{A12FA001-AC4F-418D-AE19-62706E023703}">
+                      <ahyp:hlinkClr xmlns:ahyp="http://schemas.microsoft.com/office/drawing/2018/hyperlinkcolor" val="tx"/>
+                    </a:ext>
+                  </a:extLst>
+                </a:hlinkClick>
+              </a:rPr>
+              <a:t>https://github.com/iwswordpress/ndc-london-web-components</a:t>
+            </a:r>
+            <a:endParaRPr lang="en-GB" sz="1600" i="1" dirty="0">
+              <a:solidFill>
+                <a:srgbClr val="0070C0"/>
+              </a:solidFill>
+              <a:latin typeface="Segoe UI Light" panose="020B0502040204020203" pitchFamily="34" charset="0"/>
+              <a:cs typeface="Segoe UI Light" panose="020B0502040204020203" pitchFamily="34" charset="0"/>
+            </a:endParaRPr>
+          </a:p>
+          <a:p>
+            <a:pPr lvl="1">
+              <a:lnSpc>
+                <a:spcPts val="4500"/>
+              </a:lnSpc>
+            </a:pPr>
+            <a:r>
+              <a:rPr lang="en-GB" sz="2800" b="1" dirty="0">
+                <a:solidFill>
+                  <a:schemeClr val="bg2">
+                    <a:lumMod val="25000"/>
+                  </a:schemeClr>
+                </a:solidFill>
+                <a:latin typeface="Segoe UI Light" panose="020B0502040204020203" pitchFamily="34" charset="0"/>
+                <a:cs typeface="Segoe UI Light" panose="020B0502040204020203" pitchFamily="34" charset="0"/>
+              </a:rPr>
+              <a:t>Business case (2) site:</a:t>
+            </a:r>
+          </a:p>
+          <a:p>
+            <a:pPr lvl="1">
+              <a:lnSpc>
+                <a:spcPts val="4500"/>
+              </a:lnSpc>
+            </a:pPr>
+            <a:r>
+              <a:rPr lang="en-GB" sz="2800" dirty="0">
+                <a:solidFill>
+                  <a:srgbClr val="0070C0"/>
+                </a:solidFill>
+                <a:latin typeface="Segoe UI Light" panose="020B0502040204020203" pitchFamily="34" charset="0"/>
+                <a:cs typeface="Segoe UI Light" panose="020B0502040204020203" pitchFamily="34" charset="0"/>
+                <a:hlinkClick r:id="rId2">
+                  <a:extLst>
+                    <a:ext uri="{A12FA001-AC4F-418D-AE19-62706E023703}">
+                      <ahyp:hlinkClr xmlns:ahyp="http://schemas.microsoft.com/office/drawing/2018/hyperlinkcolor" val="tx"/>
+                    </a:ext>
+                  </a:extLst>
+                </a:hlinkClick>
+              </a:rPr>
+              <a:t>https://wpjs.co.uk/demo1</a:t>
+            </a:r>
+            <a:endParaRPr lang="en-GB" sz="3800" dirty="0">
+              <a:solidFill>
+                <a:srgbClr val="0070C0"/>
+              </a:solidFill>
+              <a:latin typeface="Segoe UI Light" panose="020B0502040204020203" pitchFamily="34" charset="0"/>
+              <a:cs typeface="Segoe UI Light" panose="020B0502040204020203" pitchFamily="34" charset="0"/>
+            </a:endParaRPr>
+          </a:p>
+        </p:txBody>
+      </p:sp>
+    </p:spTree>
+    <p:extLst>
+      <p:ext uri="{BB962C8B-B14F-4D97-AF65-F5344CB8AC3E}">
+        <p14:creationId xmlns:p14="http://schemas.microsoft.com/office/powerpoint/2010/main" val="2710248439"/>
+      </p:ext>
+    </p:extLst>
+  </p:cSld>
+  <p:clrMapOvr>
+    <a:masterClrMapping/>
+  </p:clrMapOvr>
+</p:sld>
+</file>
+
+<file path=ppt/slides/slide35.xml><?xml version="1.0" encoding="utf-8"?>
+<p:sld xmlns:a="http://schemas.openxmlformats.org/drawingml/2006/main" xmlns:r="http://schemas.openxmlformats.org/officeDocument/2006/relationships" xmlns:p="http://schemas.openxmlformats.org/presentationml/2006/main">
+  <p:cSld>
+    <p:spTree>
+      <p:nvGrpSpPr>
+        <p:cNvPr id="1" name=""/>
+        <p:cNvGrpSpPr/>
+        <p:nvPr/>
+      </p:nvGrpSpPr>
+      <p:grpSpPr>
+        <a:xfrm>
+          <a:off x="0" y="0"/>
+          <a:ext cx="0" cy="0"/>
+          <a:chOff x="0" y="0"/>
+          <a:chExt cx="0" cy="0"/>
+        </a:xfrm>
+      </p:grpSpPr>
+      <p:sp>
+        <p:nvSpPr>
+          <p:cNvPr id="4" name="Title 3"/>
+          <p:cNvSpPr>
+            <a:spLocks noGrp="1"/>
+          </p:cNvSpPr>
+          <p:nvPr>
+            <p:ph type="title"/>
+          </p:nvPr>
+        </p:nvSpPr>
+        <p:spPr>
+          <a:xfrm>
+            <a:off x="541608" y="426301"/>
+            <a:ext cx="10293539" cy="749992"/>
+          </a:xfrm>
+        </p:spPr>
+        <p:txBody>
+          <a:bodyPr>
+            <a:noAutofit/>
+          </a:bodyPr>
+          <a:lstStyle/>
+          <a:p>
+            <a:r>
+              <a:rPr lang="en-US" sz="4000" dirty="0">
+                <a:latin typeface="Segoe UI Light" panose="020B0502040204020203" pitchFamily="34" charset="0"/>
+                <a:cs typeface="Segoe UI Light" panose="020B0502040204020203" pitchFamily="34" charset="0"/>
+              </a:rPr>
+              <a:t>Converting Frameworks to Web Components</a:t>
+            </a:r>
+          </a:p>
+        </p:txBody>
+      </p:sp>
+      <p:sp>
+        <p:nvSpPr>
+          <p:cNvPr id="25" name="Content Placeholder 17"/>
+          <p:cNvSpPr txBox="1">
+            <a:spLocks/>
+          </p:cNvSpPr>
+          <p:nvPr/>
+        </p:nvSpPr>
+        <p:spPr>
+          <a:xfrm>
+            <a:off x="541609" y="1455491"/>
+            <a:ext cx="5110161" cy="471149"/>
+          </a:xfrm>
+          <a:prstGeom prst="rect">
+            <a:avLst/>
+          </a:prstGeom>
+        </p:spPr>
+        <p:txBody>
+          <a:bodyPr vert="horz" lIns="91440" tIns="45720" rIns="91440" bIns="45720" rtlCol="0">
+            <a:normAutofit/>
+          </a:bodyPr>
+          <a:lstStyle>
+            <a:lvl1pPr marL="228600" indent="-228600" algn="l" defTabSz="914400" rtl="0" eaLnBrk="1" latinLnBrk="0" hangingPunct="1">
+              <a:lnSpc>
+                <a:spcPts val="1800"/>
+              </a:lnSpc>
+              <a:spcBef>
+                <a:spcPts val="1000"/>
+              </a:spcBef>
+              <a:spcAft>
+                <a:spcPts val="1000"/>
+              </a:spcAft>
+              <a:buFont typeface="Arial" panose="020B0604020202020204" pitchFamily="34" charset="0"/>
+              <a:buChar char="•"/>
+              <a:defRPr lang="en-US" sz="1200" kern="1200" smtClean="0">
+                <a:solidFill>
+                  <a:schemeClr val="tx1">
+                    <a:lumMod val="75000"/>
+                    <a:lumOff val="25000"/>
+                  </a:schemeClr>
+                </a:solidFill>
+                <a:latin typeface="+mn-lt"/>
+                <a:ea typeface="+mn-ea"/>
+                <a:cs typeface="+mn-cs"/>
+              </a:defRPr>
+            </a:lvl1pPr>
+            <a:lvl2pPr marL="685800" indent="-228600" algn="l" defTabSz="914400" rtl="0" eaLnBrk="1" latinLnBrk="0" hangingPunct="1">
+              <a:lnSpc>
+                <a:spcPts val="1800"/>
+              </a:lnSpc>
+              <a:spcBef>
+                <a:spcPts val="1000"/>
+              </a:spcBef>
+              <a:spcAft>
+                <a:spcPts val="1000"/>
+              </a:spcAft>
+              <a:buFont typeface="Arial" panose="020B0604020202020204" pitchFamily="34" charset="0"/>
+              <a:buChar char="•"/>
+              <a:defRPr lang="en-US" sz="1200" kern="1200" smtClean="0">
+                <a:solidFill>
+                  <a:schemeClr val="tx1">
+                    <a:lumMod val="75000"/>
+                    <a:lumOff val="25000"/>
+                  </a:schemeClr>
+                </a:solidFill>
+                <a:latin typeface="+mn-lt"/>
+                <a:ea typeface="+mn-ea"/>
+                <a:cs typeface="+mn-cs"/>
+              </a:defRPr>
+            </a:lvl2pPr>
+            <a:lvl3pPr marL="1143000" indent="-228600" algn="l" defTabSz="914400" rtl="0" eaLnBrk="1" latinLnBrk="0" hangingPunct="1">
+              <a:lnSpc>
+                <a:spcPts val="1800"/>
+              </a:lnSpc>
+              <a:spcBef>
+                <a:spcPts val="1000"/>
+              </a:spcBef>
+              <a:spcAft>
+                <a:spcPts val="1000"/>
+              </a:spcAft>
+              <a:buFont typeface="Arial" panose="020B0604020202020204" pitchFamily="34" charset="0"/>
+              <a:buChar char="•"/>
+              <a:defRPr lang="en-US" sz="1200" kern="1200" smtClean="0">
+                <a:solidFill>
+                  <a:schemeClr val="tx1">
+                    <a:lumMod val="75000"/>
+                    <a:lumOff val="25000"/>
+                  </a:schemeClr>
+                </a:solidFill>
+                <a:latin typeface="+mn-lt"/>
+                <a:ea typeface="+mn-ea"/>
+                <a:cs typeface="+mn-cs"/>
+              </a:defRPr>
+            </a:lvl3pPr>
+            <a:lvl4pPr marL="1600200" indent="-228600" algn="l" defTabSz="914400" rtl="0" eaLnBrk="1" latinLnBrk="0" hangingPunct="1">
+              <a:lnSpc>
+                <a:spcPts val="1800"/>
+              </a:lnSpc>
+              <a:spcBef>
+                <a:spcPts val="1000"/>
+              </a:spcBef>
+              <a:spcAft>
+                <a:spcPts val="1000"/>
+              </a:spcAft>
+              <a:buFont typeface="Arial" panose="020B0604020202020204" pitchFamily="34" charset="0"/>
+              <a:buChar char="•"/>
+              <a:defRPr lang="en-US" sz="1200" kern="1200" smtClean="0">
+                <a:solidFill>
+                  <a:schemeClr val="tx1">
+                    <a:lumMod val="75000"/>
+                    <a:lumOff val="25000"/>
+                  </a:schemeClr>
+                </a:solidFill>
+                <a:latin typeface="+mn-lt"/>
+                <a:ea typeface="+mn-ea"/>
+                <a:cs typeface="+mn-cs"/>
+              </a:defRPr>
+            </a:lvl4pPr>
+            <a:lvl5pPr marL="2057400" indent="-228600" algn="l" defTabSz="914400" rtl="0" eaLnBrk="1" latinLnBrk="0" hangingPunct="1">
+              <a:lnSpc>
+                <a:spcPts val="1800"/>
+              </a:lnSpc>
+              <a:spcBef>
+                <a:spcPts val="1000"/>
+              </a:spcBef>
+              <a:spcAft>
+                <a:spcPts val="1000"/>
+              </a:spcAft>
+              <a:buFont typeface="Arial" panose="020B0604020202020204" pitchFamily="34" charset="0"/>
+              <a:buChar char="•"/>
+              <a:defRPr lang="en-US" sz="1200" kern="1200">
+                <a:solidFill>
+                  <a:schemeClr val="tx1">
+                    <a:lumMod val="75000"/>
+                    <a:lumOff val="25000"/>
+                  </a:schemeClr>
+                </a:solidFill>
+                <a:latin typeface="+mn-lt"/>
+                <a:ea typeface="+mn-ea"/>
+                <a:cs typeface="+mn-cs"/>
+              </a:defRPr>
+            </a:lvl5pPr>
+            <a:lvl6pPr marL="2514600" indent="-228600" algn="l" defTabSz="914400" rtl="0" eaLnBrk="1" latinLnBrk="0" hangingPunct="1">
+              <a:lnSpc>
+                <a:spcPct val="90000"/>
+              </a:lnSpc>
+              <a:spcBef>
+                <a:spcPct val="30000"/>
+              </a:spcBef>
+              <a:buFont typeface="Arial" panose="020B0604020202020204" pitchFamily="34" charset="0"/>
+              <a:buChar char="•"/>
+              <a:defRPr sz="1800" kern="1200">
+                <a:solidFill>
+                  <a:schemeClr val="tx1"/>
+                </a:solidFill>
+                <a:latin typeface="+mn-lt"/>
+                <a:ea typeface="+mn-ea"/>
+                <a:cs typeface="+mn-cs"/>
+              </a:defRPr>
+            </a:lvl6pPr>
+            <a:lvl7pPr marL="2971800" indent="-228600" algn="l" defTabSz="914400" rtl="0" eaLnBrk="1" latinLnBrk="0" hangingPunct="1">
+              <a:lnSpc>
+                <a:spcPct val="90000"/>
+              </a:lnSpc>
+              <a:spcBef>
+                <a:spcPct val="30000"/>
+              </a:spcBef>
+              <a:buFont typeface="Arial" panose="020B0604020202020204" pitchFamily="34" charset="0"/>
+              <a:buChar char="•"/>
+              <a:defRPr sz="1800" kern="1200">
+                <a:solidFill>
+                  <a:schemeClr val="tx1"/>
+                </a:solidFill>
+                <a:latin typeface="+mn-lt"/>
+                <a:ea typeface="+mn-ea"/>
+                <a:cs typeface="+mn-cs"/>
+              </a:defRPr>
+            </a:lvl7pPr>
+            <a:lvl8pPr marL="3429000" indent="-228600" algn="l" defTabSz="914400" rtl="0" eaLnBrk="1" latinLnBrk="0" hangingPunct="1">
+              <a:lnSpc>
+                <a:spcPct val="90000"/>
+              </a:lnSpc>
+              <a:spcBef>
+                <a:spcPct val="30000"/>
+              </a:spcBef>
+              <a:buFont typeface="Arial" panose="020B0604020202020204" pitchFamily="34" charset="0"/>
+              <a:buChar char="•"/>
+              <a:defRPr sz="1800" kern="1200">
+                <a:solidFill>
+                  <a:schemeClr val="tx1"/>
+                </a:solidFill>
+                <a:latin typeface="+mn-lt"/>
+                <a:ea typeface="+mn-ea"/>
+                <a:cs typeface="+mn-cs"/>
+              </a:defRPr>
+            </a:lvl8pPr>
+            <a:lvl9pPr marL="3886200" indent="-228600" algn="l" defTabSz="914400" rtl="0" eaLnBrk="1" latinLnBrk="0" hangingPunct="1">
+              <a:lnSpc>
+                <a:spcPct val="90000"/>
+              </a:lnSpc>
+              <a:spcBef>
+                <a:spcPct val="30000"/>
+              </a:spcBef>
+              <a:buFont typeface="Arial" panose="020B0604020202020204" pitchFamily="34" charset="0"/>
+              <a:buChar char="•"/>
+              <a:defRPr sz="1800" kern="1200">
+                <a:solidFill>
+                  <a:schemeClr val="tx1"/>
+                </a:solidFill>
+                <a:latin typeface="+mn-lt"/>
+                <a:ea typeface="+mn-ea"/>
+                <a:cs typeface="+mn-cs"/>
+              </a:defRPr>
+            </a:lvl9pPr>
+          </a:lstStyle>
+          <a:p>
+            <a:pPr marL="0" indent="0">
+              <a:spcAft>
+                <a:spcPts val="2000"/>
+              </a:spcAft>
+              <a:buNone/>
+            </a:pPr>
+            <a:endParaRPr lang="en-US" sz="1800" dirty="0">
+              <a:latin typeface="Segoe UI" panose="020B0502040204020203" pitchFamily="34" charset="0"/>
+              <a:cs typeface="Segoe UI" panose="020B0502040204020203" pitchFamily="34" charset="0"/>
+            </a:endParaRPr>
+          </a:p>
+        </p:txBody>
+      </p:sp>
+      <p:sp>
+        <p:nvSpPr>
+          <p:cNvPr id="8" name="TextBox 7">
+            <a:extLst>
+              <a:ext uri="{FF2B5EF4-FFF2-40B4-BE49-F238E27FC236}">
+                <a16:creationId xmlns:a16="http://schemas.microsoft.com/office/drawing/2014/main" id="{D4329088-EA16-420B-B145-A30265C6D3B4}"/>
+              </a:ext>
+            </a:extLst>
+          </p:cNvPr>
+          <p:cNvSpPr txBox="1"/>
+          <p:nvPr/>
+        </p:nvSpPr>
+        <p:spPr>
+          <a:xfrm>
+            <a:off x="541608" y="1691065"/>
+            <a:ext cx="10971964" cy="5370701"/>
+          </a:xfrm>
+          <a:prstGeom prst="rect">
+            <a:avLst/>
+          </a:prstGeom>
+          <a:noFill/>
+        </p:spPr>
+        <p:txBody>
+          <a:bodyPr wrap="square">
+            <a:spAutoFit/>
+          </a:bodyPr>
+          <a:lstStyle/>
+          <a:p>
+            <a:pPr marL="914400" lvl="1" indent="-457200">
+              <a:buFont typeface="Arial" panose="020B0604020202020204" pitchFamily="34" charset="0"/>
+              <a:buChar char="•"/>
+            </a:pPr>
+            <a:endParaRPr lang="en-GB" sz="1100" dirty="0">
+              <a:solidFill>
+                <a:schemeClr val="bg2">
+                  <a:lumMod val="25000"/>
+                </a:schemeClr>
+              </a:solidFill>
+              <a:latin typeface="Segoe UI Light" panose="020B0502040204020203" pitchFamily="34" charset="0"/>
+              <a:cs typeface="Segoe UI Light" panose="020B0502040204020203" pitchFamily="34" charset="0"/>
+            </a:endParaRPr>
+          </a:p>
+          <a:p>
+            <a:pPr marL="914400" lvl="1" indent="-457200">
+              <a:buFont typeface="Arial" panose="020B0604020202020204" pitchFamily="34" charset="0"/>
+              <a:buChar char="•"/>
+            </a:pPr>
+            <a:r>
+              <a:rPr lang="en-GB" sz="3200" dirty="0">
+                <a:solidFill>
+                  <a:schemeClr val="bg2">
+                    <a:lumMod val="25000"/>
+                  </a:schemeClr>
+                </a:solidFill>
+                <a:latin typeface="Segoe UI Light" panose="020B0502040204020203" pitchFamily="34" charset="0"/>
+                <a:cs typeface="Segoe UI Light" panose="020B0502040204020203" pitchFamily="34" charset="0"/>
+              </a:rPr>
+              <a:t>Angular: https://angular.io/guide/elements</a:t>
+            </a:r>
+          </a:p>
+          <a:p>
+            <a:pPr marL="914400" lvl="1" indent="-457200">
+              <a:buFont typeface="Arial" panose="020B0604020202020204" pitchFamily="34" charset="0"/>
+              <a:buChar char="•"/>
+            </a:pPr>
+            <a:r>
+              <a:rPr lang="en-GB" sz="3200" dirty="0">
+                <a:solidFill>
+                  <a:schemeClr val="bg2">
+                    <a:lumMod val="25000"/>
+                  </a:schemeClr>
+                </a:solidFill>
+                <a:latin typeface="Segoe UI Light" panose="020B0502040204020203" pitchFamily="34" charset="0"/>
+                <a:cs typeface="Segoe UI Light" panose="020B0502040204020203" pitchFamily="34" charset="0"/>
+              </a:rPr>
+              <a:t>Vue: https://www.npmjs.com/package/vue-custom-element</a:t>
+            </a:r>
+          </a:p>
+          <a:p>
+            <a:pPr marL="914400" lvl="1" indent="-457200">
+              <a:buFont typeface="Arial" panose="020B0604020202020204" pitchFamily="34" charset="0"/>
+              <a:buChar char="•"/>
+            </a:pPr>
+            <a:r>
+              <a:rPr lang="en-GB" sz="3200" dirty="0">
+                <a:solidFill>
+                  <a:schemeClr val="bg2">
+                    <a:lumMod val="25000"/>
+                  </a:schemeClr>
+                </a:solidFill>
+                <a:latin typeface="Segoe UI Light" panose="020B0502040204020203" pitchFamily="34" charset="0"/>
+                <a:cs typeface="Segoe UI Light" panose="020B0502040204020203" pitchFamily="34" charset="0"/>
+              </a:rPr>
+              <a:t>Vue: https://github.com/karol-f/vue-custom-element#demo</a:t>
+            </a:r>
+          </a:p>
+          <a:p>
+            <a:pPr marL="914400" lvl="1" indent="-457200">
+              <a:buFont typeface="Arial" panose="020B0604020202020204" pitchFamily="34" charset="0"/>
+              <a:buChar char="•"/>
+            </a:pPr>
+            <a:r>
+              <a:rPr lang="en-GB" sz="3200" dirty="0">
+                <a:solidFill>
+                  <a:schemeClr val="bg2">
+                    <a:lumMod val="25000"/>
+                  </a:schemeClr>
+                </a:solidFill>
+                <a:latin typeface="Segoe UI Light" panose="020B0502040204020203" pitchFamily="34" charset="0"/>
+                <a:cs typeface="Segoe UI Light" panose="020B0502040204020203" pitchFamily="34" charset="0"/>
+              </a:rPr>
+              <a:t>React: https://github.com/LukasBombach/react-web-component</a:t>
+            </a:r>
+          </a:p>
+          <a:p>
+            <a:pPr marL="914400" lvl="1" indent="-457200">
+              <a:buFont typeface="Arial" panose="020B0604020202020204" pitchFamily="34" charset="0"/>
+              <a:buChar char="•"/>
+            </a:pPr>
+            <a:r>
+              <a:rPr lang="en-GB" sz="3200" i="1" dirty="0">
+                <a:solidFill>
+                  <a:schemeClr val="bg2">
+                    <a:lumMod val="25000"/>
+                  </a:schemeClr>
+                </a:solidFill>
+                <a:latin typeface="Segoe UI Light" panose="020B0502040204020203" pitchFamily="34" charset="0"/>
+                <a:cs typeface="Segoe UI Light" panose="020B0502040204020203" pitchFamily="34" charset="0"/>
+              </a:rPr>
+              <a:t>Many others: https://webcomponents.dev/</a:t>
+            </a:r>
+          </a:p>
+          <a:p>
+            <a:pPr marL="457200" lvl="1" indent="0">
+              <a:buNone/>
+            </a:pPr>
+            <a:endParaRPr lang="en-GB" sz="3800" dirty="0">
+              <a:solidFill>
+                <a:schemeClr val="bg2">
+                  <a:lumMod val="25000"/>
+                </a:schemeClr>
+              </a:solidFill>
+              <a:latin typeface="Segoe UI Light" panose="020B0502040204020203" pitchFamily="34" charset="0"/>
+              <a:cs typeface="Segoe UI Light" panose="020B0502040204020203" pitchFamily="34" charset="0"/>
+            </a:endParaRPr>
+          </a:p>
+          <a:p>
+            <a:pPr marL="457200" lvl="1" indent="0">
+              <a:buNone/>
+            </a:pPr>
+            <a:endParaRPr lang="en-GB" sz="3800" dirty="0">
+              <a:solidFill>
+                <a:schemeClr val="bg2">
+                  <a:lumMod val="25000"/>
+                </a:schemeClr>
+              </a:solidFill>
+              <a:latin typeface="Segoe UI Light" panose="020B0502040204020203" pitchFamily="34" charset="0"/>
+              <a:cs typeface="Segoe UI Light" panose="020B0502040204020203" pitchFamily="34" charset="0"/>
+            </a:endParaRPr>
+          </a:p>
+        </p:txBody>
+      </p:sp>
+    </p:spTree>
+    <p:extLst>
+      <p:ext uri="{BB962C8B-B14F-4D97-AF65-F5344CB8AC3E}">
+        <p14:creationId xmlns:p14="http://schemas.microsoft.com/office/powerpoint/2010/main" val="2544231288"/>
+      </p:ext>
+    </p:extLst>
+  </p:cSld>
+  <p:clrMapOvr>
+    <a:masterClrMapping/>
+  </p:clrMapOvr>
+</p:sld>
+</file>
+
+<file path=ppt/slides/slide36.xml><?xml version="1.0" encoding="utf-8"?>
+<p:sld xmlns:a="http://schemas.openxmlformats.org/drawingml/2006/main" xmlns:r="http://schemas.openxmlformats.org/officeDocument/2006/relationships" xmlns:p="http://schemas.openxmlformats.org/presentationml/2006/main">
+  <p:cSld>
+    <p:spTree>
+      <p:nvGrpSpPr>
+        <p:cNvPr id="1" name=""/>
+        <p:cNvGrpSpPr/>
+        <p:nvPr/>
+      </p:nvGrpSpPr>
+      <p:grpSpPr>
+        <a:xfrm>
+          <a:off x="0" y="0"/>
+          <a:ext cx="0" cy="0"/>
+          <a:chOff x="0" y="0"/>
+          <a:chExt cx="0" cy="0"/>
+        </a:xfrm>
+      </p:grpSpPr>
+      <p:sp>
+        <p:nvSpPr>
+          <p:cNvPr id="4" name="Title 3"/>
+          <p:cNvSpPr>
+            <a:spLocks noGrp="1"/>
+          </p:cNvSpPr>
+          <p:nvPr>
+            <p:ph type="title"/>
+          </p:nvPr>
+        </p:nvSpPr>
+        <p:spPr>
+          <a:xfrm>
             <a:off x="541608" y="426301"/>
             <a:ext cx="10293539" cy="749992"/>
           </a:xfrm>
@@ -19652,7 +20976,7 @@
 </p:sld>
 </file>
 
-<file path=ppt/slides/slide35.xml><?xml version="1.0" encoding="utf-8"?>
+<file path=ppt/slides/slide37.xml><?xml version="1.0" encoding="utf-8"?>
 <p:sld xmlns:a="http://schemas.openxmlformats.org/drawingml/2006/main" xmlns:r="http://schemas.openxmlformats.org/officeDocument/2006/relationships" xmlns:p="http://schemas.openxmlformats.org/presentationml/2006/main">
   <p:cSld>
     <p:spTree>
@@ -25593,21 +26917,21 @@
 </file>
 
 <file path=customXml/item2.xml><?xml version="1.0" encoding="utf-8"?>
+<?mso-contentType ?>
+<FormTemplates xmlns="http://schemas.microsoft.com/sharepoint/v3/contenttype/forms">
+  <Display>DocumentLibraryForm</Display>
+  <Edit>DocumentLibraryForm</Edit>
+  <New>DocumentLibraryForm</New>
+</FormTemplates>
+</file>
+
+<file path=customXml/item3.xml><?xml version="1.0" encoding="utf-8"?>
 <p:properties xmlns:p="http://schemas.microsoft.com/office/2006/metadata/properties" xmlns:xsi="http://www.w3.org/2001/XMLSchema-instance" xmlns:pc="http://schemas.microsoft.com/office/infopath/2007/PartnerControls">
   <documentManagement>
     <Status xmlns="71af3243-3dd4-4a8d-8c0d-dd76da1f02a5">Not started</Status>
     <MediaServiceKeyPoints xmlns="71af3243-3dd4-4a8d-8c0d-dd76da1f02a5" xsi:nil="true"/>
   </documentManagement>
 </p:properties>
-</file>
-
-<file path=customXml/item3.xml><?xml version="1.0" encoding="utf-8"?>
-<?mso-contentType ?>
-<FormTemplates xmlns="http://schemas.microsoft.com/sharepoint/v3/contenttype/forms">
-  <Display>DocumentLibraryForm</Display>
-  <Edit>DocumentLibraryForm</Edit>
-  <New>DocumentLibraryForm</New>
-</FormTemplates>
 </file>
 
 <file path=customXml/itemProps1.xml><?xml version="1.0" encoding="utf-8"?>
@@ -25630,6 +26954,14 @@
 </file>
 
 <file path=customXml/itemProps2.xml><?xml version="1.0" encoding="utf-8"?>
+<ds:datastoreItem xmlns:ds="http://schemas.openxmlformats.org/officeDocument/2006/customXml" ds:itemID="{7EE8C63A-4744-4DE4-BB49-0FF0B5375C60}">
+  <ds:schemaRefs>
+    <ds:schemaRef ds:uri="http://schemas.microsoft.com/sharepoint/v3/contenttype/forms"/>
+  </ds:schemaRefs>
+</ds:datastoreItem>
+</file>
+
+<file path=customXml/itemProps3.xml><?xml version="1.0" encoding="utf-8"?>
 <ds:datastoreItem xmlns:ds="http://schemas.openxmlformats.org/officeDocument/2006/customXml" ds:itemID="{950072C5-DDE0-4258-BA7A-4D4B80DFA632}">
   <ds:schemaRefs>
     <ds:schemaRef ds:uri="http://schemas.microsoft.com/office/2006/metadata/properties"/>
@@ -25644,12 +26976,4 @@
     <ds:schemaRef ds:uri="http://purl.org/dc/dcmitype/"/>
   </ds:schemaRefs>
 </ds:datastoreItem>
-</file>
-
-<file path=customXml/itemProps3.xml><?xml version="1.0" encoding="utf-8"?>
-<ds:datastoreItem xmlns:ds="http://schemas.openxmlformats.org/officeDocument/2006/customXml" ds:itemID="{7EE8C63A-4744-4DE4-BB49-0FF0B5375C60}">
-  <ds:schemaRefs>
-    <ds:schemaRef ds:uri="http://schemas.microsoft.com/sharepoint/v3/contenttype/forms"/>
-  </ds:schemaRefs>
-</ds:datastoreItem>
 </file>
--- a/talk.pptx
+++ b/talk.pptx
@@ -19848,7 +19848,7 @@
         </p:nvSpPr>
         <p:spPr>
           <a:xfrm>
-            <a:off x="678427" y="995260"/>
+            <a:off x="610018" y="1102145"/>
             <a:ext cx="10971964" cy="4653710"/>
           </a:xfrm>
           <a:prstGeom prst="rect">
@@ -19892,7 +19892,7 @@
                 <a:latin typeface="Segoe UI Light" panose="020B0502040204020203" pitchFamily="34" charset="0"/>
                 <a:cs typeface="Segoe UI Light" panose="020B0502040204020203" pitchFamily="34" charset="0"/>
               </a:rPr>
-              <a:t>Walkthrough of Web Components:</a:t>
+              <a:t>1 . Walkthrough of Web Components using repo.</a:t>
             </a:r>
           </a:p>
           <a:p>
@@ -19912,7 +19912,7 @@
                 <a:latin typeface="Segoe UI Light" panose="020B0502040204020203" pitchFamily="34" charset="0"/>
                 <a:cs typeface="Segoe UI Light" panose="020B0502040204020203" pitchFamily="34" charset="0"/>
               </a:rPr>
-              <a:t>Business case (1) site:</a:t>
+              <a:t>2. Business case (1) site:</a:t>
             </a:r>
           </a:p>
           <a:p>
@@ -20012,7 +20012,7 @@
                 <a:latin typeface="Segoe UI Light" panose="020B0502040204020203" pitchFamily="34" charset="0"/>
                 <a:cs typeface="Segoe UI Light" panose="020B0502040204020203" pitchFamily="34" charset="0"/>
               </a:rPr>
-              <a:t>Business case (2) site:</a:t>
+              <a:t>3. Business case (2) site:</a:t>
             </a:r>
           </a:p>
           <a:p>
@@ -26917,21 +26917,21 @@
 </file>
 
 <file path=customXml/item2.xml><?xml version="1.0" encoding="utf-8"?>
+<p:properties xmlns:p="http://schemas.microsoft.com/office/2006/metadata/properties" xmlns:xsi="http://www.w3.org/2001/XMLSchema-instance" xmlns:pc="http://schemas.microsoft.com/office/infopath/2007/PartnerControls">
+  <documentManagement>
+    <Status xmlns="71af3243-3dd4-4a8d-8c0d-dd76da1f02a5">Not started</Status>
+    <MediaServiceKeyPoints xmlns="71af3243-3dd4-4a8d-8c0d-dd76da1f02a5" xsi:nil="true"/>
+  </documentManagement>
+</p:properties>
+</file>
+
+<file path=customXml/item3.xml><?xml version="1.0" encoding="utf-8"?>
 <?mso-contentType ?>
 <FormTemplates xmlns="http://schemas.microsoft.com/sharepoint/v3/contenttype/forms">
   <Display>DocumentLibraryForm</Display>
   <Edit>DocumentLibraryForm</Edit>
   <New>DocumentLibraryForm</New>
 </FormTemplates>
-</file>
-
-<file path=customXml/item3.xml><?xml version="1.0" encoding="utf-8"?>
-<p:properties xmlns:p="http://schemas.microsoft.com/office/2006/metadata/properties" xmlns:xsi="http://www.w3.org/2001/XMLSchema-instance" xmlns:pc="http://schemas.microsoft.com/office/infopath/2007/PartnerControls">
-  <documentManagement>
-    <Status xmlns="71af3243-3dd4-4a8d-8c0d-dd76da1f02a5">Not started</Status>
-    <MediaServiceKeyPoints xmlns="71af3243-3dd4-4a8d-8c0d-dd76da1f02a5" xsi:nil="true"/>
-  </documentManagement>
-</p:properties>
 </file>
 
 <file path=customXml/itemProps1.xml><?xml version="1.0" encoding="utf-8"?>
@@ -26954,26 +26954,26 @@
 </file>
 
 <file path=customXml/itemProps2.xml><?xml version="1.0" encoding="utf-8"?>
+<ds:datastoreItem xmlns:ds="http://schemas.openxmlformats.org/officeDocument/2006/customXml" ds:itemID="{950072C5-DDE0-4258-BA7A-4D4B80DFA632}">
+  <ds:schemaRefs>
+    <ds:schemaRef ds:uri="http://purl.org/dc/terms/"/>
+    <ds:schemaRef ds:uri="http://www.w3.org/XML/1998/namespace"/>
+    <ds:schemaRef ds:uri="71af3243-3dd4-4a8d-8c0d-dd76da1f02a5"/>
+    <ds:schemaRef ds:uri="http://schemas.microsoft.com/office/2006/documentManagement/types"/>
+    <ds:schemaRef ds:uri="http://purl.org/dc/elements/1.1/"/>
+    <ds:schemaRef ds:uri="http://schemas.microsoft.com/office/infopath/2007/PartnerControls"/>
+    <ds:schemaRef ds:uri="http://schemas.openxmlformats.org/package/2006/metadata/core-properties"/>
+    <ds:schemaRef ds:uri="16c05727-aa75-4e4a-9b5f-8a80a1165891"/>
+    <ds:schemaRef ds:uri="http://schemas.microsoft.com/office/2006/metadata/properties"/>
+    <ds:schemaRef ds:uri="http://purl.org/dc/dcmitype/"/>
+  </ds:schemaRefs>
+</ds:datastoreItem>
+</file>
+
+<file path=customXml/itemProps3.xml><?xml version="1.0" encoding="utf-8"?>
 <ds:datastoreItem xmlns:ds="http://schemas.openxmlformats.org/officeDocument/2006/customXml" ds:itemID="{7EE8C63A-4744-4DE4-BB49-0FF0B5375C60}">
   <ds:schemaRefs>
     <ds:schemaRef ds:uri="http://schemas.microsoft.com/sharepoint/v3/contenttype/forms"/>
   </ds:schemaRefs>
 </ds:datastoreItem>
-</file>
-
-<file path=customXml/itemProps3.xml><?xml version="1.0" encoding="utf-8"?>
-<ds:datastoreItem xmlns:ds="http://schemas.openxmlformats.org/officeDocument/2006/customXml" ds:itemID="{950072C5-DDE0-4258-BA7A-4D4B80DFA632}">
-  <ds:schemaRefs>
-    <ds:schemaRef ds:uri="http://schemas.microsoft.com/office/2006/metadata/properties"/>
-    <ds:schemaRef ds:uri="http://schemas.microsoft.com/office/2006/documentManagement/types"/>
-    <ds:schemaRef ds:uri="http://purl.org/dc/terms/"/>
-    <ds:schemaRef ds:uri="http://schemas.microsoft.com/office/infopath/2007/PartnerControls"/>
-    <ds:schemaRef ds:uri="http://schemas.openxmlformats.org/package/2006/metadata/core-properties"/>
-    <ds:schemaRef ds:uri="http://purl.org/dc/elements/1.1/"/>
-    <ds:schemaRef ds:uri="16c05727-aa75-4e4a-9b5f-8a80a1165891"/>
-    <ds:schemaRef ds:uri="71af3243-3dd4-4a8d-8c0d-dd76da1f02a5"/>
-    <ds:schemaRef ds:uri="http://www.w3.org/XML/1998/namespace"/>
-    <ds:schemaRef ds:uri="http://purl.org/dc/dcmitype/"/>
-  </ds:schemaRefs>
-</ds:datastoreItem>
 </file>
--- a/talk.pptx
+++ b/talk.pptx
@@ -5245,7 +5245,7 @@
           <a:p>
             <a:r>
               <a:rPr lang="en-GB" dirty="0"/>
-              <a:t>Former careers as accountant SQL Server DBA and Business Information Architect.</a:t>
+              <a:t>Former careers as accountant, SQL Server DBA and Business Information Architect.</a:t>
             </a:r>
           </a:p>
           <a:p>
@@ -5254,7 +5254,7 @@
           <a:p>
             <a:r>
               <a:rPr lang="en-GB" dirty="0"/>
-              <a:t>And a plumber!</a:t>
+              <a:t>And a (proud) plumber!</a:t>
             </a:r>
           </a:p>
         </p:txBody>
@@ -5746,6 +5746,85 @@
   <p:clrMapOvr>
     <a:masterClrMapping/>
   </p:clrMapOvr>
+  <p:timing>
+    <p:tnLst>
+      <p:par>
+        <p:cTn id="1" dur="indefinite" restart="never" nodeType="tmRoot">
+          <p:childTnLst>
+            <p:seq concurrent="1" nextAc="seek">
+              <p:cTn id="2" dur="indefinite" nodeType="mainSeq">
+                <p:childTnLst>
+                  <p:par>
+                    <p:cTn id="3" fill="hold">
+                      <p:stCondLst>
+                        <p:cond delay="indefinite"/>
+                      </p:stCondLst>
+                      <p:childTnLst>
+                        <p:par>
+                          <p:cTn id="4" fill="hold">
+                            <p:stCondLst>
+                              <p:cond delay="0"/>
+                            </p:stCondLst>
+                            <p:childTnLst>
+                              <p:par>
+                                <p:cTn id="5" presetID="1" presetClass="entr" presetSubtype="0" fill="hold" nodeType="clickEffect">
+                                  <p:stCondLst>
+                                    <p:cond delay="0"/>
+                                  </p:stCondLst>
+                                  <p:childTnLst>
+                                    <p:set>
+                                      <p:cBhvr>
+                                        <p:cTn id="6" dur="1" fill="hold">
+                                          <p:stCondLst>
+                                            <p:cond delay="0"/>
+                                          </p:stCondLst>
+                                        </p:cTn>
+                                        <p:tgtEl>
+                                          <p:spTgt spid="3">
+                                            <p:txEl>
+                                              <p:pRg st="4" end="4"/>
+                                            </p:txEl>
+                                          </p:spTgt>
+                                        </p:tgtEl>
+                                        <p:attrNameLst>
+                                          <p:attrName>style.visibility</p:attrName>
+                                        </p:attrNameLst>
+                                      </p:cBhvr>
+                                      <p:to>
+                                        <p:strVal val="visible"/>
+                                      </p:to>
+                                    </p:set>
+                                  </p:childTnLst>
+                                </p:cTn>
+                              </p:par>
+                            </p:childTnLst>
+                          </p:cTn>
+                        </p:par>
+                      </p:childTnLst>
+                    </p:cTn>
+                  </p:par>
+                </p:childTnLst>
+              </p:cTn>
+              <p:prevCondLst>
+                <p:cond evt="onPrev" delay="0">
+                  <p:tgtEl>
+                    <p:sldTgt/>
+                  </p:tgtEl>
+                </p:cond>
+              </p:prevCondLst>
+              <p:nextCondLst>
+                <p:cond evt="onNext" delay="0">
+                  <p:tgtEl>
+                    <p:sldTgt/>
+                  </p:tgtEl>
+                </p:cond>
+              </p:nextCondLst>
+            </p:seq>
+          </p:childTnLst>
+        </p:cTn>
+      </p:par>
+    </p:tnLst>
+  </p:timing>
 </p:sld>
 </file>
 
@@ -6972,7 +7051,7 @@
               <a:rPr lang="en-GB" sz="4400" dirty="0">
                 <a:latin typeface="+mj-lt"/>
               </a:rPr>
-              <a:t>When is an app an micro app?</a:t>
+              <a:t>When is an app a micro app?</a:t>
             </a:r>
           </a:p>
           <a:p>
@@ -6995,14 +7074,11 @@
           </a:p>
           <a:p>
             <a:r>
-              <a:rPr lang="en-GB" sz="4400">
+              <a:rPr lang="en-GB" sz="4400" dirty="0">
                 <a:latin typeface="+mj-lt"/>
               </a:rPr>
               <a:t>Context…?</a:t>
             </a:r>
-            <a:endParaRPr lang="en-GB" sz="4400" dirty="0">
-              <a:latin typeface="+mj-lt"/>
-            </a:endParaRPr>
           </a:p>
         </p:txBody>
       </p:sp>
@@ -7401,6 +7477,52 @@
               </a:rPr>
               <a:t>Single-Purpose, connecting through APIs over HTTPS = MICRO SERVICE</a:t>
             </a:r>
+          </a:p>
+        </p:txBody>
+      </p:sp>
+      <p:sp>
+        <p:nvSpPr>
+          <p:cNvPr id="6" name="Rectangle 5">
+            <a:extLst>
+              <a:ext uri="{FF2B5EF4-FFF2-40B4-BE49-F238E27FC236}">
+                <a16:creationId xmlns:a16="http://schemas.microsoft.com/office/drawing/2014/main" id="{87A299A0-25E0-4FD0-9BD5-9DCBC9085506}"/>
+              </a:ext>
+            </a:extLst>
+          </p:cNvPr>
+          <p:cNvSpPr/>
+          <p:nvPr/>
+        </p:nvSpPr>
+        <p:spPr>
+          <a:xfrm>
+            <a:off x="8485239" y="1376516"/>
+            <a:ext cx="3706761" cy="3667432"/>
+          </a:xfrm>
+          <a:prstGeom prst="rect">
+            <a:avLst/>
+          </a:prstGeom>
+        </p:spPr>
+        <p:style>
+          <a:lnRef idx="2">
+            <a:schemeClr val="accent1">
+              <a:shade val="50000"/>
+            </a:schemeClr>
+          </a:lnRef>
+          <a:fillRef idx="1">
+            <a:schemeClr val="accent1"/>
+          </a:fillRef>
+          <a:effectRef idx="0">
+            <a:schemeClr val="accent1"/>
+          </a:effectRef>
+          <a:fontRef idx="minor">
+            <a:schemeClr val="lt1"/>
+          </a:fontRef>
+        </p:style>
+        <p:txBody>
+          <a:bodyPr rtlCol="0" anchor="ctr"/>
+          <a:lstStyle/>
+          <a:p>
+            <a:pPr algn="ctr"/>
+            <a:endParaRPr lang="en-GB"/>
           </a:p>
         </p:txBody>
       </p:sp>
@@ -19883,7 +20005,7 @@
               <a:buNone/>
             </a:pPr>
             <a:r>
-              <a:rPr lang="en-GB" sz="2800" dirty="0">
+              <a:rPr lang="en-GB" sz="2800" b="1" dirty="0">
                 <a:solidFill>
                   <a:schemeClr val="bg2">
                     <a:lumMod val="25000"/>
@@ -26917,21 +27039,21 @@
 </file>
 
 <file path=customXml/item2.xml><?xml version="1.0" encoding="utf-8"?>
+<?mso-contentType ?>
+<FormTemplates xmlns="http://schemas.microsoft.com/sharepoint/v3/contenttype/forms">
+  <Display>DocumentLibraryForm</Display>
+  <Edit>DocumentLibraryForm</Edit>
+  <New>DocumentLibraryForm</New>
+</FormTemplates>
+</file>
+
+<file path=customXml/item3.xml><?xml version="1.0" encoding="utf-8"?>
 <p:properties xmlns:p="http://schemas.microsoft.com/office/2006/metadata/properties" xmlns:xsi="http://www.w3.org/2001/XMLSchema-instance" xmlns:pc="http://schemas.microsoft.com/office/infopath/2007/PartnerControls">
   <documentManagement>
     <Status xmlns="71af3243-3dd4-4a8d-8c0d-dd76da1f02a5">Not started</Status>
     <MediaServiceKeyPoints xmlns="71af3243-3dd4-4a8d-8c0d-dd76da1f02a5" xsi:nil="true"/>
   </documentManagement>
 </p:properties>
-</file>
-
-<file path=customXml/item3.xml><?xml version="1.0" encoding="utf-8"?>
-<?mso-contentType ?>
-<FormTemplates xmlns="http://schemas.microsoft.com/sharepoint/v3/contenttype/forms">
-  <Display>DocumentLibraryForm</Display>
-  <Edit>DocumentLibraryForm</Edit>
-  <New>DocumentLibraryForm</New>
-</FormTemplates>
 </file>
 
 <file path=customXml/itemProps1.xml><?xml version="1.0" encoding="utf-8"?>
@@ -26954,6 +27076,14 @@
 </file>
 
 <file path=customXml/itemProps2.xml><?xml version="1.0" encoding="utf-8"?>
+<ds:datastoreItem xmlns:ds="http://schemas.openxmlformats.org/officeDocument/2006/customXml" ds:itemID="{7EE8C63A-4744-4DE4-BB49-0FF0B5375C60}">
+  <ds:schemaRefs>
+    <ds:schemaRef ds:uri="http://schemas.microsoft.com/sharepoint/v3/contenttype/forms"/>
+  </ds:schemaRefs>
+</ds:datastoreItem>
+</file>
+
+<file path=customXml/itemProps3.xml><?xml version="1.0" encoding="utf-8"?>
 <ds:datastoreItem xmlns:ds="http://schemas.openxmlformats.org/officeDocument/2006/customXml" ds:itemID="{950072C5-DDE0-4258-BA7A-4D4B80DFA632}">
   <ds:schemaRefs>
     <ds:schemaRef ds:uri="http://purl.org/dc/terms/"/>
@@ -26968,12 +27098,4 @@
     <ds:schemaRef ds:uri="http://purl.org/dc/dcmitype/"/>
   </ds:schemaRefs>
 </ds:datastoreItem>
-</file>
-
-<file path=customXml/itemProps3.xml><?xml version="1.0" encoding="utf-8"?>
-<ds:datastoreItem xmlns:ds="http://schemas.openxmlformats.org/officeDocument/2006/customXml" ds:itemID="{7EE8C63A-4744-4DE4-BB49-0FF0B5375C60}">
-  <ds:schemaRefs>
-    <ds:schemaRef ds:uri="http://schemas.microsoft.com/sharepoint/v3/contenttype/forms"/>
-  </ds:schemaRefs>
-</ds:datastoreItem>
 </file>
--- a/talk.pptx
+++ b/talk.pptx
@@ -2957,7 +2957,7 @@
         <p:spPr>
           <a:xfrm>
             <a:off x="541609" y="1028771"/>
-            <a:ext cx="10356444" cy="4987797"/>
+            <a:ext cx="10356444" cy="5267526"/>
           </a:xfrm>
           <a:prstGeom prst="rect">
             <a:avLst/>
@@ -3317,10 +3317,18 @@
               <a:buNone/>
               <a:defRPr/>
             </a:pPr>
-            <a:endParaRPr lang="en-US" sz="2000" dirty="0">
-              <a:latin typeface="Segoe UI" panose="020B0502040204020203" pitchFamily="34" charset="0"/>
-              <a:cs typeface="Segoe UI" panose="020B0502040204020203" pitchFamily="34" charset="0"/>
-            </a:endParaRPr>
+            <a:r>
+              <a:rPr lang="en-US" sz="2800" i="1" dirty="0">
+                <a:solidFill>
+                  <a:schemeClr val="accent6">
+                    <a:lumMod val="75000"/>
+                  </a:schemeClr>
+                </a:solidFill>
+                <a:latin typeface="Segoe UI" panose="020B0502040204020203" pitchFamily="34" charset="0"/>
+                <a:cs typeface="Segoe UI" panose="020B0502040204020203" pitchFamily="34" charset="0"/>
+              </a:rPr>
+              <a:t>Feel free to ask questions in chat as we go along…</a:t>
+            </a:r>
           </a:p>
           <a:p>
             <a:pPr marL="457200" lvl="1" indent="0" algn="ctr">
@@ -27039,21 +27047,21 @@
 </file>
 
 <file path=customXml/item2.xml><?xml version="1.0" encoding="utf-8"?>
+<p:properties xmlns:p="http://schemas.microsoft.com/office/2006/metadata/properties" xmlns:xsi="http://www.w3.org/2001/XMLSchema-instance" xmlns:pc="http://schemas.microsoft.com/office/infopath/2007/PartnerControls">
+  <documentManagement>
+    <Status xmlns="71af3243-3dd4-4a8d-8c0d-dd76da1f02a5">Not started</Status>
+    <MediaServiceKeyPoints xmlns="71af3243-3dd4-4a8d-8c0d-dd76da1f02a5" xsi:nil="true"/>
+  </documentManagement>
+</p:properties>
+</file>
+
+<file path=customXml/item3.xml><?xml version="1.0" encoding="utf-8"?>
 <?mso-contentType ?>
 <FormTemplates xmlns="http://schemas.microsoft.com/sharepoint/v3/contenttype/forms">
   <Display>DocumentLibraryForm</Display>
   <Edit>DocumentLibraryForm</Edit>
   <New>DocumentLibraryForm</New>
 </FormTemplates>
-</file>
-
-<file path=customXml/item3.xml><?xml version="1.0" encoding="utf-8"?>
-<p:properties xmlns:p="http://schemas.microsoft.com/office/2006/metadata/properties" xmlns:xsi="http://www.w3.org/2001/XMLSchema-instance" xmlns:pc="http://schemas.microsoft.com/office/infopath/2007/PartnerControls">
-  <documentManagement>
-    <Status xmlns="71af3243-3dd4-4a8d-8c0d-dd76da1f02a5">Not started</Status>
-    <MediaServiceKeyPoints xmlns="71af3243-3dd4-4a8d-8c0d-dd76da1f02a5" xsi:nil="true"/>
-  </documentManagement>
-</p:properties>
 </file>
 
 <file path=customXml/itemProps1.xml><?xml version="1.0" encoding="utf-8"?>
@@ -27076,14 +27084,6 @@
 </file>
 
 <file path=customXml/itemProps2.xml><?xml version="1.0" encoding="utf-8"?>
-<ds:datastoreItem xmlns:ds="http://schemas.openxmlformats.org/officeDocument/2006/customXml" ds:itemID="{7EE8C63A-4744-4DE4-BB49-0FF0B5375C60}">
-  <ds:schemaRefs>
-    <ds:schemaRef ds:uri="http://schemas.microsoft.com/sharepoint/v3/contenttype/forms"/>
-  </ds:schemaRefs>
-</ds:datastoreItem>
-</file>
-
-<file path=customXml/itemProps3.xml><?xml version="1.0" encoding="utf-8"?>
 <ds:datastoreItem xmlns:ds="http://schemas.openxmlformats.org/officeDocument/2006/customXml" ds:itemID="{950072C5-DDE0-4258-BA7A-4D4B80DFA632}">
   <ds:schemaRefs>
     <ds:schemaRef ds:uri="http://purl.org/dc/terms/"/>
@@ -27098,4 +27098,12 @@
     <ds:schemaRef ds:uri="http://purl.org/dc/dcmitype/"/>
   </ds:schemaRefs>
 </ds:datastoreItem>
+</file>
+
+<file path=customXml/itemProps3.xml><?xml version="1.0" encoding="utf-8"?>
+<ds:datastoreItem xmlns:ds="http://schemas.openxmlformats.org/officeDocument/2006/customXml" ds:itemID="{7EE8C63A-4744-4DE4-BB49-0FF0B5375C60}">
+  <ds:schemaRefs>
+    <ds:schemaRef ds:uri="http://schemas.microsoft.com/sharepoint/v3/contenttype/forms"/>
+  </ds:schemaRefs>
+</ds:datastoreItem>
 </file>